--- a/pres_deck.pptx
+++ b/pres_deck.pptx
@@ -6,6 +6,12 @@
   </p:sldMasterIdLst>
   <p:sldIdLst>
     <p:sldId id="256" r:id="rId2"/>
+    <p:sldId id="257" r:id="rId3"/>
+    <p:sldId id="258" r:id="rId4"/>
+    <p:sldId id="259" r:id="rId5"/>
+    <p:sldId id="260" r:id="rId6"/>
+    <p:sldId id="262" r:id="rId7"/>
+    <p:sldId id="261" r:id="rId8"/>
   </p:sldIdLst>
   <p:sldSz cx="12192000" cy="6858000"/>
   <p:notesSz cx="6858000" cy="9144000"/>
@@ -104,6 +110,11 @@
       </a:defRPr>
     </a:lvl9pPr>
   </p:defaultTextStyle>
+  <p:extLst>
+    <p:ext uri="{EFAFB233-063F-42B5-8137-9DF3F51BA10A}">
+      <p15:sldGuideLst xmlns:p15="http://schemas.microsoft.com/office/powerpoint/2012/main"/>
+    </p:ext>
+  </p:extLst>
 </p:presentation>
 </file>
 
@@ -254,7 +265,7 @@
           <a:p>
             <a:fld id="{6A2BB79C-6BB1-4438-8F46-9EDF1954807C}" type="datetimeFigureOut">
               <a:rPr lang="en-US" smtClean="0"/>
-              <a:t>8/31/2018</a:t>
+              <a:t>9/12/2018</a:t>
             </a:fld>
             <a:endParaRPr lang="en-US"/>
           </a:p>
@@ -452,7 +463,7 @@
           <a:p>
             <a:fld id="{6A2BB79C-6BB1-4438-8F46-9EDF1954807C}" type="datetimeFigureOut">
               <a:rPr lang="en-US" smtClean="0"/>
-              <a:t>8/31/2018</a:t>
+              <a:t>9/12/2018</a:t>
             </a:fld>
             <a:endParaRPr lang="en-US"/>
           </a:p>
@@ -660,7 +671,7 @@
           <a:p>
             <a:fld id="{6A2BB79C-6BB1-4438-8F46-9EDF1954807C}" type="datetimeFigureOut">
               <a:rPr lang="en-US" smtClean="0"/>
-              <a:t>8/31/2018</a:t>
+              <a:t>9/12/2018</a:t>
             </a:fld>
             <a:endParaRPr lang="en-US"/>
           </a:p>
@@ -858,7 +869,7 @@
           <a:p>
             <a:fld id="{6A2BB79C-6BB1-4438-8F46-9EDF1954807C}" type="datetimeFigureOut">
               <a:rPr lang="en-US" smtClean="0"/>
-              <a:t>8/31/2018</a:t>
+              <a:t>9/12/2018</a:t>
             </a:fld>
             <a:endParaRPr lang="en-US"/>
           </a:p>
@@ -1133,7 +1144,7 @@
           <a:p>
             <a:fld id="{6A2BB79C-6BB1-4438-8F46-9EDF1954807C}" type="datetimeFigureOut">
               <a:rPr lang="en-US" smtClean="0"/>
-              <a:t>8/31/2018</a:t>
+              <a:t>9/12/2018</a:t>
             </a:fld>
             <a:endParaRPr lang="en-US"/>
           </a:p>
@@ -1398,7 +1409,7 @@
           <a:p>
             <a:fld id="{6A2BB79C-6BB1-4438-8F46-9EDF1954807C}" type="datetimeFigureOut">
               <a:rPr lang="en-US" smtClean="0"/>
-              <a:t>8/31/2018</a:t>
+              <a:t>9/12/2018</a:t>
             </a:fld>
             <a:endParaRPr lang="en-US"/>
           </a:p>
@@ -1810,7 +1821,7 @@
           <a:p>
             <a:fld id="{6A2BB79C-6BB1-4438-8F46-9EDF1954807C}" type="datetimeFigureOut">
               <a:rPr lang="en-US" smtClean="0"/>
-              <a:t>8/31/2018</a:t>
+              <a:t>9/12/2018</a:t>
             </a:fld>
             <a:endParaRPr lang="en-US"/>
           </a:p>
@@ -1951,7 +1962,7 @@
           <a:p>
             <a:fld id="{6A2BB79C-6BB1-4438-8F46-9EDF1954807C}" type="datetimeFigureOut">
               <a:rPr lang="en-US" smtClean="0"/>
-              <a:t>8/31/2018</a:t>
+              <a:t>9/12/2018</a:t>
             </a:fld>
             <a:endParaRPr lang="en-US"/>
           </a:p>
@@ -2064,7 +2075,7 @@
           <a:p>
             <a:fld id="{6A2BB79C-6BB1-4438-8F46-9EDF1954807C}" type="datetimeFigureOut">
               <a:rPr lang="en-US" smtClean="0"/>
-              <a:t>8/31/2018</a:t>
+              <a:t>9/12/2018</a:t>
             </a:fld>
             <a:endParaRPr lang="en-US"/>
           </a:p>
@@ -2375,7 +2386,7 @@
           <a:p>
             <a:fld id="{6A2BB79C-6BB1-4438-8F46-9EDF1954807C}" type="datetimeFigureOut">
               <a:rPr lang="en-US" smtClean="0"/>
-              <a:t>8/31/2018</a:t>
+              <a:t>9/12/2018</a:t>
             </a:fld>
             <a:endParaRPr lang="en-US"/>
           </a:p>
@@ -2663,7 +2674,7 @@
           <a:p>
             <a:fld id="{6A2BB79C-6BB1-4438-8F46-9EDF1954807C}" type="datetimeFigureOut">
               <a:rPr lang="en-US" smtClean="0"/>
-              <a:t>8/31/2018</a:t>
+              <a:t>9/12/2018</a:t>
             </a:fld>
             <a:endParaRPr lang="en-US"/>
           </a:p>
@@ -2904,7 +2915,7 @@
           <a:p>
             <a:fld id="{6A2BB79C-6BB1-4438-8F46-9EDF1954807C}" type="datetimeFigureOut">
               <a:rPr lang="en-US" smtClean="0"/>
-              <a:t>8/31/2018</a:t>
+              <a:t>9/12/2018</a:t>
             </a:fld>
             <a:endParaRPr lang="en-US"/>
           </a:p>
@@ -3337,12 +3348,37 @@
             <p:ph type="ctrTitle"/>
           </p:nvPr>
         </p:nvSpPr>
-        <p:spPr/>
-        <p:txBody>
-          <a:bodyPr/>
-          <a:lstStyle/>
-          <a:p>
-            <a:endParaRPr lang="en-US"/>
+        <p:spPr>
+          <a:xfrm>
+            <a:off x="914400" y="457200"/>
+            <a:ext cx="10972800" cy="3200400"/>
+          </a:xfrm>
+        </p:spPr>
+        <p:txBody>
+          <a:bodyPr>
+            <a:normAutofit/>
+          </a:bodyPr>
+          <a:lstStyle/>
+          <a:p>
+            <a:pPr algn="l"/>
+            <a:r>
+              <a:rPr lang="en-US" dirty="0"/>
+              <a:t>Coming to a</a:t>
+            </a:r>
+            <a:br>
+              <a:rPr lang="en-US" dirty="0"/>
+            </a:br>
+            <a:r>
+              <a:rPr lang="en-US" dirty="0"/>
+              <a:t>Computing</a:t>
+            </a:r>
+            <a:br>
+              <a:rPr lang="en-US" dirty="0"/>
+            </a:br>
+            <a:r>
+              <a:rPr lang="en-US" dirty="0"/>
+              <a:t>Consensus</a:t>
+            </a:r>
           </a:p>
         </p:txBody>
       </p:sp>
@@ -3362,12 +3398,133 @@
             <p:ph type="subTitle" idx="1"/>
           </p:nvPr>
         </p:nvSpPr>
-        <p:spPr/>
-        <p:txBody>
-          <a:bodyPr/>
-          <a:lstStyle/>
-          <a:p>
-            <a:endParaRPr lang="en-US"/>
+        <p:spPr>
+          <a:xfrm>
+            <a:off x="914400" y="3657599"/>
+            <a:ext cx="10972800" cy="2743200"/>
+          </a:xfrm>
+        </p:spPr>
+        <p:txBody>
+          <a:bodyPr/>
+          <a:lstStyle/>
+          <a:p>
+            <a:pPr algn="l"/>
+            <a:r>
+              <a:rPr lang="en-US" dirty="0">
+                <a:solidFill>
+                  <a:schemeClr val="bg1">
+                    <a:lumMod val="50000"/>
+                  </a:schemeClr>
+                </a:solidFill>
+              </a:rPr>
+              <a:t>Braeden Van Deynze, Christie </a:t>
+            </a:r>
+            <a:r>
+              <a:rPr lang="en-US" dirty="0" err="1">
+                <a:solidFill>
+                  <a:schemeClr val="bg1">
+                    <a:lumMod val="50000"/>
+                  </a:schemeClr>
+                </a:solidFill>
+              </a:rPr>
+              <a:t>Bahlai</a:t>
+            </a:r>
+            <a:r>
+              <a:rPr lang="en-US" dirty="0">
+                <a:solidFill>
+                  <a:schemeClr val="bg1">
+                    <a:lumMod val="50000"/>
+                  </a:schemeClr>
+                </a:solidFill>
+              </a:rPr>
+              <a:t>, Chad </a:t>
+            </a:r>
+            <a:r>
+              <a:rPr lang="en-US" dirty="0" err="1">
+                <a:solidFill>
+                  <a:schemeClr val="bg1">
+                    <a:lumMod val="50000"/>
+                  </a:schemeClr>
+                </a:solidFill>
+              </a:rPr>
+              <a:t>Zirbel</a:t>
+            </a:r>
+            <a:endParaRPr lang="en-US" dirty="0">
+              <a:solidFill>
+                <a:schemeClr val="bg1">
+                  <a:lumMod val="50000"/>
+                </a:schemeClr>
+              </a:solidFill>
+            </a:endParaRPr>
+          </a:p>
+          <a:p>
+            <a:pPr algn="l"/>
+            <a:r>
+              <a:rPr lang="en-US" dirty="0">
+                <a:solidFill>
+                  <a:schemeClr val="bg1">
+                    <a:lumMod val="50000"/>
+                  </a:schemeClr>
+                </a:solidFill>
+              </a:rPr>
+              <a:t>LTER All Scientists’ Meeting 2018</a:t>
+            </a:r>
+          </a:p>
+          <a:p>
+            <a:pPr algn="l"/>
+            <a:r>
+              <a:rPr lang="en-US" dirty="0">
+                <a:solidFill>
+                  <a:schemeClr val="bg1">
+                    <a:lumMod val="50000"/>
+                  </a:schemeClr>
+                </a:solidFill>
+              </a:rPr>
+              <a:t>October 2</a:t>
+            </a:r>
+            <a:r>
+              <a:rPr lang="en-US" baseline="30000" dirty="0">
+                <a:solidFill>
+                  <a:schemeClr val="bg1">
+                    <a:lumMod val="50000"/>
+                  </a:schemeClr>
+                </a:solidFill>
+              </a:rPr>
+              <a:t>nd</a:t>
+            </a:r>
+            <a:r>
+              <a:rPr lang="en-US" dirty="0">
+                <a:solidFill>
+                  <a:schemeClr val="bg1">
+                    <a:lumMod val="50000"/>
+                  </a:schemeClr>
+                </a:solidFill>
+              </a:rPr>
+              <a:t>, 2018</a:t>
+            </a:r>
+          </a:p>
+          <a:p>
+            <a:pPr algn="l"/>
+            <a:r>
+              <a:rPr lang="en-US" dirty="0">
+                <a:solidFill>
+                  <a:schemeClr val="bg1">
+                    <a:lumMod val="50000"/>
+                  </a:schemeClr>
+                </a:solidFill>
+              </a:rPr>
+              <a:t>Pacific Grove, CA</a:t>
+            </a:r>
+          </a:p>
+          <a:p>
+            <a:pPr algn="l"/>
+            <a:endParaRPr lang="en-US" dirty="0">
+              <a:solidFill>
+                <a:schemeClr val="bg1">
+                  <a:lumMod val="50000"/>
+                </a:schemeClr>
+              </a:solidFill>
+            </a:endParaRPr>
           </a:p>
         </p:txBody>
       </p:sp>
@@ -3375,6 +3532,1045 @@
     <p:extLst>
       <p:ext uri="{BB962C8B-B14F-4D97-AF65-F5344CB8AC3E}">
         <p14:creationId xmlns:p14="http://schemas.microsoft.com/office/powerpoint/2010/main" val="2897198287"/>
+      </p:ext>
+    </p:extLst>
+  </p:cSld>
+  <p:clrMapOvr>
+    <a:masterClrMapping/>
+  </p:clrMapOvr>
+</p:sld>
+</file>
+
+<file path=ppt/slides/slide2.xml><?xml version="1.0" encoding="utf-8"?>
+<p:sld xmlns:a="http://schemas.openxmlformats.org/drawingml/2006/main" xmlns:r="http://schemas.openxmlformats.org/officeDocument/2006/relationships" xmlns:p="http://schemas.openxmlformats.org/presentationml/2006/main">
+  <p:cSld>
+    <p:spTree>
+      <p:nvGrpSpPr>
+        <p:cNvPr id="1" name=""/>
+        <p:cNvGrpSpPr/>
+        <p:nvPr/>
+      </p:nvGrpSpPr>
+      <p:grpSpPr>
+        <a:xfrm>
+          <a:off x="0" y="0"/>
+          <a:ext cx="0" cy="0"/>
+          <a:chOff x="0" y="0"/>
+          <a:chExt cx="0" cy="0"/>
+        </a:xfrm>
+      </p:grpSpPr>
+      <p:sp>
+        <p:nvSpPr>
+          <p:cNvPr id="2" name="Title 1">
+            <a:extLst>
+              <a:ext uri="{FF2B5EF4-FFF2-40B4-BE49-F238E27FC236}">
+                <a16:creationId xmlns:a16="http://schemas.microsoft.com/office/drawing/2014/main" id="{FC728CB8-3F1B-454E-96D3-68869D4E7D48}"/>
+              </a:ext>
+            </a:extLst>
+          </p:cNvPr>
+          <p:cNvSpPr>
+            <a:spLocks noGrp="1"/>
+          </p:cNvSpPr>
+          <p:nvPr>
+            <p:ph type="title"/>
+          </p:nvPr>
+        </p:nvSpPr>
+        <p:spPr/>
+        <p:txBody>
+          <a:bodyPr/>
+          <a:lstStyle/>
+          <a:p>
+            <a:r>
+              <a:rPr lang="en-US" dirty="0"/>
+              <a:t>Who We Are</a:t>
+            </a:r>
+          </a:p>
+        </p:txBody>
+      </p:sp>
+      <p:grpSp>
+        <p:nvGrpSpPr>
+          <p:cNvPr id="7" name="Group 6">
+            <a:extLst>
+              <a:ext uri="{FF2B5EF4-FFF2-40B4-BE49-F238E27FC236}">
+                <a16:creationId xmlns:a16="http://schemas.microsoft.com/office/drawing/2014/main" id="{8C951786-5BB8-4E28-B088-FA77705DC431}"/>
+              </a:ext>
+            </a:extLst>
+          </p:cNvPr>
+          <p:cNvGrpSpPr/>
+          <p:nvPr/>
+        </p:nvGrpSpPr>
+        <p:grpSpPr>
+          <a:xfrm>
+            <a:off x="4800600" y="1828800"/>
+            <a:ext cx="2286000" cy="4114800"/>
+            <a:chOff x="5000625" y="1400176"/>
+            <a:chExt cx="2286000" cy="4114800"/>
+          </a:xfrm>
+        </p:grpSpPr>
+        <p:pic>
+          <p:nvPicPr>
+            <p:cNvPr id="1028" name="Picture 4" descr="https://avatars3.githubusercontent.com/u/7469265?s=460&amp;v=4">
+              <a:extLst>
+                <a:ext uri="{FF2B5EF4-FFF2-40B4-BE49-F238E27FC236}">
+                  <a16:creationId xmlns:a16="http://schemas.microsoft.com/office/drawing/2014/main" id="{6C6E998C-285D-49D5-9AC3-F4F886068A19}"/>
+                </a:ext>
+              </a:extLst>
+            </p:cNvPr>
+            <p:cNvPicPr>
+              <a:picLocks noChangeAspect="1" noChangeArrowheads="1"/>
+            </p:cNvPicPr>
+            <p:nvPr/>
+          </p:nvPicPr>
+          <p:blipFill>
+            <a:blip r:embed="rId2">
+              <a:extLst>
+                <a:ext uri="{28A0092B-C50C-407E-A947-70E740481C1C}">
+                  <a14:useLocalDpi xmlns:a14="http://schemas.microsoft.com/office/drawing/2010/main" val="0"/>
+                </a:ext>
+              </a:extLst>
+            </a:blip>
+            <a:srcRect/>
+            <a:stretch>
+              <a:fillRect/>
+            </a:stretch>
+          </p:blipFill>
+          <p:spPr bwMode="auto">
+            <a:xfrm>
+              <a:off x="5000625" y="1400176"/>
+              <a:ext cx="2286000" cy="2286000"/>
+            </a:xfrm>
+            <a:prstGeom prst="rect">
+              <a:avLst/>
+            </a:prstGeom>
+            <a:noFill/>
+            <a:extLst>
+              <a:ext uri="{909E8E84-426E-40DD-AFC4-6F175D3DCCD1}">
+                <a14:hiddenFill xmlns:a14="http://schemas.microsoft.com/office/drawing/2010/main">
+                  <a:solidFill>
+                    <a:srgbClr val="FFFFFF"/>
+                  </a:solidFill>
+                </a14:hiddenFill>
+              </a:ext>
+            </a:extLst>
+          </p:spPr>
+        </p:pic>
+        <p:sp>
+          <p:nvSpPr>
+            <p:cNvPr id="9" name="TextBox 8">
+              <a:extLst>
+                <a:ext uri="{FF2B5EF4-FFF2-40B4-BE49-F238E27FC236}">
+                  <a16:creationId xmlns:a16="http://schemas.microsoft.com/office/drawing/2014/main" id="{E433AD24-DE76-413C-9AD8-2DF076A852D8}"/>
+                </a:ext>
+              </a:extLst>
+            </p:cNvPr>
+            <p:cNvSpPr txBox="1"/>
+            <p:nvPr/>
+          </p:nvSpPr>
+          <p:spPr>
+            <a:xfrm>
+              <a:off x="5000625" y="3686176"/>
+              <a:ext cx="2286000" cy="1828800"/>
+            </a:xfrm>
+            <a:prstGeom prst="rect">
+              <a:avLst/>
+            </a:prstGeom>
+            <a:noFill/>
+            <a:ln>
+              <a:noFill/>
+            </a:ln>
+          </p:spPr>
+          <p:txBody>
+            <a:bodyPr wrap="square" rtlCol="0">
+              <a:noAutofit/>
+            </a:bodyPr>
+            <a:lstStyle/>
+            <a:p>
+              <a:r>
+                <a:rPr lang="en-US" b="1" dirty="0"/>
+                <a:t>Christie </a:t>
+              </a:r>
+              <a:r>
+                <a:rPr lang="en-US" b="1" dirty="0" err="1"/>
+                <a:t>Bahlai</a:t>
+              </a:r>
+              <a:endParaRPr lang="en-US" b="1" dirty="0"/>
+            </a:p>
+            <a:p>
+              <a:r>
+                <a:rPr lang="en-US" dirty="0"/>
+                <a:t>Asst. Professor</a:t>
+              </a:r>
+            </a:p>
+            <a:p>
+              <a:r>
+                <a:rPr lang="en-US" dirty="0"/>
+                <a:t>Kent State</a:t>
+              </a:r>
+            </a:p>
+          </p:txBody>
+        </p:sp>
+      </p:grpSp>
+      <p:grpSp>
+        <p:nvGrpSpPr>
+          <p:cNvPr id="8" name="Group 7">
+            <a:extLst>
+              <a:ext uri="{FF2B5EF4-FFF2-40B4-BE49-F238E27FC236}">
+                <a16:creationId xmlns:a16="http://schemas.microsoft.com/office/drawing/2014/main" id="{BB23CFF0-C441-470C-9270-3371D3A5785F}"/>
+              </a:ext>
+            </a:extLst>
+          </p:cNvPr>
+          <p:cNvGrpSpPr/>
+          <p:nvPr/>
+        </p:nvGrpSpPr>
+        <p:grpSpPr>
+          <a:xfrm>
+            <a:off x="1097280" y="1828800"/>
+            <a:ext cx="2286000" cy="4114800"/>
+            <a:chOff x="1085850" y="1690688"/>
+            <a:chExt cx="2286000" cy="4114800"/>
+          </a:xfrm>
+        </p:grpSpPr>
+        <p:pic>
+          <p:nvPicPr>
+            <p:cNvPr id="1026" name="Picture 2" descr="https://avatars1.githubusercontent.com/u/25036622?s=400&amp;u=8c1ddb69439989307c3b662ea96424dc85e9fd6d&amp;v=4">
+              <a:extLst>
+                <a:ext uri="{FF2B5EF4-FFF2-40B4-BE49-F238E27FC236}">
+                  <a16:creationId xmlns:a16="http://schemas.microsoft.com/office/drawing/2014/main" id="{A9CD0541-F744-4C8D-A98C-B4E978D43A50}"/>
+                </a:ext>
+              </a:extLst>
+            </p:cNvPr>
+            <p:cNvPicPr>
+              <a:picLocks noChangeAspect="1" noChangeArrowheads="1"/>
+            </p:cNvPicPr>
+            <p:nvPr/>
+          </p:nvPicPr>
+          <p:blipFill>
+            <a:blip r:embed="rId3">
+              <a:extLst>
+                <a:ext uri="{28A0092B-C50C-407E-A947-70E740481C1C}">
+                  <a14:useLocalDpi xmlns:a14="http://schemas.microsoft.com/office/drawing/2010/main" val="0"/>
+                </a:ext>
+              </a:extLst>
+            </a:blip>
+            <a:srcRect/>
+            <a:stretch>
+              <a:fillRect/>
+            </a:stretch>
+          </p:blipFill>
+          <p:spPr bwMode="auto">
+            <a:xfrm>
+              <a:off x="1085850" y="1690688"/>
+              <a:ext cx="2286000" cy="2286000"/>
+            </a:xfrm>
+            <a:prstGeom prst="rect">
+              <a:avLst/>
+            </a:prstGeom>
+            <a:noFill/>
+            <a:extLst>
+              <a:ext uri="{909E8E84-426E-40DD-AFC4-6F175D3DCCD1}">
+                <a14:hiddenFill xmlns:a14="http://schemas.microsoft.com/office/drawing/2010/main">
+                  <a:solidFill>
+                    <a:srgbClr val="FFFFFF"/>
+                  </a:solidFill>
+                </a14:hiddenFill>
+              </a:ext>
+            </a:extLst>
+          </p:spPr>
+        </p:pic>
+        <p:sp>
+          <p:nvSpPr>
+            <p:cNvPr id="5" name="TextBox 4">
+              <a:extLst>
+                <a:ext uri="{FF2B5EF4-FFF2-40B4-BE49-F238E27FC236}">
+                  <a16:creationId xmlns:a16="http://schemas.microsoft.com/office/drawing/2014/main" id="{A6FC68F9-42DF-4EE9-B259-3D02C5A156AA}"/>
+                </a:ext>
+              </a:extLst>
+            </p:cNvPr>
+            <p:cNvSpPr txBox="1"/>
+            <p:nvPr/>
+          </p:nvSpPr>
+          <p:spPr>
+            <a:xfrm>
+              <a:off x="1085850" y="3976688"/>
+              <a:ext cx="2286000" cy="1828800"/>
+            </a:xfrm>
+            <a:prstGeom prst="rect">
+              <a:avLst/>
+            </a:prstGeom>
+            <a:noFill/>
+            <a:ln>
+              <a:noFill/>
+            </a:ln>
+          </p:spPr>
+          <p:txBody>
+            <a:bodyPr wrap="square" rtlCol="0">
+              <a:noAutofit/>
+            </a:bodyPr>
+            <a:lstStyle/>
+            <a:p>
+              <a:r>
+                <a:rPr lang="en-US" b="1" dirty="0"/>
+                <a:t>Braeden Van Deynze</a:t>
+              </a:r>
+            </a:p>
+            <a:p>
+              <a:r>
+                <a:rPr lang="en-US" dirty="0"/>
+                <a:t>Grad Student</a:t>
+              </a:r>
+            </a:p>
+            <a:p>
+              <a:r>
+                <a:rPr lang="en-US" dirty="0"/>
+                <a:t>Michigan State</a:t>
+              </a:r>
+            </a:p>
+          </p:txBody>
+        </p:sp>
+      </p:grpSp>
+      <p:grpSp>
+        <p:nvGrpSpPr>
+          <p:cNvPr id="11" name="Group 10">
+            <a:extLst>
+              <a:ext uri="{FF2B5EF4-FFF2-40B4-BE49-F238E27FC236}">
+                <a16:creationId xmlns:a16="http://schemas.microsoft.com/office/drawing/2014/main" id="{4AF0F817-0BFE-4AEF-82F8-5EE27CFE6AAD}"/>
+              </a:ext>
+            </a:extLst>
+          </p:cNvPr>
+          <p:cNvGrpSpPr/>
+          <p:nvPr/>
+        </p:nvGrpSpPr>
+        <p:grpSpPr>
+          <a:xfrm>
+            <a:off x="8595360" y="1828800"/>
+            <a:ext cx="2286000" cy="4114800"/>
+            <a:chOff x="8486535" y="1545432"/>
+            <a:chExt cx="2286000" cy="4114800"/>
+          </a:xfrm>
+        </p:grpSpPr>
+        <p:pic>
+          <p:nvPicPr>
+            <p:cNvPr id="1030" name="Picture 6" descr="https://avatars2.githubusercontent.com/u/25037010?s=460&amp;v=4">
+              <a:extLst>
+                <a:ext uri="{FF2B5EF4-FFF2-40B4-BE49-F238E27FC236}">
+                  <a16:creationId xmlns:a16="http://schemas.microsoft.com/office/drawing/2014/main" id="{08D4249F-FC99-4244-B4B1-B952F32D5832}"/>
+                </a:ext>
+              </a:extLst>
+            </p:cNvPr>
+            <p:cNvPicPr>
+              <a:picLocks noChangeAspect="1" noChangeArrowheads="1"/>
+            </p:cNvPicPr>
+            <p:nvPr/>
+          </p:nvPicPr>
+          <p:blipFill>
+            <a:blip r:embed="rId4">
+              <a:extLst>
+                <a:ext uri="{28A0092B-C50C-407E-A947-70E740481C1C}">
+                  <a14:useLocalDpi xmlns:a14="http://schemas.microsoft.com/office/drawing/2010/main" val="0"/>
+                </a:ext>
+              </a:extLst>
+            </a:blip>
+            <a:srcRect/>
+            <a:stretch>
+              <a:fillRect/>
+            </a:stretch>
+          </p:blipFill>
+          <p:spPr bwMode="auto">
+            <a:xfrm>
+              <a:off x="8486535" y="1545432"/>
+              <a:ext cx="2286000" cy="2286000"/>
+            </a:xfrm>
+            <a:prstGeom prst="rect">
+              <a:avLst/>
+            </a:prstGeom>
+            <a:noFill/>
+            <a:ln>
+              <a:noFill/>
+            </a:ln>
+            <a:extLst>
+              <a:ext uri="{909E8E84-426E-40DD-AFC4-6F175D3DCCD1}">
+                <a14:hiddenFill xmlns:a14="http://schemas.microsoft.com/office/drawing/2010/main">
+                  <a:solidFill>
+                    <a:srgbClr val="FFFFFF"/>
+                  </a:solidFill>
+                </a14:hiddenFill>
+              </a:ext>
+            </a:extLst>
+          </p:spPr>
+        </p:pic>
+        <p:sp>
+          <p:nvSpPr>
+            <p:cNvPr id="10" name="TextBox 9">
+              <a:extLst>
+                <a:ext uri="{FF2B5EF4-FFF2-40B4-BE49-F238E27FC236}">
+                  <a16:creationId xmlns:a16="http://schemas.microsoft.com/office/drawing/2014/main" id="{E91163AB-4C12-4FAA-8126-714BA13F94B9}"/>
+                </a:ext>
+              </a:extLst>
+            </p:cNvPr>
+            <p:cNvSpPr txBox="1"/>
+            <p:nvPr/>
+          </p:nvSpPr>
+          <p:spPr>
+            <a:xfrm>
+              <a:off x="8486535" y="3831432"/>
+              <a:ext cx="2286000" cy="1828800"/>
+            </a:xfrm>
+            <a:prstGeom prst="rect">
+              <a:avLst/>
+            </a:prstGeom>
+            <a:noFill/>
+            <a:ln>
+              <a:noFill/>
+            </a:ln>
+          </p:spPr>
+          <p:txBody>
+            <a:bodyPr wrap="square" rtlCol="0">
+              <a:noAutofit/>
+            </a:bodyPr>
+            <a:lstStyle/>
+            <a:p>
+              <a:r>
+                <a:rPr lang="en-US" b="1" dirty="0"/>
+                <a:t>Chad </a:t>
+              </a:r>
+              <a:r>
+                <a:rPr lang="en-US" b="1" dirty="0" err="1"/>
+                <a:t>Zirbel</a:t>
+              </a:r>
+              <a:endParaRPr lang="en-US" b="1" dirty="0"/>
+            </a:p>
+            <a:p>
+              <a:r>
+                <a:rPr lang="en-US" dirty="0"/>
+                <a:t>Post Doc</a:t>
+              </a:r>
+            </a:p>
+            <a:p>
+              <a:r>
+                <a:rPr lang="en-US" dirty="0"/>
+                <a:t>Minnesota</a:t>
+              </a:r>
+            </a:p>
+          </p:txBody>
+        </p:sp>
+      </p:grpSp>
+    </p:spTree>
+    <p:extLst>
+      <p:ext uri="{BB962C8B-B14F-4D97-AF65-F5344CB8AC3E}">
+        <p14:creationId xmlns:p14="http://schemas.microsoft.com/office/powerpoint/2010/main" val="4054958115"/>
+      </p:ext>
+    </p:extLst>
+  </p:cSld>
+  <p:clrMapOvr>
+    <a:masterClrMapping/>
+  </p:clrMapOvr>
+</p:sld>
+</file>
+
+<file path=ppt/slides/slide3.xml><?xml version="1.0" encoding="utf-8"?>
+<p:sld xmlns:a="http://schemas.openxmlformats.org/drawingml/2006/main" xmlns:r="http://schemas.openxmlformats.org/officeDocument/2006/relationships" xmlns:p="http://schemas.openxmlformats.org/presentationml/2006/main">
+  <p:cSld>
+    <p:spTree>
+      <p:nvGrpSpPr>
+        <p:cNvPr id="1" name=""/>
+        <p:cNvGrpSpPr/>
+        <p:nvPr/>
+      </p:nvGrpSpPr>
+      <p:grpSpPr>
+        <a:xfrm>
+          <a:off x="0" y="0"/>
+          <a:ext cx="0" cy="0"/>
+          <a:chOff x="0" y="0"/>
+          <a:chExt cx="0" cy="0"/>
+        </a:xfrm>
+      </p:grpSpPr>
+      <p:sp>
+        <p:nvSpPr>
+          <p:cNvPr id="2" name="Title 1">
+            <a:extLst>
+              <a:ext uri="{FF2B5EF4-FFF2-40B4-BE49-F238E27FC236}">
+                <a16:creationId xmlns:a16="http://schemas.microsoft.com/office/drawing/2014/main" id="{20C38387-8B78-44FA-9D77-60FF559F0F15}"/>
+              </a:ext>
+            </a:extLst>
+          </p:cNvPr>
+          <p:cNvSpPr>
+            <a:spLocks noGrp="1"/>
+          </p:cNvSpPr>
+          <p:nvPr>
+            <p:ph type="title"/>
+          </p:nvPr>
+        </p:nvSpPr>
+        <p:spPr/>
+        <p:txBody>
+          <a:bodyPr/>
+          <a:lstStyle/>
+          <a:p>
+            <a:r>
+              <a:rPr lang="en-US" dirty="0"/>
+              <a:t>Today’s Outline</a:t>
+            </a:r>
+          </a:p>
+        </p:txBody>
+      </p:sp>
+      <p:sp>
+        <p:nvSpPr>
+          <p:cNvPr id="3" name="Content Placeholder 2">
+            <a:extLst>
+              <a:ext uri="{FF2B5EF4-FFF2-40B4-BE49-F238E27FC236}">
+                <a16:creationId xmlns:a16="http://schemas.microsoft.com/office/drawing/2014/main" id="{240CE714-EFAE-491F-96F2-8E47136EDEC9}"/>
+              </a:ext>
+            </a:extLst>
+          </p:cNvPr>
+          <p:cNvSpPr>
+            <a:spLocks noGrp="1"/>
+          </p:cNvSpPr>
+          <p:nvPr>
+            <p:ph idx="1"/>
+          </p:nvPr>
+        </p:nvSpPr>
+        <p:spPr/>
+        <p:txBody>
+          <a:bodyPr/>
+          <a:lstStyle/>
+          <a:p>
+            <a:pPr marL="514350" indent="-514350">
+              <a:buFont typeface="+mj-lt"/>
+              <a:buAutoNum type="arabicPeriod"/>
+            </a:pPr>
+            <a:r>
+              <a:rPr lang="en-US" dirty="0"/>
+              <a:t>Challenges in Collaboration</a:t>
+            </a:r>
+          </a:p>
+          <a:p>
+            <a:pPr marL="514350" indent="-514350">
+              <a:buFont typeface="+mj-lt"/>
+              <a:buAutoNum type="arabicPeriod"/>
+            </a:pPr>
+            <a:r>
+              <a:rPr lang="en-US" dirty="0"/>
+              <a:t>Web-Based Collaboration Tools</a:t>
+            </a:r>
+          </a:p>
+          <a:p>
+            <a:pPr marL="514350" indent="-514350">
+              <a:buFont typeface="+mj-lt"/>
+              <a:buAutoNum type="arabicPeriod"/>
+            </a:pPr>
+            <a:r>
+              <a:rPr lang="en-US" dirty="0"/>
+              <a:t>Reflect on Past Experiences</a:t>
+            </a:r>
+          </a:p>
+          <a:p>
+            <a:pPr marL="514350" indent="-514350">
+              <a:buFont typeface="+mj-lt"/>
+              <a:buAutoNum type="arabicPeriod"/>
+            </a:pPr>
+            <a:r>
+              <a:rPr lang="en-US" dirty="0"/>
+              <a:t>Develop </a:t>
+            </a:r>
+            <a:r>
+              <a:rPr lang="en-US" i="1" dirty="0"/>
+              <a:t>The N Commandments of Collaborative Computing</a:t>
+            </a:r>
+          </a:p>
+          <a:p>
+            <a:pPr marL="0" indent="0">
+              <a:buNone/>
+            </a:pPr>
+            <a:endParaRPr lang="en-US" dirty="0"/>
+          </a:p>
+          <a:p>
+            <a:pPr marL="914400" indent="-914400">
+              <a:buNone/>
+            </a:pPr>
+            <a:r>
+              <a:rPr lang="en-US" b="1" dirty="0"/>
+              <a:t>Goal:	</a:t>
+            </a:r>
+            <a:r>
+              <a:rPr lang="en-US" dirty="0"/>
+              <a:t>Explore solutions to the challenges of modern, data-intensive collaborative projects over long-distances</a:t>
+            </a:r>
+            <a:endParaRPr lang="en-US" b="1" dirty="0"/>
+          </a:p>
+        </p:txBody>
+      </p:sp>
+    </p:spTree>
+    <p:extLst>
+      <p:ext uri="{BB962C8B-B14F-4D97-AF65-F5344CB8AC3E}">
+        <p14:creationId xmlns:p14="http://schemas.microsoft.com/office/powerpoint/2010/main" val="1924694988"/>
+      </p:ext>
+    </p:extLst>
+  </p:cSld>
+  <p:clrMapOvr>
+    <a:masterClrMapping/>
+  </p:clrMapOvr>
+</p:sld>
+</file>
+
+<file path=ppt/slides/slide4.xml><?xml version="1.0" encoding="utf-8"?>
+<p:sld xmlns:a="http://schemas.openxmlformats.org/drawingml/2006/main" xmlns:r="http://schemas.openxmlformats.org/officeDocument/2006/relationships" xmlns:p="http://schemas.openxmlformats.org/presentationml/2006/main">
+  <p:cSld>
+    <p:spTree>
+      <p:nvGrpSpPr>
+        <p:cNvPr id="1" name=""/>
+        <p:cNvGrpSpPr/>
+        <p:nvPr/>
+      </p:nvGrpSpPr>
+      <p:grpSpPr>
+        <a:xfrm>
+          <a:off x="0" y="0"/>
+          <a:ext cx="0" cy="0"/>
+          <a:chOff x="0" y="0"/>
+          <a:chExt cx="0" cy="0"/>
+        </a:xfrm>
+      </p:grpSpPr>
+      <p:sp>
+        <p:nvSpPr>
+          <p:cNvPr id="2" name="Title 1">
+            <a:extLst>
+              <a:ext uri="{FF2B5EF4-FFF2-40B4-BE49-F238E27FC236}">
+                <a16:creationId xmlns:a16="http://schemas.microsoft.com/office/drawing/2014/main" id="{2F7ECBC6-29E3-4723-A138-2DF125E2576A}"/>
+              </a:ext>
+            </a:extLst>
+          </p:cNvPr>
+          <p:cNvSpPr>
+            <a:spLocks noGrp="1"/>
+          </p:cNvSpPr>
+          <p:nvPr>
+            <p:ph type="title"/>
+          </p:nvPr>
+        </p:nvSpPr>
+        <p:spPr/>
+        <p:txBody>
+          <a:bodyPr/>
+          <a:lstStyle/>
+          <a:p>
+            <a:r>
+              <a:rPr lang="en-US" dirty="0"/>
+              <a:t>Challenges of Collaboration</a:t>
+            </a:r>
+          </a:p>
+        </p:txBody>
+      </p:sp>
+      <p:sp>
+        <p:nvSpPr>
+          <p:cNvPr id="3" name="Content Placeholder 2">
+            <a:extLst>
+              <a:ext uri="{FF2B5EF4-FFF2-40B4-BE49-F238E27FC236}">
+                <a16:creationId xmlns:a16="http://schemas.microsoft.com/office/drawing/2014/main" id="{14EB6FE5-AECE-4700-A24E-2EBD201F91BD}"/>
+              </a:ext>
+            </a:extLst>
+          </p:cNvPr>
+          <p:cNvSpPr>
+            <a:spLocks noGrp="1"/>
+          </p:cNvSpPr>
+          <p:nvPr>
+            <p:ph idx="1"/>
+          </p:nvPr>
+        </p:nvSpPr>
+        <p:spPr/>
+        <p:txBody>
+          <a:bodyPr/>
+          <a:lstStyle/>
+          <a:p>
+            <a:pPr marL="0" indent="0">
+              <a:buNone/>
+            </a:pPr>
+            <a:r>
+              <a:rPr lang="en-US" b="1" i="1" dirty="0"/>
+              <a:t>What conditions are necessary for collaboration?</a:t>
+            </a:r>
+          </a:p>
+          <a:p>
+            <a:pPr marL="0" indent="0">
+              <a:buNone/>
+            </a:pPr>
+            <a:endParaRPr lang="en-US" dirty="0"/>
+          </a:p>
+        </p:txBody>
+      </p:sp>
+    </p:spTree>
+    <p:extLst>
+      <p:ext uri="{BB962C8B-B14F-4D97-AF65-F5344CB8AC3E}">
+        <p14:creationId xmlns:p14="http://schemas.microsoft.com/office/powerpoint/2010/main" val="1584187434"/>
+      </p:ext>
+    </p:extLst>
+  </p:cSld>
+  <p:clrMapOvr>
+    <a:masterClrMapping/>
+  </p:clrMapOvr>
+</p:sld>
+</file>
+
+<file path=ppt/slides/slide5.xml><?xml version="1.0" encoding="utf-8"?>
+<p:sld xmlns:a="http://schemas.openxmlformats.org/drawingml/2006/main" xmlns:r="http://schemas.openxmlformats.org/officeDocument/2006/relationships" xmlns:p="http://schemas.openxmlformats.org/presentationml/2006/main">
+  <p:cSld>
+    <p:spTree>
+      <p:nvGrpSpPr>
+        <p:cNvPr id="1" name=""/>
+        <p:cNvGrpSpPr/>
+        <p:nvPr/>
+      </p:nvGrpSpPr>
+      <p:grpSpPr>
+        <a:xfrm>
+          <a:off x="0" y="0"/>
+          <a:ext cx="0" cy="0"/>
+          <a:chOff x="0" y="0"/>
+          <a:chExt cx="0" cy="0"/>
+        </a:xfrm>
+      </p:grpSpPr>
+      <p:sp>
+        <p:nvSpPr>
+          <p:cNvPr id="2" name="Title 1">
+            <a:extLst>
+              <a:ext uri="{FF2B5EF4-FFF2-40B4-BE49-F238E27FC236}">
+                <a16:creationId xmlns:a16="http://schemas.microsoft.com/office/drawing/2014/main" id="{2F7ECBC6-29E3-4723-A138-2DF125E2576A}"/>
+              </a:ext>
+            </a:extLst>
+          </p:cNvPr>
+          <p:cNvSpPr>
+            <a:spLocks noGrp="1"/>
+          </p:cNvSpPr>
+          <p:nvPr>
+            <p:ph type="title"/>
+          </p:nvPr>
+        </p:nvSpPr>
+        <p:spPr/>
+        <p:txBody>
+          <a:bodyPr/>
+          <a:lstStyle/>
+          <a:p>
+            <a:r>
+              <a:rPr lang="en-US" dirty="0"/>
+              <a:t>Challenges of Collaboration</a:t>
+            </a:r>
+          </a:p>
+        </p:txBody>
+      </p:sp>
+      <p:sp>
+        <p:nvSpPr>
+          <p:cNvPr id="3" name="Content Placeholder 2">
+            <a:extLst>
+              <a:ext uri="{FF2B5EF4-FFF2-40B4-BE49-F238E27FC236}">
+                <a16:creationId xmlns:a16="http://schemas.microsoft.com/office/drawing/2014/main" id="{14EB6FE5-AECE-4700-A24E-2EBD201F91BD}"/>
+              </a:ext>
+            </a:extLst>
+          </p:cNvPr>
+          <p:cNvSpPr>
+            <a:spLocks noGrp="1"/>
+          </p:cNvSpPr>
+          <p:nvPr>
+            <p:ph idx="1"/>
+          </p:nvPr>
+        </p:nvSpPr>
+        <p:spPr/>
+        <p:txBody>
+          <a:bodyPr/>
+          <a:lstStyle/>
+          <a:p>
+            <a:pPr marL="0" indent="0">
+              <a:buNone/>
+            </a:pPr>
+            <a:r>
+              <a:rPr lang="en-US" b="1" i="1" dirty="0"/>
+              <a:t>What conditions are necessary for collaboration?</a:t>
+            </a:r>
+          </a:p>
+          <a:p>
+            <a:pPr marL="514350" indent="-514350">
+              <a:buAutoNum type="arabicPeriod"/>
+            </a:pPr>
+            <a:r>
+              <a:rPr lang="en-US" dirty="0"/>
+              <a:t>Willing participants </a:t>
+            </a:r>
+          </a:p>
+          <a:p>
+            <a:pPr marL="514350" indent="-514350">
+              <a:buAutoNum type="arabicPeriod"/>
+            </a:pPr>
+            <a:r>
+              <a:rPr lang="en-US" dirty="0"/>
+              <a:t>A shared goal</a:t>
+            </a:r>
+          </a:p>
+          <a:p>
+            <a:pPr marL="514350" indent="-514350">
+              <a:buAutoNum type="arabicPeriod"/>
+            </a:pPr>
+            <a:r>
+              <a:rPr lang="en-US" dirty="0"/>
+              <a:t>Communication</a:t>
+            </a:r>
+          </a:p>
+          <a:p>
+            <a:pPr marL="514350" indent="-514350">
+              <a:buAutoNum type="arabicPeriod"/>
+            </a:pPr>
+            <a:r>
+              <a:rPr lang="en-US" dirty="0"/>
+              <a:t>Commitment</a:t>
+            </a:r>
+          </a:p>
+          <a:p>
+            <a:pPr marL="0" indent="0">
+              <a:buNone/>
+            </a:pPr>
+            <a:endParaRPr lang="en-US" dirty="0"/>
+          </a:p>
+        </p:txBody>
+      </p:sp>
+    </p:spTree>
+    <p:extLst>
+      <p:ext uri="{BB962C8B-B14F-4D97-AF65-F5344CB8AC3E}">
+        <p14:creationId xmlns:p14="http://schemas.microsoft.com/office/powerpoint/2010/main" val="293458417"/>
+      </p:ext>
+    </p:extLst>
+  </p:cSld>
+  <p:clrMapOvr>
+    <a:masterClrMapping/>
+  </p:clrMapOvr>
+</p:sld>
+</file>
+
+<file path=ppt/slides/slide6.xml><?xml version="1.0" encoding="utf-8"?>
+<p:sld xmlns:a="http://schemas.openxmlformats.org/drawingml/2006/main" xmlns:r="http://schemas.openxmlformats.org/officeDocument/2006/relationships" xmlns:p="http://schemas.openxmlformats.org/presentationml/2006/main">
+  <p:cSld>
+    <p:spTree>
+      <p:nvGrpSpPr>
+        <p:cNvPr id="1" name=""/>
+        <p:cNvGrpSpPr/>
+        <p:nvPr/>
+      </p:nvGrpSpPr>
+      <p:grpSpPr>
+        <a:xfrm>
+          <a:off x="0" y="0"/>
+          <a:ext cx="0" cy="0"/>
+          <a:chOff x="0" y="0"/>
+          <a:chExt cx="0" cy="0"/>
+        </a:xfrm>
+      </p:grpSpPr>
+      <p:sp>
+        <p:nvSpPr>
+          <p:cNvPr id="2" name="Title 1">
+            <a:extLst>
+              <a:ext uri="{FF2B5EF4-FFF2-40B4-BE49-F238E27FC236}">
+                <a16:creationId xmlns:a16="http://schemas.microsoft.com/office/drawing/2014/main" id="{2F7ECBC6-29E3-4723-A138-2DF125E2576A}"/>
+              </a:ext>
+            </a:extLst>
+          </p:cNvPr>
+          <p:cNvSpPr>
+            <a:spLocks noGrp="1"/>
+          </p:cNvSpPr>
+          <p:nvPr>
+            <p:ph type="title"/>
+          </p:nvPr>
+        </p:nvSpPr>
+        <p:spPr/>
+        <p:txBody>
+          <a:bodyPr/>
+          <a:lstStyle/>
+          <a:p>
+            <a:r>
+              <a:rPr lang="en-US" dirty="0"/>
+              <a:t>Challenges of Collaboration</a:t>
+            </a:r>
+          </a:p>
+        </p:txBody>
+      </p:sp>
+      <p:sp>
+        <p:nvSpPr>
+          <p:cNvPr id="3" name="Content Placeholder 2">
+            <a:extLst>
+              <a:ext uri="{FF2B5EF4-FFF2-40B4-BE49-F238E27FC236}">
+                <a16:creationId xmlns:a16="http://schemas.microsoft.com/office/drawing/2014/main" id="{14EB6FE5-AECE-4700-A24E-2EBD201F91BD}"/>
+              </a:ext>
+            </a:extLst>
+          </p:cNvPr>
+          <p:cNvSpPr>
+            <a:spLocks noGrp="1"/>
+          </p:cNvSpPr>
+          <p:nvPr>
+            <p:ph idx="1"/>
+          </p:nvPr>
+        </p:nvSpPr>
+        <p:spPr/>
+        <p:txBody>
+          <a:bodyPr/>
+          <a:lstStyle/>
+          <a:p>
+            <a:pPr marL="0" indent="0">
+              <a:buNone/>
+            </a:pPr>
+            <a:r>
+              <a:rPr lang="en-US" b="1" i="1" dirty="0"/>
+              <a:t>What additional challenges does cross-site LTER research introduce?</a:t>
+            </a:r>
+            <a:endParaRPr lang="en-US" dirty="0"/>
+          </a:p>
+          <a:p>
+            <a:pPr marL="0" indent="0">
+              <a:buNone/>
+            </a:pPr>
+            <a:endParaRPr lang="en-US" dirty="0"/>
+          </a:p>
+        </p:txBody>
+      </p:sp>
+    </p:spTree>
+    <p:extLst>
+      <p:ext uri="{BB962C8B-B14F-4D97-AF65-F5344CB8AC3E}">
+        <p14:creationId xmlns:p14="http://schemas.microsoft.com/office/powerpoint/2010/main" val="1784654015"/>
+      </p:ext>
+    </p:extLst>
+  </p:cSld>
+  <p:clrMapOvr>
+    <a:masterClrMapping/>
+  </p:clrMapOvr>
+</p:sld>
+</file>
+
+<file path=ppt/slides/slide7.xml><?xml version="1.0" encoding="utf-8"?>
+<p:sld xmlns:a="http://schemas.openxmlformats.org/drawingml/2006/main" xmlns:r="http://schemas.openxmlformats.org/officeDocument/2006/relationships" xmlns:p="http://schemas.openxmlformats.org/presentationml/2006/main">
+  <p:cSld>
+    <p:spTree>
+      <p:nvGrpSpPr>
+        <p:cNvPr id="1" name=""/>
+        <p:cNvGrpSpPr/>
+        <p:nvPr/>
+      </p:nvGrpSpPr>
+      <p:grpSpPr>
+        <a:xfrm>
+          <a:off x="0" y="0"/>
+          <a:ext cx="0" cy="0"/>
+          <a:chOff x="0" y="0"/>
+          <a:chExt cx="0" cy="0"/>
+        </a:xfrm>
+      </p:grpSpPr>
+      <p:sp>
+        <p:nvSpPr>
+          <p:cNvPr id="2" name="Title 1">
+            <a:extLst>
+              <a:ext uri="{FF2B5EF4-FFF2-40B4-BE49-F238E27FC236}">
+                <a16:creationId xmlns:a16="http://schemas.microsoft.com/office/drawing/2014/main" id="{2F7ECBC6-29E3-4723-A138-2DF125E2576A}"/>
+              </a:ext>
+            </a:extLst>
+          </p:cNvPr>
+          <p:cNvSpPr>
+            <a:spLocks noGrp="1"/>
+          </p:cNvSpPr>
+          <p:nvPr>
+            <p:ph type="title"/>
+          </p:nvPr>
+        </p:nvSpPr>
+        <p:spPr/>
+        <p:txBody>
+          <a:bodyPr/>
+          <a:lstStyle/>
+          <a:p>
+            <a:r>
+              <a:rPr lang="en-US" dirty="0"/>
+              <a:t>Challenges of Collaboration</a:t>
+            </a:r>
+          </a:p>
+        </p:txBody>
+      </p:sp>
+      <p:sp>
+        <p:nvSpPr>
+          <p:cNvPr id="3" name="Content Placeholder 2">
+            <a:extLst>
+              <a:ext uri="{FF2B5EF4-FFF2-40B4-BE49-F238E27FC236}">
+                <a16:creationId xmlns:a16="http://schemas.microsoft.com/office/drawing/2014/main" id="{14EB6FE5-AECE-4700-A24E-2EBD201F91BD}"/>
+              </a:ext>
+            </a:extLst>
+          </p:cNvPr>
+          <p:cNvSpPr>
+            <a:spLocks noGrp="1"/>
+          </p:cNvSpPr>
+          <p:nvPr>
+            <p:ph idx="1"/>
+          </p:nvPr>
+        </p:nvSpPr>
+        <p:spPr/>
+        <p:txBody>
+          <a:bodyPr/>
+          <a:lstStyle/>
+          <a:p>
+            <a:pPr marL="0" indent="0">
+              <a:buNone/>
+            </a:pPr>
+            <a:r>
+              <a:rPr lang="en-US" b="1" i="1" dirty="0"/>
+              <a:t>What additional challenges does cross-site LTER research introduce?</a:t>
+            </a:r>
+            <a:endParaRPr lang="en-US" dirty="0"/>
+          </a:p>
+          <a:p>
+            <a:pPr marL="514350" indent="-514350">
+              <a:buAutoNum type="arabicPeriod"/>
+            </a:pPr>
+            <a:r>
+              <a:rPr lang="en-US" dirty="0"/>
+              <a:t>Consistent communication and goals across…</a:t>
+            </a:r>
+          </a:p>
+          <a:p>
+            <a:pPr marL="971550" lvl="1" indent="-514350">
+              <a:buFont typeface="+mj-lt"/>
+              <a:buAutoNum type="alphaLcPeriod"/>
+            </a:pPr>
+            <a:r>
+              <a:rPr lang="en-US" dirty="0"/>
+              <a:t>Distance</a:t>
+            </a:r>
+          </a:p>
+          <a:p>
+            <a:pPr marL="971550" lvl="1" indent="-514350">
+              <a:buFont typeface="+mj-lt"/>
+              <a:buAutoNum type="alphaLcPeriod"/>
+            </a:pPr>
+            <a:r>
+              <a:rPr lang="en-US" dirty="0"/>
+              <a:t>Time</a:t>
+            </a:r>
+          </a:p>
+          <a:p>
+            <a:pPr marL="514350" indent="-514350">
+              <a:buAutoNum type="arabicPeriod"/>
+            </a:pPr>
+            <a:r>
+              <a:rPr lang="en-US" dirty="0"/>
+              <a:t>Cultural differences across…</a:t>
+            </a:r>
+          </a:p>
+          <a:p>
+            <a:pPr marL="971550" lvl="1" indent="-514350">
+              <a:buFont typeface="+mj-lt"/>
+              <a:buAutoNum type="alphaLcPeriod"/>
+            </a:pPr>
+            <a:r>
+              <a:rPr lang="en-US" dirty="0"/>
+              <a:t>Sites</a:t>
+            </a:r>
+          </a:p>
+          <a:p>
+            <a:pPr marL="971550" lvl="1" indent="-514350">
+              <a:buFont typeface="+mj-lt"/>
+              <a:buAutoNum type="alphaLcPeriod"/>
+            </a:pPr>
+            <a:r>
+              <a:rPr lang="en-US" dirty="0"/>
+              <a:t>Disciplines</a:t>
+            </a:r>
+          </a:p>
+        </p:txBody>
+      </p:sp>
+    </p:spTree>
+    <p:extLst>
+      <p:ext uri="{BB962C8B-B14F-4D97-AF65-F5344CB8AC3E}">
+        <p14:creationId xmlns:p14="http://schemas.microsoft.com/office/powerpoint/2010/main" val="4047680797"/>
       </p:ext>
     </p:extLst>
   </p:cSld>

--- a/pres_deck.pptx
+++ b/pres_deck.pptx
@@ -12,6 +12,12 @@
     <p:sldId id="260" r:id="rId6"/>
     <p:sldId id="262" r:id="rId7"/>
     <p:sldId id="261" r:id="rId8"/>
+    <p:sldId id="263" r:id="rId9"/>
+    <p:sldId id="264" r:id="rId10"/>
+    <p:sldId id="265" r:id="rId11"/>
+    <p:sldId id="266" r:id="rId12"/>
+    <p:sldId id="267" r:id="rId13"/>
+    <p:sldId id="268" r:id="rId14"/>
   </p:sldIdLst>
   <p:sldSz cx="12192000" cy="6858000"/>
   <p:notesSz cx="6858000" cy="9144000"/>
@@ -111,6 +117,35 @@
     </a:lvl9pPr>
   </p:defaultTextStyle>
   <p:extLst>
+    <p:ext uri="{521415D9-36F7-43E2-AB2F-B90AF26B5E84}">
+      <p14:sectionLst xmlns:p14="http://schemas.microsoft.com/office/powerpoint/2010/main">
+        <p14:section name="Default Section" id="{7A0EB786-E1FC-44A0-AA2D-ED4C70538D1E}">
+          <p14:sldIdLst>
+            <p14:sldId id="256"/>
+          </p14:sldIdLst>
+        </p14:section>
+        <p14:section name="Introduction" id="{32D8DEAE-7F2C-45C7-939C-5A00BD9CCB29}">
+          <p14:sldIdLst>
+            <p14:sldId id="257"/>
+            <p14:sldId id="258"/>
+            <p14:sldId id="259"/>
+            <p14:sldId id="260"/>
+            <p14:sldId id="262"/>
+            <p14:sldId id="261"/>
+          </p14:sldIdLst>
+        </p14:section>
+        <p14:section name="Web-Based Collaboration Tools" id="{96588F59-B567-4672-A9AD-C144B9EA2878}">
+          <p14:sldIdLst>
+            <p14:sldId id="263"/>
+            <p14:sldId id="264"/>
+            <p14:sldId id="265"/>
+            <p14:sldId id="266"/>
+            <p14:sldId id="267"/>
+            <p14:sldId id="268"/>
+          </p14:sldIdLst>
+        </p14:section>
+      </p14:sectionLst>
+    </p:ext>
     <p:ext uri="{EFAFB233-063F-42B5-8137-9DF3F51BA10A}">
       <p15:sldGuideLst xmlns:p15="http://schemas.microsoft.com/office/powerpoint/2012/main"/>
     </p:ext>
@@ -265,7 +300,7 @@
           <a:p>
             <a:fld id="{6A2BB79C-6BB1-4438-8F46-9EDF1954807C}" type="datetimeFigureOut">
               <a:rPr lang="en-US" smtClean="0"/>
-              <a:t>9/12/2018</a:t>
+              <a:t>9/17/2018</a:t>
             </a:fld>
             <a:endParaRPr lang="en-US"/>
           </a:p>
@@ -463,7 +498,7 @@
           <a:p>
             <a:fld id="{6A2BB79C-6BB1-4438-8F46-9EDF1954807C}" type="datetimeFigureOut">
               <a:rPr lang="en-US" smtClean="0"/>
-              <a:t>9/12/2018</a:t>
+              <a:t>9/17/2018</a:t>
             </a:fld>
             <a:endParaRPr lang="en-US"/>
           </a:p>
@@ -671,7 +706,7 @@
           <a:p>
             <a:fld id="{6A2BB79C-6BB1-4438-8F46-9EDF1954807C}" type="datetimeFigureOut">
               <a:rPr lang="en-US" smtClean="0"/>
-              <a:t>9/12/2018</a:t>
+              <a:t>9/17/2018</a:t>
             </a:fld>
             <a:endParaRPr lang="en-US"/>
           </a:p>
@@ -869,7 +904,7 @@
           <a:p>
             <a:fld id="{6A2BB79C-6BB1-4438-8F46-9EDF1954807C}" type="datetimeFigureOut">
               <a:rPr lang="en-US" smtClean="0"/>
-              <a:t>9/12/2018</a:t>
+              <a:t>9/17/2018</a:t>
             </a:fld>
             <a:endParaRPr lang="en-US"/>
           </a:p>
@@ -1144,7 +1179,7 @@
           <a:p>
             <a:fld id="{6A2BB79C-6BB1-4438-8F46-9EDF1954807C}" type="datetimeFigureOut">
               <a:rPr lang="en-US" smtClean="0"/>
-              <a:t>9/12/2018</a:t>
+              <a:t>9/17/2018</a:t>
             </a:fld>
             <a:endParaRPr lang="en-US"/>
           </a:p>
@@ -1409,7 +1444,7 @@
           <a:p>
             <a:fld id="{6A2BB79C-6BB1-4438-8F46-9EDF1954807C}" type="datetimeFigureOut">
               <a:rPr lang="en-US" smtClean="0"/>
-              <a:t>9/12/2018</a:t>
+              <a:t>9/17/2018</a:t>
             </a:fld>
             <a:endParaRPr lang="en-US"/>
           </a:p>
@@ -1821,7 +1856,7 @@
           <a:p>
             <a:fld id="{6A2BB79C-6BB1-4438-8F46-9EDF1954807C}" type="datetimeFigureOut">
               <a:rPr lang="en-US" smtClean="0"/>
-              <a:t>9/12/2018</a:t>
+              <a:t>9/17/2018</a:t>
             </a:fld>
             <a:endParaRPr lang="en-US"/>
           </a:p>
@@ -1962,7 +1997,7 @@
           <a:p>
             <a:fld id="{6A2BB79C-6BB1-4438-8F46-9EDF1954807C}" type="datetimeFigureOut">
               <a:rPr lang="en-US" smtClean="0"/>
-              <a:t>9/12/2018</a:t>
+              <a:t>9/17/2018</a:t>
             </a:fld>
             <a:endParaRPr lang="en-US"/>
           </a:p>
@@ -2075,7 +2110,7 @@
           <a:p>
             <a:fld id="{6A2BB79C-6BB1-4438-8F46-9EDF1954807C}" type="datetimeFigureOut">
               <a:rPr lang="en-US" smtClean="0"/>
-              <a:t>9/12/2018</a:t>
+              <a:t>9/17/2018</a:t>
             </a:fld>
             <a:endParaRPr lang="en-US"/>
           </a:p>
@@ -2386,7 +2421,7 @@
           <a:p>
             <a:fld id="{6A2BB79C-6BB1-4438-8F46-9EDF1954807C}" type="datetimeFigureOut">
               <a:rPr lang="en-US" smtClean="0"/>
-              <a:t>9/12/2018</a:t>
+              <a:t>9/17/2018</a:t>
             </a:fld>
             <a:endParaRPr lang="en-US"/>
           </a:p>
@@ -2674,7 +2709,7 @@
           <a:p>
             <a:fld id="{6A2BB79C-6BB1-4438-8F46-9EDF1954807C}" type="datetimeFigureOut">
               <a:rPr lang="en-US" smtClean="0"/>
-              <a:t>9/12/2018</a:t>
+              <a:t>9/17/2018</a:t>
             </a:fld>
             <a:endParaRPr lang="en-US"/>
           </a:p>
@@ -2915,7 +2950,7 @@
           <a:p>
             <a:fld id="{6A2BB79C-6BB1-4438-8F46-9EDF1954807C}" type="datetimeFigureOut">
               <a:rPr lang="en-US" smtClean="0"/>
-              <a:t>9/12/2018</a:t>
+              <a:t>9/17/2018</a:t>
             </a:fld>
             <a:endParaRPr lang="en-US"/>
           </a:p>
@@ -3541,6 +3576,320 @@
 </p:sld>
 </file>
 
+<file path=ppt/slides/slide10.xml><?xml version="1.0" encoding="utf-8"?>
+<p:sld xmlns:a="http://schemas.openxmlformats.org/drawingml/2006/main" xmlns:r="http://schemas.openxmlformats.org/officeDocument/2006/relationships" xmlns:p="http://schemas.openxmlformats.org/presentationml/2006/main">
+  <p:cSld>
+    <p:spTree>
+      <p:nvGrpSpPr>
+        <p:cNvPr id="1" name=""/>
+        <p:cNvGrpSpPr/>
+        <p:nvPr/>
+      </p:nvGrpSpPr>
+      <p:grpSpPr>
+        <a:xfrm>
+          <a:off x="0" y="0"/>
+          <a:ext cx="0" cy="0"/>
+          <a:chOff x="0" y="0"/>
+          <a:chExt cx="0" cy="0"/>
+        </a:xfrm>
+      </p:grpSpPr>
+      <p:sp>
+        <p:nvSpPr>
+          <p:cNvPr id="2" name="Title 1"/>
+          <p:cNvSpPr>
+            <a:spLocks noGrp="1"/>
+          </p:cNvSpPr>
+          <p:nvPr>
+            <p:ph type="title"/>
+          </p:nvPr>
+        </p:nvSpPr>
+        <p:spPr/>
+        <p:txBody>
+          <a:bodyPr/>
+          <a:lstStyle/>
+          <a:p>
+            <a:r>
+              <a:rPr lang="en-US" dirty="0" smtClean="0"/>
+              <a:t>Some examples</a:t>
+            </a:r>
+            <a:endParaRPr lang="en-US" dirty="0"/>
+          </a:p>
+        </p:txBody>
+      </p:sp>
+      <p:sp>
+        <p:nvSpPr>
+          <p:cNvPr id="3" name="Content Placeholder 2"/>
+          <p:cNvSpPr>
+            <a:spLocks noGrp="1"/>
+          </p:cNvSpPr>
+          <p:nvPr>
+            <p:ph idx="1"/>
+          </p:nvPr>
+        </p:nvSpPr>
+        <p:spPr/>
+        <p:txBody>
+          <a:bodyPr/>
+          <a:lstStyle/>
+          <a:p>
+            <a:endParaRPr lang="en-US"/>
+          </a:p>
+        </p:txBody>
+      </p:sp>
+    </p:spTree>
+    <p:extLst>
+      <p:ext uri="{BB962C8B-B14F-4D97-AF65-F5344CB8AC3E}">
+        <p14:creationId xmlns:p14="http://schemas.microsoft.com/office/powerpoint/2010/main" val="1350611420"/>
+      </p:ext>
+    </p:extLst>
+  </p:cSld>
+  <p:clrMapOvr>
+    <a:masterClrMapping/>
+  </p:clrMapOvr>
+</p:sld>
+</file>
+
+<file path=ppt/slides/slide11.xml><?xml version="1.0" encoding="utf-8"?>
+<p:sld xmlns:a="http://schemas.openxmlformats.org/drawingml/2006/main" xmlns:r="http://schemas.openxmlformats.org/officeDocument/2006/relationships" xmlns:p="http://schemas.openxmlformats.org/presentationml/2006/main">
+  <p:cSld>
+    <p:spTree>
+      <p:nvGrpSpPr>
+        <p:cNvPr id="1" name=""/>
+        <p:cNvGrpSpPr/>
+        <p:nvPr/>
+      </p:nvGrpSpPr>
+      <p:grpSpPr>
+        <a:xfrm>
+          <a:off x="0" y="0"/>
+          <a:ext cx="0" cy="0"/>
+          <a:chOff x="0" y="0"/>
+          <a:chExt cx="0" cy="0"/>
+        </a:xfrm>
+      </p:grpSpPr>
+      <p:sp>
+        <p:nvSpPr>
+          <p:cNvPr id="2" name="Title 1"/>
+          <p:cNvSpPr>
+            <a:spLocks noGrp="1"/>
+          </p:cNvSpPr>
+          <p:nvPr>
+            <p:ph type="title"/>
+          </p:nvPr>
+        </p:nvSpPr>
+        <p:spPr/>
+        <p:txBody>
+          <a:bodyPr/>
+          <a:lstStyle/>
+          <a:p>
+            <a:r>
+              <a:rPr lang="en-US" dirty="0" smtClean="0"/>
+              <a:t>What are the pros of </a:t>
+            </a:r>
+            <a:r>
+              <a:rPr lang="en-US" dirty="0" err="1" smtClean="0"/>
+              <a:t>Github</a:t>
+            </a:r>
+            <a:r>
+              <a:rPr lang="en-US" dirty="0" smtClean="0"/>
+              <a:t>?</a:t>
+            </a:r>
+            <a:endParaRPr lang="en-US" dirty="0"/>
+          </a:p>
+        </p:txBody>
+      </p:sp>
+      <p:sp>
+        <p:nvSpPr>
+          <p:cNvPr id="3" name="Content Placeholder 2"/>
+          <p:cNvSpPr>
+            <a:spLocks noGrp="1"/>
+          </p:cNvSpPr>
+          <p:nvPr>
+            <p:ph idx="1"/>
+          </p:nvPr>
+        </p:nvSpPr>
+        <p:spPr/>
+        <p:txBody>
+          <a:bodyPr/>
+          <a:lstStyle/>
+          <a:p>
+            <a:r>
+              <a:rPr lang="en-US" dirty="0" smtClean="0"/>
+              <a:t>Discuss in groups (x minutes)</a:t>
+            </a:r>
+            <a:endParaRPr lang="en-US" dirty="0"/>
+          </a:p>
+        </p:txBody>
+      </p:sp>
+    </p:spTree>
+    <p:extLst>
+      <p:ext uri="{BB962C8B-B14F-4D97-AF65-F5344CB8AC3E}">
+        <p14:creationId xmlns:p14="http://schemas.microsoft.com/office/powerpoint/2010/main" val="2490276211"/>
+      </p:ext>
+    </p:extLst>
+  </p:cSld>
+  <p:clrMapOvr>
+    <a:masterClrMapping/>
+  </p:clrMapOvr>
+</p:sld>
+</file>
+
+<file path=ppt/slides/slide12.xml><?xml version="1.0" encoding="utf-8"?>
+<p:sld xmlns:a="http://schemas.openxmlformats.org/drawingml/2006/main" xmlns:r="http://schemas.openxmlformats.org/officeDocument/2006/relationships" xmlns:p="http://schemas.openxmlformats.org/presentationml/2006/main">
+  <p:cSld>
+    <p:spTree>
+      <p:nvGrpSpPr>
+        <p:cNvPr id="1" name=""/>
+        <p:cNvGrpSpPr/>
+        <p:nvPr/>
+      </p:nvGrpSpPr>
+      <p:grpSpPr>
+        <a:xfrm>
+          <a:off x="0" y="0"/>
+          <a:ext cx="0" cy="0"/>
+          <a:chOff x="0" y="0"/>
+          <a:chExt cx="0" cy="0"/>
+        </a:xfrm>
+      </p:grpSpPr>
+      <p:sp>
+        <p:nvSpPr>
+          <p:cNvPr id="2" name="Title 1"/>
+          <p:cNvSpPr>
+            <a:spLocks noGrp="1"/>
+          </p:cNvSpPr>
+          <p:nvPr>
+            <p:ph type="title"/>
+          </p:nvPr>
+        </p:nvSpPr>
+        <p:spPr/>
+        <p:txBody>
+          <a:bodyPr/>
+          <a:lstStyle/>
+          <a:p>
+            <a:r>
+              <a:rPr lang="en-US" dirty="0" smtClean="0"/>
+              <a:t>What are the cons of </a:t>
+            </a:r>
+            <a:r>
+              <a:rPr lang="en-US" dirty="0" err="1" smtClean="0"/>
+              <a:t>Github</a:t>
+            </a:r>
+            <a:r>
+              <a:rPr lang="en-US" dirty="0" smtClean="0"/>
+              <a:t>?</a:t>
+            </a:r>
+            <a:endParaRPr lang="en-US" dirty="0"/>
+          </a:p>
+        </p:txBody>
+      </p:sp>
+      <p:sp>
+        <p:nvSpPr>
+          <p:cNvPr id="3" name="Content Placeholder 2"/>
+          <p:cNvSpPr>
+            <a:spLocks noGrp="1"/>
+          </p:cNvSpPr>
+          <p:nvPr>
+            <p:ph idx="1"/>
+          </p:nvPr>
+        </p:nvSpPr>
+        <p:spPr/>
+        <p:txBody>
+          <a:bodyPr/>
+          <a:lstStyle/>
+          <a:p>
+            <a:r>
+              <a:rPr lang="en-US" dirty="0"/>
+              <a:t>Discuss in groups (x minutes)</a:t>
+            </a:r>
+          </a:p>
+          <a:p>
+            <a:endParaRPr lang="en-US" dirty="0"/>
+          </a:p>
+        </p:txBody>
+      </p:sp>
+    </p:spTree>
+    <p:extLst>
+      <p:ext uri="{BB962C8B-B14F-4D97-AF65-F5344CB8AC3E}">
+        <p14:creationId xmlns:p14="http://schemas.microsoft.com/office/powerpoint/2010/main" val="2174573096"/>
+      </p:ext>
+    </p:extLst>
+  </p:cSld>
+  <p:clrMapOvr>
+    <a:masterClrMapping/>
+  </p:clrMapOvr>
+</p:sld>
+</file>
+
+<file path=ppt/slides/slide13.xml><?xml version="1.0" encoding="utf-8"?>
+<p:sld xmlns:a="http://schemas.openxmlformats.org/drawingml/2006/main" xmlns:r="http://schemas.openxmlformats.org/officeDocument/2006/relationships" xmlns:p="http://schemas.openxmlformats.org/presentationml/2006/main">
+  <p:cSld>
+    <p:spTree>
+      <p:nvGrpSpPr>
+        <p:cNvPr id="1" name=""/>
+        <p:cNvGrpSpPr/>
+        <p:nvPr/>
+      </p:nvGrpSpPr>
+      <p:grpSpPr>
+        <a:xfrm>
+          <a:off x="0" y="0"/>
+          <a:ext cx="0" cy="0"/>
+          <a:chOff x="0" y="0"/>
+          <a:chExt cx="0" cy="0"/>
+        </a:xfrm>
+      </p:grpSpPr>
+      <p:sp>
+        <p:nvSpPr>
+          <p:cNvPr id="2" name="Title 1"/>
+          <p:cNvSpPr>
+            <a:spLocks noGrp="1"/>
+          </p:cNvSpPr>
+          <p:nvPr>
+            <p:ph type="title"/>
+          </p:nvPr>
+        </p:nvSpPr>
+        <p:spPr/>
+        <p:txBody>
+          <a:bodyPr/>
+          <a:lstStyle/>
+          <a:p>
+            <a:r>
+              <a:rPr lang="en-US" dirty="0" smtClean="0"/>
+              <a:t>Resources for learning more</a:t>
+            </a:r>
+            <a:endParaRPr lang="en-US" dirty="0"/>
+          </a:p>
+        </p:txBody>
+      </p:sp>
+      <p:sp>
+        <p:nvSpPr>
+          <p:cNvPr id="3" name="Content Placeholder 2"/>
+          <p:cNvSpPr>
+            <a:spLocks noGrp="1"/>
+          </p:cNvSpPr>
+          <p:nvPr>
+            <p:ph idx="1"/>
+          </p:nvPr>
+        </p:nvSpPr>
+        <p:spPr/>
+        <p:txBody>
+          <a:bodyPr/>
+          <a:lstStyle/>
+          <a:p>
+            <a:endParaRPr lang="en-US"/>
+          </a:p>
+        </p:txBody>
+      </p:sp>
+    </p:spTree>
+    <p:extLst>
+      <p:ext uri="{BB962C8B-B14F-4D97-AF65-F5344CB8AC3E}">
+        <p14:creationId xmlns:p14="http://schemas.microsoft.com/office/powerpoint/2010/main" val="2381293250"/>
+      </p:ext>
+    </p:extLst>
+  </p:cSld>
+  <p:clrMapOvr>
+    <a:masterClrMapping/>
+  </p:clrMapOvr>
+</p:sld>
+</file>
+
 <file path=ppt/slides/slide2.xml><?xml version="1.0" encoding="utf-8"?>
 <p:sld xmlns:a="http://schemas.openxmlformats.org/drawingml/2006/main" xmlns:r="http://schemas.openxmlformats.org/officeDocument/2006/relationships" xmlns:p="http://schemas.openxmlformats.org/presentationml/2006/main">
   <p:cSld>
@@ -4571,6 +4920,226 @@
     <p:extLst>
       <p:ext uri="{BB962C8B-B14F-4D97-AF65-F5344CB8AC3E}">
         <p14:creationId xmlns:p14="http://schemas.microsoft.com/office/powerpoint/2010/main" val="4047680797"/>
+      </p:ext>
+    </p:extLst>
+  </p:cSld>
+  <p:clrMapOvr>
+    <a:masterClrMapping/>
+  </p:clrMapOvr>
+</p:sld>
+</file>
+
+<file path=ppt/slides/slide8.xml><?xml version="1.0" encoding="utf-8"?>
+<p:sld xmlns:a="http://schemas.openxmlformats.org/drawingml/2006/main" xmlns:r="http://schemas.openxmlformats.org/officeDocument/2006/relationships" xmlns:p="http://schemas.openxmlformats.org/presentationml/2006/main">
+  <p:cSld>
+    <p:spTree>
+      <p:nvGrpSpPr>
+        <p:cNvPr id="1" name=""/>
+        <p:cNvGrpSpPr/>
+        <p:nvPr/>
+      </p:nvGrpSpPr>
+      <p:grpSpPr>
+        <a:xfrm>
+          <a:off x="0" y="0"/>
+          <a:ext cx="0" cy="0"/>
+          <a:chOff x="0" y="0"/>
+          <a:chExt cx="0" cy="0"/>
+        </a:xfrm>
+      </p:grpSpPr>
+      <p:sp>
+        <p:nvSpPr>
+          <p:cNvPr id="2" name="Title 1"/>
+          <p:cNvSpPr>
+            <a:spLocks noGrp="1"/>
+          </p:cNvSpPr>
+          <p:nvPr>
+            <p:ph type="title"/>
+          </p:nvPr>
+        </p:nvSpPr>
+        <p:spPr/>
+        <p:txBody>
+          <a:bodyPr/>
+          <a:lstStyle/>
+          <a:p>
+            <a:r>
+              <a:rPr lang="en-US" dirty="0"/>
+              <a:t>Web-Based Collaboration Tools</a:t>
+            </a:r>
+            <a:endParaRPr lang="en-US" dirty="0"/>
+          </a:p>
+        </p:txBody>
+      </p:sp>
+      <p:sp>
+        <p:nvSpPr>
+          <p:cNvPr id="3" name="Content Placeholder 2"/>
+          <p:cNvSpPr>
+            <a:spLocks noGrp="1"/>
+          </p:cNvSpPr>
+          <p:nvPr>
+            <p:ph idx="1"/>
+          </p:nvPr>
+        </p:nvSpPr>
+        <p:spPr/>
+        <p:txBody>
+          <a:bodyPr/>
+          <a:lstStyle/>
+          <a:p>
+            <a:endParaRPr lang="en-US"/>
+          </a:p>
+        </p:txBody>
+      </p:sp>
+    </p:spTree>
+    <p:extLst>
+      <p:ext uri="{BB962C8B-B14F-4D97-AF65-F5344CB8AC3E}">
+        <p14:creationId xmlns:p14="http://schemas.microsoft.com/office/powerpoint/2010/main" val="3145825190"/>
+      </p:ext>
+    </p:extLst>
+  </p:cSld>
+  <p:clrMapOvr>
+    <a:masterClrMapping/>
+  </p:clrMapOvr>
+</p:sld>
+</file>
+
+<file path=ppt/slides/slide9.xml><?xml version="1.0" encoding="utf-8"?>
+<p:sld xmlns:a="http://schemas.openxmlformats.org/drawingml/2006/main" xmlns:r="http://schemas.openxmlformats.org/officeDocument/2006/relationships" xmlns:p="http://schemas.openxmlformats.org/presentationml/2006/main">
+  <p:cSld>
+    <p:spTree>
+      <p:nvGrpSpPr>
+        <p:cNvPr id="1" name=""/>
+        <p:cNvGrpSpPr/>
+        <p:nvPr/>
+      </p:nvGrpSpPr>
+      <p:grpSpPr>
+        <a:xfrm>
+          <a:off x="0" y="0"/>
+          <a:ext cx="0" cy="0"/>
+          <a:chOff x="0" y="0"/>
+          <a:chExt cx="0" cy="0"/>
+        </a:xfrm>
+      </p:grpSpPr>
+      <p:sp>
+        <p:nvSpPr>
+          <p:cNvPr id="2" name="Title 1"/>
+          <p:cNvSpPr>
+            <a:spLocks noGrp="1"/>
+          </p:cNvSpPr>
+          <p:nvPr>
+            <p:ph type="title"/>
+          </p:nvPr>
+        </p:nvSpPr>
+        <p:spPr/>
+        <p:txBody>
+          <a:bodyPr/>
+          <a:lstStyle/>
+          <a:p>
+            <a:r>
+              <a:rPr lang="en-US" dirty="0" smtClean="0"/>
+              <a:t>What is </a:t>
+            </a:r>
+            <a:r>
+              <a:rPr lang="en-US" dirty="0" err="1" smtClean="0"/>
+              <a:t>Github</a:t>
+            </a:r>
+            <a:r>
+              <a:rPr lang="en-US" dirty="0" smtClean="0"/>
+              <a:t>?</a:t>
+            </a:r>
+            <a:endParaRPr lang="en-US" dirty="0"/>
+          </a:p>
+        </p:txBody>
+      </p:sp>
+      <p:sp>
+        <p:nvSpPr>
+          <p:cNvPr id="3" name="Content Placeholder 2"/>
+          <p:cNvSpPr>
+            <a:spLocks noGrp="1"/>
+          </p:cNvSpPr>
+          <p:nvPr>
+            <p:ph idx="1"/>
+          </p:nvPr>
+        </p:nvSpPr>
+        <p:spPr/>
+        <p:txBody>
+          <a:bodyPr/>
+          <a:lstStyle/>
+          <a:p>
+            <a:r>
+              <a:rPr lang="en-US" dirty="0"/>
+              <a:t>The repo</a:t>
+            </a:r>
+          </a:p>
+          <a:p>
+            <a:r>
+              <a:rPr lang="en-US" dirty="0"/>
+              <a:t>What is a pull request?</a:t>
+            </a:r>
+          </a:p>
+          <a:p>
+            <a:r>
+              <a:rPr lang="en-US" dirty="0"/>
+              <a:t>What is a fork?</a:t>
+            </a:r>
+          </a:p>
+          <a:p>
+            <a:r>
+              <a:rPr lang="en-US" dirty="0"/>
+              <a:t>Using the issues page?</a:t>
+            </a:r>
+          </a:p>
+          <a:p>
+            <a:pPr marL="0" indent="0">
+              <a:buNone/>
+            </a:pPr>
+            <a:endParaRPr lang="en-US" dirty="0"/>
+          </a:p>
+        </p:txBody>
+      </p:sp>
+      <p:pic>
+        <p:nvPicPr>
+          <p:cNvPr id="1026" name="Picture 2" descr="Image result for github"/>
+          <p:cNvPicPr>
+            <a:picLocks noChangeAspect="1" noChangeArrowheads="1"/>
+          </p:cNvPicPr>
+          <p:nvPr/>
+        </p:nvPicPr>
+        <p:blipFill>
+          <a:blip r:embed="rId2">
+            <a:extLst>
+              <a:ext uri="{28A0092B-C50C-407E-A947-70E740481C1C}">
+                <a14:useLocalDpi xmlns:a14="http://schemas.microsoft.com/office/drawing/2010/main" val="0"/>
+              </a:ext>
+            </a:extLst>
+          </a:blip>
+          <a:srcRect/>
+          <a:stretch>
+            <a:fillRect/>
+          </a:stretch>
+        </p:blipFill>
+        <p:spPr bwMode="auto">
+          <a:xfrm>
+            <a:off x="8473666" y="198380"/>
+            <a:ext cx="3590515" cy="2984616"/>
+          </a:xfrm>
+          <a:prstGeom prst="rect">
+            <a:avLst/>
+          </a:prstGeom>
+          <a:noFill/>
+          <a:extLst>
+            <a:ext uri="{909E8E84-426E-40DD-AFC4-6F175D3DCCD1}">
+              <a14:hiddenFill xmlns:a14="http://schemas.microsoft.com/office/drawing/2010/main">
+                <a:solidFill>
+                  <a:srgbClr val="FFFFFF"/>
+                </a:solidFill>
+              </a14:hiddenFill>
+            </a:ext>
+          </a:extLst>
+        </p:spPr>
+      </p:pic>
+    </p:spTree>
+    <p:extLst>
+      <p:ext uri="{BB962C8B-B14F-4D97-AF65-F5344CB8AC3E}">
+        <p14:creationId xmlns:p14="http://schemas.microsoft.com/office/powerpoint/2010/main" val="2963071584"/>
       </p:ext>
     </p:extLst>
   </p:cSld>

--- a/pres_deck.pptx
+++ b/pres_deck.pptx
@@ -12,6 +12,15 @@
     <p:sldId id="260" r:id="rId6"/>
     <p:sldId id="262" r:id="rId7"/>
     <p:sldId id="261" r:id="rId8"/>
+    <p:sldId id="263" r:id="rId9"/>
+    <p:sldId id="264" r:id="rId10"/>
+    <p:sldId id="266" r:id="rId11"/>
+    <p:sldId id="265" r:id="rId12"/>
+    <p:sldId id="267" r:id="rId13"/>
+    <p:sldId id="268" r:id="rId14"/>
+    <p:sldId id="269" r:id="rId15"/>
+    <p:sldId id="271" r:id="rId16"/>
+    <p:sldId id="270" r:id="rId17"/>
   </p:sldIdLst>
   <p:sldSz cx="12192000" cy="6858000"/>
   <p:notesSz cx="6858000" cy="9144000"/>
@@ -111,6 +120,42 @@
     </a:lvl9pPr>
   </p:defaultTextStyle>
   <p:extLst>
+    <p:ext uri="{521415D9-36F7-43E2-AB2F-B90AF26B5E84}">
+      <p14:sectionLst xmlns:p14="http://schemas.microsoft.com/office/powerpoint/2010/main">
+        <p14:section name="Introduction" id="{2A622FDF-319D-426C-B496-EB3D7851BC87}">
+          <p14:sldIdLst>
+            <p14:sldId id="256"/>
+            <p14:sldId id="257"/>
+            <p14:sldId id="258"/>
+            <p14:sldId id="259"/>
+            <p14:sldId id="260"/>
+            <p14:sldId id="262"/>
+            <p14:sldId id="261"/>
+          </p14:sldIdLst>
+        </p14:section>
+        <p14:section name="GitHub" id="{22A46AFE-F935-4EFF-A186-87C503576482}">
+          <p14:sldIdLst>
+            <p14:sldId id="263"/>
+            <p14:sldId id="264"/>
+          </p14:sldIdLst>
+        </p14:section>
+        <p14:section name="Small Group Discussion" id="{58A9CF17-C114-408C-8BC6-27407D082DDD}">
+          <p14:sldIdLst>
+            <p14:sldId id="266"/>
+            <p14:sldId id="265"/>
+            <p14:sldId id="267"/>
+            <p14:sldId id="268"/>
+            <p14:sldId id="269"/>
+          </p14:sldIdLst>
+        </p14:section>
+        <p14:section name="Consensus" id="{9E5B53A0-F63E-4C4C-BCC5-FBCE02E0C6A2}">
+          <p14:sldIdLst>
+            <p14:sldId id="271"/>
+            <p14:sldId id="270"/>
+          </p14:sldIdLst>
+        </p14:section>
+      </p14:sectionLst>
+    </p:ext>
     <p:ext uri="{EFAFB233-063F-42B5-8137-9DF3F51BA10A}">
       <p15:sldGuideLst xmlns:p15="http://schemas.microsoft.com/office/powerpoint/2012/main"/>
     </p:ext>
@@ -265,7 +310,7 @@
           <a:p>
             <a:fld id="{6A2BB79C-6BB1-4438-8F46-9EDF1954807C}" type="datetimeFigureOut">
               <a:rPr lang="en-US" smtClean="0"/>
-              <a:t>9/12/2018</a:t>
+              <a:t>9/14/2018</a:t>
             </a:fld>
             <a:endParaRPr lang="en-US"/>
           </a:p>
@@ -463,7 +508,7 @@
           <a:p>
             <a:fld id="{6A2BB79C-6BB1-4438-8F46-9EDF1954807C}" type="datetimeFigureOut">
               <a:rPr lang="en-US" smtClean="0"/>
-              <a:t>9/12/2018</a:t>
+              <a:t>9/14/2018</a:t>
             </a:fld>
             <a:endParaRPr lang="en-US"/>
           </a:p>
@@ -671,7 +716,7 @@
           <a:p>
             <a:fld id="{6A2BB79C-6BB1-4438-8F46-9EDF1954807C}" type="datetimeFigureOut">
               <a:rPr lang="en-US" smtClean="0"/>
-              <a:t>9/12/2018</a:t>
+              <a:t>9/14/2018</a:t>
             </a:fld>
             <a:endParaRPr lang="en-US"/>
           </a:p>
@@ -869,7 +914,7 @@
           <a:p>
             <a:fld id="{6A2BB79C-6BB1-4438-8F46-9EDF1954807C}" type="datetimeFigureOut">
               <a:rPr lang="en-US" smtClean="0"/>
-              <a:t>9/12/2018</a:t>
+              <a:t>9/14/2018</a:t>
             </a:fld>
             <a:endParaRPr lang="en-US"/>
           </a:p>
@@ -1144,7 +1189,7 @@
           <a:p>
             <a:fld id="{6A2BB79C-6BB1-4438-8F46-9EDF1954807C}" type="datetimeFigureOut">
               <a:rPr lang="en-US" smtClean="0"/>
-              <a:t>9/12/2018</a:t>
+              <a:t>9/14/2018</a:t>
             </a:fld>
             <a:endParaRPr lang="en-US"/>
           </a:p>
@@ -1409,7 +1454,7 @@
           <a:p>
             <a:fld id="{6A2BB79C-6BB1-4438-8F46-9EDF1954807C}" type="datetimeFigureOut">
               <a:rPr lang="en-US" smtClean="0"/>
-              <a:t>9/12/2018</a:t>
+              <a:t>9/14/2018</a:t>
             </a:fld>
             <a:endParaRPr lang="en-US"/>
           </a:p>
@@ -1821,7 +1866,7 @@
           <a:p>
             <a:fld id="{6A2BB79C-6BB1-4438-8F46-9EDF1954807C}" type="datetimeFigureOut">
               <a:rPr lang="en-US" smtClean="0"/>
-              <a:t>9/12/2018</a:t>
+              <a:t>9/14/2018</a:t>
             </a:fld>
             <a:endParaRPr lang="en-US"/>
           </a:p>
@@ -1962,7 +2007,7 @@
           <a:p>
             <a:fld id="{6A2BB79C-6BB1-4438-8F46-9EDF1954807C}" type="datetimeFigureOut">
               <a:rPr lang="en-US" smtClean="0"/>
-              <a:t>9/12/2018</a:t>
+              <a:t>9/14/2018</a:t>
             </a:fld>
             <a:endParaRPr lang="en-US"/>
           </a:p>
@@ -2075,7 +2120,7 @@
           <a:p>
             <a:fld id="{6A2BB79C-6BB1-4438-8F46-9EDF1954807C}" type="datetimeFigureOut">
               <a:rPr lang="en-US" smtClean="0"/>
-              <a:t>9/12/2018</a:t>
+              <a:t>9/14/2018</a:t>
             </a:fld>
             <a:endParaRPr lang="en-US"/>
           </a:p>
@@ -2386,7 +2431,7 @@
           <a:p>
             <a:fld id="{6A2BB79C-6BB1-4438-8F46-9EDF1954807C}" type="datetimeFigureOut">
               <a:rPr lang="en-US" smtClean="0"/>
-              <a:t>9/12/2018</a:t>
+              <a:t>9/14/2018</a:t>
             </a:fld>
             <a:endParaRPr lang="en-US"/>
           </a:p>
@@ -2674,7 +2719,7 @@
           <a:p>
             <a:fld id="{6A2BB79C-6BB1-4438-8F46-9EDF1954807C}" type="datetimeFigureOut">
               <a:rPr lang="en-US" smtClean="0"/>
-              <a:t>9/12/2018</a:t>
+              <a:t>9/14/2018</a:t>
             </a:fld>
             <a:endParaRPr lang="en-US"/>
           </a:p>
@@ -2915,7 +2960,7 @@
           <a:p>
             <a:fld id="{6A2BB79C-6BB1-4438-8F46-9EDF1954807C}" type="datetimeFigureOut">
               <a:rPr lang="en-US" smtClean="0"/>
-              <a:t>9/12/2018</a:t>
+              <a:t>9/14/2018</a:t>
             </a:fld>
             <a:endParaRPr lang="en-US"/>
           </a:p>
@@ -3541,6 +3586,791 @@
 </p:sld>
 </file>
 
+<file path=ppt/slides/slide10.xml><?xml version="1.0" encoding="utf-8"?>
+<p:sld xmlns:a="http://schemas.openxmlformats.org/drawingml/2006/main" xmlns:r="http://schemas.openxmlformats.org/officeDocument/2006/relationships" xmlns:p="http://schemas.openxmlformats.org/presentationml/2006/main">
+  <p:cSld>
+    <p:spTree>
+      <p:nvGrpSpPr>
+        <p:cNvPr id="1" name=""/>
+        <p:cNvGrpSpPr/>
+        <p:nvPr/>
+      </p:nvGrpSpPr>
+      <p:grpSpPr>
+        <a:xfrm>
+          <a:off x="0" y="0"/>
+          <a:ext cx="0" cy="0"/>
+          <a:chOff x="0" y="0"/>
+          <a:chExt cx="0" cy="0"/>
+        </a:xfrm>
+      </p:grpSpPr>
+      <p:sp>
+        <p:nvSpPr>
+          <p:cNvPr id="3" name="Text Placeholder 2">
+            <a:extLst>
+              <a:ext uri="{FF2B5EF4-FFF2-40B4-BE49-F238E27FC236}">
+                <a16:creationId xmlns:a16="http://schemas.microsoft.com/office/drawing/2014/main" id="{CBBEC366-C759-494E-BEFD-6DED92045DAC}"/>
+              </a:ext>
+            </a:extLst>
+          </p:cNvPr>
+          <p:cNvSpPr>
+            <a:spLocks noGrp="1"/>
+          </p:cNvSpPr>
+          <p:nvPr>
+            <p:ph type="body" idx="1"/>
+          </p:nvPr>
+        </p:nvSpPr>
+        <p:spPr>
+          <a:xfrm>
+            <a:off x="831850" y="4589464"/>
+            <a:ext cx="10515600" cy="430212"/>
+          </a:xfrm>
+        </p:spPr>
+        <p:txBody>
+          <a:bodyPr/>
+          <a:lstStyle/>
+          <a:p>
+            <a:r>
+              <a:rPr lang="en-US" dirty="0"/>
+              <a:t>Learning from Past Collaborations</a:t>
+            </a:r>
+          </a:p>
+        </p:txBody>
+      </p:sp>
+      <p:sp>
+        <p:nvSpPr>
+          <p:cNvPr id="7" name="Title 6">
+            <a:extLst>
+              <a:ext uri="{FF2B5EF4-FFF2-40B4-BE49-F238E27FC236}">
+                <a16:creationId xmlns:a16="http://schemas.microsoft.com/office/drawing/2014/main" id="{52783F39-79B3-4870-B7E0-BCD7EAF177B0}"/>
+              </a:ext>
+            </a:extLst>
+          </p:cNvPr>
+          <p:cNvSpPr>
+            <a:spLocks noGrp="1"/>
+          </p:cNvSpPr>
+          <p:nvPr>
+            <p:ph type="title"/>
+          </p:nvPr>
+        </p:nvSpPr>
+        <p:spPr>
+          <a:xfrm>
+            <a:off x="831850" y="3648075"/>
+            <a:ext cx="10515600" cy="914400"/>
+          </a:xfrm>
+        </p:spPr>
+        <p:txBody>
+          <a:bodyPr/>
+          <a:lstStyle/>
+          <a:p>
+            <a:r>
+              <a:rPr lang="en-US" dirty="0"/>
+              <a:t>Small Group Discussions</a:t>
+            </a:r>
+          </a:p>
+        </p:txBody>
+      </p:sp>
+    </p:spTree>
+    <p:extLst>
+      <p:ext uri="{BB962C8B-B14F-4D97-AF65-F5344CB8AC3E}">
+        <p14:creationId xmlns:p14="http://schemas.microsoft.com/office/powerpoint/2010/main" val="1827043774"/>
+      </p:ext>
+    </p:extLst>
+  </p:cSld>
+  <p:clrMapOvr>
+    <a:masterClrMapping/>
+  </p:clrMapOvr>
+</p:sld>
+</file>
+
+<file path=ppt/slides/slide11.xml><?xml version="1.0" encoding="utf-8"?>
+<p:sld xmlns:a="http://schemas.openxmlformats.org/drawingml/2006/main" xmlns:r="http://schemas.openxmlformats.org/officeDocument/2006/relationships" xmlns:p="http://schemas.openxmlformats.org/presentationml/2006/main">
+  <p:cSld>
+    <p:spTree>
+      <p:nvGrpSpPr>
+        <p:cNvPr id="1" name=""/>
+        <p:cNvGrpSpPr/>
+        <p:nvPr/>
+      </p:nvGrpSpPr>
+      <p:grpSpPr>
+        <a:xfrm>
+          <a:off x="0" y="0"/>
+          <a:ext cx="0" cy="0"/>
+          <a:chOff x="0" y="0"/>
+          <a:chExt cx="0" cy="0"/>
+        </a:xfrm>
+      </p:grpSpPr>
+      <p:sp>
+        <p:nvSpPr>
+          <p:cNvPr id="2" name="Title 1">
+            <a:extLst>
+              <a:ext uri="{FF2B5EF4-FFF2-40B4-BE49-F238E27FC236}">
+                <a16:creationId xmlns:a16="http://schemas.microsoft.com/office/drawing/2014/main" id="{4DBB3D5F-2B2C-4880-8F07-4EA749825D10}"/>
+              </a:ext>
+            </a:extLst>
+          </p:cNvPr>
+          <p:cNvSpPr>
+            <a:spLocks noGrp="1"/>
+          </p:cNvSpPr>
+          <p:nvPr>
+            <p:ph type="title"/>
+          </p:nvPr>
+        </p:nvSpPr>
+        <p:spPr/>
+        <p:txBody>
+          <a:bodyPr/>
+          <a:lstStyle/>
+          <a:p>
+            <a:r>
+              <a:rPr lang="en-US" dirty="0"/>
+              <a:t>Small Group Discussions</a:t>
+            </a:r>
+          </a:p>
+        </p:txBody>
+      </p:sp>
+      <p:sp>
+        <p:nvSpPr>
+          <p:cNvPr id="3" name="Content Placeholder 2">
+            <a:extLst>
+              <a:ext uri="{FF2B5EF4-FFF2-40B4-BE49-F238E27FC236}">
+                <a16:creationId xmlns:a16="http://schemas.microsoft.com/office/drawing/2014/main" id="{58DA7441-F606-4D88-B3AB-F330ECBB4130}"/>
+              </a:ext>
+            </a:extLst>
+          </p:cNvPr>
+          <p:cNvSpPr>
+            <a:spLocks noGrp="1"/>
+          </p:cNvSpPr>
+          <p:nvPr>
+            <p:ph idx="1"/>
+          </p:nvPr>
+        </p:nvSpPr>
+        <p:spPr/>
+        <p:txBody>
+          <a:bodyPr>
+            <a:normAutofit lnSpcReduction="10000"/>
+          </a:bodyPr>
+          <a:lstStyle/>
+          <a:p>
+            <a:pPr marL="0" indent="0">
+              <a:buNone/>
+            </a:pPr>
+            <a:r>
+              <a:rPr lang="en-US" b="1" i="1" dirty="0"/>
+              <a:t>What you’ll need…</a:t>
+            </a:r>
+          </a:p>
+          <a:p>
+            <a:pPr marL="514350" indent="-514350">
+              <a:buAutoNum type="arabicPeriod"/>
+            </a:pPr>
+            <a:r>
+              <a:rPr lang="en-US" dirty="0"/>
+              <a:t>Some people to talk with</a:t>
+            </a:r>
+          </a:p>
+          <a:p>
+            <a:pPr marL="514350" indent="-514350">
+              <a:buAutoNum type="arabicPeriod"/>
+            </a:pPr>
+            <a:r>
+              <a:rPr lang="en-US" dirty="0"/>
+              <a:t>Some notetaking technology (e.g., pen and paper, laptop, tablet)</a:t>
+            </a:r>
+          </a:p>
+          <a:p>
+            <a:pPr marL="514350" indent="-514350">
+              <a:buAutoNum type="arabicPeriod"/>
+            </a:pPr>
+            <a:endParaRPr lang="en-US" dirty="0"/>
+          </a:p>
+          <a:p>
+            <a:pPr marL="0" indent="0">
+              <a:buNone/>
+            </a:pPr>
+            <a:r>
+              <a:rPr lang="en-US" b="1" i="1" dirty="0"/>
+              <a:t>What we’ll do…</a:t>
+            </a:r>
+          </a:p>
+          <a:p>
+            <a:pPr marL="514350" indent="-514350">
+              <a:buAutoNum type="arabicPeriod"/>
+            </a:pPr>
+            <a:r>
+              <a:rPr lang="en-US" dirty="0"/>
+              <a:t>Reflect on past collaborative experiences</a:t>
+            </a:r>
+          </a:p>
+          <a:p>
+            <a:pPr marL="514350" indent="-514350">
+              <a:buAutoNum type="arabicPeriod"/>
+            </a:pPr>
+            <a:r>
+              <a:rPr lang="en-US" dirty="0"/>
+              <a:t>Gather anecdotal evidence to support </a:t>
+            </a:r>
+            <a:r>
+              <a:rPr lang="en-US" i="1" dirty="0"/>
+              <a:t>The N Commandments of Collaborative Computing</a:t>
+            </a:r>
+            <a:endParaRPr lang="en-US" dirty="0"/>
+          </a:p>
+          <a:p>
+            <a:pPr marL="514350" indent="-514350">
+              <a:buAutoNum type="arabicPeriod"/>
+            </a:pPr>
+            <a:r>
+              <a:rPr lang="en-US" dirty="0"/>
+              <a:t>Focus on digital aspects and tools that worked (or not)</a:t>
+            </a:r>
+          </a:p>
+        </p:txBody>
+      </p:sp>
+    </p:spTree>
+    <p:extLst>
+      <p:ext uri="{BB962C8B-B14F-4D97-AF65-F5344CB8AC3E}">
+        <p14:creationId xmlns:p14="http://schemas.microsoft.com/office/powerpoint/2010/main" val="431935109"/>
+      </p:ext>
+    </p:extLst>
+  </p:cSld>
+  <p:clrMapOvr>
+    <a:masterClrMapping/>
+  </p:clrMapOvr>
+</p:sld>
+</file>
+
+<file path=ppt/slides/slide12.xml><?xml version="1.0" encoding="utf-8"?>
+<p:sld xmlns:a="http://schemas.openxmlformats.org/drawingml/2006/main" xmlns:r="http://schemas.openxmlformats.org/officeDocument/2006/relationships" xmlns:p="http://schemas.openxmlformats.org/presentationml/2006/main">
+  <p:cSld>
+    <p:spTree>
+      <p:nvGrpSpPr>
+        <p:cNvPr id="1" name=""/>
+        <p:cNvGrpSpPr/>
+        <p:nvPr/>
+      </p:nvGrpSpPr>
+      <p:grpSpPr>
+        <a:xfrm>
+          <a:off x="0" y="0"/>
+          <a:ext cx="0" cy="0"/>
+          <a:chOff x="0" y="0"/>
+          <a:chExt cx="0" cy="0"/>
+        </a:xfrm>
+      </p:grpSpPr>
+      <p:sp>
+        <p:nvSpPr>
+          <p:cNvPr id="2" name="Title 1">
+            <a:extLst>
+              <a:ext uri="{FF2B5EF4-FFF2-40B4-BE49-F238E27FC236}">
+                <a16:creationId xmlns:a16="http://schemas.microsoft.com/office/drawing/2014/main" id="{F03E117D-36C5-4FC7-8EEF-CDC513A6F7D0}"/>
+              </a:ext>
+            </a:extLst>
+          </p:cNvPr>
+          <p:cNvSpPr>
+            <a:spLocks noGrp="1"/>
+          </p:cNvSpPr>
+          <p:nvPr>
+            <p:ph type="title"/>
+          </p:nvPr>
+        </p:nvSpPr>
+        <p:spPr/>
+        <p:txBody>
+          <a:bodyPr/>
+          <a:lstStyle/>
+          <a:p>
+            <a:r>
+              <a:rPr lang="en-US" dirty="0"/>
+              <a:t>Part 1: Introductions</a:t>
+            </a:r>
+          </a:p>
+        </p:txBody>
+      </p:sp>
+      <p:sp>
+        <p:nvSpPr>
+          <p:cNvPr id="3" name="Content Placeholder 2">
+            <a:extLst>
+              <a:ext uri="{FF2B5EF4-FFF2-40B4-BE49-F238E27FC236}">
+                <a16:creationId xmlns:a16="http://schemas.microsoft.com/office/drawing/2014/main" id="{C35EAB37-4B0D-4848-B2E9-CCE1852B766C}"/>
+              </a:ext>
+            </a:extLst>
+          </p:cNvPr>
+          <p:cNvSpPr>
+            <a:spLocks noGrp="1"/>
+          </p:cNvSpPr>
+          <p:nvPr>
+            <p:ph idx="1"/>
+          </p:nvPr>
+        </p:nvSpPr>
+        <p:spPr/>
+        <p:txBody>
+          <a:bodyPr/>
+          <a:lstStyle/>
+          <a:p>
+            <a:pPr marL="0" indent="0">
+              <a:buNone/>
+            </a:pPr>
+            <a:r>
+              <a:rPr lang="en-US" b="1" i="1" dirty="0"/>
+              <a:t>Share…</a:t>
+            </a:r>
+            <a:endParaRPr lang="en-US" dirty="0"/>
+          </a:p>
+          <a:p>
+            <a:pPr marL="514350" indent="-514350">
+              <a:buAutoNum type="arabicPeriod"/>
+            </a:pPr>
+            <a:r>
+              <a:rPr lang="en-US" dirty="0"/>
+              <a:t>Institution and LTER site</a:t>
+            </a:r>
+          </a:p>
+          <a:p>
+            <a:pPr marL="514350" indent="-514350">
+              <a:buAutoNum type="arabicPeriod"/>
+            </a:pPr>
+            <a:r>
+              <a:rPr lang="en-US" dirty="0"/>
+              <a:t>Role (e.g., professor, postdoc, grad student, etc.)</a:t>
+            </a:r>
+          </a:p>
+          <a:p>
+            <a:pPr marL="514350" indent="-514350">
+              <a:buAutoNum type="arabicPeriod"/>
+            </a:pPr>
+            <a:r>
+              <a:rPr lang="en-US" dirty="0"/>
+              <a:t>Research area</a:t>
+            </a:r>
+          </a:p>
+        </p:txBody>
+      </p:sp>
+    </p:spTree>
+    <p:extLst>
+      <p:ext uri="{BB962C8B-B14F-4D97-AF65-F5344CB8AC3E}">
+        <p14:creationId xmlns:p14="http://schemas.microsoft.com/office/powerpoint/2010/main" val="3064312405"/>
+      </p:ext>
+    </p:extLst>
+  </p:cSld>
+  <p:clrMapOvr>
+    <a:masterClrMapping/>
+  </p:clrMapOvr>
+</p:sld>
+</file>
+
+<file path=ppt/slides/slide13.xml><?xml version="1.0" encoding="utf-8"?>
+<p:sld xmlns:a="http://schemas.openxmlformats.org/drawingml/2006/main" xmlns:r="http://schemas.openxmlformats.org/officeDocument/2006/relationships" xmlns:p="http://schemas.openxmlformats.org/presentationml/2006/main">
+  <p:cSld>
+    <p:spTree>
+      <p:nvGrpSpPr>
+        <p:cNvPr id="1" name=""/>
+        <p:cNvGrpSpPr/>
+        <p:nvPr/>
+      </p:nvGrpSpPr>
+      <p:grpSpPr>
+        <a:xfrm>
+          <a:off x="0" y="0"/>
+          <a:ext cx="0" cy="0"/>
+          <a:chOff x="0" y="0"/>
+          <a:chExt cx="0" cy="0"/>
+        </a:xfrm>
+      </p:grpSpPr>
+      <p:sp>
+        <p:nvSpPr>
+          <p:cNvPr id="2" name="Title 1">
+            <a:extLst>
+              <a:ext uri="{FF2B5EF4-FFF2-40B4-BE49-F238E27FC236}">
+                <a16:creationId xmlns:a16="http://schemas.microsoft.com/office/drawing/2014/main" id="{063DBBFE-8E9D-41E2-BD09-9C4A32165836}"/>
+              </a:ext>
+            </a:extLst>
+          </p:cNvPr>
+          <p:cNvSpPr>
+            <a:spLocks noGrp="1"/>
+          </p:cNvSpPr>
+          <p:nvPr>
+            <p:ph type="title"/>
+          </p:nvPr>
+        </p:nvSpPr>
+        <p:spPr/>
+        <p:txBody>
+          <a:bodyPr/>
+          <a:lstStyle/>
+          <a:p>
+            <a:r>
+              <a:rPr lang="en-US" dirty="0"/>
+              <a:t>Part 2: Reflecting Back</a:t>
+            </a:r>
+          </a:p>
+        </p:txBody>
+      </p:sp>
+      <p:sp>
+        <p:nvSpPr>
+          <p:cNvPr id="3" name="Content Placeholder 2">
+            <a:extLst>
+              <a:ext uri="{FF2B5EF4-FFF2-40B4-BE49-F238E27FC236}">
+                <a16:creationId xmlns:a16="http://schemas.microsoft.com/office/drawing/2014/main" id="{527F693A-CD83-4ECC-A63D-6E07BDA34141}"/>
+              </a:ext>
+            </a:extLst>
+          </p:cNvPr>
+          <p:cNvSpPr>
+            <a:spLocks noGrp="1"/>
+          </p:cNvSpPr>
+          <p:nvPr>
+            <p:ph idx="1"/>
+          </p:nvPr>
+        </p:nvSpPr>
+        <p:spPr/>
+        <p:txBody>
+          <a:bodyPr/>
+          <a:lstStyle/>
+          <a:p>
+            <a:pPr marL="0" indent="0">
+              <a:buNone/>
+            </a:pPr>
+            <a:r>
+              <a:rPr lang="en-US" b="1" i="1" dirty="0"/>
+              <a:t>Think…</a:t>
+            </a:r>
+            <a:endParaRPr lang="en-US" dirty="0"/>
+          </a:p>
+          <a:p>
+            <a:pPr marL="514350" indent="-514350">
+              <a:buAutoNum type="arabicPeriod"/>
+            </a:pPr>
+            <a:r>
+              <a:rPr lang="en-US" dirty="0"/>
+              <a:t>Blah</a:t>
+            </a:r>
+          </a:p>
+          <a:p>
+            <a:pPr marL="514350" indent="-514350">
+              <a:buAutoNum type="arabicPeriod"/>
+            </a:pPr>
+            <a:r>
+              <a:rPr lang="en-US" dirty="0"/>
+              <a:t>Blah</a:t>
+            </a:r>
+          </a:p>
+          <a:p>
+            <a:pPr marL="0" indent="0">
+              <a:buNone/>
+            </a:pPr>
+            <a:r>
+              <a:rPr lang="en-US" b="1" i="1" dirty="0"/>
+              <a:t>Share…</a:t>
+            </a:r>
+          </a:p>
+        </p:txBody>
+      </p:sp>
+    </p:spTree>
+    <p:extLst>
+      <p:ext uri="{BB962C8B-B14F-4D97-AF65-F5344CB8AC3E}">
+        <p14:creationId xmlns:p14="http://schemas.microsoft.com/office/powerpoint/2010/main" val="2276565651"/>
+      </p:ext>
+    </p:extLst>
+  </p:cSld>
+  <p:clrMapOvr>
+    <a:masterClrMapping/>
+  </p:clrMapOvr>
+</p:sld>
+</file>
+
+<file path=ppt/slides/slide14.xml><?xml version="1.0" encoding="utf-8"?>
+<p:sld xmlns:a="http://schemas.openxmlformats.org/drawingml/2006/main" xmlns:r="http://schemas.openxmlformats.org/officeDocument/2006/relationships" xmlns:p="http://schemas.openxmlformats.org/presentationml/2006/main">
+  <p:cSld>
+    <p:spTree>
+      <p:nvGrpSpPr>
+        <p:cNvPr id="1" name=""/>
+        <p:cNvGrpSpPr/>
+        <p:nvPr/>
+      </p:nvGrpSpPr>
+      <p:grpSpPr>
+        <a:xfrm>
+          <a:off x="0" y="0"/>
+          <a:ext cx="0" cy="0"/>
+          <a:chOff x="0" y="0"/>
+          <a:chExt cx="0" cy="0"/>
+        </a:xfrm>
+      </p:grpSpPr>
+      <p:sp>
+        <p:nvSpPr>
+          <p:cNvPr id="2" name="Title 1">
+            <a:extLst>
+              <a:ext uri="{FF2B5EF4-FFF2-40B4-BE49-F238E27FC236}">
+                <a16:creationId xmlns:a16="http://schemas.microsoft.com/office/drawing/2014/main" id="{8767DBB4-F5AD-4316-BE61-85136EBF7846}"/>
+              </a:ext>
+            </a:extLst>
+          </p:cNvPr>
+          <p:cNvSpPr>
+            <a:spLocks noGrp="1"/>
+          </p:cNvSpPr>
+          <p:nvPr>
+            <p:ph type="title"/>
+          </p:nvPr>
+        </p:nvSpPr>
+        <p:spPr/>
+        <p:txBody>
+          <a:bodyPr/>
+          <a:lstStyle/>
+          <a:p>
+            <a:r>
+              <a:rPr lang="en-US" dirty="0"/>
+              <a:t>Part 3: Looking Forward</a:t>
+            </a:r>
+          </a:p>
+        </p:txBody>
+      </p:sp>
+      <p:sp>
+        <p:nvSpPr>
+          <p:cNvPr id="3" name="Content Placeholder 2">
+            <a:extLst>
+              <a:ext uri="{FF2B5EF4-FFF2-40B4-BE49-F238E27FC236}">
+                <a16:creationId xmlns:a16="http://schemas.microsoft.com/office/drawing/2014/main" id="{29E78B52-C2A3-4828-A172-D913CA1C5929}"/>
+              </a:ext>
+            </a:extLst>
+          </p:cNvPr>
+          <p:cNvSpPr>
+            <a:spLocks noGrp="1"/>
+          </p:cNvSpPr>
+          <p:nvPr>
+            <p:ph idx="1"/>
+          </p:nvPr>
+        </p:nvSpPr>
+        <p:spPr/>
+        <p:txBody>
+          <a:bodyPr/>
+          <a:lstStyle/>
+          <a:p>
+            <a:pPr marL="0" indent="0">
+              <a:buNone/>
+            </a:pPr>
+            <a:r>
+              <a:rPr lang="en-US" b="1" i="1" dirty="0"/>
+              <a:t>Think…</a:t>
+            </a:r>
+            <a:endParaRPr lang="en-US" dirty="0"/>
+          </a:p>
+          <a:p>
+            <a:pPr marL="514350" indent="-514350">
+              <a:buAutoNum type="arabicPeriod"/>
+            </a:pPr>
+            <a:r>
+              <a:rPr lang="en-US" dirty="0"/>
+              <a:t>Blah</a:t>
+            </a:r>
+          </a:p>
+          <a:p>
+            <a:pPr marL="514350" indent="-514350">
+              <a:buAutoNum type="arabicPeriod"/>
+            </a:pPr>
+            <a:r>
+              <a:rPr lang="en-US" dirty="0"/>
+              <a:t>Blah</a:t>
+            </a:r>
+          </a:p>
+          <a:p>
+            <a:pPr marL="0" indent="0">
+              <a:buNone/>
+            </a:pPr>
+            <a:r>
+              <a:rPr lang="en-US" b="1" i="1" dirty="0"/>
+              <a:t>Share…</a:t>
+            </a:r>
+          </a:p>
+          <a:p>
+            <a:pPr marL="0" indent="0">
+              <a:buNone/>
+            </a:pPr>
+            <a:endParaRPr lang="en-US" dirty="0"/>
+          </a:p>
+        </p:txBody>
+      </p:sp>
+    </p:spTree>
+    <p:extLst>
+      <p:ext uri="{BB962C8B-B14F-4D97-AF65-F5344CB8AC3E}">
+        <p14:creationId xmlns:p14="http://schemas.microsoft.com/office/powerpoint/2010/main" val="323198984"/>
+      </p:ext>
+    </p:extLst>
+  </p:cSld>
+  <p:clrMapOvr>
+    <a:masterClrMapping/>
+  </p:clrMapOvr>
+</p:sld>
+</file>
+
+<file path=ppt/slides/slide15.xml><?xml version="1.0" encoding="utf-8"?>
+<p:sld xmlns:a="http://schemas.openxmlformats.org/drawingml/2006/main" xmlns:r="http://schemas.openxmlformats.org/officeDocument/2006/relationships" xmlns:p="http://schemas.openxmlformats.org/presentationml/2006/main">
+  <p:cSld>
+    <p:spTree>
+      <p:nvGrpSpPr>
+        <p:cNvPr id="1" name=""/>
+        <p:cNvGrpSpPr/>
+        <p:nvPr/>
+      </p:nvGrpSpPr>
+      <p:grpSpPr>
+        <a:xfrm>
+          <a:off x="0" y="0"/>
+          <a:ext cx="0" cy="0"/>
+          <a:chOff x="0" y="0"/>
+          <a:chExt cx="0" cy="0"/>
+        </a:xfrm>
+      </p:grpSpPr>
+      <p:sp>
+        <p:nvSpPr>
+          <p:cNvPr id="3" name="Text Placeholder 2">
+            <a:extLst>
+              <a:ext uri="{FF2B5EF4-FFF2-40B4-BE49-F238E27FC236}">
+                <a16:creationId xmlns:a16="http://schemas.microsoft.com/office/drawing/2014/main" id="{CBBEC366-C759-494E-BEFD-6DED92045DAC}"/>
+              </a:ext>
+            </a:extLst>
+          </p:cNvPr>
+          <p:cNvSpPr>
+            <a:spLocks noGrp="1"/>
+          </p:cNvSpPr>
+          <p:nvPr>
+            <p:ph type="body" idx="1"/>
+          </p:nvPr>
+        </p:nvSpPr>
+        <p:spPr>
+          <a:xfrm>
+            <a:off x="831850" y="4589464"/>
+            <a:ext cx="10515600" cy="430212"/>
+          </a:xfrm>
+        </p:spPr>
+        <p:txBody>
+          <a:bodyPr/>
+          <a:lstStyle/>
+          <a:p>
+            <a:r>
+              <a:rPr lang="en-US" dirty="0"/>
+              <a:t>Developing the N Commandments</a:t>
+            </a:r>
+          </a:p>
+        </p:txBody>
+      </p:sp>
+      <p:sp>
+        <p:nvSpPr>
+          <p:cNvPr id="7" name="Title 6">
+            <a:extLst>
+              <a:ext uri="{FF2B5EF4-FFF2-40B4-BE49-F238E27FC236}">
+                <a16:creationId xmlns:a16="http://schemas.microsoft.com/office/drawing/2014/main" id="{52783F39-79B3-4870-B7E0-BCD7EAF177B0}"/>
+              </a:ext>
+            </a:extLst>
+          </p:cNvPr>
+          <p:cNvSpPr>
+            <a:spLocks noGrp="1"/>
+          </p:cNvSpPr>
+          <p:nvPr>
+            <p:ph type="title"/>
+          </p:nvPr>
+        </p:nvSpPr>
+        <p:spPr>
+          <a:xfrm>
+            <a:off x="831850" y="3648075"/>
+            <a:ext cx="10515600" cy="914400"/>
+          </a:xfrm>
+        </p:spPr>
+        <p:txBody>
+          <a:bodyPr/>
+          <a:lstStyle/>
+          <a:p>
+            <a:r>
+              <a:rPr lang="en-US" dirty="0"/>
+              <a:t>Consensus Building</a:t>
+            </a:r>
+          </a:p>
+        </p:txBody>
+      </p:sp>
+    </p:spTree>
+    <p:extLst>
+      <p:ext uri="{BB962C8B-B14F-4D97-AF65-F5344CB8AC3E}">
+        <p14:creationId xmlns:p14="http://schemas.microsoft.com/office/powerpoint/2010/main" val="885996570"/>
+      </p:ext>
+    </p:extLst>
+  </p:cSld>
+  <p:clrMapOvr>
+    <a:masterClrMapping/>
+  </p:clrMapOvr>
+</p:sld>
+</file>
+
+<file path=ppt/slides/slide16.xml><?xml version="1.0" encoding="utf-8"?>
+<p:sld xmlns:a="http://schemas.openxmlformats.org/drawingml/2006/main" xmlns:r="http://schemas.openxmlformats.org/officeDocument/2006/relationships" xmlns:p="http://schemas.openxmlformats.org/presentationml/2006/main">
+  <p:cSld>
+    <p:spTree>
+      <p:nvGrpSpPr>
+        <p:cNvPr id="1" name=""/>
+        <p:cNvGrpSpPr/>
+        <p:nvPr/>
+      </p:nvGrpSpPr>
+      <p:grpSpPr>
+        <a:xfrm>
+          <a:off x="0" y="0"/>
+          <a:ext cx="0" cy="0"/>
+          <a:chOff x="0" y="0"/>
+          <a:chExt cx="0" cy="0"/>
+        </a:xfrm>
+      </p:grpSpPr>
+      <p:sp>
+        <p:nvSpPr>
+          <p:cNvPr id="2" name="Title 1">
+            <a:extLst>
+              <a:ext uri="{FF2B5EF4-FFF2-40B4-BE49-F238E27FC236}">
+                <a16:creationId xmlns:a16="http://schemas.microsoft.com/office/drawing/2014/main" id="{D341A550-712D-4A10-8D9F-CD327680AA41}"/>
+              </a:ext>
+            </a:extLst>
+          </p:cNvPr>
+          <p:cNvSpPr>
+            <a:spLocks noGrp="1"/>
+          </p:cNvSpPr>
+          <p:nvPr>
+            <p:ph type="title"/>
+          </p:nvPr>
+        </p:nvSpPr>
+        <p:spPr/>
+        <p:txBody>
+          <a:bodyPr/>
+          <a:lstStyle/>
+          <a:p>
+            <a:endParaRPr lang="en-US" dirty="0"/>
+          </a:p>
+        </p:txBody>
+      </p:sp>
+      <p:sp>
+        <p:nvSpPr>
+          <p:cNvPr id="3" name="Content Placeholder 2">
+            <a:extLst>
+              <a:ext uri="{FF2B5EF4-FFF2-40B4-BE49-F238E27FC236}">
+                <a16:creationId xmlns:a16="http://schemas.microsoft.com/office/drawing/2014/main" id="{62C8C4C7-120E-4230-8E60-B64F8C51C634}"/>
+              </a:ext>
+            </a:extLst>
+          </p:cNvPr>
+          <p:cNvSpPr>
+            <a:spLocks noGrp="1"/>
+          </p:cNvSpPr>
+          <p:nvPr>
+            <p:ph idx="1"/>
+          </p:nvPr>
+        </p:nvSpPr>
+        <p:spPr/>
+        <p:txBody>
+          <a:bodyPr/>
+          <a:lstStyle/>
+          <a:p>
+            <a:endParaRPr lang="en-US" dirty="0"/>
+          </a:p>
+        </p:txBody>
+      </p:sp>
+    </p:spTree>
+    <p:extLst>
+      <p:ext uri="{BB962C8B-B14F-4D97-AF65-F5344CB8AC3E}">
+        <p14:creationId xmlns:p14="http://schemas.microsoft.com/office/powerpoint/2010/main" val="3269339386"/>
+      </p:ext>
+    </p:extLst>
+  </p:cSld>
+  <p:clrMapOvr>
+    <a:masterClrMapping/>
+  </p:clrMapOvr>
+</p:sld>
+</file>
+
 <file path=ppt/slides/slide2.xml><?xml version="1.0" encoding="utf-8"?>
 <p:sld xmlns:a="http://schemas.openxmlformats.org/drawingml/2006/main" xmlns:r="http://schemas.openxmlformats.org/officeDocument/2006/relationships" xmlns:p="http://schemas.openxmlformats.org/presentationml/2006/main">
   <p:cSld>
@@ -4571,6 +5401,221 @@
     <p:extLst>
       <p:ext uri="{BB962C8B-B14F-4D97-AF65-F5344CB8AC3E}">
         <p14:creationId xmlns:p14="http://schemas.microsoft.com/office/powerpoint/2010/main" val="4047680797"/>
+      </p:ext>
+    </p:extLst>
+  </p:cSld>
+  <p:clrMapOvr>
+    <a:masterClrMapping/>
+  </p:clrMapOvr>
+</p:sld>
+</file>
+
+<file path=ppt/slides/slide8.xml><?xml version="1.0" encoding="utf-8"?>
+<p:sld xmlns:a="http://schemas.openxmlformats.org/drawingml/2006/main" xmlns:r="http://schemas.openxmlformats.org/officeDocument/2006/relationships" xmlns:p="http://schemas.openxmlformats.org/presentationml/2006/main">
+  <p:cSld>
+    <p:spTree>
+      <p:nvGrpSpPr>
+        <p:cNvPr id="1" name=""/>
+        <p:cNvGrpSpPr/>
+        <p:nvPr/>
+      </p:nvGrpSpPr>
+      <p:grpSpPr>
+        <a:xfrm>
+          <a:off x="0" y="0"/>
+          <a:ext cx="0" cy="0"/>
+          <a:chOff x="0" y="0"/>
+          <a:chExt cx="0" cy="0"/>
+        </a:xfrm>
+      </p:grpSpPr>
+      <p:sp>
+        <p:nvSpPr>
+          <p:cNvPr id="3" name="Text Placeholder 2">
+            <a:extLst>
+              <a:ext uri="{FF2B5EF4-FFF2-40B4-BE49-F238E27FC236}">
+                <a16:creationId xmlns:a16="http://schemas.microsoft.com/office/drawing/2014/main" id="{CBBEC366-C759-494E-BEFD-6DED92045DAC}"/>
+              </a:ext>
+            </a:extLst>
+          </p:cNvPr>
+          <p:cNvSpPr>
+            <a:spLocks noGrp="1"/>
+          </p:cNvSpPr>
+          <p:nvPr>
+            <p:ph type="body" idx="1"/>
+          </p:nvPr>
+        </p:nvSpPr>
+        <p:spPr>
+          <a:xfrm>
+            <a:off x="831850" y="4589464"/>
+            <a:ext cx="10515600" cy="430212"/>
+          </a:xfrm>
+        </p:spPr>
+        <p:txBody>
+          <a:bodyPr/>
+          <a:lstStyle/>
+          <a:p>
+            <a:r>
+              <a:rPr lang="en-US" dirty="0"/>
+              <a:t>A Digital Collaboration Tool</a:t>
+            </a:r>
+          </a:p>
+        </p:txBody>
+      </p:sp>
+      <p:sp>
+        <p:nvSpPr>
+          <p:cNvPr id="7" name="Title 6">
+            <a:extLst>
+              <a:ext uri="{FF2B5EF4-FFF2-40B4-BE49-F238E27FC236}">
+                <a16:creationId xmlns:a16="http://schemas.microsoft.com/office/drawing/2014/main" id="{52783F39-79B3-4870-B7E0-BCD7EAF177B0}"/>
+              </a:ext>
+            </a:extLst>
+          </p:cNvPr>
+          <p:cNvSpPr>
+            <a:spLocks noGrp="1"/>
+          </p:cNvSpPr>
+          <p:nvPr>
+            <p:ph type="title"/>
+          </p:nvPr>
+        </p:nvSpPr>
+        <p:spPr>
+          <a:xfrm>
+            <a:off x="831850" y="3648075"/>
+            <a:ext cx="10515600" cy="914400"/>
+          </a:xfrm>
+        </p:spPr>
+        <p:txBody>
+          <a:bodyPr/>
+          <a:lstStyle/>
+          <a:p>
+            <a:r>
+              <a:rPr lang="en-US" dirty="0"/>
+              <a:t>GitHub</a:t>
+            </a:r>
+          </a:p>
+        </p:txBody>
+      </p:sp>
+      <p:pic>
+        <p:nvPicPr>
+          <p:cNvPr id="9" name="Picture 8">
+            <a:extLst>
+              <a:ext uri="{FF2B5EF4-FFF2-40B4-BE49-F238E27FC236}">
+                <a16:creationId xmlns:a16="http://schemas.microsoft.com/office/drawing/2014/main" id="{42E912D8-9912-46ED-926B-7589D0A17E4C}"/>
+              </a:ext>
+            </a:extLst>
+          </p:cNvPr>
+          <p:cNvPicPr>
+            <a:picLocks noChangeAspect="1"/>
+          </p:cNvPicPr>
+          <p:nvPr/>
+        </p:nvPicPr>
+        <p:blipFill>
+          <a:blip r:embed="rId2">
+            <a:extLst>
+              <a:ext uri="{28A0092B-C50C-407E-A947-70E740481C1C}">
+                <a14:useLocalDpi xmlns:a14="http://schemas.microsoft.com/office/drawing/2010/main" val="0"/>
+              </a:ext>
+            </a:extLst>
+          </a:blip>
+          <a:stretch>
+            <a:fillRect/>
+          </a:stretch>
+        </p:blipFill>
+        <p:spPr>
+          <a:xfrm>
+            <a:off x="9710104" y="3648075"/>
+            <a:ext cx="1650046" cy="1371601"/>
+          </a:xfrm>
+          <a:prstGeom prst="rect">
+            <a:avLst/>
+          </a:prstGeom>
+        </p:spPr>
+      </p:pic>
+    </p:spTree>
+    <p:extLst>
+      <p:ext uri="{BB962C8B-B14F-4D97-AF65-F5344CB8AC3E}">
+        <p14:creationId xmlns:p14="http://schemas.microsoft.com/office/powerpoint/2010/main" val="1851912029"/>
+      </p:ext>
+    </p:extLst>
+  </p:cSld>
+  <p:clrMapOvr>
+    <a:masterClrMapping/>
+  </p:clrMapOvr>
+</p:sld>
+</file>
+
+<file path=ppt/slides/slide9.xml><?xml version="1.0" encoding="utf-8"?>
+<p:sld xmlns:a="http://schemas.openxmlformats.org/drawingml/2006/main" xmlns:r="http://schemas.openxmlformats.org/officeDocument/2006/relationships" xmlns:p="http://schemas.openxmlformats.org/presentationml/2006/main">
+  <p:cSld>
+    <p:spTree>
+      <p:nvGrpSpPr>
+        <p:cNvPr id="1" name=""/>
+        <p:cNvGrpSpPr/>
+        <p:nvPr/>
+      </p:nvGrpSpPr>
+      <p:grpSpPr>
+        <a:xfrm>
+          <a:off x="0" y="0"/>
+          <a:ext cx="0" cy="0"/>
+          <a:chOff x="0" y="0"/>
+          <a:chExt cx="0" cy="0"/>
+        </a:xfrm>
+      </p:grpSpPr>
+      <p:sp>
+        <p:nvSpPr>
+          <p:cNvPr id="4" name="Title 3">
+            <a:extLst>
+              <a:ext uri="{FF2B5EF4-FFF2-40B4-BE49-F238E27FC236}">
+                <a16:creationId xmlns:a16="http://schemas.microsoft.com/office/drawing/2014/main" id="{9705A81E-C182-44B8-A2EC-8959D725DCDD}"/>
+              </a:ext>
+            </a:extLst>
+          </p:cNvPr>
+          <p:cNvSpPr>
+            <a:spLocks noGrp="1"/>
+          </p:cNvSpPr>
+          <p:nvPr>
+            <p:ph type="title"/>
+          </p:nvPr>
+        </p:nvSpPr>
+        <p:spPr/>
+        <p:txBody>
+          <a:bodyPr/>
+          <a:lstStyle/>
+          <a:p>
+            <a:r>
+              <a:rPr lang="en-US" dirty="0"/>
+              <a:t>GitHub Slide Content Placeholder</a:t>
+            </a:r>
+          </a:p>
+        </p:txBody>
+      </p:sp>
+      <p:sp>
+        <p:nvSpPr>
+          <p:cNvPr id="5" name="Content Placeholder 4">
+            <a:extLst>
+              <a:ext uri="{FF2B5EF4-FFF2-40B4-BE49-F238E27FC236}">
+                <a16:creationId xmlns:a16="http://schemas.microsoft.com/office/drawing/2014/main" id="{D3373681-B988-4E83-81E7-EA69C522C2D7}"/>
+              </a:ext>
+            </a:extLst>
+          </p:cNvPr>
+          <p:cNvSpPr>
+            <a:spLocks noGrp="1"/>
+          </p:cNvSpPr>
+          <p:nvPr>
+            <p:ph idx="1"/>
+          </p:nvPr>
+        </p:nvSpPr>
+        <p:spPr/>
+        <p:txBody>
+          <a:bodyPr/>
+          <a:lstStyle/>
+          <a:p>
+            <a:endParaRPr lang="en-US"/>
+          </a:p>
+        </p:txBody>
+      </p:sp>
+    </p:spTree>
+    <p:extLst>
+      <p:ext uri="{BB962C8B-B14F-4D97-AF65-F5344CB8AC3E}">
+        <p14:creationId xmlns:p14="http://schemas.microsoft.com/office/powerpoint/2010/main" val="4004850297"/>
       </p:ext>
     </p:extLst>
   </p:cSld>

--- a/pres_deck.pptx
+++ b/pres_deck.pptx
@@ -13,14 +13,19 @@
     <p:sldId id="262" r:id="rId7"/>
     <p:sldId id="261" r:id="rId8"/>
     <p:sldId id="263" r:id="rId9"/>
-    <p:sldId id="264" r:id="rId10"/>
-    <p:sldId id="266" r:id="rId11"/>
-    <p:sldId id="265" r:id="rId12"/>
-    <p:sldId id="267" r:id="rId13"/>
-    <p:sldId id="268" r:id="rId14"/>
-    <p:sldId id="269" r:id="rId15"/>
-    <p:sldId id="271" r:id="rId16"/>
-    <p:sldId id="270" r:id="rId17"/>
+    <p:sldId id="272" r:id="rId10"/>
+    <p:sldId id="273" r:id="rId11"/>
+    <p:sldId id="274" r:id="rId12"/>
+    <p:sldId id="275" r:id="rId13"/>
+    <p:sldId id="276" r:id="rId14"/>
+    <p:sldId id="264" r:id="rId15"/>
+    <p:sldId id="266" r:id="rId16"/>
+    <p:sldId id="265" r:id="rId17"/>
+    <p:sldId id="267" r:id="rId18"/>
+    <p:sldId id="268" r:id="rId19"/>
+    <p:sldId id="269" r:id="rId20"/>
+    <p:sldId id="271" r:id="rId21"/>
+    <p:sldId id="270" r:id="rId22"/>
   </p:sldIdLst>
   <p:sldSz cx="12192000" cy="6858000"/>
   <p:notesSz cx="6858000" cy="9144000"/>
@@ -136,6 +141,11 @@
         <p14:section name="GitHub" id="{22A46AFE-F935-4EFF-A186-87C503576482}">
           <p14:sldIdLst>
             <p14:sldId id="263"/>
+            <p14:sldId id="272"/>
+            <p14:sldId id="273"/>
+            <p14:sldId id="274"/>
+            <p14:sldId id="275"/>
+            <p14:sldId id="276"/>
             <p14:sldId id="264"/>
           </p14:sldIdLst>
         </p14:section>
@@ -310,7 +320,7 @@
           <a:p>
             <a:fld id="{6A2BB79C-6BB1-4438-8F46-9EDF1954807C}" type="datetimeFigureOut">
               <a:rPr lang="en-US" smtClean="0"/>
-              <a:t>9/14/2018</a:t>
+              <a:t>9/17/2018</a:t>
             </a:fld>
             <a:endParaRPr lang="en-US"/>
           </a:p>
@@ -508,7 +518,7 @@
           <a:p>
             <a:fld id="{6A2BB79C-6BB1-4438-8F46-9EDF1954807C}" type="datetimeFigureOut">
               <a:rPr lang="en-US" smtClean="0"/>
-              <a:t>9/14/2018</a:t>
+              <a:t>9/17/2018</a:t>
             </a:fld>
             <a:endParaRPr lang="en-US"/>
           </a:p>
@@ -716,7 +726,7 @@
           <a:p>
             <a:fld id="{6A2BB79C-6BB1-4438-8F46-9EDF1954807C}" type="datetimeFigureOut">
               <a:rPr lang="en-US" smtClean="0"/>
-              <a:t>9/14/2018</a:t>
+              <a:t>9/17/2018</a:t>
             </a:fld>
             <a:endParaRPr lang="en-US"/>
           </a:p>
@@ -914,7 +924,7 @@
           <a:p>
             <a:fld id="{6A2BB79C-6BB1-4438-8F46-9EDF1954807C}" type="datetimeFigureOut">
               <a:rPr lang="en-US" smtClean="0"/>
-              <a:t>9/14/2018</a:t>
+              <a:t>9/17/2018</a:t>
             </a:fld>
             <a:endParaRPr lang="en-US"/>
           </a:p>
@@ -1189,7 +1199,7 @@
           <a:p>
             <a:fld id="{6A2BB79C-6BB1-4438-8F46-9EDF1954807C}" type="datetimeFigureOut">
               <a:rPr lang="en-US" smtClean="0"/>
-              <a:t>9/14/2018</a:t>
+              <a:t>9/17/2018</a:t>
             </a:fld>
             <a:endParaRPr lang="en-US"/>
           </a:p>
@@ -1454,7 +1464,7 @@
           <a:p>
             <a:fld id="{6A2BB79C-6BB1-4438-8F46-9EDF1954807C}" type="datetimeFigureOut">
               <a:rPr lang="en-US" smtClean="0"/>
-              <a:t>9/14/2018</a:t>
+              <a:t>9/17/2018</a:t>
             </a:fld>
             <a:endParaRPr lang="en-US"/>
           </a:p>
@@ -1866,7 +1876,7 @@
           <a:p>
             <a:fld id="{6A2BB79C-6BB1-4438-8F46-9EDF1954807C}" type="datetimeFigureOut">
               <a:rPr lang="en-US" smtClean="0"/>
-              <a:t>9/14/2018</a:t>
+              <a:t>9/17/2018</a:t>
             </a:fld>
             <a:endParaRPr lang="en-US"/>
           </a:p>
@@ -2007,7 +2017,7 @@
           <a:p>
             <a:fld id="{6A2BB79C-6BB1-4438-8F46-9EDF1954807C}" type="datetimeFigureOut">
               <a:rPr lang="en-US" smtClean="0"/>
-              <a:t>9/14/2018</a:t>
+              <a:t>9/17/2018</a:t>
             </a:fld>
             <a:endParaRPr lang="en-US"/>
           </a:p>
@@ -2120,7 +2130,7 @@
           <a:p>
             <a:fld id="{6A2BB79C-6BB1-4438-8F46-9EDF1954807C}" type="datetimeFigureOut">
               <a:rPr lang="en-US" smtClean="0"/>
-              <a:t>9/14/2018</a:t>
+              <a:t>9/17/2018</a:t>
             </a:fld>
             <a:endParaRPr lang="en-US"/>
           </a:p>
@@ -2431,7 +2441,7 @@
           <a:p>
             <a:fld id="{6A2BB79C-6BB1-4438-8F46-9EDF1954807C}" type="datetimeFigureOut">
               <a:rPr lang="en-US" smtClean="0"/>
-              <a:t>9/14/2018</a:t>
+              <a:t>9/17/2018</a:t>
             </a:fld>
             <a:endParaRPr lang="en-US"/>
           </a:p>
@@ -2719,7 +2729,7 @@
           <a:p>
             <a:fld id="{6A2BB79C-6BB1-4438-8F46-9EDF1954807C}" type="datetimeFigureOut">
               <a:rPr lang="en-US" smtClean="0"/>
-              <a:t>9/14/2018</a:t>
+              <a:t>9/17/2018</a:t>
             </a:fld>
             <a:endParaRPr lang="en-US"/>
           </a:p>
@@ -2960,7 +2970,7 @@
           <a:p>
             <a:fld id="{6A2BB79C-6BB1-4438-8F46-9EDF1954807C}" type="datetimeFigureOut">
               <a:rPr lang="en-US" smtClean="0"/>
-              <a:t>9/14/2018</a:t>
+              <a:t>9/17/2018</a:t>
             </a:fld>
             <a:endParaRPr lang="en-US"/>
           </a:p>
@@ -3605,46 +3615,7 @@
       </p:grpSpPr>
       <p:sp>
         <p:nvSpPr>
-          <p:cNvPr id="3" name="Text Placeholder 2">
-            <a:extLst>
-              <a:ext uri="{FF2B5EF4-FFF2-40B4-BE49-F238E27FC236}">
-                <a16:creationId xmlns:a16="http://schemas.microsoft.com/office/drawing/2014/main" id="{CBBEC366-C759-494E-BEFD-6DED92045DAC}"/>
-              </a:ext>
-            </a:extLst>
-          </p:cNvPr>
-          <p:cNvSpPr>
-            <a:spLocks noGrp="1"/>
-          </p:cNvSpPr>
-          <p:nvPr>
-            <p:ph type="body" idx="1"/>
-          </p:nvPr>
-        </p:nvSpPr>
-        <p:spPr>
-          <a:xfrm>
-            <a:off x="831850" y="4589464"/>
-            <a:ext cx="10515600" cy="430212"/>
-          </a:xfrm>
-        </p:spPr>
-        <p:txBody>
-          <a:bodyPr/>
-          <a:lstStyle/>
-          <a:p>
-            <a:r>
-              <a:rPr lang="en-US" dirty="0"/>
-              <a:t>Learning from Past Collaborations</a:t>
-            </a:r>
-          </a:p>
-        </p:txBody>
-      </p:sp>
-      <p:sp>
-        <p:nvSpPr>
-          <p:cNvPr id="7" name="Title 6">
-            <a:extLst>
-              <a:ext uri="{FF2B5EF4-FFF2-40B4-BE49-F238E27FC236}">
-                <a16:creationId xmlns:a16="http://schemas.microsoft.com/office/drawing/2014/main" id="{52783F39-79B3-4870-B7E0-BCD7EAF177B0}"/>
-              </a:ext>
-            </a:extLst>
-          </p:cNvPr>
+          <p:cNvPr id="2" name="Title 1"/>
           <p:cNvSpPr>
             <a:spLocks noGrp="1"/>
           </p:cNvSpPr>
@@ -3652,27 +3623,42 @@
             <p:ph type="title"/>
           </p:nvPr>
         </p:nvSpPr>
-        <p:spPr>
-          <a:xfrm>
-            <a:off x="831850" y="3648075"/>
-            <a:ext cx="10515600" cy="914400"/>
-          </a:xfrm>
-        </p:spPr>
-        <p:txBody>
-          <a:bodyPr/>
-          <a:lstStyle/>
-          <a:p>
-            <a:r>
-              <a:rPr lang="en-US" dirty="0"/>
-              <a:t>Small Group Discussions</a:t>
-            </a:r>
+        <p:spPr/>
+        <p:txBody>
+          <a:bodyPr/>
+          <a:lstStyle/>
+          <a:p>
+            <a:r>
+              <a:rPr lang="en-US" dirty="0" smtClean="0"/>
+              <a:t>Some examples</a:t>
+            </a:r>
+            <a:endParaRPr lang="en-US" dirty="0"/>
+          </a:p>
+        </p:txBody>
+      </p:sp>
+      <p:sp>
+        <p:nvSpPr>
+          <p:cNvPr id="3" name="Content Placeholder 2"/>
+          <p:cNvSpPr>
+            <a:spLocks noGrp="1"/>
+          </p:cNvSpPr>
+          <p:nvPr>
+            <p:ph idx="1"/>
+          </p:nvPr>
+        </p:nvSpPr>
+        <p:spPr/>
+        <p:txBody>
+          <a:bodyPr/>
+          <a:lstStyle/>
+          <a:p>
+            <a:endParaRPr lang="en-US"/>
           </a:p>
         </p:txBody>
       </p:sp>
     </p:spTree>
     <p:extLst>
       <p:ext uri="{BB962C8B-B14F-4D97-AF65-F5344CB8AC3E}">
-        <p14:creationId xmlns:p14="http://schemas.microsoft.com/office/powerpoint/2010/main" val="1827043774"/>
+        <p14:creationId xmlns:p14="http://schemas.microsoft.com/office/powerpoint/2010/main" val="760688889"/>
       </p:ext>
     </p:extLst>
   </p:cSld>
@@ -3701,13 +3687,7 @@
       </p:grpSpPr>
       <p:sp>
         <p:nvSpPr>
-          <p:cNvPr id="2" name="Title 1">
-            <a:extLst>
-              <a:ext uri="{FF2B5EF4-FFF2-40B4-BE49-F238E27FC236}">
-                <a16:creationId xmlns:a16="http://schemas.microsoft.com/office/drawing/2014/main" id="{4DBB3D5F-2B2C-4880-8F07-4EA749825D10}"/>
-              </a:ext>
-            </a:extLst>
-          </p:cNvPr>
+          <p:cNvPr id="2" name="Title 1"/>
           <p:cNvSpPr>
             <a:spLocks noGrp="1"/>
           </p:cNvSpPr>
@@ -3721,21 +3701,24 @@
           <a:lstStyle/>
           <a:p>
             <a:r>
-              <a:rPr lang="en-US" dirty="0"/>
-              <a:t>Small Group Discussions</a:t>
-            </a:r>
-          </a:p>
-        </p:txBody>
-      </p:sp>
-      <p:sp>
-        <p:nvSpPr>
-          <p:cNvPr id="3" name="Content Placeholder 2">
-            <a:extLst>
-              <a:ext uri="{FF2B5EF4-FFF2-40B4-BE49-F238E27FC236}">
-                <a16:creationId xmlns:a16="http://schemas.microsoft.com/office/drawing/2014/main" id="{58DA7441-F606-4D88-B3AB-F330ECBB4130}"/>
-              </a:ext>
-            </a:extLst>
-          </p:cNvPr>
+              <a:rPr lang="en-US" dirty="0" smtClean="0"/>
+              <a:t>What are the pros of </a:t>
+            </a:r>
+            <a:r>
+              <a:rPr lang="en-US" dirty="0" err="1" smtClean="0"/>
+              <a:t>Github</a:t>
+            </a:r>
+            <a:r>
+              <a:rPr lang="en-US" dirty="0" smtClean="0"/>
+              <a:t>?</a:t>
+            </a:r>
+            <a:endParaRPr lang="en-US" dirty="0"/>
+          </a:p>
+        </p:txBody>
+      </p:sp>
+      <p:sp>
+        <p:nvSpPr>
+          <p:cNvPr id="3" name="Content Placeholder 2"/>
           <p:cNvSpPr>
             <a:spLocks noGrp="1"/>
           </p:cNvSpPr>
@@ -3745,90 +3728,21 @@
         </p:nvSpPr>
         <p:spPr/>
         <p:txBody>
-          <a:bodyPr>
-            <a:normAutofit lnSpcReduction="10000"/>
-          </a:bodyPr>
-          <a:lstStyle/>
-          <a:p>
-            <a:pPr marL="0" indent="0">
-              <a:buNone/>
-            </a:pPr>
-            <a:r>
-              <a:rPr lang="en-US" b="1" i="1" dirty="0"/>
-              <a:t>What you’ll need…</a:t>
-            </a:r>
-          </a:p>
-          <a:p>
-            <a:pPr marL="514350" indent="-514350">
-              <a:buAutoNum type="arabicPeriod"/>
-            </a:pPr>
-            <a:r>
-              <a:rPr lang="en-US" dirty="0"/>
-              <a:t>Some people to talk with</a:t>
-            </a:r>
-          </a:p>
-          <a:p>
-            <a:pPr marL="514350" indent="-514350">
-              <a:buAutoNum type="arabicPeriod"/>
-            </a:pPr>
-            <a:r>
-              <a:rPr lang="en-US" dirty="0"/>
-              <a:t>Some notetaking technology (e.g., pen and paper, laptop, tablet)</a:t>
-            </a:r>
-          </a:p>
-          <a:p>
-            <a:pPr marL="514350" indent="-514350">
-              <a:buAutoNum type="arabicPeriod"/>
-            </a:pPr>
+          <a:bodyPr/>
+          <a:lstStyle/>
+          <a:p>
+            <a:r>
+              <a:rPr lang="en-US" dirty="0" smtClean="0"/>
+              <a:t>Discuss in groups (x minutes)</a:t>
+            </a:r>
             <a:endParaRPr lang="en-US" dirty="0"/>
-          </a:p>
-          <a:p>
-            <a:pPr marL="0" indent="0">
-              <a:buNone/>
-            </a:pPr>
-            <a:r>
-              <a:rPr lang="en-US" b="1" i="1" dirty="0"/>
-              <a:t>What we’ll do…</a:t>
-            </a:r>
-          </a:p>
-          <a:p>
-            <a:pPr marL="514350" indent="-514350">
-              <a:buAutoNum type="arabicPeriod"/>
-            </a:pPr>
-            <a:r>
-              <a:rPr lang="en-US" dirty="0"/>
-              <a:t>Reflect on past collaborative experiences</a:t>
-            </a:r>
-          </a:p>
-          <a:p>
-            <a:pPr marL="514350" indent="-514350">
-              <a:buAutoNum type="arabicPeriod"/>
-            </a:pPr>
-            <a:r>
-              <a:rPr lang="en-US" dirty="0"/>
-              <a:t>Gather anecdotal evidence to support </a:t>
-            </a:r>
-            <a:r>
-              <a:rPr lang="en-US" i="1" dirty="0"/>
-              <a:t>The N Commandments of Collaborative Computing</a:t>
-            </a:r>
-            <a:endParaRPr lang="en-US" dirty="0"/>
-          </a:p>
-          <a:p>
-            <a:pPr marL="514350" indent="-514350">
-              <a:buAutoNum type="arabicPeriod"/>
-            </a:pPr>
-            <a:r>
-              <a:rPr lang="en-US" dirty="0"/>
-              <a:t>Focus on digital aspects and tools that worked (or not)</a:t>
-            </a:r>
           </a:p>
         </p:txBody>
       </p:sp>
     </p:spTree>
     <p:extLst>
       <p:ext uri="{BB962C8B-B14F-4D97-AF65-F5344CB8AC3E}">
-        <p14:creationId xmlns:p14="http://schemas.microsoft.com/office/powerpoint/2010/main" val="431935109"/>
+        <p14:creationId xmlns:p14="http://schemas.microsoft.com/office/powerpoint/2010/main" val="729585267"/>
       </p:ext>
     </p:extLst>
   </p:cSld>
@@ -3857,13 +3771,7 @@
       </p:grpSpPr>
       <p:sp>
         <p:nvSpPr>
-          <p:cNvPr id="2" name="Title 1">
-            <a:extLst>
-              <a:ext uri="{FF2B5EF4-FFF2-40B4-BE49-F238E27FC236}">
-                <a16:creationId xmlns:a16="http://schemas.microsoft.com/office/drawing/2014/main" id="{F03E117D-36C5-4FC7-8EEF-CDC513A6F7D0}"/>
-              </a:ext>
-            </a:extLst>
-          </p:cNvPr>
+          <p:cNvPr id="2" name="Title 1"/>
           <p:cNvSpPr>
             <a:spLocks noGrp="1"/>
           </p:cNvSpPr>
@@ -3877,75 +3785,50 @@
           <a:lstStyle/>
           <a:p>
             <a:r>
+              <a:rPr lang="en-US" dirty="0" smtClean="0"/>
+              <a:t>What are the cons of </a:t>
+            </a:r>
+            <a:r>
+              <a:rPr lang="en-US" dirty="0" err="1" smtClean="0"/>
+              <a:t>Github</a:t>
+            </a:r>
+            <a:r>
+              <a:rPr lang="en-US" dirty="0" smtClean="0"/>
+              <a:t>?</a:t>
+            </a:r>
+            <a:endParaRPr lang="en-US" dirty="0"/>
+          </a:p>
+        </p:txBody>
+      </p:sp>
+      <p:sp>
+        <p:nvSpPr>
+          <p:cNvPr id="3" name="Content Placeholder 2"/>
+          <p:cNvSpPr>
+            <a:spLocks noGrp="1"/>
+          </p:cNvSpPr>
+          <p:nvPr>
+            <p:ph idx="1"/>
+          </p:nvPr>
+        </p:nvSpPr>
+        <p:spPr/>
+        <p:txBody>
+          <a:bodyPr/>
+          <a:lstStyle/>
+          <a:p>
+            <a:r>
               <a:rPr lang="en-US" dirty="0"/>
-              <a:t>Part 1: Introductions</a:t>
-            </a:r>
-          </a:p>
-        </p:txBody>
-      </p:sp>
-      <p:sp>
-        <p:nvSpPr>
-          <p:cNvPr id="3" name="Content Placeholder 2">
-            <a:extLst>
-              <a:ext uri="{FF2B5EF4-FFF2-40B4-BE49-F238E27FC236}">
-                <a16:creationId xmlns:a16="http://schemas.microsoft.com/office/drawing/2014/main" id="{C35EAB37-4B0D-4848-B2E9-CCE1852B766C}"/>
-              </a:ext>
-            </a:extLst>
-          </p:cNvPr>
-          <p:cNvSpPr>
-            <a:spLocks noGrp="1"/>
-          </p:cNvSpPr>
-          <p:nvPr>
-            <p:ph idx="1"/>
-          </p:nvPr>
-        </p:nvSpPr>
-        <p:spPr/>
-        <p:txBody>
-          <a:bodyPr/>
-          <a:lstStyle/>
-          <a:p>
-            <a:pPr marL="0" indent="0">
-              <a:buNone/>
-            </a:pPr>
-            <a:r>
-              <a:rPr lang="en-US" b="1" i="1" dirty="0"/>
-              <a:t>Share…</a:t>
-            </a:r>
+              <a:t>Discuss in groups (x minutes)</a:t>
+            </a:r>
+          </a:p>
+          <a:p>
             <a:endParaRPr lang="en-US" dirty="0"/>
-          </a:p>
-          <a:p>
-            <a:pPr marL="514350" indent="-514350">
-              <a:buAutoNum type="arabicPeriod"/>
-            </a:pPr>
-            <a:r>
-              <a:rPr lang="en-US" dirty="0"/>
-              <a:t>Institution and LTER site</a:t>
-            </a:r>
-          </a:p>
-          <a:p>
-            <a:pPr marL="514350" indent="-514350">
-              <a:buAutoNum type="arabicPeriod"/>
-            </a:pPr>
-            <a:r>
-              <a:rPr lang="en-US" dirty="0"/>
-              <a:t>Role (e.g., professor, postdoc, grad student, etc.)</a:t>
-            </a:r>
-          </a:p>
-          <a:p>
-            <a:pPr marL="514350" indent="-514350">
-              <a:buAutoNum type="arabicPeriod"/>
-            </a:pPr>
-            <a:r>
-              <a:rPr lang="en-US" dirty="0"/>
-              <a:t>Research area</a:t>
-            </a:r>
           </a:p>
         </p:txBody>
       </p:sp>
     </p:spTree>
     <p:extLst>
       <p:ext uri="{BB962C8B-B14F-4D97-AF65-F5344CB8AC3E}">
-        <p14:creationId xmlns:p14="http://schemas.microsoft.com/office/powerpoint/2010/main" val="3064312405"/>
+        <p14:creationId xmlns:p14="http://schemas.microsoft.com/office/powerpoint/2010/main" val="2478776565"/>
       </p:ext>
     </p:extLst>
   </p:cSld>
@@ -3974,13 +3857,7 @@
       </p:grpSpPr>
       <p:sp>
         <p:nvSpPr>
-          <p:cNvPr id="2" name="Title 1">
-            <a:extLst>
-              <a:ext uri="{FF2B5EF4-FFF2-40B4-BE49-F238E27FC236}">
-                <a16:creationId xmlns:a16="http://schemas.microsoft.com/office/drawing/2014/main" id="{063DBBFE-8E9D-41E2-BD09-9C4A32165836}"/>
-              </a:ext>
-            </a:extLst>
-          </p:cNvPr>
+          <p:cNvPr id="2" name="Title 1"/>
           <p:cNvSpPr>
             <a:spLocks noGrp="1"/>
           </p:cNvSpPr>
@@ -3994,21 +3871,16 @@
           <a:lstStyle/>
           <a:p>
             <a:r>
-              <a:rPr lang="en-US" dirty="0"/>
-              <a:t>Part 2: Reflecting Back</a:t>
-            </a:r>
-          </a:p>
-        </p:txBody>
-      </p:sp>
-      <p:sp>
-        <p:nvSpPr>
-          <p:cNvPr id="3" name="Content Placeholder 2">
-            <a:extLst>
-              <a:ext uri="{FF2B5EF4-FFF2-40B4-BE49-F238E27FC236}">
-                <a16:creationId xmlns:a16="http://schemas.microsoft.com/office/drawing/2014/main" id="{527F693A-CD83-4ECC-A63D-6E07BDA34141}"/>
-              </a:ext>
-            </a:extLst>
-          </p:cNvPr>
+              <a:rPr lang="en-US" dirty="0" smtClean="0"/>
+              <a:t>Resources for learning more</a:t>
+            </a:r>
+            <a:endParaRPr lang="en-US" dirty="0"/>
+          </a:p>
+        </p:txBody>
+      </p:sp>
+      <p:sp>
+        <p:nvSpPr>
+          <p:cNvPr id="3" name="Content Placeholder 2"/>
           <p:cNvSpPr>
             <a:spLocks noGrp="1"/>
           </p:cNvSpPr>
@@ -4021,48 +3893,14 @@
           <a:bodyPr/>
           <a:lstStyle/>
           <a:p>
-            <a:pPr marL="0" indent="0">
-              <a:buNone/>
-            </a:pPr>
-            <a:r>
-              <a:rPr lang="en-US" b="1" i="1" dirty="0"/>
-              <a:t>Think…</a:t>
-            </a:r>
-            <a:endParaRPr lang="en-US" dirty="0"/>
-          </a:p>
-          <a:p>
-            <a:pPr marL="514350" indent="-514350">
-              <a:buAutoNum type="arabicPeriod"/>
-            </a:pPr>
-            <a:r>
-              <a:rPr lang="en-US" dirty="0"/>
-              <a:t>Blah</a:t>
-            </a:r>
-          </a:p>
-          <a:p>
-            <a:pPr marL="514350" indent="-514350">
-              <a:buAutoNum type="arabicPeriod"/>
-            </a:pPr>
-            <a:r>
-              <a:rPr lang="en-US" dirty="0"/>
-              <a:t>Blah</a:t>
-            </a:r>
-          </a:p>
-          <a:p>
-            <a:pPr marL="0" indent="0">
-              <a:buNone/>
-            </a:pPr>
-            <a:r>
-              <a:rPr lang="en-US" b="1" i="1" dirty="0"/>
-              <a:t>Share…</a:t>
-            </a:r>
+            <a:endParaRPr lang="en-US"/>
           </a:p>
         </p:txBody>
       </p:sp>
     </p:spTree>
     <p:extLst>
       <p:ext uri="{BB962C8B-B14F-4D97-AF65-F5344CB8AC3E}">
-        <p14:creationId xmlns:p14="http://schemas.microsoft.com/office/powerpoint/2010/main" val="2276565651"/>
+        <p14:creationId xmlns:p14="http://schemas.microsoft.com/office/powerpoint/2010/main" val="1669023424"/>
       </p:ext>
     </p:extLst>
   </p:cSld>
@@ -4091,10 +3929,10 @@
       </p:grpSpPr>
       <p:sp>
         <p:nvSpPr>
-          <p:cNvPr id="2" name="Title 1">
-            <a:extLst>
-              <a:ext uri="{FF2B5EF4-FFF2-40B4-BE49-F238E27FC236}">
-                <a16:creationId xmlns:a16="http://schemas.microsoft.com/office/drawing/2014/main" id="{8767DBB4-F5AD-4316-BE61-85136EBF7846}"/>
+          <p:cNvPr id="4" name="Title 3">
+            <a:extLst>
+              <a:ext uri="{FF2B5EF4-FFF2-40B4-BE49-F238E27FC236}">
+                <a16:creationId xmlns:a16="http://schemas.microsoft.com/office/drawing/2014/main" id="{9705A81E-C182-44B8-A2EC-8959D725DCDD}"/>
               </a:ext>
             </a:extLst>
           </p:cNvPr>
@@ -4112,17 +3950,17 @@
           <a:p>
             <a:r>
               <a:rPr lang="en-US" dirty="0"/>
-              <a:t>Part 3: Looking Forward</a:t>
-            </a:r>
-          </a:p>
-        </p:txBody>
-      </p:sp>
-      <p:sp>
-        <p:nvSpPr>
-          <p:cNvPr id="3" name="Content Placeholder 2">
-            <a:extLst>
-              <a:ext uri="{FF2B5EF4-FFF2-40B4-BE49-F238E27FC236}">
-                <a16:creationId xmlns:a16="http://schemas.microsoft.com/office/drawing/2014/main" id="{29E78B52-C2A3-4828-A172-D913CA1C5929}"/>
+              <a:t>GitHub Slide Content Placeholder</a:t>
+            </a:r>
+          </a:p>
+        </p:txBody>
+      </p:sp>
+      <p:sp>
+        <p:nvSpPr>
+          <p:cNvPr id="5" name="Content Placeholder 4">
+            <a:extLst>
+              <a:ext uri="{FF2B5EF4-FFF2-40B4-BE49-F238E27FC236}">
+                <a16:creationId xmlns:a16="http://schemas.microsoft.com/office/drawing/2014/main" id="{D3373681-B988-4E83-81E7-EA69C522C2D7}"/>
               </a:ext>
             </a:extLst>
           </p:cNvPr>
@@ -4138,54 +3976,14 @@
           <a:bodyPr/>
           <a:lstStyle/>
           <a:p>
-            <a:pPr marL="0" indent="0">
-              <a:buNone/>
-            </a:pPr>
-            <a:r>
-              <a:rPr lang="en-US" b="1" i="1" dirty="0"/>
-              <a:t>Think…</a:t>
-            </a:r>
-            <a:endParaRPr lang="en-US" dirty="0"/>
-          </a:p>
-          <a:p>
-            <a:pPr marL="514350" indent="-514350">
-              <a:buAutoNum type="arabicPeriod"/>
-            </a:pPr>
-            <a:r>
-              <a:rPr lang="en-US" dirty="0"/>
-              <a:t>Blah</a:t>
-            </a:r>
-          </a:p>
-          <a:p>
-            <a:pPr marL="514350" indent="-514350">
-              <a:buAutoNum type="arabicPeriod"/>
-            </a:pPr>
-            <a:r>
-              <a:rPr lang="en-US" dirty="0"/>
-              <a:t>Blah</a:t>
-            </a:r>
-          </a:p>
-          <a:p>
-            <a:pPr marL="0" indent="0">
-              <a:buNone/>
-            </a:pPr>
-            <a:r>
-              <a:rPr lang="en-US" b="1" i="1" dirty="0"/>
-              <a:t>Share…</a:t>
-            </a:r>
-          </a:p>
-          <a:p>
-            <a:pPr marL="0" indent="0">
-              <a:buNone/>
-            </a:pPr>
-            <a:endParaRPr lang="en-US" dirty="0"/>
+            <a:endParaRPr lang="en-US"/>
           </a:p>
         </p:txBody>
       </p:sp>
     </p:spTree>
     <p:extLst>
       <p:ext uri="{BB962C8B-B14F-4D97-AF65-F5344CB8AC3E}">
-        <p14:creationId xmlns:p14="http://schemas.microsoft.com/office/powerpoint/2010/main" val="323198984"/>
+        <p14:creationId xmlns:p14="http://schemas.microsoft.com/office/powerpoint/2010/main" val="4004850297"/>
       </p:ext>
     </p:extLst>
   </p:cSld>
@@ -4240,7 +4038,7 @@
           <a:p>
             <a:r>
               <a:rPr lang="en-US" dirty="0"/>
-              <a:t>Developing the N Commandments</a:t>
+              <a:t>Learning from Past Collaborations</a:t>
             </a:r>
           </a:p>
         </p:txBody>
@@ -4273,7 +4071,7 @@
           <a:p>
             <a:r>
               <a:rPr lang="en-US" dirty="0"/>
-              <a:t>Consensus Building</a:t>
+              <a:t>Small Group Discussions</a:t>
             </a:r>
           </a:p>
         </p:txBody>
@@ -4281,7 +4079,7 @@
     </p:spTree>
     <p:extLst>
       <p:ext uri="{BB962C8B-B14F-4D97-AF65-F5344CB8AC3E}">
-        <p14:creationId xmlns:p14="http://schemas.microsoft.com/office/powerpoint/2010/main" val="885996570"/>
+        <p14:creationId xmlns:p14="http://schemas.microsoft.com/office/powerpoint/2010/main" val="1827043774"/>
       </p:ext>
     </p:extLst>
   </p:cSld>
@@ -4313,7 +4111,7 @@
           <p:cNvPr id="2" name="Title 1">
             <a:extLst>
               <a:ext uri="{FF2B5EF4-FFF2-40B4-BE49-F238E27FC236}">
-                <a16:creationId xmlns:a16="http://schemas.microsoft.com/office/drawing/2014/main" id="{D341A550-712D-4A10-8D9F-CD327680AA41}"/>
+                <a16:creationId xmlns:a16="http://schemas.microsoft.com/office/drawing/2014/main" id="{4DBB3D5F-2B2C-4880-8F07-4EA749825D10}"/>
               </a:ext>
             </a:extLst>
           </p:cNvPr>
@@ -4329,39 +4127,472 @@
           <a:bodyPr/>
           <a:lstStyle/>
           <a:p>
+            <a:r>
+              <a:rPr lang="en-US" dirty="0"/>
+              <a:t>Small Group Discussions</a:t>
+            </a:r>
+          </a:p>
+        </p:txBody>
+      </p:sp>
+      <p:sp>
+        <p:nvSpPr>
+          <p:cNvPr id="3" name="Content Placeholder 2">
+            <a:extLst>
+              <a:ext uri="{FF2B5EF4-FFF2-40B4-BE49-F238E27FC236}">
+                <a16:creationId xmlns:a16="http://schemas.microsoft.com/office/drawing/2014/main" id="{58DA7441-F606-4D88-B3AB-F330ECBB4130}"/>
+              </a:ext>
+            </a:extLst>
+          </p:cNvPr>
+          <p:cNvSpPr>
+            <a:spLocks noGrp="1"/>
+          </p:cNvSpPr>
+          <p:nvPr>
+            <p:ph idx="1"/>
+          </p:nvPr>
+        </p:nvSpPr>
+        <p:spPr/>
+        <p:txBody>
+          <a:bodyPr>
+            <a:normAutofit lnSpcReduction="10000"/>
+          </a:bodyPr>
+          <a:lstStyle/>
+          <a:p>
+            <a:pPr marL="0" indent="0">
+              <a:buNone/>
+            </a:pPr>
+            <a:r>
+              <a:rPr lang="en-US" b="1" i="1" dirty="0"/>
+              <a:t>What you’ll need…</a:t>
+            </a:r>
+          </a:p>
+          <a:p>
+            <a:pPr marL="514350" indent="-514350">
+              <a:buAutoNum type="arabicPeriod"/>
+            </a:pPr>
+            <a:r>
+              <a:rPr lang="en-US" dirty="0"/>
+              <a:t>Some people to talk with</a:t>
+            </a:r>
+          </a:p>
+          <a:p>
+            <a:pPr marL="514350" indent="-514350">
+              <a:buAutoNum type="arabicPeriod"/>
+            </a:pPr>
+            <a:r>
+              <a:rPr lang="en-US" dirty="0"/>
+              <a:t>Some notetaking technology (e.g., pen and paper, laptop, tablet)</a:t>
+            </a:r>
+          </a:p>
+          <a:p>
+            <a:pPr marL="514350" indent="-514350">
+              <a:buAutoNum type="arabicPeriod"/>
+            </a:pPr>
             <a:endParaRPr lang="en-US" dirty="0"/>
           </a:p>
-        </p:txBody>
-      </p:sp>
-      <p:sp>
-        <p:nvSpPr>
-          <p:cNvPr id="3" name="Content Placeholder 2">
-            <a:extLst>
-              <a:ext uri="{FF2B5EF4-FFF2-40B4-BE49-F238E27FC236}">
-                <a16:creationId xmlns:a16="http://schemas.microsoft.com/office/drawing/2014/main" id="{62C8C4C7-120E-4230-8E60-B64F8C51C634}"/>
-              </a:ext>
-            </a:extLst>
-          </p:cNvPr>
-          <p:cNvSpPr>
-            <a:spLocks noGrp="1"/>
-          </p:cNvSpPr>
-          <p:nvPr>
-            <p:ph idx="1"/>
-          </p:nvPr>
-        </p:nvSpPr>
-        <p:spPr/>
-        <p:txBody>
-          <a:bodyPr/>
-          <a:lstStyle/>
-          <a:p>
+          <a:p>
+            <a:pPr marL="0" indent="0">
+              <a:buNone/>
+            </a:pPr>
+            <a:r>
+              <a:rPr lang="en-US" b="1" i="1" dirty="0"/>
+              <a:t>What we’ll do…</a:t>
+            </a:r>
+          </a:p>
+          <a:p>
+            <a:pPr marL="514350" indent="-514350">
+              <a:buAutoNum type="arabicPeriod"/>
+            </a:pPr>
+            <a:r>
+              <a:rPr lang="en-US" dirty="0"/>
+              <a:t>Reflect on past collaborative experiences</a:t>
+            </a:r>
+          </a:p>
+          <a:p>
+            <a:pPr marL="514350" indent="-514350">
+              <a:buAutoNum type="arabicPeriod"/>
+            </a:pPr>
+            <a:r>
+              <a:rPr lang="en-US" dirty="0"/>
+              <a:t>Gather anecdotal evidence to support </a:t>
+            </a:r>
+            <a:r>
+              <a:rPr lang="en-US" i="1" dirty="0"/>
+              <a:t>The N Commandments of Collaborative Computing</a:t>
+            </a:r>
             <a:endParaRPr lang="en-US" dirty="0"/>
+          </a:p>
+          <a:p>
+            <a:pPr marL="514350" indent="-514350">
+              <a:buAutoNum type="arabicPeriod"/>
+            </a:pPr>
+            <a:r>
+              <a:rPr lang="en-US" dirty="0"/>
+              <a:t>Focus on digital aspects and tools that worked (or not)</a:t>
+            </a:r>
           </a:p>
         </p:txBody>
       </p:sp>
     </p:spTree>
     <p:extLst>
       <p:ext uri="{BB962C8B-B14F-4D97-AF65-F5344CB8AC3E}">
-        <p14:creationId xmlns:p14="http://schemas.microsoft.com/office/powerpoint/2010/main" val="3269339386"/>
+        <p14:creationId xmlns:p14="http://schemas.microsoft.com/office/powerpoint/2010/main" val="431935109"/>
+      </p:ext>
+    </p:extLst>
+  </p:cSld>
+  <p:clrMapOvr>
+    <a:masterClrMapping/>
+  </p:clrMapOvr>
+</p:sld>
+</file>
+
+<file path=ppt/slides/slide17.xml><?xml version="1.0" encoding="utf-8"?>
+<p:sld xmlns:a="http://schemas.openxmlformats.org/drawingml/2006/main" xmlns:r="http://schemas.openxmlformats.org/officeDocument/2006/relationships" xmlns:p="http://schemas.openxmlformats.org/presentationml/2006/main">
+  <p:cSld>
+    <p:spTree>
+      <p:nvGrpSpPr>
+        <p:cNvPr id="1" name=""/>
+        <p:cNvGrpSpPr/>
+        <p:nvPr/>
+      </p:nvGrpSpPr>
+      <p:grpSpPr>
+        <a:xfrm>
+          <a:off x="0" y="0"/>
+          <a:ext cx="0" cy="0"/>
+          <a:chOff x="0" y="0"/>
+          <a:chExt cx="0" cy="0"/>
+        </a:xfrm>
+      </p:grpSpPr>
+      <p:sp>
+        <p:nvSpPr>
+          <p:cNvPr id="2" name="Title 1">
+            <a:extLst>
+              <a:ext uri="{FF2B5EF4-FFF2-40B4-BE49-F238E27FC236}">
+                <a16:creationId xmlns:a16="http://schemas.microsoft.com/office/drawing/2014/main" id="{F03E117D-36C5-4FC7-8EEF-CDC513A6F7D0}"/>
+              </a:ext>
+            </a:extLst>
+          </p:cNvPr>
+          <p:cNvSpPr>
+            <a:spLocks noGrp="1"/>
+          </p:cNvSpPr>
+          <p:nvPr>
+            <p:ph type="title"/>
+          </p:nvPr>
+        </p:nvSpPr>
+        <p:spPr/>
+        <p:txBody>
+          <a:bodyPr/>
+          <a:lstStyle/>
+          <a:p>
+            <a:r>
+              <a:rPr lang="en-US" dirty="0"/>
+              <a:t>Part 1: Introductions</a:t>
+            </a:r>
+          </a:p>
+        </p:txBody>
+      </p:sp>
+      <p:sp>
+        <p:nvSpPr>
+          <p:cNvPr id="3" name="Content Placeholder 2">
+            <a:extLst>
+              <a:ext uri="{FF2B5EF4-FFF2-40B4-BE49-F238E27FC236}">
+                <a16:creationId xmlns:a16="http://schemas.microsoft.com/office/drawing/2014/main" id="{C35EAB37-4B0D-4848-B2E9-CCE1852B766C}"/>
+              </a:ext>
+            </a:extLst>
+          </p:cNvPr>
+          <p:cNvSpPr>
+            <a:spLocks noGrp="1"/>
+          </p:cNvSpPr>
+          <p:nvPr>
+            <p:ph idx="1"/>
+          </p:nvPr>
+        </p:nvSpPr>
+        <p:spPr/>
+        <p:txBody>
+          <a:bodyPr/>
+          <a:lstStyle/>
+          <a:p>
+            <a:pPr marL="0" indent="0">
+              <a:buNone/>
+            </a:pPr>
+            <a:r>
+              <a:rPr lang="en-US" b="1" i="1" dirty="0"/>
+              <a:t>Share…</a:t>
+            </a:r>
+            <a:endParaRPr lang="en-US" dirty="0"/>
+          </a:p>
+          <a:p>
+            <a:pPr marL="514350" indent="-514350">
+              <a:buAutoNum type="arabicPeriod"/>
+            </a:pPr>
+            <a:r>
+              <a:rPr lang="en-US" dirty="0"/>
+              <a:t>Institution and LTER site</a:t>
+            </a:r>
+          </a:p>
+          <a:p>
+            <a:pPr marL="514350" indent="-514350">
+              <a:buAutoNum type="arabicPeriod"/>
+            </a:pPr>
+            <a:r>
+              <a:rPr lang="en-US" dirty="0"/>
+              <a:t>Role (e.g., professor, postdoc, grad student, etc.)</a:t>
+            </a:r>
+          </a:p>
+          <a:p>
+            <a:pPr marL="514350" indent="-514350">
+              <a:buAutoNum type="arabicPeriod"/>
+            </a:pPr>
+            <a:r>
+              <a:rPr lang="en-US" dirty="0"/>
+              <a:t>Research area</a:t>
+            </a:r>
+          </a:p>
+        </p:txBody>
+      </p:sp>
+    </p:spTree>
+    <p:extLst>
+      <p:ext uri="{BB962C8B-B14F-4D97-AF65-F5344CB8AC3E}">
+        <p14:creationId xmlns:p14="http://schemas.microsoft.com/office/powerpoint/2010/main" val="3064312405"/>
+      </p:ext>
+    </p:extLst>
+  </p:cSld>
+  <p:clrMapOvr>
+    <a:masterClrMapping/>
+  </p:clrMapOvr>
+</p:sld>
+</file>
+
+<file path=ppt/slides/slide18.xml><?xml version="1.0" encoding="utf-8"?>
+<p:sld xmlns:a="http://schemas.openxmlformats.org/drawingml/2006/main" xmlns:r="http://schemas.openxmlformats.org/officeDocument/2006/relationships" xmlns:p="http://schemas.openxmlformats.org/presentationml/2006/main">
+  <p:cSld>
+    <p:spTree>
+      <p:nvGrpSpPr>
+        <p:cNvPr id="1" name=""/>
+        <p:cNvGrpSpPr/>
+        <p:nvPr/>
+      </p:nvGrpSpPr>
+      <p:grpSpPr>
+        <a:xfrm>
+          <a:off x="0" y="0"/>
+          <a:ext cx="0" cy="0"/>
+          <a:chOff x="0" y="0"/>
+          <a:chExt cx="0" cy="0"/>
+        </a:xfrm>
+      </p:grpSpPr>
+      <p:sp>
+        <p:nvSpPr>
+          <p:cNvPr id="2" name="Title 1">
+            <a:extLst>
+              <a:ext uri="{FF2B5EF4-FFF2-40B4-BE49-F238E27FC236}">
+                <a16:creationId xmlns:a16="http://schemas.microsoft.com/office/drawing/2014/main" id="{063DBBFE-8E9D-41E2-BD09-9C4A32165836}"/>
+              </a:ext>
+            </a:extLst>
+          </p:cNvPr>
+          <p:cNvSpPr>
+            <a:spLocks noGrp="1"/>
+          </p:cNvSpPr>
+          <p:nvPr>
+            <p:ph type="title"/>
+          </p:nvPr>
+        </p:nvSpPr>
+        <p:spPr/>
+        <p:txBody>
+          <a:bodyPr/>
+          <a:lstStyle/>
+          <a:p>
+            <a:r>
+              <a:rPr lang="en-US" dirty="0"/>
+              <a:t>Part 2: Reflecting Back</a:t>
+            </a:r>
+          </a:p>
+        </p:txBody>
+      </p:sp>
+      <p:sp>
+        <p:nvSpPr>
+          <p:cNvPr id="3" name="Content Placeholder 2">
+            <a:extLst>
+              <a:ext uri="{FF2B5EF4-FFF2-40B4-BE49-F238E27FC236}">
+                <a16:creationId xmlns:a16="http://schemas.microsoft.com/office/drawing/2014/main" id="{527F693A-CD83-4ECC-A63D-6E07BDA34141}"/>
+              </a:ext>
+            </a:extLst>
+          </p:cNvPr>
+          <p:cNvSpPr>
+            <a:spLocks noGrp="1"/>
+          </p:cNvSpPr>
+          <p:nvPr>
+            <p:ph idx="1"/>
+          </p:nvPr>
+        </p:nvSpPr>
+        <p:spPr/>
+        <p:txBody>
+          <a:bodyPr/>
+          <a:lstStyle/>
+          <a:p>
+            <a:pPr marL="0" indent="0">
+              <a:buNone/>
+            </a:pPr>
+            <a:r>
+              <a:rPr lang="en-US" b="1" i="1" dirty="0"/>
+              <a:t>Think…</a:t>
+            </a:r>
+            <a:endParaRPr lang="en-US" dirty="0"/>
+          </a:p>
+          <a:p>
+            <a:pPr marL="514350" indent="-514350">
+              <a:buAutoNum type="arabicPeriod"/>
+            </a:pPr>
+            <a:r>
+              <a:rPr lang="en-US" dirty="0"/>
+              <a:t>Blah</a:t>
+            </a:r>
+          </a:p>
+          <a:p>
+            <a:pPr marL="514350" indent="-514350">
+              <a:buAutoNum type="arabicPeriod"/>
+            </a:pPr>
+            <a:r>
+              <a:rPr lang="en-US" dirty="0"/>
+              <a:t>Blah</a:t>
+            </a:r>
+          </a:p>
+          <a:p>
+            <a:pPr marL="0" indent="0">
+              <a:buNone/>
+            </a:pPr>
+            <a:r>
+              <a:rPr lang="en-US" b="1" i="1" dirty="0"/>
+              <a:t>Share…</a:t>
+            </a:r>
+          </a:p>
+        </p:txBody>
+      </p:sp>
+    </p:spTree>
+    <p:extLst>
+      <p:ext uri="{BB962C8B-B14F-4D97-AF65-F5344CB8AC3E}">
+        <p14:creationId xmlns:p14="http://schemas.microsoft.com/office/powerpoint/2010/main" val="2276565651"/>
+      </p:ext>
+    </p:extLst>
+  </p:cSld>
+  <p:clrMapOvr>
+    <a:masterClrMapping/>
+  </p:clrMapOvr>
+</p:sld>
+</file>
+
+<file path=ppt/slides/slide19.xml><?xml version="1.0" encoding="utf-8"?>
+<p:sld xmlns:a="http://schemas.openxmlformats.org/drawingml/2006/main" xmlns:r="http://schemas.openxmlformats.org/officeDocument/2006/relationships" xmlns:p="http://schemas.openxmlformats.org/presentationml/2006/main">
+  <p:cSld>
+    <p:spTree>
+      <p:nvGrpSpPr>
+        <p:cNvPr id="1" name=""/>
+        <p:cNvGrpSpPr/>
+        <p:nvPr/>
+      </p:nvGrpSpPr>
+      <p:grpSpPr>
+        <a:xfrm>
+          <a:off x="0" y="0"/>
+          <a:ext cx="0" cy="0"/>
+          <a:chOff x="0" y="0"/>
+          <a:chExt cx="0" cy="0"/>
+        </a:xfrm>
+      </p:grpSpPr>
+      <p:sp>
+        <p:nvSpPr>
+          <p:cNvPr id="2" name="Title 1">
+            <a:extLst>
+              <a:ext uri="{FF2B5EF4-FFF2-40B4-BE49-F238E27FC236}">
+                <a16:creationId xmlns:a16="http://schemas.microsoft.com/office/drawing/2014/main" id="{8767DBB4-F5AD-4316-BE61-85136EBF7846}"/>
+              </a:ext>
+            </a:extLst>
+          </p:cNvPr>
+          <p:cNvSpPr>
+            <a:spLocks noGrp="1"/>
+          </p:cNvSpPr>
+          <p:nvPr>
+            <p:ph type="title"/>
+          </p:nvPr>
+        </p:nvSpPr>
+        <p:spPr/>
+        <p:txBody>
+          <a:bodyPr/>
+          <a:lstStyle/>
+          <a:p>
+            <a:r>
+              <a:rPr lang="en-US" dirty="0"/>
+              <a:t>Part 3: Looking Forward</a:t>
+            </a:r>
+          </a:p>
+        </p:txBody>
+      </p:sp>
+      <p:sp>
+        <p:nvSpPr>
+          <p:cNvPr id="3" name="Content Placeholder 2">
+            <a:extLst>
+              <a:ext uri="{FF2B5EF4-FFF2-40B4-BE49-F238E27FC236}">
+                <a16:creationId xmlns:a16="http://schemas.microsoft.com/office/drawing/2014/main" id="{29E78B52-C2A3-4828-A172-D913CA1C5929}"/>
+              </a:ext>
+            </a:extLst>
+          </p:cNvPr>
+          <p:cNvSpPr>
+            <a:spLocks noGrp="1"/>
+          </p:cNvSpPr>
+          <p:nvPr>
+            <p:ph idx="1"/>
+          </p:nvPr>
+        </p:nvSpPr>
+        <p:spPr/>
+        <p:txBody>
+          <a:bodyPr/>
+          <a:lstStyle/>
+          <a:p>
+            <a:pPr marL="0" indent="0">
+              <a:buNone/>
+            </a:pPr>
+            <a:r>
+              <a:rPr lang="en-US" b="1" i="1" dirty="0"/>
+              <a:t>Think…</a:t>
+            </a:r>
+            <a:endParaRPr lang="en-US" dirty="0"/>
+          </a:p>
+          <a:p>
+            <a:pPr marL="514350" indent="-514350">
+              <a:buAutoNum type="arabicPeriod"/>
+            </a:pPr>
+            <a:r>
+              <a:rPr lang="en-US" dirty="0"/>
+              <a:t>Blah</a:t>
+            </a:r>
+          </a:p>
+          <a:p>
+            <a:pPr marL="514350" indent="-514350">
+              <a:buAutoNum type="arabicPeriod"/>
+            </a:pPr>
+            <a:r>
+              <a:rPr lang="en-US" dirty="0"/>
+              <a:t>Blah</a:t>
+            </a:r>
+          </a:p>
+          <a:p>
+            <a:pPr marL="0" indent="0">
+              <a:buNone/>
+            </a:pPr>
+            <a:r>
+              <a:rPr lang="en-US" b="1" i="1" dirty="0"/>
+              <a:t>Share…</a:t>
+            </a:r>
+          </a:p>
+          <a:p>
+            <a:pPr marL="0" indent="0">
+              <a:buNone/>
+            </a:pPr>
+            <a:endParaRPr lang="en-US" dirty="0"/>
+          </a:p>
+        </p:txBody>
+      </p:sp>
+    </p:spTree>
+    <p:extLst>
+      <p:ext uri="{BB962C8B-B14F-4D97-AF65-F5344CB8AC3E}">
+        <p14:creationId xmlns:p14="http://schemas.microsoft.com/office/powerpoint/2010/main" val="323198984"/>
       </p:ext>
     </p:extLst>
   </p:cSld>
@@ -4796,6 +5027,182 @@
 </p:sld>
 </file>
 
+<file path=ppt/slides/slide20.xml><?xml version="1.0" encoding="utf-8"?>
+<p:sld xmlns:a="http://schemas.openxmlformats.org/drawingml/2006/main" xmlns:r="http://schemas.openxmlformats.org/officeDocument/2006/relationships" xmlns:p="http://schemas.openxmlformats.org/presentationml/2006/main">
+  <p:cSld>
+    <p:spTree>
+      <p:nvGrpSpPr>
+        <p:cNvPr id="1" name=""/>
+        <p:cNvGrpSpPr/>
+        <p:nvPr/>
+      </p:nvGrpSpPr>
+      <p:grpSpPr>
+        <a:xfrm>
+          <a:off x="0" y="0"/>
+          <a:ext cx="0" cy="0"/>
+          <a:chOff x="0" y="0"/>
+          <a:chExt cx="0" cy="0"/>
+        </a:xfrm>
+      </p:grpSpPr>
+      <p:sp>
+        <p:nvSpPr>
+          <p:cNvPr id="3" name="Text Placeholder 2">
+            <a:extLst>
+              <a:ext uri="{FF2B5EF4-FFF2-40B4-BE49-F238E27FC236}">
+                <a16:creationId xmlns:a16="http://schemas.microsoft.com/office/drawing/2014/main" id="{CBBEC366-C759-494E-BEFD-6DED92045DAC}"/>
+              </a:ext>
+            </a:extLst>
+          </p:cNvPr>
+          <p:cNvSpPr>
+            <a:spLocks noGrp="1"/>
+          </p:cNvSpPr>
+          <p:nvPr>
+            <p:ph type="body" idx="1"/>
+          </p:nvPr>
+        </p:nvSpPr>
+        <p:spPr>
+          <a:xfrm>
+            <a:off x="831850" y="4589464"/>
+            <a:ext cx="10515600" cy="430212"/>
+          </a:xfrm>
+        </p:spPr>
+        <p:txBody>
+          <a:bodyPr/>
+          <a:lstStyle/>
+          <a:p>
+            <a:r>
+              <a:rPr lang="en-US" dirty="0"/>
+              <a:t>Developing the N Commandments</a:t>
+            </a:r>
+          </a:p>
+        </p:txBody>
+      </p:sp>
+      <p:sp>
+        <p:nvSpPr>
+          <p:cNvPr id="7" name="Title 6">
+            <a:extLst>
+              <a:ext uri="{FF2B5EF4-FFF2-40B4-BE49-F238E27FC236}">
+                <a16:creationId xmlns:a16="http://schemas.microsoft.com/office/drawing/2014/main" id="{52783F39-79B3-4870-B7E0-BCD7EAF177B0}"/>
+              </a:ext>
+            </a:extLst>
+          </p:cNvPr>
+          <p:cNvSpPr>
+            <a:spLocks noGrp="1"/>
+          </p:cNvSpPr>
+          <p:nvPr>
+            <p:ph type="title"/>
+          </p:nvPr>
+        </p:nvSpPr>
+        <p:spPr>
+          <a:xfrm>
+            <a:off x="831850" y="3648075"/>
+            <a:ext cx="10515600" cy="914400"/>
+          </a:xfrm>
+        </p:spPr>
+        <p:txBody>
+          <a:bodyPr/>
+          <a:lstStyle/>
+          <a:p>
+            <a:r>
+              <a:rPr lang="en-US" dirty="0"/>
+              <a:t>Consensus Building</a:t>
+            </a:r>
+          </a:p>
+        </p:txBody>
+      </p:sp>
+    </p:spTree>
+    <p:extLst>
+      <p:ext uri="{BB962C8B-B14F-4D97-AF65-F5344CB8AC3E}">
+        <p14:creationId xmlns:p14="http://schemas.microsoft.com/office/powerpoint/2010/main" val="885996570"/>
+      </p:ext>
+    </p:extLst>
+  </p:cSld>
+  <p:clrMapOvr>
+    <a:masterClrMapping/>
+  </p:clrMapOvr>
+</p:sld>
+</file>
+
+<file path=ppt/slides/slide21.xml><?xml version="1.0" encoding="utf-8"?>
+<p:sld xmlns:a="http://schemas.openxmlformats.org/drawingml/2006/main" xmlns:r="http://schemas.openxmlformats.org/officeDocument/2006/relationships" xmlns:p="http://schemas.openxmlformats.org/presentationml/2006/main">
+  <p:cSld>
+    <p:spTree>
+      <p:nvGrpSpPr>
+        <p:cNvPr id="1" name=""/>
+        <p:cNvGrpSpPr/>
+        <p:nvPr/>
+      </p:nvGrpSpPr>
+      <p:grpSpPr>
+        <a:xfrm>
+          <a:off x="0" y="0"/>
+          <a:ext cx="0" cy="0"/>
+          <a:chOff x="0" y="0"/>
+          <a:chExt cx="0" cy="0"/>
+        </a:xfrm>
+      </p:grpSpPr>
+      <p:sp>
+        <p:nvSpPr>
+          <p:cNvPr id="2" name="Title 1">
+            <a:extLst>
+              <a:ext uri="{FF2B5EF4-FFF2-40B4-BE49-F238E27FC236}">
+                <a16:creationId xmlns:a16="http://schemas.microsoft.com/office/drawing/2014/main" id="{D341A550-712D-4A10-8D9F-CD327680AA41}"/>
+              </a:ext>
+            </a:extLst>
+          </p:cNvPr>
+          <p:cNvSpPr>
+            <a:spLocks noGrp="1"/>
+          </p:cNvSpPr>
+          <p:nvPr>
+            <p:ph type="title"/>
+          </p:nvPr>
+        </p:nvSpPr>
+        <p:spPr/>
+        <p:txBody>
+          <a:bodyPr/>
+          <a:lstStyle/>
+          <a:p>
+            <a:endParaRPr lang="en-US" dirty="0"/>
+          </a:p>
+        </p:txBody>
+      </p:sp>
+      <p:sp>
+        <p:nvSpPr>
+          <p:cNvPr id="3" name="Content Placeholder 2">
+            <a:extLst>
+              <a:ext uri="{FF2B5EF4-FFF2-40B4-BE49-F238E27FC236}">
+                <a16:creationId xmlns:a16="http://schemas.microsoft.com/office/drawing/2014/main" id="{62C8C4C7-120E-4230-8E60-B64F8C51C634}"/>
+              </a:ext>
+            </a:extLst>
+          </p:cNvPr>
+          <p:cNvSpPr>
+            <a:spLocks noGrp="1"/>
+          </p:cNvSpPr>
+          <p:nvPr>
+            <p:ph idx="1"/>
+          </p:nvPr>
+        </p:nvSpPr>
+        <p:spPr/>
+        <p:txBody>
+          <a:bodyPr/>
+          <a:lstStyle/>
+          <a:p>
+            <a:endParaRPr lang="en-US" dirty="0"/>
+          </a:p>
+        </p:txBody>
+      </p:sp>
+    </p:spTree>
+    <p:extLst>
+      <p:ext uri="{BB962C8B-B14F-4D97-AF65-F5344CB8AC3E}">
+        <p14:creationId xmlns:p14="http://schemas.microsoft.com/office/powerpoint/2010/main" val="3269339386"/>
+      </p:ext>
+    </p:extLst>
+  </p:cSld>
+  <p:clrMapOvr>
+    <a:masterClrMapping/>
+  </p:clrMapOvr>
+</p:sld>
+</file>
+
 <file path=ppt/slides/slide3.xml><?xml version="1.0" encoding="utf-8"?>
 <p:sld xmlns:a="http://schemas.openxmlformats.org/drawingml/2006/main" xmlns:r="http://schemas.openxmlformats.org/officeDocument/2006/relationships" xmlns:p="http://schemas.openxmlformats.org/presentationml/2006/main">
   <p:cSld>
@@ -5495,15 +5902,9 @@
       </p:sp>
       <p:pic>
         <p:nvPicPr>
-          <p:cNvPr id="9" name="Picture 8">
-            <a:extLst>
-              <a:ext uri="{FF2B5EF4-FFF2-40B4-BE49-F238E27FC236}">
-                <a16:creationId xmlns:a16="http://schemas.microsoft.com/office/drawing/2014/main" id="{42E912D8-9912-46ED-926B-7589D0A17E4C}"/>
-              </a:ext>
-            </a:extLst>
-          </p:cNvPr>
+          <p:cNvPr id="5" name="Picture 2" descr="Image result for github"/>
           <p:cNvPicPr>
-            <a:picLocks noChangeAspect="1"/>
+            <a:picLocks noChangeAspect="1" noChangeArrowheads="1"/>
           </p:cNvPicPr>
           <p:nvPr/>
         </p:nvPicPr>
@@ -5515,18 +5916,29 @@
               </a:ext>
             </a:extLst>
           </a:blip>
+          <a:srcRect/>
           <a:stretch>
             <a:fillRect/>
           </a:stretch>
         </p:blipFill>
-        <p:spPr>
+        <p:spPr bwMode="auto">
           <a:xfrm>
-            <a:off x="9710104" y="3648075"/>
-            <a:ext cx="1650046" cy="1371601"/>
+            <a:off x="6821847" y="2035060"/>
+            <a:ext cx="3590515" cy="2984616"/>
           </a:xfrm>
           <a:prstGeom prst="rect">
             <a:avLst/>
           </a:prstGeom>
+          <a:noFill/>
+          <a:extLst>
+            <a:ext uri="{909E8E84-426E-40DD-AFC4-6F175D3DCCD1}">
+              <a14:hiddenFill xmlns:a14="http://schemas.microsoft.com/office/drawing/2010/main">
+                <a:solidFill>
+                  <a:srgbClr val="FFFFFF"/>
+                </a:solidFill>
+              </a14:hiddenFill>
+            </a:ext>
+          </a:extLst>
         </p:spPr>
       </p:pic>
     </p:spTree>
@@ -5561,13 +5973,7 @@
       </p:grpSpPr>
       <p:sp>
         <p:nvSpPr>
-          <p:cNvPr id="4" name="Title 3">
-            <a:extLst>
-              <a:ext uri="{FF2B5EF4-FFF2-40B4-BE49-F238E27FC236}">
-                <a16:creationId xmlns:a16="http://schemas.microsoft.com/office/drawing/2014/main" id="{9705A81E-C182-44B8-A2EC-8959D725DCDD}"/>
-              </a:ext>
-            </a:extLst>
-          </p:cNvPr>
+          <p:cNvPr id="2" name="Title 1"/>
           <p:cNvSpPr>
             <a:spLocks noGrp="1"/>
           </p:cNvSpPr>
@@ -5581,41 +5987,71 @@
           <a:lstStyle/>
           <a:p>
             <a:r>
+              <a:rPr lang="en-US" dirty="0" smtClean="0"/>
+              <a:t>What is </a:t>
+            </a:r>
+            <a:r>
+              <a:rPr lang="en-US" dirty="0" err="1" smtClean="0"/>
+              <a:t>Github</a:t>
+            </a:r>
+            <a:r>
+              <a:rPr lang="en-US" dirty="0" smtClean="0"/>
+              <a:t>?</a:t>
+            </a:r>
+            <a:endParaRPr lang="en-US" dirty="0"/>
+          </a:p>
+        </p:txBody>
+      </p:sp>
+      <p:sp>
+        <p:nvSpPr>
+          <p:cNvPr id="3" name="Content Placeholder 2"/>
+          <p:cNvSpPr>
+            <a:spLocks noGrp="1"/>
+          </p:cNvSpPr>
+          <p:nvPr>
+            <p:ph idx="1"/>
+          </p:nvPr>
+        </p:nvSpPr>
+        <p:spPr/>
+        <p:txBody>
+          <a:bodyPr/>
+          <a:lstStyle/>
+          <a:p>
+            <a:r>
               <a:rPr lang="en-US" dirty="0"/>
-              <a:t>GitHub Slide Content Placeholder</a:t>
-            </a:r>
-          </a:p>
-        </p:txBody>
-      </p:sp>
-      <p:sp>
-        <p:nvSpPr>
-          <p:cNvPr id="5" name="Content Placeholder 4">
-            <a:extLst>
-              <a:ext uri="{FF2B5EF4-FFF2-40B4-BE49-F238E27FC236}">
-                <a16:creationId xmlns:a16="http://schemas.microsoft.com/office/drawing/2014/main" id="{D3373681-B988-4E83-81E7-EA69C522C2D7}"/>
-              </a:ext>
-            </a:extLst>
-          </p:cNvPr>
-          <p:cNvSpPr>
-            <a:spLocks noGrp="1"/>
-          </p:cNvSpPr>
-          <p:nvPr>
-            <p:ph idx="1"/>
-          </p:nvPr>
-        </p:nvSpPr>
-        <p:spPr/>
-        <p:txBody>
-          <a:bodyPr/>
-          <a:lstStyle/>
-          <a:p>
-            <a:endParaRPr lang="en-US"/>
+              <a:t>The repo</a:t>
+            </a:r>
+          </a:p>
+          <a:p>
+            <a:r>
+              <a:rPr lang="en-US" dirty="0"/>
+              <a:t>What is a pull request?</a:t>
+            </a:r>
+          </a:p>
+          <a:p>
+            <a:r>
+              <a:rPr lang="en-US" dirty="0"/>
+              <a:t>What is a fork?</a:t>
+            </a:r>
+          </a:p>
+          <a:p>
+            <a:r>
+              <a:rPr lang="en-US" dirty="0"/>
+              <a:t>Using the issues page?</a:t>
+            </a:r>
+          </a:p>
+          <a:p>
+            <a:pPr marL="0" indent="0">
+              <a:buNone/>
+            </a:pPr>
+            <a:endParaRPr lang="en-US" dirty="0"/>
           </a:p>
         </p:txBody>
       </p:sp>
     </p:spTree>
     <p:extLst>
       <p:ext uri="{BB962C8B-B14F-4D97-AF65-F5344CB8AC3E}">
-        <p14:creationId xmlns:p14="http://schemas.microsoft.com/office/powerpoint/2010/main" val="4004850297"/>
+        <p14:creationId xmlns:p14="http://schemas.microsoft.com/office/powerpoint/2010/main" val="2786982912"/>
       </p:ext>
     </p:extLst>
   </p:cSld>

--- a/pres_deck.pptx
+++ b/pres_deck.pptx
@@ -4240,7 +4240,11 @@
           <a:p>
             <a:r>
               <a:rPr lang="en-US" dirty="0"/>
-              <a:t>Developing the N Commandments</a:t>
+              <a:t>Developing </a:t>
+            </a:r>
+            <a:r>
+              <a:rPr lang="en-US" i="1" dirty="0"/>
+              <a:t>The N Commandments</a:t>
             </a:r>
           </a:p>
         </p:txBody>

--- a/pres_deck.pptx
+++ b/pres_deck.pptx
@@ -14,18 +14,24 @@
     <p:sldId id="261" r:id="rId8"/>
     <p:sldId id="263" r:id="rId9"/>
     <p:sldId id="272" r:id="rId10"/>
-    <p:sldId id="273" r:id="rId11"/>
-    <p:sldId id="274" r:id="rId12"/>
-    <p:sldId id="275" r:id="rId13"/>
-    <p:sldId id="276" r:id="rId14"/>
-    <p:sldId id="264" r:id="rId15"/>
-    <p:sldId id="266" r:id="rId16"/>
-    <p:sldId id="265" r:id="rId17"/>
-    <p:sldId id="267" r:id="rId18"/>
-    <p:sldId id="268" r:id="rId19"/>
-    <p:sldId id="269" r:id="rId20"/>
-    <p:sldId id="271" r:id="rId21"/>
-    <p:sldId id="270" r:id="rId22"/>
+    <p:sldId id="284" r:id="rId11"/>
+    <p:sldId id="277" r:id="rId12"/>
+    <p:sldId id="278" r:id="rId13"/>
+    <p:sldId id="279" r:id="rId14"/>
+    <p:sldId id="280" r:id="rId15"/>
+    <p:sldId id="281" r:id="rId16"/>
+    <p:sldId id="282" r:id="rId17"/>
+    <p:sldId id="273" r:id="rId18"/>
+    <p:sldId id="274" r:id="rId19"/>
+    <p:sldId id="275" r:id="rId20"/>
+    <p:sldId id="276" r:id="rId21"/>
+    <p:sldId id="266" r:id="rId22"/>
+    <p:sldId id="265" r:id="rId23"/>
+    <p:sldId id="267" r:id="rId24"/>
+    <p:sldId id="268" r:id="rId25"/>
+    <p:sldId id="269" r:id="rId26"/>
+    <p:sldId id="271" r:id="rId27"/>
+    <p:sldId id="270" r:id="rId28"/>
   </p:sldIdLst>
   <p:sldSz cx="12192000" cy="6858000"/>
   <p:notesSz cx="6858000" cy="9144000"/>
@@ -142,11 +148,17 @@
           <p14:sldIdLst>
             <p14:sldId id="263"/>
             <p14:sldId id="272"/>
+            <p14:sldId id="284"/>
+            <p14:sldId id="277"/>
+            <p14:sldId id="278"/>
+            <p14:sldId id="279"/>
+            <p14:sldId id="280"/>
+            <p14:sldId id="281"/>
+            <p14:sldId id="282"/>
             <p14:sldId id="273"/>
             <p14:sldId id="274"/>
             <p14:sldId id="275"/>
             <p14:sldId id="276"/>
-            <p14:sldId id="264"/>
           </p14:sldIdLst>
         </p14:section>
         <p14:section name="Small Group Discussion" id="{58A9CF17-C114-408C-8BC6-27407D082DDD}">
@@ -320,7 +332,7 @@
           <a:p>
             <a:fld id="{6A2BB79C-6BB1-4438-8F46-9EDF1954807C}" type="datetimeFigureOut">
               <a:rPr lang="en-US" smtClean="0"/>
-              <a:t>9/17/2018</a:t>
+              <a:t>9/24/2018</a:t>
             </a:fld>
             <a:endParaRPr lang="en-US"/>
           </a:p>
@@ -518,7 +530,7 @@
           <a:p>
             <a:fld id="{6A2BB79C-6BB1-4438-8F46-9EDF1954807C}" type="datetimeFigureOut">
               <a:rPr lang="en-US" smtClean="0"/>
-              <a:t>9/17/2018</a:t>
+              <a:t>9/24/2018</a:t>
             </a:fld>
             <a:endParaRPr lang="en-US"/>
           </a:p>
@@ -726,7 +738,7 @@
           <a:p>
             <a:fld id="{6A2BB79C-6BB1-4438-8F46-9EDF1954807C}" type="datetimeFigureOut">
               <a:rPr lang="en-US" smtClean="0"/>
-              <a:t>9/17/2018</a:t>
+              <a:t>9/24/2018</a:t>
             </a:fld>
             <a:endParaRPr lang="en-US"/>
           </a:p>
@@ -924,7 +936,7 @@
           <a:p>
             <a:fld id="{6A2BB79C-6BB1-4438-8F46-9EDF1954807C}" type="datetimeFigureOut">
               <a:rPr lang="en-US" smtClean="0"/>
-              <a:t>9/17/2018</a:t>
+              <a:t>9/24/2018</a:t>
             </a:fld>
             <a:endParaRPr lang="en-US"/>
           </a:p>
@@ -1199,7 +1211,7 @@
           <a:p>
             <a:fld id="{6A2BB79C-6BB1-4438-8F46-9EDF1954807C}" type="datetimeFigureOut">
               <a:rPr lang="en-US" smtClean="0"/>
-              <a:t>9/17/2018</a:t>
+              <a:t>9/24/2018</a:t>
             </a:fld>
             <a:endParaRPr lang="en-US"/>
           </a:p>
@@ -1464,7 +1476,7 @@
           <a:p>
             <a:fld id="{6A2BB79C-6BB1-4438-8F46-9EDF1954807C}" type="datetimeFigureOut">
               <a:rPr lang="en-US" smtClean="0"/>
-              <a:t>9/17/2018</a:t>
+              <a:t>9/24/2018</a:t>
             </a:fld>
             <a:endParaRPr lang="en-US"/>
           </a:p>
@@ -1876,7 +1888,7 @@
           <a:p>
             <a:fld id="{6A2BB79C-6BB1-4438-8F46-9EDF1954807C}" type="datetimeFigureOut">
               <a:rPr lang="en-US" smtClean="0"/>
-              <a:t>9/17/2018</a:t>
+              <a:t>9/24/2018</a:t>
             </a:fld>
             <a:endParaRPr lang="en-US"/>
           </a:p>
@@ -2017,7 +2029,7 @@
           <a:p>
             <a:fld id="{6A2BB79C-6BB1-4438-8F46-9EDF1954807C}" type="datetimeFigureOut">
               <a:rPr lang="en-US" smtClean="0"/>
-              <a:t>9/17/2018</a:t>
+              <a:t>9/24/2018</a:t>
             </a:fld>
             <a:endParaRPr lang="en-US"/>
           </a:p>
@@ -2130,7 +2142,7 @@
           <a:p>
             <a:fld id="{6A2BB79C-6BB1-4438-8F46-9EDF1954807C}" type="datetimeFigureOut">
               <a:rPr lang="en-US" smtClean="0"/>
-              <a:t>9/17/2018</a:t>
+              <a:t>9/24/2018</a:t>
             </a:fld>
             <a:endParaRPr lang="en-US"/>
           </a:p>
@@ -2441,7 +2453,7 @@
           <a:p>
             <a:fld id="{6A2BB79C-6BB1-4438-8F46-9EDF1954807C}" type="datetimeFigureOut">
               <a:rPr lang="en-US" smtClean="0"/>
-              <a:t>9/17/2018</a:t>
+              <a:t>9/24/2018</a:t>
             </a:fld>
             <a:endParaRPr lang="en-US"/>
           </a:p>
@@ -2729,7 +2741,7 @@
           <a:p>
             <a:fld id="{6A2BB79C-6BB1-4438-8F46-9EDF1954807C}" type="datetimeFigureOut">
               <a:rPr lang="en-US" smtClean="0"/>
-              <a:t>9/17/2018</a:t>
+              <a:t>9/24/2018</a:t>
             </a:fld>
             <a:endParaRPr lang="en-US"/>
           </a:p>
@@ -2970,7 +2982,7 @@
           <a:p>
             <a:fld id="{6A2BB79C-6BB1-4438-8F46-9EDF1954807C}" type="datetimeFigureOut">
               <a:rPr lang="en-US" smtClean="0"/>
-              <a:t>9/17/2018</a:t>
+              <a:t>9/24/2018</a:t>
             </a:fld>
             <a:endParaRPr lang="en-US"/>
           </a:p>
@@ -3630,7 +3642,23 @@
           <a:p>
             <a:r>
               <a:rPr lang="en-US" dirty="0" smtClean="0"/>
-              <a:t>Some examples</a:t>
+              <a:t>What is </a:t>
+            </a:r>
+            <a:r>
+              <a:rPr lang="en-US" dirty="0" err="1" smtClean="0"/>
+              <a:t>Git</a:t>
+            </a:r>
+            <a:r>
+              <a:rPr lang="en-US" dirty="0" smtClean="0"/>
+              <a:t>/ </a:t>
+            </a:r>
+            <a:r>
+              <a:rPr lang="en-US" dirty="0" err="1" smtClean="0"/>
+              <a:t>Github</a:t>
+            </a:r>
+            <a:r>
+              <a:rPr lang="en-US" dirty="0" smtClean="0"/>
+              <a:t>?</a:t>
             </a:r>
             <a:endParaRPr lang="en-US" dirty="0"/>
           </a:p>
@@ -3646,25 +3674,621 @@
             <p:ph idx="1"/>
           </p:nvPr>
         </p:nvSpPr>
-        <p:spPr/>
-        <p:txBody>
-          <a:bodyPr/>
-          <a:lstStyle/>
-          <a:p>
-            <a:endParaRPr lang="en-US"/>
+        <p:spPr>
+          <a:xfrm>
+            <a:off x="531159" y="1825625"/>
+            <a:ext cx="5567299" cy="1920465"/>
+          </a:xfrm>
+        </p:spPr>
+        <p:txBody>
+          <a:bodyPr/>
+          <a:lstStyle/>
+          <a:p>
+            <a:r>
+              <a:rPr lang="en-US" dirty="0" err="1" smtClean="0"/>
+              <a:t>Git</a:t>
+            </a:r>
+            <a:r>
+              <a:rPr lang="en-US" dirty="0" smtClean="0"/>
+              <a:t> is a command line language for version control</a:t>
+            </a:r>
+          </a:p>
+          <a:p>
+            <a:r>
+              <a:rPr lang="en-US" dirty="0" err="1" smtClean="0"/>
+              <a:t>Git</a:t>
+            </a:r>
+            <a:r>
+              <a:rPr lang="en-US" dirty="0" smtClean="0"/>
+              <a:t> is running in the background when you use </a:t>
+            </a:r>
+            <a:r>
+              <a:rPr lang="en-US" dirty="0" err="1" smtClean="0"/>
+              <a:t>Github</a:t>
+            </a:r>
+            <a:endParaRPr lang="en-US" dirty="0"/>
+          </a:p>
+        </p:txBody>
+      </p:sp>
+      <p:sp>
+        <p:nvSpPr>
+          <p:cNvPr id="4" name="Content Placeholder 2"/>
+          <p:cNvSpPr txBox="1">
+            <a:spLocks/>
+          </p:cNvSpPr>
+          <p:nvPr/>
+        </p:nvSpPr>
+        <p:spPr>
+          <a:xfrm>
+            <a:off x="5968180" y="1756799"/>
+            <a:ext cx="5892125" cy="2262136"/>
+          </a:xfrm>
+          <a:prstGeom prst="rect">
+            <a:avLst/>
+          </a:prstGeom>
+        </p:spPr>
+        <p:txBody>
+          <a:bodyPr vert="horz" lIns="91440" tIns="45720" rIns="91440" bIns="45720" rtlCol="0">
+            <a:normAutofit/>
+          </a:bodyPr>
+          <a:lstStyle>
+            <a:lvl1pPr marL="228600" indent="-228600" algn="l" defTabSz="914400" rtl="0" eaLnBrk="1" latinLnBrk="0" hangingPunct="1">
+              <a:lnSpc>
+                <a:spcPct val="90000"/>
+              </a:lnSpc>
+              <a:spcBef>
+                <a:spcPts val="1000"/>
+              </a:spcBef>
+              <a:buFont typeface="Arial" panose="020B0604020202020204" pitchFamily="34" charset="0"/>
+              <a:buChar char="•"/>
+              <a:defRPr sz="2800" kern="1200">
+                <a:solidFill>
+                  <a:schemeClr val="tx1"/>
+                </a:solidFill>
+                <a:latin typeface="+mn-lt"/>
+                <a:ea typeface="+mn-ea"/>
+                <a:cs typeface="+mn-cs"/>
+              </a:defRPr>
+            </a:lvl1pPr>
+            <a:lvl2pPr marL="685800" indent="-228600" algn="l" defTabSz="914400" rtl="0" eaLnBrk="1" latinLnBrk="0" hangingPunct="1">
+              <a:lnSpc>
+                <a:spcPct val="90000"/>
+              </a:lnSpc>
+              <a:spcBef>
+                <a:spcPts val="500"/>
+              </a:spcBef>
+              <a:buFont typeface="Arial" panose="020B0604020202020204" pitchFamily="34" charset="0"/>
+              <a:buChar char="•"/>
+              <a:defRPr sz="2400" kern="1200">
+                <a:solidFill>
+                  <a:schemeClr val="tx1"/>
+                </a:solidFill>
+                <a:latin typeface="+mn-lt"/>
+                <a:ea typeface="+mn-ea"/>
+                <a:cs typeface="+mn-cs"/>
+              </a:defRPr>
+            </a:lvl2pPr>
+            <a:lvl3pPr marL="1143000" indent="-228600" algn="l" defTabSz="914400" rtl="0" eaLnBrk="1" latinLnBrk="0" hangingPunct="1">
+              <a:lnSpc>
+                <a:spcPct val="90000"/>
+              </a:lnSpc>
+              <a:spcBef>
+                <a:spcPts val="500"/>
+              </a:spcBef>
+              <a:buFont typeface="Arial" panose="020B0604020202020204" pitchFamily="34" charset="0"/>
+              <a:buChar char="•"/>
+              <a:defRPr sz="2000" kern="1200">
+                <a:solidFill>
+                  <a:schemeClr val="tx1"/>
+                </a:solidFill>
+                <a:latin typeface="+mn-lt"/>
+                <a:ea typeface="+mn-ea"/>
+                <a:cs typeface="+mn-cs"/>
+              </a:defRPr>
+            </a:lvl3pPr>
+            <a:lvl4pPr marL="1600200" indent="-228600" algn="l" defTabSz="914400" rtl="0" eaLnBrk="1" latinLnBrk="0" hangingPunct="1">
+              <a:lnSpc>
+                <a:spcPct val="90000"/>
+              </a:lnSpc>
+              <a:spcBef>
+                <a:spcPts val="500"/>
+              </a:spcBef>
+              <a:buFont typeface="Arial" panose="020B0604020202020204" pitchFamily="34" charset="0"/>
+              <a:buChar char="•"/>
+              <a:defRPr sz="1800" kern="1200">
+                <a:solidFill>
+                  <a:schemeClr val="tx1"/>
+                </a:solidFill>
+                <a:latin typeface="+mn-lt"/>
+                <a:ea typeface="+mn-ea"/>
+                <a:cs typeface="+mn-cs"/>
+              </a:defRPr>
+            </a:lvl4pPr>
+            <a:lvl5pPr marL="2057400" indent="-228600" algn="l" defTabSz="914400" rtl="0" eaLnBrk="1" latinLnBrk="0" hangingPunct="1">
+              <a:lnSpc>
+                <a:spcPct val="90000"/>
+              </a:lnSpc>
+              <a:spcBef>
+                <a:spcPts val="500"/>
+              </a:spcBef>
+              <a:buFont typeface="Arial" panose="020B0604020202020204" pitchFamily="34" charset="0"/>
+              <a:buChar char="•"/>
+              <a:defRPr sz="1800" kern="1200">
+                <a:solidFill>
+                  <a:schemeClr val="tx1"/>
+                </a:solidFill>
+                <a:latin typeface="+mn-lt"/>
+                <a:ea typeface="+mn-ea"/>
+                <a:cs typeface="+mn-cs"/>
+              </a:defRPr>
+            </a:lvl5pPr>
+            <a:lvl6pPr marL="2514600" indent="-228600" algn="l" defTabSz="914400" rtl="0" eaLnBrk="1" latinLnBrk="0" hangingPunct="1">
+              <a:lnSpc>
+                <a:spcPct val="90000"/>
+              </a:lnSpc>
+              <a:spcBef>
+                <a:spcPts val="500"/>
+              </a:spcBef>
+              <a:buFont typeface="Arial" panose="020B0604020202020204" pitchFamily="34" charset="0"/>
+              <a:buChar char="•"/>
+              <a:defRPr sz="1800" kern="1200">
+                <a:solidFill>
+                  <a:schemeClr val="tx1"/>
+                </a:solidFill>
+                <a:latin typeface="+mn-lt"/>
+                <a:ea typeface="+mn-ea"/>
+                <a:cs typeface="+mn-cs"/>
+              </a:defRPr>
+            </a:lvl6pPr>
+            <a:lvl7pPr marL="2971800" indent="-228600" algn="l" defTabSz="914400" rtl="0" eaLnBrk="1" latinLnBrk="0" hangingPunct="1">
+              <a:lnSpc>
+                <a:spcPct val="90000"/>
+              </a:lnSpc>
+              <a:spcBef>
+                <a:spcPts val="500"/>
+              </a:spcBef>
+              <a:buFont typeface="Arial" panose="020B0604020202020204" pitchFamily="34" charset="0"/>
+              <a:buChar char="•"/>
+              <a:defRPr sz="1800" kern="1200">
+                <a:solidFill>
+                  <a:schemeClr val="tx1"/>
+                </a:solidFill>
+                <a:latin typeface="+mn-lt"/>
+                <a:ea typeface="+mn-ea"/>
+                <a:cs typeface="+mn-cs"/>
+              </a:defRPr>
+            </a:lvl7pPr>
+            <a:lvl8pPr marL="3429000" indent="-228600" algn="l" defTabSz="914400" rtl="0" eaLnBrk="1" latinLnBrk="0" hangingPunct="1">
+              <a:lnSpc>
+                <a:spcPct val="90000"/>
+              </a:lnSpc>
+              <a:spcBef>
+                <a:spcPts val="500"/>
+              </a:spcBef>
+              <a:buFont typeface="Arial" panose="020B0604020202020204" pitchFamily="34" charset="0"/>
+              <a:buChar char="•"/>
+              <a:defRPr sz="1800" kern="1200">
+                <a:solidFill>
+                  <a:schemeClr val="tx1"/>
+                </a:solidFill>
+                <a:latin typeface="+mn-lt"/>
+                <a:ea typeface="+mn-ea"/>
+                <a:cs typeface="+mn-cs"/>
+              </a:defRPr>
+            </a:lvl8pPr>
+            <a:lvl9pPr marL="3886200" indent="-228600" algn="l" defTabSz="914400" rtl="0" eaLnBrk="1" latinLnBrk="0" hangingPunct="1">
+              <a:lnSpc>
+                <a:spcPct val="90000"/>
+              </a:lnSpc>
+              <a:spcBef>
+                <a:spcPts val="500"/>
+              </a:spcBef>
+              <a:buFont typeface="Arial" panose="020B0604020202020204" pitchFamily="34" charset="0"/>
+              <a:buChar char="•"/>
+              <a:defRPr sz="1800" kern="1200">
+                <a:solidFill>
+                  <a:schemeClr val="tx1"/>
+                </a:solidFill>
+                <a:latin typeface="+mn-lt"/>
+                <a:ea typeface="+mn-ea"/>
+                <a:cs typeface="+mn-cs"/>
+              </a:defRPr>
+            </a:lvl9pPr>
+          </a:lstStyle>
+          <a:p>
+            <a:r>
+              <a:rPr lang="en-US" dirty="0" err="1" smtClean="0"/>
+              <a:t>Github</a:t>
+            </a:r>
+            <a:r>
+              <a:rPr lang="en-US" dirty="0" smtClean="0"/>
+              <a:t> is a web/desktop interface for version control</a:t>
+            </a:r>
+          </a:p>
+          <a:p>
+            <a:r>
+              <a:rPr lang="en-US" dirty="0" smtClean="0"/>
+              <a:t>Free hosting service that allows you to work collaboratively online</a:t>
+            </a:r>
+            <a:endParaRPr lang="en-US" dirty="0"/>
+          </a:p>
+        </p:txBody>
+      </p:sp>
+      <p:pic>
+        <p:nvPicPr>
+          <p:cNvPr id="6" name="Picture 5"/>
+          <p:cNvPicPr>
+            <a:picLocks noChangeAspect="1"/>
+          </p:cNvPicPr>
+          <p:nvPr/>
+        </p:nvPicPr>
+        <p:blipFill rotWithShape="1">
+          <a:blip r:embed="rId2"/>
+          <a:srcRect b="15522"/>
+          <a:stretch/>
+        </p:blipFill>
+        <p:spPr>
+          <a:xfrm>
+            <a:off x="838200" y="3814916"/>
+            <a:ext cx="4549109" cy="2702028"/>
+          </a:xfrm>
+          <a:prstGeom prst="rect">
+            <a:avLst/>
+          </a:prstGeom>
+        </p:spPr>
+      </p:pic>
+      <p:pic>
+        <p:nvPicPr>
+          <p:cNvPr id="7" name="Picture 6"/>
+          <p:cNvPicPr>
+            <a:picLocks noChangeAspect="1"/>
+          </p:cNvPicPr>
+          <p:nvPr/>
+        </p:nvPicPr>
+        <p:blipFill>
+          <a:blip r:embed="rId3"/>
+          <a:stretch>
+            <a:fillRect/>
+          </a:stretch>
+        </p:blipFill>
+        <p:spPr>
+          <a:xfrm>
+            <a:off x="4055806" y="5391303"/>
+            <a:ext cx="992289" cy="992289"/>
+          </a:xfrm>
+          <a:prstGeom prst="rect">
+            <a:avLst/>
+          </a:prstGeom>
+        </p:spPr>
+      </p:pic>
+      <p:pic>
+        <p:nvPicPr>
+          <p:cNvPr id="8" name="Picture 7"/>
+          <p:cNvPicPr>
+            <a:picLocks noChangeAspect="1"/>
+          </p:cNvPicPr>
+          <p:nvPr/>
+        </p:nvPicPr>
+        <p:blipFill rotWithShape="1">
+          <a:blip r:embed="rId4"/>
+          <a:srcRect l="10872" r="11660"/>
+          <a:stretch/>
+        </p:blipFill>
+        <p:spPr>
+          <a:xfrm>
+            <a:off x="6576131" y="3746090"/>
+            <a:ext cx="4057568" cy="2868583"/>
+          </a:xfrm>
+          <a:prstGeom prst="rect">
+            <a:avLst/>
+          </a:prstGeom>
+        </p:spPr>
+      </p:pic>
+      <p:sp>
+        <p:nvSpPr>
+          <p:cNvPr id="5" name="Rectangle 4"/>
+          <p:cNvSpPr/>
+          <p:nvPr/>
+        </p:nvSpPr>
+        <p:spPr>
+          <a:xfrm>
+            <a:off x="0" y="0"/>
+            <a:ext cx="12191999" cy="6858000"/>
+          </a:xfrm>
+          <a:prstGeom prst="rect">
+            <a:avLst/>
+          </a:prstGeom>
+          <a:solidFill>
+            <a:schemeClr val="bg1">
+              <a:alpha val="80000"/>
+            </a:schemeClr>
+          </a:solidFill>
+        </p:spPr>
+        <p:style>
+          <a:lnRef idx="2">
+            <a:schemeClr val="accent1">
+              <a:shade val="50000"/>
+            </a:schemeClr>
+          </a:lnRef>
+          <a:fillRef idx="1">
+            <a:schemeClr val="accent1"/>
+          </a:fillRef>
+          <a:effectRef idx="0">
+            <a:schemeClr val="accent1"/>
+          </a:effectRef>
+          <a:fontRef idx="minor">
+            <a:schemeClr val="lt1"/>
+          </a:fontRef>
+        </p:style>
+        <p:txBody>
+          <a:bodyPr rtlCol="0" anchor="ctr"/>
+          <a:lstStyle/>
+          <a:p>
+            <a:pPr algn="ctr"/>
+            <a:endParaRPr lang="en-US">
+              <a:solidFill>
+                <a:schemeClr val="bg1"/>
+              </a:solidFill>
+            </a:endParaRPr>
+          </a:p>
+        </p:txBody>
+      </p:sp>
+      <p:sp>
+        <p:nvSpPr>
+          <p:cNvPr id="9" name="Content Placeholder 2"/>
+          <p:cNvSpPr txBox="1">
+            <a:spLocks/>
+          </p:cNvSpPr>
+          <p:nvPr/>
+        </p:nvSpPr>
+        <p:spPr>
+          <a:xfrm>
+            <a:off x="1597886" y="4043979"/>
+            <a:ext cx="10262419" cy="1920465"/>
+          </a:xfrm>
+          <a:prstGeom prst="rect">
+            <a:avLst/>
+          </a:prstGeom>
+          <a:noFill/>
+        </p:spPr>
+        <p:txBody>
+          <a:bodyPr vert="horz" lIns="91440" tIns="45720" rIns="91440" bIns="45720" rtlCol="0">
+            <a:normAutofit/>
+          </a:bodyPr>
+          <a:lstStyle>
+            <a:lvl1pPr marL="228600" indent="-228600" algn="l" defTabSz="914400" rtl="0" eaLnBrk="1" latinLnBrk="0" hangingPunct="1">
+              <a:lnSpc>
+                <a:spcPct val="90000"/>
+              </a:lnSpc>
+              <a:spcBef>
+                <a:spcPts val="1000"/>
+              </a:spcBef>
+              <a:buFont typeface="Arial" panose="020B0604020202020204" pitchFamily="34" charset="0"/>
+              <a:buChar char="•"/>
+              <a:defRPr sz="2800" kern="1200">
+                <a:solidFill>
+                  <a:schemeClr val="tx1"/>
+                </a:solidFill>
+                <a:latin typeface="+mn-lt"/>
+                <a:ea typeface="+mn-ea"/>
+                <a:cs typeface="+mn-cs"/>
+              </a:defRPr>
+            </a:lvl1pPr>
+            <a:lvl2pPr marL="685800" indent="-228600" algn="l" defTabSz="914400" rtl="0" eaLnBrk="1" latinLnBrk="0" hangingPunct="1">
+              <a:lnSpc>
+                <a:spcPct val="90000"/>
+              </a:lnSpc>
+              <a:spcBef>
+                <a:spcPts val="500"/>
+              </a:spcBef>
+              <a:buFont typeface="Arial" panose="020B0604020202020204" pitchFamily="34" charset="0"/>
+              <a:buChar char="•"/>
+              <a:defRPr sz="2400" kern="1200">
+                <a:solidFill>
+                  <a:schemeClr val="tx1"/>
+                </a:solidFill>
+                <a:latin typeface="+mn-lt"/>
+                <a:ea typeface="+mn-ea"/>
+                <a:cs typeface="+mn-cs"/>
+              </a:defRPr>
+            </a:lvl2pPr>
+            <a:lvl3pPr marL="1143000" indent="-228600" algn="l" defTabSz="914400" rtl="0" eaLnBrk="1" latinLnBrk="0" hangingPunct="1">
+              <a:lnSpc>
+                <a:spcPct val="90000"/>
+              </a:lnSpc>
+              <a:spcBef>
+                <a:spcPts val="500"/>
+              </a:spcBef>
+              <a:buFont typeface="Arial" panose="020B0604020202020204" pitchFamily="34" charset="0"/>
+              <a:buChar char="•"/>
+              <a:defRPr sz="2000" kern="1200">
+                <a:solidFill>
+                  <a:schemeClr val="tx1"/>
+                </a:solidFill>
+                <a:latin typeface="+mn-lt"/>
+                <a:ea typeface="+mn-ea"/>
+                <a:cs typeface="+mn-cs"/>
+              </a:defRPr>
+            </a:lvl3pPr>
+            <a:lvl4pPr marL="1600200" indent="-228600" algn="l" defTabSz="914400" rtl="0" eaLnBrk="1" latinLnBrk="0" hangingPunct="1">
+              <a:lnSpc>
+                <a:spcPct val="90000"/>
+              </a:lnSpc>
+              <a:spcBef>
+                <a:spcPts val="500"/>
+              </a:spcBef>
+              <a:buFont typeface="Arial" panose="020B0604020202020204" pitchFamily="34" charset="0"/>
+              <a:buChar char="•"/>
+              <a:defRPr sz="1800" kern="1200">
+                <a:solidFill>
+                  <a:schemeClr val="tx1"/>
+                </a:solidFill>
+                <a:latin typeface="+mn-lt"/>
+                <a:ea typeface="+mn-ea"/>
+                <a:cs typeface="+mn-cs"/>
+              </a:defRPr>
+            </a:lvl4pPr>
+            <a:lvl5pPr marL="2057400" indent="-228600" algn="l" defTabSz="914400" rtl="0" eaLnBrk="1" latinLnBrk="0" hangingPunct="1">
+              <a:lnSpc>
+                <a:spcPct val="90000"/>
+              </a:lnSpc>
+              <a:spcBef>
+                <a:spcPts val="500"/>
+              </a:spcBef>
+              <a:buFont typeface="Arial" panose="020B0604020202020204" pitchFamily="34" charset="0"/>
+              <a:buChar char="•"/>
+              <a:defRPr sz="1800" kern="1200">
+                <a:solidFill>
+                  <a:schemeClr val="tx1"/>
+                </a:solidFill>
+                <a:latin typeface="+mn-lt"/>
+                <a:ea typeface="+mn-ea"/>
+                <a:cs typeface="+mn-cs"/>
+              </a:defRPr>
+            </a:lvl5pPr>
+            <a:lvl6pPr marL="2514600" indent="-228600" algn="l" defTabSz="914400" rtl="0" eaLnBrk="1" latinLnBrk="0" hangingPunct="1">
+              <a:lnSpc>
+                <a:spcPct val="90000"/>
+              </a:lnSpc>
+              <a:spcBef>
+                <a:spcPts val="500"/>
+              </a:spcBef>
+              <a:buFont typeface="Arial" panose="020B0604020202020204" pitchFamily="34" charset="0"/>
+              <a:buChar char="•"/>
+              <a:defRPr sz="1800" kern="1200">
+                <a:solidFill>
+                  <a:schemeClr val="tx1"/>
+                </a:solidFill>
+                <a:latin typeface="+mn-lt"/>
+                <a:ea typeface="+mn-ea"/>
+                <a:cs typeface="+mn-cs"/>
+              </a:defRPr>
+            </a:lvl6pPr>
+            <a:lvl7pPr marL="2971800" indent="-228600" algn="l" defTabSz="914400" rtl="0" eaLnBrk="1" latinLnBrk="0" hangingPunct="1">
+              <a:lnSpc>
+                <a:spcPct val="90000"/>
+              </a:lnSpc>
+              <a:spcBef>
+                <a:spcPts val="500"/>
+              </a:spcBef>
+              <a:buFont typeface="Arial" panose="020B0604020202020204" pitchFamily="34" charset="0"/>
+              <a:buChar char="•"/>
+              <a:defRPr sz="1800" kern="1200">
+                <a:solidFill>
+                  <a:schemeClr val="tx1"/>
+                </a:solidFill>
+                <a:latin typeface="+mn-lt"/>
+                <a:ea typeface="+mn-ea"/>
+                <a:cs typeface="+mn-cs"/>
+              </a:defRPr>
+            </a:lvl7pPr>
+            <a:lvl8pPr marL="3429000" indent="-228600" algn="l" defTabSz="914400" rtl="0" eaLnBrk="1" latinLnBrk="0" hangingPunct="1">
+              <a:lnSpc>
+                <a:spcPct val="90000"/>
+              </a:lnSpc>
+              <a:spcBef>
+                <a:spcPts val="500"/>
+              </a:spcBef>
+              <a:buFont typeface="Arial" panose="020B0604020202020204" pitchFamily="34" charset="0"/>
+              <a:buChar char="•"/>
+              <a:defRPr sz="1800" kern="1200">
+                <a:solidFill>
+                  <a:schemeClr val="tx1"/>
+                </a:solidFill>
+                <a:latin typeface="+mn-lt"/>
+                <a:ea typeface="+mn-ea"/>
+                <a:cs typeface="+mn-cs"/>
+              </a:defRPr>
+            </a:lvl8pPr>
+            <a:lvl9pPr marL="3886200" indent="-228600" algn="l" defTabSz="914400" rtl="0" eaLnBrk="1" latinLnBrk="0" hangingPunct="1">
+              <a:lnSpc>
+                <a:spcPct val="90000"/>
+              </a:lnSpc>
+              <a:spcBef>
+                <a:spcPts val="500"/>
+              </a:spcBef>
+              <a:buFont typeface="Arial" panose="020B0604020202020204" pitchFamily="34" charset="0"/>
+              <a:buChar char="•"/>
+              <a:defRPr sz="1800" kern="1200">
+                <a:solidFill>
+                  <a:schemeClr val="tx1"/>
+                </a:solidFill>
+                <a:latin typeface="+mn-lt"/>
+                <a:ea typeface="+mn-ea"/>
+                <a:cs typeface="+mn-cs"/>
+              </a:defRPr>
+            </a:lvl9pPr>
+          </a:lstStyle>
+          <a:p>
+            <a:r>
+              <a:rPr lang="en-US" dirty="0" smtClean="0"/>
+              <a:t>You can use </a:t>
+            </a:r>
+            <a:r>
+              <a:rPr lang="en-US" dirty="0" err="1" smtClean="0"/>
+              <a:t>Github</a:t>
+            </a:r>
+            <a:r>
+              <a:rPr lang="en-US" dirty="0" smtClean="0"/>
+              <a:t> without knowing </a:t>
+            </a:r>
+            <a:r>
+              <a:rPr lang="en-US" dirty="0" err="1" smtClean="0"/>
+              <a:t>Git</a:t>
+            </a:r>
+            <a:r>
+              <a:rPr lang="en-US" dirty="0" smtClean="0"/>
+              <a:t> or how to use the command line</a:t>
+            </a:r>
+          </a:p>
+          <a:p>
+            <a:pPr marL="0" indent="0">
+              <a:buNone/>
+            </a:pPr>
+            <a:endParaRPr lang="en-US" dirty="0" smtClean="0"/>
+          </a:p>
+          <a:p>
+            <a:r>
+              <a:rPr lang="en-US" dirty="0" smtClean="0"/>
+              <a:t>Today we will focus on </a:t>
+            </a:r>
+            <a:r>
+              <a:rPr lang="en-US" dirty="0" err="1" smtClean="0"/>
+              <a:t>Github</a:t>
+            </a:r>
+            <a:r>
+              <a:rPr lang="en-US" dirty="0" smtClean="0"/>
+              <a:t> and </a:t>
+            </a:r>
+            <a:r>
+              <a:rPr lang="en-US" dirty="0" err="1" smtClean="0"/>
+              <a:t>Github</a:t>
+            </a:r>
+            <a:r>
+              <a:rPr lang="en-US" dirty="0" smtClean="0"/>
+              <a:t> desktop </a:t>
+            </a:r>
+            <a:endParaRPr lang="en-US" dirty="0"/>
           </a:p>
         </p:txBody>
       </p:sp>
     </p:spTree>
     <p:extLst>
       <p:ext uri="{BB962C8B-B14F-4D97-AF65-F5344CB8AC3E}">
-        <p14:creationId xmlns:p14="http://schemas.microsoft.com/office/powerpoint/2010/main" val="760688889"/>
+        <p14:creationId xmlns:p14="http://schemas.microsoft.com/office/powerpoint/2010/main" val="446067528"/>
       </p:ext>
     </p:extLst>
   </p:cSld>
   <p:clrMapOvr>
     <a:masterClrMapping/>
   </p:clrMapOvr>
+  <p:timing>
+    <p:tnLst>
+      <p:par>
+        <p:cTn id="1" dur="indefinite" restart="never" nodeType="tmRoot"/>
+      </p:par>
+    </p:tnLst>
+  </p:timing>
 </p:sld>
 </file>
 
@@ -3702,38 +4326,46 @@
           <a:p>
             <a:r>
               <a:rPr lang="en-US" dirty="0" smtClean="0"/>
-              <a:t>What are the pros of </a:t>
+              <a:t>The repo (repository)</a:t>
+            </a:r>
+            <a:endParaRPr lang="en-US" dirty="0"/>
+          </a:p>
+        </p:txBody>
+      </p:sp>
+      <p:sp>
+        <p:nvSpPr>
+          <p:cNvPr id="3" name="Content Placeholder 2"/>
+          <p:cNvSpPr>
+            <a:spLocks noGrp="1"/>
+          </p:cNvSpPr>
+          <p:nvPr>
+            <p:ph idx="1"/>
+          </p:nvPr>
+        </p:nvSpPr>
+        <p:spPr/>
+        <p:txBody>
+          <a:bodyPr/>
+          <a:lstStyle/>
+          <a:p>
+            <a:r>
+              <a:rPr lang="en-US" dirty="0" smtClean="0"/>
+              <a:t>The home for your project</a:t>
+            </a:r>
+          </a:p>
+          <a:p>
+            <a:r>
+              <a:rPr lang="en-US" dirty="0" smtClean="0"/>
+              <a:t>All of the files are stored here (including old versions)</a:t>
+            </a:r>
+          </a:p>
+          <a:p>
+            <a:r>
+              <a:rPr lang="en-US" dirty="0" smtClean="0"/>
+              <a:t>Files in the repo are stored both locally and on </a:t>
             </a:r>
             <a:r>
               <a:rPr lang="en-US" dirty="0" err="1" smtClean="0"/>
               <a:t>Github</a:t>
-            </a:r>
-            <a:r>
-              <a:rPr lang="en-US" dirty="0" smtClean="0"/>
-              <a:t>?</a:t>
-            </a:r>
-            <a:endParaRPr lang="en-US" dirty="0"/>
-          </a:p>
-        </p:txBody>
-      </p:sp>
-      <p:sp>
-        <p:nvSpPr>
-          <p:cNvPr id="3" name="Content Placeholder 2"/>
-          <p:cNvSpPr>
-            <a:spLocks noGrp="1"/>
-          </p:cNvSpPr>
-          <p:nvPr>
-            <p:ph idx="1"/>
-          </p:nvPr>
-        </p:nvSpPr>
-        <p:spPr/>
-        <p:txBody>
-          <a:bodyPr/>
-          <a:lstStyle/>
-          <a:p>
-            <a:r>
-              <a:rPr lang="en-US" dirty="0" smtClean="0"/>
-              <a:t>Discuss in groups (x minutes)</a:t>
             </a:r>
             <a:endParaRPr lang="en-US" dirty="0"/>
           </a:p>
@@ -3742,13 +4374,20 @@
     </p:spTree>
     <p:extLst>
       <p:ext uri="{BB962C8B-B14F-4D97-AF65-F5344CB8AC3E}">
-        <p14:creationId xmlns:p14="http://schemas.microsoft.com/office/powerpoint/2010/main" val="729585267"/>
+        <p14:creationId xmlns:p14="http://schemas.microsoft.com/office/powerpoint/2010/main" val="2234043758"/>
       </p:ext>
     </p:extLst>
   </p:cSld>
   <p:clrMapOvr>
     <a:masterClrMapping/>
   </p:clrMapOvr>
+  <p:timing>
+    <p:tnLst>
+      <p:par>
+        <p:cTn id="1" dur="indefinite" restart="never" nodeType="tmRoot"/>
+      </p:par>
+    </p:tnLst>
+  </p:timing>
 </p:sld>
 </file>
 
@@ -3786,41 +4425,59 @@
           <a:p>
             <a:r>
               <a:rPr lang="en-US" dirty="0" smtClean="0"/>
-              <a:t>What are the cons of </a:t>
-            </a:r>
-            <a:r>
-              <a:rPr lang="en-US" dirty="0" err="1" smtClean="0"/>
-              <a:t>Github</a:t>
-            </a:r>
+              <a:t>Version control</a:t>
+            </a:r>
+            <a:endParaRPr lang="en-US" dirty="0"/>
+          </a:p>
+        </p:txBody>
+      </p:sp>
+      <p:sp>
+        <p:nvSpPr>
+          <p:cNvPr id="3" name="Content Placeholder 2"/>
+          <p:cNvSpPr>
+            <a:spLocks noGrp="1"/>
+          </p:cNvSpPr>
+          <p:nvPr>
+            <p:ph idx="1"/>
+          </p:nvPr>
+        </p:nvSpPr>
+        <p:spPr/>
+        <p:txBody>
+          <a:bodyPr/>
+          <a:lstStyle/>
+          <a:p>
             <a:r>
               <a:rPr lang="en-US" dirty="0" smtClean="0"/>
-              <a:t>?</a:t>
-            </a:r>
-            <a:endParaRPr lang="en-US" dirty="0"/>
-          </a:p>
-        </p:txBody>
-      </p:sp>
-      <p:sp>
-        <p:nvSpPr>
-          <p:cNvPr id="3" name="Content Placeholder 2"/>
-          <p:cNvSpPr>
-            <a:spLocks noGrp="1"/>
-          </p:cNvSpPr>
-          <p:nvPr>
-            <p:ph idx="1"/>
-          </p:nvPr>
-        </p:nvSpPr>
-        <p:spPr/>
-        <p:txBody>
-          <a:bodyPr/>
-          <a:lstStyle/>
-          <a:p>
+              <a:t>Track changes to </a:t>
+            </a:r>
             <a:r>
               <a:rPr lang="en-US" dirty="0"/>
-              <a:t>Discuss in groups (x minutes)</a:t>
-            </a:r>
-          </a:p>
-          <a:p>
+              <a:t>a </a:t>
+            </a:r>
+            <a:r>
+              <a:rPr lang="en-US" dirty="0" smtClean="0"/>
+              <a:t>file</a:t>
+            </a:r>
+          </a:p>
+          <a:p>
+            <a:r>
+              <a:rPr lang="en-US" dirty="0" smtClean="0"/>
+              <a:t>go </a:t>
+            </a:r>
+            <a:r>
+              <a:rPr lang="en-US" dirty="0"/>
+              <a:t>back to previous versions of a </a:t>
+            </a:r>
+            <a:r>
+              <a:rPr lang="en-US" dirty="0" smtClean="0"/>
+              <a:t>file</a:t>
+            </a:r>
+          </a:p>
+          <a:p>
+            <a:r>
+              <a:rPr lang="en-US" dirty="0" smtClean="0"/>
+              <a:t>Merge/resolve conflicting versions of a file</a:t>
+            </a:r>
             <a:endParaRPr lang="en-US" dirty="0"/>
           </a:p>
         </p:txBody>
@@ -3828,13 +4485,20 @@
     </p:spTree>
     <p:extLst>
       <p:ext uri="{BB962C8B-B14F-4D97-AF65-F5344CB8AC3E}">
-        <p14:creationId xmlns:p14="http://schemas.microsoft.com/office/powerpoint/2010/main" val="2478776565"/>
+        <p14:creationId xmlns:p14="http://schemas.microsoft.com/office/powerpoint/2010/main" val="863938580"/>
       </p:ext>
     </p:extLst>
   </p:cSld>
   <p:clrMapOvr>
     <a:masterClrMapping/>
   </p:clrMapOvr>
+  <p:timing>
+    <p:tnLst>
+      <p:par>
+        <p:cTn id="1" dur="indefinite" restart="never" nodeType="tmRoot"/>
+      </p:par>
+    </p:tnLst>
+  </p:timing>
 </p:sld>
 </file>
 
@@ -3872,7 +4536,7 @@
           <a:p>
             <a:r>
               <a:rPr lang="en-US" dirty="0" smtClean="0"/>
-              <a:t>Resources for learning more</a:t>
+              <a:t>Commit</a:t>
             </a:r>
             <a:endParaRPr lang="en-US" dirty="0"/>
           </a:p>
@@ -3893,14 +4557,46 @@
           <a:bodyPr/>
           <a:lstStyle/>
           <a:p>
-            <a:endParaRPr lang="en-US"/>
-          </a:p>
-        </p:txBody>
-      </p:sp>
+            <a:r>
+              <a:rPr lang="en-US" dirty="0" smtClean="0"/>
+              <a:t>save </a:t>
+            </a:r>
+            <a:r>
+              <a:rPr lang="en-US" dirty="0"/>
+              <a:t>of a version of a file. </a:t>
+            </a:r>
+            <a:endParaRPr lang="en-US" dirty="0"/>
+          </a:p>
+        </p:txBody>
+      </p:sp>
+      <p:pic>
+        <p:nvPicPr>
+          <p:cNvPr id="4" name="Picture 3"/>
+          <p:cNvPicPr>
+            <a:picLocks noChangeAspect="1"/>
+          </p:cNvPicPr>
+          <p:nvPr/>
+        </p:nvPicPr>
+        <p:blipFill>
+          <a:blip r:embed="rId2"/>
+          <a:stretch>
+            <a:fillRect/>
+          </a:stretch>
+        </p:blipFill>
+        <p:spPr>
+          <a:xfrm>
+            <a:off x="1814512" y="2571750"/>
+            <a:ext cx="9600136" cy="4038600"/>
+          </a:xfrm>
+          <a:prstGeom prst="rect">
+            <a:avLst/>
+          </a:prstGeom>
+        </p:spPr>
+      </p:pic>
     </p:spTree>
     <p:extLst>
       <p:ext uri="{BB962C8B-B14F-4D97-AF65-F5344CB8AC3E}">
-        <p14:creationId xmlns:p14="http://schemas.microsoft.com/office/powerpoint/2010/main" val="1669023424"/>
+        <p14:creationId xmlns:p14="http://schemas.microsoft.com/office/powerpoint/2010/main" val="3536666087"/>
       </p:ext>
     </p:extLst>
   </p:cSld>
@@ -3929,13 +4625,7 @@
       </p:grpSpPr>
       <p:sp>
         <p:nvSpPr>
-          <p:cNvPr id="4" name="Title 3">
-            <a:extLst>
-              <a:ext uri="{FF2B5EF4-FFF2-40B4-BE49-F238E27FC236}">
-                <a16:creationId xmlns:a16="http://schemas.microsoft.com/office/drawing/2014/main" id="{9705A81E-C182-44B8-A2EC-8959D725DCDD}"/>
-              </a:ext>
-            </a:extLst>
-          </p:cNvPr>
+          <p:cNvPr id="2" name="Title 1"/>
           <p:cNvSpPr>
             <a:spLocks noGrp="1"/>
           </p:cNvSpPr>
@@ -3949,21 +4639,16 @@
           <a:lstStyle/>
           <a:p>
             <a:r>
-              <a:rPr lang="en-US" dirty="0"/>
-              <a:t>GitHub Slide Content Placeholder</a:t>
-            </a:r>
-          </a:p>
-        </p:txBody>
-      </p:sp>
-      <p:sp>
-        <p:nvSpPr>
-          <p:cNvPr id="5" name="Content Placeholder 4">
-            <a:extLst>
-              <a:ext uri="{FF2B5EF4-FFF2-40B4-BE49-F238E27FC236}">
-                <a16:creationId xmlns:a16="http://schemas.microsoft.com/office/drawing/2014/main" id="{D3373681-B988-4E83-81E7-EA69C522C2D7}"/>
-              </a:ext>
-            </a:extLst>
-          </p:cNvPr>
+              <a:rPr lang="en-US" dirty="0" smtClean="0"/>
+              <a:t>Branch/Merge</a:t>
+            </a:r>
+            <a:endParaRPr lang="en-US" dirty="0"/>
+          </a:p>
+        </p:txBody>
+      </p:sp>
+      <p:sp>
+        <p:nvSpPr>
+          <p:cNvPr id="3" name="Content Placeholder 2"/>
           <p:cNvSpPr>
             <a:spLocks noGrp="1"/>
           </p:cNvSpPr>
@@ -3976,14 +4661,47 @@
           <a:bodyPr/>
           <a:lstStyle/>
           <a:p>
-            <a:endParaRPr lang="en-US"/>
-          </a:p>
-        </p:txBody>
-      </p:sp>
+            <a:r>
+              <a:rPr lang="en-US" dirty="0" smtClean="0"/>
+              <a:t>Try new things without messing up a project</a:t>
+            </a:r>
+          </a:p>
+          <a:p>
+            <a:r>
+              <a:rPr lang="en-US" dirty="0" smtClean="0"/>
+              <a:t>Make code better without breaking existing code</a:t>
+            </a:r>
+            <a:endParaRPr lang="en-US" dirty="0"/>
+          </a:p>
+        </p:txBody>
+      </p:sp>
+      <p:pic>
+        <p:nvPicPr>
+          <p:cNvPr id="4" name="Picture 3"/>
+          <p:cNvPicPr>
+            <a:picLocks noChangeAspect="1"/>
+          </p:cNvPicPr>
+          <p:nvPr/>
+        </p:nvPicPr>
+        <p:blipFill rotWithShape="1">
+          <a:blip r:embed="rId2"/>
+          <a:srcRect l="4762" r="5074"/>
+          <a:stretch/>
+        </p:blipFill>
+        <p:spPr>
+          <a:xfrm>
+            <a:off x="0" y="3039977"/>
+            <a:ext cx="12026517" cy="3351298"/>
+          </a:xfrm>
+          <a:prstGeom prst="rect">
+            <a:avLst/>
+          </a:prstGeom>
+        </p:spPr>
+      </p:pic>
     </p:spTree>
     <p:extLst>
       <p:ext uri="{BB962C8B-B14F-4D97-AF65-F5344CB8AC3E}">
-        <p14:creationId xmlns:p14="http://schemas.microsoft.com/office/powerpoint/2010/main" val="4004850297"/>
+        <p14:creationId xmlns:p14="http://schemas.microsoft.com/office/powerpoint/2010/main" val="1925196024"/>
       </p:ext>
     </p:extLst>
   </p:cSld>
@@ -4012,24 +4730,41 @@
       </p:grpSpPr>
       <p:sp>
         <p:nvSpPr>
-          <p:cNvPr id="3" name="Text Placeholder 2">
-            <a:extLst>
-              <a:ext uri="{FF2B5EF4-FFF2-40B4-BE49-F238E27FC236}">
-                <a16:creationId xmlns:a16="http://schemas.microsoft.com/office/drawing/2014/main" id="{CBBEC366-C759-494E-BEFD-6DED92045DAC}"/>
-              </a:ext>
-            </a:extLst>
-          </p:cNvPr>
-          <p:cNvSpPr>
-            <a:spLocks noGrp="1"/>
-          </p:cNvSpPr>
-          <p:nvPr>
-            <p:ph type="body" idx="1"/>
+          <p:cNvPr id="2" name="Title 1"/>
+          <p:cNvSpPr>
+            <a:spLocks noGrp="1"/>
+          </p:cNvSpPr>
+          <p:nvPr>
+            <p:ph type="title"/>
+          </p:nvPr>
+        </p:nvSpPr>
+        <p:spPr/>
+        <p:txBody>
+          <a:bodyPr/>
+          <a:lstStyle/>
+          <a:p>
+            <a:r>
+              <a:rPr lang="en-US" dirty="0" smtClean="0"/>
+              <a:t>Issues</a:t>
+            </a:r>
+            <a:endParaRPr lang="en-US" dirty="0"/>
+          </a:p>
+        </p:txBody>
+      </p:sp>
+      <p:sp>
+        <p:nvSpPr>
+          <p:cNvPr id="3" name="Content Placeholder 2"/>
+          <p:cNvSpPr>
+            <a:spLocks noGrp="1"/>
+          </p:cNvSpPr>
+          <p:nvPr>
+            <p:ph idx="1"/>
           </p:nvPr>
         </p:nvSpPr>
         <p:spPr>
           <a:xfrm>
-            <a:off x="831850" y="4589464"/>
-            <a:ext cx="10515600" cy="430212"/>
+            <a:off x="838200" y="1539875"/>
+            <a:ext cx="10515600" cy="4351338"/>
           </a:xfrm>
         </p:spPr>
         <p:txBody>
@@ -4037,49 +4772,88 @@
           <a:lstStyle/>
           <a:p>
             <a:r>
-              <a:rPr lang="en-US" dirty="0"/>
-              <a:t>Learning from Past Collaborations</a:t>
-            </a:r>
-          </a:p>
-        </p:txBody>
-      </p:sp>
-      <p:sp>
-        <p:nvSpPr>
-          <p:cNvPr id="7" name="Title 6">
-            <a:extLst>
-              <a:ext uri="{FF2B5EF4-FFF2-40B4-BE49-F238E27FC236}">
-                <a16:creationId xmlns:a16="http://schemas.microsoft.com/office/drawing/2014/main" id="{52783F39-79B3-4870-B7E0-BCD7EAF177B0}"/>
-              </a:ext>
-            </a:extLst>
-          </p:cNvPr>
-          <p:cNvSpPr>
-            <a:spLocks noGrp="1"/>
-          </p:cNvSpPr>
-          <p:nvPr>
-            <p:ph type="title"/>
-          </p:nvPr>
-        </p:nvSpPr>
+              <a:rPr lang="en-US" dirty="0" smtClean="0"/>
+              <a:t>To-do list for the project</a:t>
+            </a:r>
+          </a:p>
+          <a:p>
+            <a:pPr lvl="1"/>
+            <a:r>
+              <a:rPr lang="en-US" dirty="0" smtClean="0"/>
+              <a:t>Bugs that need fixing</a:t>
+            </a:r>
+          </a:p>
+          <a:p>
+            <a:pPr lvl="1"/>
+            <a:r>
+              <a:rPr lang="en-US" dirty="0" smtClean="0"/>
+              <a:t>Tasks needed to be done</a:t>
+            </a:r>
+          </a:p>
+          <a:p>
+            <a:pPr lvl="1"/>
+            <a:r>
+              <a:rPr lang="en-US" dirty="0" smtClean="0"/>
+              <a:t>Future plans</a:t>
+            </a:r>
+          </a:p>
+          <a:p>
+            <a:r>
+              <a:rPr lang="en-US" dirty="0" smtClean="0"/>
+              <a:t>Can assign issues to</a:t>
+            </a:r>
+            <a:br>
+              <a:rPr lang="en-US" dirty="0" smtClean="0"/>
+            </a:br>
+            <a:r>
+              <a:rPr lang="en-US" dirty="0" smtClean="0"/>
+              <a:t>collaborators (or yourself)</a:t>
+            </a:r>
+          </a:p>
+          <a:p>
+            <a:r>
+              <a:rPr lang="en-US" dirty="0" smtClean="0"/>
+              <a:t>Can label issues for certain</a:t>
+            </a:r>
+            <a:br>
+              <a:rPr lang="en-US" dirty="0" smtClean="0"/>
+            </a:br>
+            <a:r>
+              <a:rPr lang="en-US" dirty="0" smtClean="0"/>
+              <a:t>parts of the project</a:t>
+            </a:r>
+            <a:endParaRPr lang="en-US" dirty="0"/>
+          </a:p>
+        </p:txBody>
+      </p:sp>
+      <p:pic>
+        <p:nvPicPr>
+          <p:cNvPr id="4" name="Picture 3"/>
+          <p:cNvPicPr>
+            <a:picLocks noChangeAspect="1"/>
+          </p:cNvPicPr>
+          <p:nvPr/>
+        </p:nvPicPr>
+        <p:blipFill>
+          <a:blip r:embed="rId2"/>
+          <a:stretch>
+            <a:fillRect/>
+          </a:stretch>
+        </p:blipFill>
         <p:spPr>
           <a:xfrm>
-            <a:off x="831850" y="3648075"/>
-            <a:ext cx="10515600" cy="914400"/>
+            <a:off x="5086350" y="2099000"/>
+            <a:ext cx="7105650" cy="4530399"/>
           </a:xfrm>
+          <a:prstGeom prst="rect">
+            <a:avLst/>
+          </a:prstGeom>
         </p:spPr>
-        <p:txBody>
-          <a:bodyPr/>
-          <a:lstStyle/>
-          <a:p>
-            <a:r>
-              <a:rPr lang="en-US" dirty="0"/>
-              <a:t>Small Group Discussions</a:t>
-            </a:r>
-          </a:p>
-        </p:txBody>
-      </p:sp>
+      </p:pic>
     </p:spTree>
     <p:extLst>
       <p:ext uri="{BB962C8B-B14F-4D97-AF65-F5344CB8AC3E}">
-        <p14:creationId xmlns:p14="http://schemas.microsoft.com/office/powerpoint/2010/main" val="1827043774"/>
+        <p14:creationId xmlns:p14="http://schemas.microsoft.com/office/powerpoint/2010/main" val="2906930741"/>
       </p:ext>
     </p:extLst>
   </p:cSld>
@@ -4090,7 +4864,7 @@
 </file>
 
 <file path=ppt/slides/slide16.xml><?xml version="1.0" encoding="utf-8"?>
-<p:sld xmlns:a="http://schemas.openxmlformats.org/drawingml/2006/main" xmlns:r="http://schemas.openxmlformats.org/officeDocument/2006/relationships" xmlns:p="http://schemas.openxmlformats.org/presentationml/2006/main">
+<p:sld xmlns:a="http://schemas.openxmlformats.org/drawingml/2006/main" xmlns:r="http://schemas.openxmlformats.org/officeDocument/2006/relationships" xmlns:p="http://schemas.openxmlformats.org/presentationml/2006/main" show="0">
   <p:cSld>
     <p:spTree>
       <p:nvGrpSpPr>
@@ -4108,13 +4882,7 @@
       </p:grpSpPr>
       <p:sp>
         <p:nvSpPr>
-          <p:cNvPr id="2" name="Title 1">
-            <a:extLst>
-              <a:ext uri="{FF2B5EF4-FFF2-40B4-BE49-F238E27FC236}">
-                <a16:creationId xmlns:a16="http://schemas.microsoft.com/office/drawing/2014/main" id="{4DBB3D5F-2B2C-4880-8F07-4EA749825D10}"/>
-              </a:ext>
-            </a:extLst>
-          </p:cNvPr>
+          <p:cNvPr id="2" name="Title 1"/>
           <p:cNvSpPr>
             <a:spLocks noGrp="1"/>
           </p:cNvSpPr>
@@ -4128,21 +4896,16 @@
           <a:lstStyle/>
           <a:p>
             <a:r>
-              <a:rPr lang="en-US" dirty="0"/>
-              <a:t>Small Group Discussions</a:t>
-            </a:r>
-          </a:p>
-        </p:txBody>
-      </p:sp>
-      <p:sp>
-        <p:nvSpPr>
-          <p:cNvPr id="3" name="Content Placeholder 2">
-            <a:extLst>
-              <a:ext uri="{FF2B5EF4-FFF2-40B4-BE49-F238E27FC236}">
-                <a16:creationId xmlns:a16="http://schemas.microsoft.com/office/drawing/2014/main" id="{58DA7441-F606-4D88-B3AB-F330ECBB4130}"/>
-              </a:ext>
-            </a:extLst>
-          </p:cNvPr>
+              <a:rPr lang="en-US" dirty="0" smtClean="0"/>
+              <a:t>Forking/Pull requests</a:t>
+            </a:r>
+            <a:endParaRPr lang="en-US" dirty="0"/>
+          </a:p>
+        </p:txBody>
+      </p:sp>
+      <p:sp>
+        <p:nvSpPr>
+          <p:cNvPr id="3" name="Content Placeholder 2"/>
           <p:cNvSpPr>
             <a:spLocks noGrp="1"/>
           </p:cNvSpPr>
@@ -4152,96 +4915,76 @@
         </p:nvSpPr>
         <p:spPr/>
         <p:txBody>
-          <a:bodyPr>
-            <a:normAutofit lnSpcReduction="10000"/>
-          </a:bodyPr>
-          <a:lstStyle/>
-          <a:p>
-            <a:pPr marL="0" indent="0">
+          <a:bodyPr/>
+          <a:lstStyle/>
+          <a:p>
+            <a:r>
+              <a:rPr lang="en-US" dirty="0" smtClean="0"/>
+              <a:t>Make a copy of a repository</a:t>
+            </a:r>
+          </a:p>
+          <a:p>
+            <a:pPr lvl="1"/>
+            <a:r>
+              <a:rPr lang="en-US" dirty="0" smtClean="0"/>
+              <a:t>Make changes</a:t>
+            </a:r>
+          </a:p>
+          <a:p>
+            <a:pPr lvl="1"/>
+            <a:r>
+              <a:rPr lang="en-US" dirty="0" smtClean="0"/>
+              <a:t>re-deploy as a different project</a:t>
+            </a:r>
+          </a:p>
+          <a:p>
+            <a:pPr lvl="1"/>
+            <a:r>
+              <a:rPr lang="en-US" dirty="0" smtClean="0"/>
+              <a:t>Create a different/better version of the current repo</a:t>
+            </a:r>
+          </a:p>
+          <a:p>
+            <a:pPr lvl="1"/>
+            <a:endParaRPr lang="en-US" dirty="0"/>
+          </a:p>
+          <a:p>
+            <a:pPr marL="457200" lvl="1" indent="0">
               <a:buNone/>
             </a:pPr>
             <a:r>
-              <a:rPr lang="en-US" b="1" i="1" dirty="0"/>
-              <a:t>What you’ll need…</a:t>
-            </a:r>
-          </a:p>
-          <a:p>
-            <a:pPr marL="514350" indent="-514350">
-              <a:buAutoNum type="arabicPeriod"/>
-            </a:pPr>
-            <a:r>
-              <a:rPr lang="en-US" dirty="0"/>
-              <a:t>Some people to talk with</a:t>
-            </a:r>
-          </a:p>
-          <a:p>
-            <a:pPr marL="514350" indent="-514350">
-              <a:buAutoNum type="arabicPeriod"/>
-            </a:pPr>
-            <a:r>
-              <a:rPr lang="en-US" dirty="0"/>
-              <a:t>Some notetaking technology (e.g., pen and paper, laptop, tablet)</a:t>
-            </a:r>
-          </a:p>
-          <a:p>
-            <a:pPr marL="514350" indent="-514350">
-              <a:buAutoNum type="arabicPeriod"/>
-            </a:pPr>
-            <a:endParaRPr lang="en-US" dirty="0"/>
-          </a:p>
-          <a:p>
-            <a:pPr marL="0" indent="0">
-              <a:buNone/>
-            </a:pPr>
-            <a:r>
-              <a:rPr lang="en-US" b="1" i="1" dirty="0"/>
-              <a:t>What we’ll do…</a:t>
-            </a:r>
-          </a:p>
-          <a:p>
-            <a:pPr marL="514350" indent="-514350">
-              <a:buAutoNum type="arabicPeriod"/>
-            </a:pPr>
-            <a:r>
-              <a:rPr lang="en-US" dirty="0"/>
-              <a:t>Reflect on past collaborative experiences</a:t>
-            </a:r>
-          </a:p>
-          <a:p>
-            <a:pPr marL="514350" indent="-514350">
-              <a:buAutoNum type="arabicPeriod"/>
-            </a:pPr>
-            <a:r>
-              <a:rPr lang="en-US" dirty="0"/>
-              <a:t>Gather anecdotal evidence to support </a:t>
-            </a:r>
-            <a:r>
-              <a:rPr lang="en-US" i="1" dirty="0"/>
-              <a:t>The N Commandments of Collaborative Computing</a:t>
-            </a:r>
-            <a:endParaRPr lang="en-US" dirty="0"/>
-          </a:p>
-          <a:p>
-            <a:pPr marL="514350" indent="-514350">
-              <a:buAutoNum type="arabicPeriod"/>
-            </a:pPr>
-            <a:r>
-              <a:rPr lang="en-US" dirty="0"/>
-              <a:t>Focus on digital aspects and tools that worked (or not)</a:t>
-            </a:r>
+              <a:rPr lang="en-US" dirty="0" smtClean="0">
+                <a:solidFill>
+                  <a:srgbClr val="FF0000"/>
+                </a:solidFill>
+              </a:rPr>
+              <a:t>Currently hidden slide. Maybe more than we want to get into</a:t>
+            </a:r>
+          </a:p>
+          <a:p>
+            <a:pPr lvl="1"/>
+            <a:endParaRPr lang="en-US" dirty="0" smtClean="0"/>
           </a:p>
         </p:txBody>
       </p:sp>
     </p:spTree>
     <p:extLst>
       <p:ext uri="{BB962C8B-B14F-4D97-AF65-F5344CB8AC3E}">
-        <p14:creationId xmlns:p14="http://schemas.microsoft.com/office/powerpoint/2010/main" val="431935109"/>
+        <p14:creationId xmlns:p14="http://schemas.microsoft.com/office/powerpoint/2010/main" val="1193757105"/>
       </p:ext>
     </p:extLst>
   </p:cSld>
   <p:clrMapOvr>
     <a:masterClrMapping/>
   </p:clrMapOvr>
+  <mc:AlternateContent xmlns:mc="http://schemas.openxmlformats.org/markup-compatibility/2006">
+    <mc:Choice xmlns:p14="http://schemas.microsoft.com/office/powerpoint/2010/main" Requires="p14">
+      <p:transition spd="slow" p14:dur="2000"/>
+    </mc:Choice>
+    <mc:Fallback>
+      <p:transition spd="slow"/>
+    </mc:Fallback>
+  </mc:AlternateContent>
 </p:sld>
 </file>
 
@@ -4264,13 +5007,7 @@
       </p:grpSpPr>
       <p:sp>
         <p:nvSpPr>
-          <p:cNvPr id="2" name="Title 1">
-            <a:extLst>
-              <a:ext uri="{FF2B5EF4-FFF2-40B4-BE49-F238E27FC236}">
-                <a16:creationId xmlns:a16="http://schemas.microsoft.com/office/drawing/2014/main" id="{F03E117D-36C5-4FC7-8EEF-CDC513A6F7D0}"/>
-              </a:ext>
-            </a:extLst>
-          </p:cNvPr>
+          <p:cNvPr id="2" name="Title 1"/>
           <p:cNvSpPr>
             <a:spLocks noGrp="1"/>
           </p:cNvSpPr>
@@ -4284,21 +5021,16 @@
           <a:lstStyle/>
           <a:p>
             <a:r>
-              <a:rPr lang="en-US" dirty="0"/>
-              <a:t>Part 1: Introductions</a:t>
-            </a:r>
-          </a:p>
-        </p:txBody>
-      </p:sp>
-      <p:sp>
-        <p:nvSpPr>
-          <p:cNvPr id="3" name="Content Placeholder 2">
-            <a:extLst>
-              <a:ext uri="{FF2B5EF4-FFF2-40B4-BE49-F238E27FC236}">
-                <a16:creationId xmlns:a16="http://schemas.microsoft.com/office/drawing/2014/main" id="{C35EAB37-4B0D-4848-B2E9-CCE1852B766C}"/>
-              </a:ext>
-            </a:extLst>
-          </p:cNvPr>
+              <a:rPr lang="en-US" dirty="0" smtClean="0"/>
+              <a:t>Some examples</a:t>
+            </a:r>
+            <a:endParaRPr lang="en-US" dirty="0"/>
+          </a:p>
+        </p:txBody>
+      </p:sp>
+      <p:sp>
+        <p:nvSpPr>
+          <p:cNvPr id="3" name="Content Placeholder 2"/>
           <p:cNvSpPr>
             <a:spLocks noGrp="1"/>
           </p:cNvSpPr>
@@ -4311,48 +5043,14 @@
           <a:bodyPr/>
           <a:lstStyle/>
           <a:p>
-            <a:pPr marL="0" indent="0">
-              <a:buNone/>
-            </a:pPr>
-            <a:r>
-              <a:rPr lang="en-US" b="1" i="1" dirty="0"/>
-              <a:t>Share…</a:t>
-            </a:r>
-            <a:endParaRPr lang="en-US" dirty="0"/>
-          </a:p>
-          <a:p>
-            <a:pPr marL="514350" indent="-514350">
-              <a:buAutoNum type="arabicPeriod"/>
-            </a:pPr>
-            <a:r>
-              <a:rPr lang="en-US" dirty="0"/>
-              <a:t>Institution and LTER site</a:t>
-            </a:r>
-          </a:p>
-          <a:p>
-            <a:pPr marL="514350" indent="-514350">
-              <a:buAutoNum type="arabicPeriod"/>
-            </a:pPr>
-            <a:r>
-              <a:rPr lang="en-US" dirty="0"/>
-              <a:t>Role (e.g., professor, postdoc, grad student, etc.)</a:t>
-            </a:r>
-          </a:p>
-          <a:p>
-            <a:pPr marL="514350" indent="-514350">
-              <a:buAutoNum type="arabicPeriod"/>
-            </a:pPr>
-            <a:r>
-              <a:rPr lang="en-US" dirty="0"/>
-              <a:t>Research area</a:t>
-            </a:r>
+            <a:endParaRPr lang="en-US"/>
           </a:p>
         </p:txBody>
       </p:sp>
     </p:spTree>
     <p:extLst>
       <p:ext uri="{BB962C8B-B14F-4D97-AF65-F5344CB8AC3E}">
-        <p14:creationId xmlns:p14="http://schemas.microsoft.com/office/powerpoint/2010/main" val="3064312405"/>
+        <p14:creationId xmlns:p14="http://schemas.microsoft.com/office/powerpoint/2010/main" val="760688889"/>
       </p:ext>
     </p:extLst>
   </p:cSld>
@@ -4381,13 +5079,7 @@
       </p:grpSpPr>
       <p:sp>
         <p:nvSpPr>
-          <p:cNvPr id="2" name="Title 1">
-            <a:extLst>
-              <a:ext uri="{FF2B5EF4-FFF2-40B4-BE49-F238E27FC236}">
-                <a16:creationId xmlns:a16="http://schemas.microsoft.com/office/drawing/2014/main" id="{063DBBFE-8E9D-41E2-BD09-9C4A32165836}"/>
-              </a:ext>
-            </a:extLst>
-          </p:cNvPr>
+          <p:cNvPr id="2" name="Title 1"/>
           <p:cNvSpPr>
             <a:spLocks noGrp="1"/>
           </p:cNvSpPr>
@@ -4401,21 +5093,24 @@
           <a:lstStyle/>
           <a:p>
             <a:r>
-              <a:rPr lang="en-US" dirty="0"/>
-              <a:t>Part 2: Reflecting Back</a:t>
-            </a:r>
-          </a:p>
-        </p:txBody>
-      </p:sp>
-      <p:sp>
-        <p:nvSpPr>
-          <p:cNvPr id="3" name="Content Placeholder 2">
-            <a:extLst>
-              <a:ext uri="{FF2B5EF4-FFF2-40B4-BE49-F238E27FC236}">
-                <a16:creationId xmlns:a16="http://schemas.microsoft.com/office/drawing/2014/main" id="{527F693A-CD83-4ECC-A63D-6E07BDA34141}"/>
-              </a:ext>
-            </a:extLst>
-          </p:cNvPr>
+              <a:rPr lang="en-US" dirty="0" smtClean="0"/>
+              <a:t>What are the pros of </a:t>
+            </a:r>
+            <a:r>
+              <a:rPr lang="en-US" dirty="0" err="1" smtClean="0"/>
+              <a:t>Github</a:t>
+            </a:r>
+            <a:r>
+              <a:rPr lang="en-US" dirty="0" smtClean="0"/>
+              <a:t>?</a:t>
+            </a:r>
+            <a:endParaRPr lang="en-US" dirty="0"/>
+          </a:p>
+        </p:txBody>
+      </p:sp>
+      <p:sp>
+        <p:nvSpPr>
+          <p:cNvPr id="3" name="Content Placeholder 2"/>
           <p:cNvSpPr>
             <a:spLocks noGrp="1"/>
           </p:cNvSpPr>
@@ -4428,48 +5123,18 @@
           <a:bodyPr/>
           <a:lstStyle/>
           <a:p>
-            <a:pPr marL="0" indent="0">
-              <a:buNone/>
-            </a:pPr>
-            <a:r>
-              <a:rPr lang="en-US" b="1" i="1" dirty="0"/>
-              <a:t>Think…</a:t>
+            <a:r>
+              <a:rPr lang="en-US" dirty="0" smtClean="0"/>
+              <a:t>Discuss in groups (x minutes)</a:t>
             </a:r>
             <a:endParaRPr lang="en-US" dirty="0"/>
-          </a:p>
-          <a:p>
-            <a:pPr marL="514350" indent="-514350">
-              <a:buAutoNum type="arabicPeriod"/>
-            </a:pPr>
-            <a:r>
-              <a:rPr lang="en-US" dirty="0"/>
-              <a:t>Blah</a:t>
-            </a:r>
-          </a:p>
-          <a:p>
-            <a:pPr marL="514350" indent="-514350">
-              <a:buAutoNum type="arabicPeriod"/>
-            </a:pPr>
-            <a:r>
-              <a:rPr lang="en-US" dirty="0"/>
-              <a:t>Blah</a:t>
-            </a:r>
-          </a:p>
-          <a:p>
-            <a:pPr marL="0" indent="0">
-              <a:buNone/>
-            </a:pPr>
-            <a:r>
-              <a:rPr lang="en-US" b="1" i="1" dirty="0"/>
-              <a:t>Share…</a:t>
-            </a:r>
           </a:p>
         </p:txBody>
       </p:sp>
     </p:spTree>
     <p:extLst>
       <p:ext uri="{BB962C8B-B14F-4D97-AF65-F5344CB8AC3E}">
-        <p14:creationId xmlns:p14="http://schemas.microsoft.com/office/powerpoint/2010/main" val="2276565651"/>
+        <p14:creationId xmlns:p14="http://schemas.microsoft.com/office/powerpoint/2010/main" val="729585267"/>
       </p:ext>
     </p:extLst>
   </p:cSld>
@@ -4498,13 +5163,7 @@
       </p:grpSpPr>
       <p:sp>
         <p:nvSpPr>
-          <p:cNvPr id="2" name="Title 1">
-            <a:extLst>
-              <a:ext uri="{FF2B5EF4-FFF2-40B4-BE49-F238E27FC236}">
-                <a16:creationId xmlns:a16="http://schemas.microsoft.com/office/drawing/2014/main" id="{8767DBB4-F5AD-4316-BE61-85136EBF7846}"/>
-              </a:ext>
-            </a:extLst>
-          </p:cNvPr>
+          <p:cNvPr id="2" name="Title 1"/>
           <p:cNvSpPr>
             <a:spLocks noGrp="1"/>
           </p:cNvSpPr>
@@ -4518,73 +5177,42 @@
           <a:lstStyle/>
           <a:p>
             <a:r>
+              <a:rPr lang="en-US" dirty="0" smtClean="0"/>
+              <a:t>What are the cons of </a:t>
+            </a:r>
+            <a:r>
+              <a:rPr lang="en-US" dirty="0" err="1" smtClean="0"/>
+              <a:t>Github</a:t>
+            </a:r>
+            <a:r>
+              <a:rPr lang="en-US" dirty="0" smtClean="0"/>
+              <a:t>?</a:t>
+            </a:r>
+            <a:endParaRPr lang="en-US" dirty="0"/>
+          </a:p>
+        </p:txBody>
+      </p:sp>
+      <p:sp>
+        <p:nvSpPr>
+          <p:cNvPr id="3" name="Content Placeholder 2"/>
+          <p:cNvSpPr>
+            <a:spLocks noGrp="1"/>
+          </p:cNvSpPr>
+          <p:nvPr>
+            <p:ph idx="1"/>
+          </p:nvPr>
+        </p:nvSpPr>
+        <p:spPr/>
+        <p:txBody>
+          <a:bodyPr/>
+          <a:lstStyle/>
+          <a:p>
+            <a:r>
               <a:rPr lang="en-US" dirty="0"/>
-              <a:t>Part 3: Looking Forward</a:t>
-            </a:r>
-          </a:p>
-        </p:txBody>
-      </p:sp>
-      <p:sp>
-        <p:nvSpPr>
-          <p:cNvPr id="3" name="Content Placeholder 2">
-            <a:extLst>
-              <a:ext uri="{FF2B5EF4-FFF2-40B4-BE49-F238E27FC236}">
-                <a16:creationId xmlns:a16="http://schemas.microsoft.com/office/drawing/2014/main" id="{29E78B52-C2A3-4828-A172-D913CA1C5929}"/>
-              </a:ext>
-            </a:extLst>
-          </p:cNvPr>
-          <p:cNvSpPr>
-            <a:spLocks noGrp="1"/>
-          </p:cNvSpPr>
-          <p:nvPr>
-            <p:ph idx="1"/>
-          </p:nvPr>
-        </p:nvSpPr>
-        <p:spPr/>
-        <p:txBody>
-          <a:bodyPr/>
-          <a:lstStyle/>
-          <a:p>
-            <a:pPr marL="0" indent="0">
-              <a:buNone/>
-            </a:pPr>
-            <a:r>
-              <a:rPr lang="en-US" b="1" i="1" dirty="0"/>
-              <a:t>Think…</a:t>
-            </a:r>
-            <a:endParaRPr lang="en-US" dirty="0"/>
-          </a:p>
-          <a:p>
-            <a:pPr marL="514350" indent="-514350">
-              <a:buAutoNum type="arabicPeriod"/>
-            </a:pPr>
-            <a:r>
-              <a:rPr lang="en-US" dirty="0"/>
-              <a:t>Blah</a:t>
-            </a:r>
-          </a:p>
-          <a:p>
-            <a:pPr marL="514350" indent="-514350">
-              <a:buAutoNum type="arabicPeriod"/>
-            </a:pPr>
-            <a:r>
-              <a:rPr lang="en-US" dirty="0"/>
-              <a:t>Blah</a:t>
-            </a:r>
-          </a:p>
-          <a:p>
-            <a:pPr marL="0" indent="0">
-              <a:buNone/>
-            </a:pPr>
-            <a:r>
-              <a:rPr lang="en-US" b="1" i="1" dirty="0"/>
-              <a:t>Share…</a:t>
-            </a:r>
-          </a:p>
-          <a:p>
-            <a:pPr marL="0" indent="0">
-              <a:buNone/>
-            </a:pPr>
+              <a:t>Discuss in groups (x minutes)</a:t>
+            </a:r>
+          </a:p>
+          <a:p>
             <a:endParaRPr lang="en-US" dirty="0"/>
           </a:p>
         </p:txBody>
@@ -4592,7 +5220,7 @@
     </p:spTree>
     <p:extLst>
       <p:ext uri="{BB962C8B-B14F-4D97-AF65-F5344CB8AC3E}">
-        <p14:creationId xmlns:p14="http://schemas.microsoft.com/office/powerpoint/2010/main" val="323198984"/>
+        <p14:creationId xmlns:p14="http://schemas.microsoft.com/office/powerpoint/2010/main" val="2478776565"/>
       </p:ext>
     </p:extLst>
   </p:cSld>
@@ -4764,8 +5392,15 @@
             <a:p>
               <a:r>
                 <a:rPr lang="en-US" dirty="0"/>
-                <a:t>Kent State</a:t>
+                <a:t>Kent </a:t>
               </a:r>
+              <a:r>
+                <a:rPr lang="en-US" dirty="0" smtClean="0"/>
+                <a:t>State</a:t>
+              </a:r>
+            </a:p>
+            <a:p>
+              <a:endParaRPr lang="en-US" dirty="0"/>
             </a:p>
           </p:txBody>
         </p:sp>
@@ -4882,138 +5517,100 @@
             <a:p>
               <a:r>
                 <a:rPr lang="en-US" dirty="0"/>
-                <a:t>Michigan State</a:t>
+                <a:t>Michigan </a:t>
+              </a:r>
+              <a:r>
+                <a:rPr lang="en-US" dirty="0" smtClean="0"/>
+                <a:t>State</a:t>
               </a:r>
             </a:p>
           </p:txBody>
         </p:sp>
       </p:grpSp>
-      <p:grpSp>
-        <p:nvGrpSpPr>
-          <p:cNvPr id="11" name="Group 10">
-            <a:extLst>
-              <a:ext uri="{FF2B5EF4-FFF2-40B4-BE49-F238E27FC236}">
-                <a16:creationId xmlns:a16="http://schemas.microsoft.com/office/drawing/2014/main" id="{4AF0F817-0BFE-4AEF-82F8-5EE27CFE6AAD}"/>
-              </a:ext>
-            </a:extLst>
-          </p:cNvPr>
-          <p:cNvGrpSpPr/>
+      <p:sp>
+        <p:nvSpPr>
+          <p:cNvPr id="10" name="TextBox 9">
+            <a:extLst>
+              <a:ext uri="{FF2B5EF4-FFF2-40B4-BE49-F238E27FC236}">
+                <a16:creationId xmlns:a16="http://schemas.microsoft.com/office/drawing/2014/main" id="{E91163AB-4C12-4FAA-8126-714BA13F94B9}"/>
+              </a:ext>
+            </a:extLst>
+          </p:cNvPr>
+          <p:cNvSpPr txBox="1"/>
           <p:nvPr/>
-        </p:nvGrpSpPr>
-        <p:grpSpPr>
+        </p:nvSpPr>
+        <p:spPr>
           <a:xfrm>
-            <a:off x="8595360" y="1828800"/>
-            <a:ext cx="2286000" cy="4114800"/>
-            <a:chOff x="8486535" y="1545432"/>
-            <a:chExt cx="2286000" cy="4114800"/>
+            <a:off x="8595360" y="4114800"/>
+            <a:ext cx="2286000" cy="1828800"/>
           </a:xfrm>
-        </p:grpSpPr>
-        <p:pic>
-          <p:nvPicPr>
-            <p:cNvPr id="1030" name="Picture 6" descr="https://avatars2.githubusercontent.com/u/25037010?s=460&amp;v=4">
-              <a:extLst>
-                <a:ext uri="{FF2B5EF4-FFF2-40B4-BE49-F238E27FC236}">
-                  <a16:creationId xmlns:a16="http://schemas.microsoft.com/office/drawing/2014/main" id="{08D4249F-FC99-4244-B4B1-B952F32D5832}"/>
-                </a:ext>
-              </a:extLst>
-            </p:cNvPr>
-            <p:cNvPicPr>
-              <a:picLocks noChangeAspect="1" noChangeArrowheads="1"/>
-            </p:cNvPicPr>
-            <p:nvPr/>
-          </p:nvPicPr>
-          <p:blipFill>
-            <a:blip r:embed="rId4">
-              <a:extLst>
-                <a:ext uri="{28A0092B-C50C-407E-A947-70E740481C1C}">
-                  <a14:useLocalDpi xmlns:a14="http://schemas.microsoft.com/office/drawing/2010/main" val="0"/>
-                </a:ext>
-              </a:extLst>
-            </a:blip>
-            <a:srcRect/>
-            <a:stretch>
-              <a:fillRect/>
-            </a:stretch>
-          </p:blipFill>
-          <p:spPr bwMode="auto">
-            <a:xfrm>
-              <a:off x="8486535" y="1545432"/>
-              <a:ext cx="2286000" cy="2286000"/>
-            </a:xfrm>
-            <a:prstGeom prst="rect">
-              <a:avLst/>
-            </a:prstGeom>
+          <a:prstGeom prst="rect">
+            <a:avLst/>
+          </a:prstGeom>
+          <a:noFill/>
+          <a:ln>
             <a:noFill/>
-            <a:ln>
-              <a:noFill/>
-            </a:ln>
-            <a:extLst>
-              <a:ext uri="{909E8E84-426E-40DD-AFC4-6F175D3DCCD1}">
-                <a14:hiddenFill xmlns:a14="http://schemas.microsoft.com/office/drawing/2010/main">
-                  <a:solidFill>
-                    <a:srgbClr val="FFFFFF"/>
-                  </a:solidFill>
-                </a14:hiddenFill>
-              </a:ext>
-            </a:extLst>
-          </p:spPr>
-        </p:pic>
-        <p:sp>
-          <p:nvSpPr>
-            <p:cNvPr id="10" name="TextBox 9">
-              <a:extLst>
-                <a:ext uri="{FF2B5EF4-FFF2-40B4-BE49-F238E27FC236}">
-                  <a16:creationId xmlns:a16="http://schemas.microsoft.com/office/drawing/2014/main" id="{E91163AB-4C12-4FAA-8126-714BA13F94B9}"/>
-                </a:ext>
-              </a:extLst>
-            </p:cNvPr>
-            <p:cNvSpPr txBox="1"/>
-            <p:nvPr/>
-          </p:nvSpPr>
-          <p:spPr>
-            <a:xfrm>
-              <a:off x="8486535" y="3831432"/>
-              <a:ext cx="2286000" cy="1828800"/>
-            </a:xfrm>
-            <a:prstGeom prst="rect">
-              <a:avLst/>
-            </a:prstGeom>
-            <a:noFill/>
-            <a:ln>
-              <a:noFill/>
-            </a:ln>
-          </p:spPr>
-          <p:txBody>
-            <a:bodyPr wrap="square" rtlCol="0">
-              <a:noAutofit/>
-            </a:bodyPr>
-            <a:lstStyle/>
-            <a:p>
-              <a:r>
-                <a:rPr lang="en-US" b="1" dirty="0"/>
-                <a:t>Chad </a:t>
-              </a:r>
-              <a:r>
-                <a:rPr lang="en-US" b="1" dirty="0" err="1"/>
-                <a:t>Zirbel</a:t>
-              </a:r>
-              <a:endParaRPr lang="en-US" b="1" dirty="0"/>
-            </a:p>
-            <a:p>
-              <a:r>
-                <a:rPr lang="en-US" dirty="0"/>
-                <a:t>Post Doc</a:t>
-              </a:r>
-            </a:p>
-            <a:p>
-              <a:r>
-                <a:rPr lang="en-US" dirty="0"/>
-                <a:t>Minnesota</a:t>
-              </a:r>
-            </a:p>
-          </p:txBody>
-        </p:sp>
-      </p:grpSp>
+          </a:ln>
+        </p:spPr>
+        <p:txBody>
+          <a:bodyPr wrap="square" rtlCol="0">
+            <a:noAutofit/>
+          </a:bodyPr>
+          <a:lstStyle/>
+          <a:p>
+            <a:r>
+              <a:rPr lang="en-US" b="1" dirty="0"/>
+              <a:t>Chad </a:t>
+            </a:r>
+            <a:r>
+              <a:rPr lang="en-US" b="1" dirty="0" err="1"/>
+              <a:t>Zirbel</a:t>
+            </a:r>
+            <a:endParaRPr lang="en-US" b="1" dirty="0"/>
+          </a:p>
+          <a:p>
+            <a:r>
+              <a:rPr lang="en-US" dirty="0"/>
+              <a:t>Post Doc</a:t>
+            </a:r>
+          </a:p>
+          <a:p>
+            <a:r>
+              <a:rPr lang="en-US" dirty="0"/>
+              <a:t>Minnesota</a:t>
+            </a:r>
+          </a:p>
+        </p:txBody>
+      </p:sp>
+      <p:pic>
+        <p:nvPicPr>
+          <p:cNvPr id="13" name="Picture 12"/>
+          <p:cNvPicPr>
+            <a:picLocks noChangeAspect="1"/>
+          </p:cNvPicPr>
+          <p:nvPr/>
+        </p:nvPicPr>
+        <p:blipFill rotWithShape="1">
+          <a:blip r:embed="rId4" cstate="hqprint">
+            <a:extLst>
+              <a:ext uri="{28A0092B-C50C-407E-A947-70E740481C1C}">
+                <a14:useLocalDpi xmlns:a14="http://schemas.microsoft.com/office/drawing/2010/main" val="0"/>
+              </a:ext>
+            </a:extLst>
+          </a:blip>
+          <a:srcRect l="1" t="18748" r="3908" b="3038"/>
+          <a:stretch/>
+        </p:blipFill>
+        <p:spPr>
+          <a:xfrm>
+            <a:off x="8503920" y="1852919"/>
+            <a:ext cx="2284525" cy="2278626"/>
+          </a:xfrm>
+          <a:prstGeom prst="rect">
+            <a:avLst/>
+          </a:prstGeom>
+        </p:spPr>
+      </p:pic>
     </p:spTree>
     <p:extLst>
       <p:ext uri="{BB962C8B-B14F-4D97-AF65-F5344CB8AC3E}">
@@ -5024,6 +5621,13 @@
   <p:clrMapOvr>
     <a:masterClrMapping/>
   </p:clrMapOvr>
+  <p:timing>
+    <p:tnLst>
+      <p:par>
+        <p:cTn id="1" dur="indefinite" restart="never" nodeType="tmRoot"/>
+      </p:par>
+    </p:tnLst>
+  </p:timing>
 </p:sld>
 </file>
 
@@ -5046,6 +5650,687 @@
       </p:grpSpPr>
       <p:sp>
         <p:nvSpPr>
+          <p:cNvPr id="2" name="Title 1"/>
+          <p:cNvSpPr>
+            <a:spLocks noGrp="1"/>
+          </p:cNvSpPr>
+          <p:nvPr>
+            <p:ph type="title"/>
+          </p:nvPr>
+        </p:nvSpPr>
+        <p:spPr/>
+        <p:txBody>
+          <a:bodyPr/>
+          <a:lstStyle/>
+          <a:p>
+            <a:r>
+              <a:rPr lang="en-US" dirty="0" smtClean="0"/>
+              <a:t>Resources for learning more</a:t>
+            </a:r>
+            <a:endParaRPr lang="en-US" dirty="0"/>
+          </a:p>
+        </p:txBody>
+      </p:sp>
+      <p:sp>
+        <p:nvSpPr>
+          <p:cNvPr id="3" name="Content Placeholder 2"/>
+          <p:cNvSpPr>
+            <a:spLocks noGrp="1"/>
+          </p:cNvSpPr>
+          <p:nvPr>
+            <p:ph idx="1"/>
+          </p:nvPr>
+        </p:nvSpPr>
+        <p:spPr/>
+        <p:txBody>
+          <a:bodyPr/>
+          <a:lstStyle/>
+          <a:p>
+            <a:endParaRPr lang="en-US"/>
+          </a:p>
+        </p:txBody>
+      </p:sp>
+    </p:spTree>
+    <p:extLst>
+      <p:ext uri="{BB962C8B-B14F-4D97-AF65-F5344CB8AC3E}">
+        <p14:creationId xmlns:p14="http://schemas.microsoft.com/office/powerpoint/2010/main" val="1669023424"/>
+      </p:ext>
+    </p:extLst>
+  </p:cSld>
+  <p:clrMapOvr>
+    <a:masterClrMapping/>
+  </p:clrMapOvr>
+</p:sld>
+</file>
+
+<file path=ppt/slides/slide21.xml><?xml version="1.0" encoding="utf-8"?>
+<p:sld xmlns:a="http://schemas.openxmlformats.org/drawingml/2006/main" xmlns:r="http://schemas.openxmlformats.org/officeDocument/2006/relationships" xmlns:p="http://schemas.openxmlformats.org/presentationml/2006/main">
+  <p:cSld>
+    <p:spTree>
+      <p:nvGrpSpPr>
+        <p:cNvPr id="1" name=""/>
+        <p:cNvGrpSpPr/>
+        <p:nvPr/>
+      </p:nvGrpSpPr>
+      <p:grpSpPr>
+        <a:xfrm>
+          <a:off x="0" y="0"/>
+          <a:ext cx="0" cy="0"/>
+          <a:chOff x="0" y="0"/>
+          <a:chExt cx="0" cy="0"/>
+        </a:xfrm>
+      </p:grpSpPr>
+      <p:sp>
+        <p:nvSpPr>
+          <p:cNvPr id="3" name="Text Placeholder 2">
+            <a:extLst>
+              <a:ext uri="{FF2B5EF4-FFF2-40B4-BE49-F238E27FC236}">
+                <a16:creationId xmlns:a16="http://schemas.microsoft.com/office/drawing/2014/main" id="{CBBEC366-C759-494E-BEFD-6DED92045DAC}"/>
+              </a:ext>
+            </a:extLst>
+          </p:cNvPr>
+          <p:cNvSpPr>
+            <a:spLocks noGrp="1"/>
+          </p:cNvSpPr>
+          <p:nvPr>
+            <p:ph type="body" idx="1"/>
+          </p:nvPr>
+        </p:nvSpPr>
+        <p:spPr>
+          <a:xfrm>
+            <a:off x="831850" y="4589464"/>
+            <a:ext cx="10515600" cy="430212"/>
+          </a:xfrm>
+        </p:spPr>
+        <p:txBody>
+          <a:bodyPr/>
+          <a:lstStyle/>
+          <a:p>
+            <a:r>
+              <a:rPr lang="en-US" dirty="0"/>
+              <a:t>Learning from Past Collaborations</a:t>
+            </a:r>
+          </a:p>
+        </p:txBody>
+      </p:sp>
+      <p:sp>
+        <p:nvSpPr>
+          <p:cNvPr id="7" name="Title 6">
+            <a:extLst>
+              <a:ext uri="{FF2B5EF4-FFF2-40B4-BE49-F238E27FC236}">
+                <a16:creationId xmlns:a16="http://schemas.microsoft.com/office/drawing/2014/main" id="{52783F39-79B3-4870-B7E0-BCD7EAF177B0}"/>
+              </a:ext>
+            </a:extLst>
+          </p:cNvPr>
+          <p:cNvSpPr>
+            <a:spLocks noGrp="1"/>
+          </p:cNvSpPr>
+          <p:nvPr>
+            <p:ph type="title"/>
+          </p:nvPr>
+        </p:nvSpPr>
+        <p:spPr>
+          <a:xfrm>
+            <a:off x="831850" y="3648075"/>
+            <a:ext cx="10515600" cy="914400"/>
+          </a:xfrm>
+        </p:spPr>
+        <p:txBody>
+          <a:bodyPr/>
+          <a:lstStyle/>
+          <a:p>
+            <a:r>
+              <a:rPr lang="en-US" dirty="0"/>
+              <a:t>Small Group Discussions</a:t>
+            </a:r>
+          </a:p>
+        </p:txBody>
+      </p:sp>
+    </p:spTree>
+    <p:extLst>
+      <p:ext uri="{BB962C8B-B14F-4D97-AF65-F5344CB8AC3E}">
+        <p14:creationId xmlns:p14="http://schemas.microsoft.com/office/powerpoint/2010/main" val="1827043774"/>
+      </p:ext>
+    </p:extLst>
+  </p:cSld>
+  <p:clrMapOvr>
+    <a:masterClrMapping/>
+  </p:clrMapOvr>
+</p:sld>
+</file>
+
+<file path=ppt/slides/slide22.xml><?xml version="1.0" encoding="utf-8"?>
+<p:sld xmlns:a="http://schemas.openxmlformats.org/drawingml/2006/main" xmlns:r="http://schemas.openxmlformats.org/officeDocument/2006/relationships" xmlns:p="http://schemas.openxmlformats.org/presentationml/2006/main">
+  <p:cSld>
+    <p:spTree>
+      <p:nvGrpSpPr>
+        <p:cNvPr id="1" name=""/>
+        <p:cNvGrpSpPr/>
+        <p:nvPr/>
+      </p:nvGrpSpPr>
+      <p:grpSpPr>
+        <a:xfrm>
+          <a:off x="0" y="0"/>
+          <a:ext cx="0" cy="0"/>
+          <a:chOff x="0" y="0"/>
+          <a:chExt cx="0" cy="0"/>
+        </a:xfrm>
+      </p:grpSpPr>
+      <p:sp>
+        <p:nvSpPr>
+          <p:cNvPr id="2" name="Title 1">
+            <a:extLst>
+              <a:ext uri="{FF2B5EF4-FFF2-40B4-BE49-F238E27FC236}">
+                <a16:creationId xmlns:a16="http://schemas.microsoft.com/office/drawing/2014/main" id="{4DBB3D5F-2B2C-4880-8F07-4EA749825D10}"/>
+              </a:ext>
+            </a:extLst>
+          </p:cNvPr>
+          <p:cNvSpPr>
+            <a:spLocks noGrp="1"/>
+          </p:cNvSpPr>
+          <p:nvPr>
+            <p:ph type="title"/>
+          </p:nvPr>
+        </p:nvSpPr>
+        <p:spPr/>
+        <p:txBody>
+          <a:bodyPr/>
+          <a:lstStyle/>
+          <a:p>
+            <a:r>
+              <a:rPr lang="en-US" dirty="0"/>
+              <a:t>Small Group Discussions</a:t>
+            </a:r>
+          </a:p>
+        </p:txBody>
+      </p:sp>
+      <p:sp>
+        <p:nvSpPr>
+          <p:cNvPr id="3" name="Content Placeholder 2">
+            <a:extLst>
+              <a:ext uri="{FF2B5EF4-FFF2-40B4-BE49-F238E27FC236}">
+                <a16:creationId xmlns:a16="http://schemas.microsoft.com/office/drawing/2014/main" id="{58DA7441-F606-4D88-B3AB-F330ECBB4130}"/>
+              </a:ext>
+            </a:extLst>
+          </p:cNvPr>
+          <p:cNvSpPr>
+            <a:spLocks noGrp="1"/>
+          </p:cNvSpPr>
+          <p:nvPr>
+            <p:ph idx="1"/>
+          </p:nvPr>
+        </p:nvSpPr>
+        <p:spPr/>
+        <p:txBody>
+          <a:bodyPr>
+            <a:normAutofit lnSpcReduction="10000"/>
+          </a:bodyPr>
+          <a:lstStyle/>
+          <a:p>
+            <a:pPr marL="0" indent="0">
+              <a:buNone/>
+            </a:pPr>
+            <a:r>
+              <a:rPr lang="en-US" b="1" i="1" dirty="0"/>
+              <a:t>What you’ll need…</a:t>
+            </a:r>
+          </a:p>
+          <a:p>
+            <a:pPr marL="514350" indent="-514350">
+              <a:buAutoNum type="arabicPeriod"/>
+            </a:pPr>
+            <a:r>
+              <a:rPr lang="en-US" dirty="0"/>
+              <a:t>Some people to talk with</a:t>
+            </a:r>
+          </a:p>
+          <a:p>
+            <a:pPr marL="514350" indent="-514350">
+              <a:buAutoNum type="arabicPeriod"/>
+            </a:pPr>
+            <a:r>
+              <a:rPr lang="en-US" dirty="0"/>
+              <a:t>Some notetaking technology (e.g., pen and paper, laptop, tablet)</a:t>
+            </a:r>
+          </a:p>
+          <a:p>
+            <a:pPr marL="514350" indent="-514350">
+              <a:buAutoNum type="arabicPeriod"/>
+            </a:pPr>
+            <a:endParaRPr lang="en-US" dirty="0"/>
+          </a:p>
+          <a:p>
+            <a:pPr marL="0" indent="0">
+              <a:buNone/>
+            </a:pPr>
+            <a:r>
+              <a:rPr lang="en-US" b="1" i="1" dirty="0"/>
+              <a:t>What we’ll do…</a:t>
+            </a:r>
+          </a:p>
+          <a:p>
+            <a:pPr marL="514350" indent="-514350">
+              <a:buAutoNum type="arabicPeriod"/>
+            </a:pPr>
+            <a:r>
+              <a:rPr lang="en-US" dirty="0"/>
+              <a:t>Reflect on past collaborative experiences</a:t>
+            </a:r>
+          </a:p>
+          <a:p>
+            <a:pPr marL="514350" indent="-514350">
+              <a:buAutoNum type="arabicPeriod"/>
+            </a:pPr>
+            <a:r>
+              <a:rPr lang="en-US" dirty="0"/>
+              <a:t>Gather anecdotal evidence to support </a:t>
+            </a:r>
+            <a:r>
+              <a:rPr lang="en-US" i="1" dirty="0"/>
+              <a:t>The N Commandments of Collaborative Computing</a:t>
+            </a:r>
+            <a:endParaRPr lang="en-US" dirty="0"/>
+          </a:p>
+          <a:p>
+            <a:pPr marL="514350" indent="-514350">
+              <a:buAutoNum type="arabicPeriod"/>
+            </a:pPr>
+            <a:r>
+              <a:rPr lang="en-US" dirty="0"/>
+              <a:t>Focus on digital aspects and tools that worked (or not)</a:t>
+            </a:r>
+          </a:p>
+        </p:txBody>
+      </p:sp>
+    </p:spTree>
+    <p:extLst>
+      <p:ext uri="{BB962C8B-B14F-4D97-AF65-F5344CB8AC3E}">
+        <p14:creationId xmlns:p14="http://schemas.microsoft.com/office/powerpoint/2010/main" val="431935109"/>
+      </p:ext>
+    </p:extLst>
+  </p:cSld>
+  <p:clrMapOvr>
+    <a:masterClrMapping/>
+  </p:clrMapOvr>
+</p:sld>
+</file>
+
+<file path=ppt/slides/slide23.xml><?xml version="1.0" encoding="utf-8"?>
+<p:sld xmlns:a="http://schemas.openxmlformats.org/drawingml/2006/main" xmlns:r="http://schemas.openxmlformats.org/officeDocument/2006/relationships" xmlns:p="http://schemas.openxmlformats.org/presentationml/2006/main">
+  <p:cSld>
+    <p:spTree>
+      <p:nvGrpSpPr>
+        <p:cNvPr id="1" name=""/>
+        <p:cNvGrpSpPr/>
+        <p:nvPr/>
+      </p:nvGrpSpPr>
+      <p:grpSpPr>
+        <a:xfrm>
+          <a:off x="0" y="0"/>
+          <a:ext cx="0" cy="0"/>
+          <a:chOff x="0" y="0"/>
+          <a:chExt cx="0" cy="0"/>
+        </a:xfrm>
+      </p:grpSpPr>
+      <p:sp>
+        <p:nvSpPr>
+          <p:cNvPr id="2" name="Title 1">
+            <a:extLst>
+              <a:ext uri="{FF2B5EF4-FFF2-40B4-BE49-F238E27FC236}">
+                <a16:creationId xmlns:a16="http://schemas.microsoft.com/office/drawing/2014/main" id="{F03E117D-36C5-4FC7-8EEF-CDC513A6F7D0}"/>
+              </a:ext>
+            </a:extLst>
+          </p:cNvPr>
+          <p:cNvSpPr>
+            <a:spLocks noGrp="1"/>
+          </p:cNvSpPr>
+          <p:nvPr>
+            <p:ph type="title"/>
+          </p:nvPr>
+        </p:nvSpPr>
+        <p:spPr/>
+        <p:txBody>
+          <a:bodyPr/>
+          <a:lstStyle/>
+          <a:p>
+            <a:r>
+              <a:rPr lang="en-US" dirty="0"/>
+              <a:t>Part 1: Introductions</a:t>
+            </a:r>
+          </a:p>
+        </p:txBody>
+      </p:sp>
+      <p:sp>
+        <p:nvSpPr>
+          <p:cNvPr id="3" name="Content Placeholder 2">
+            <a:extLst>
+              <a:ext uri="{FF2B5EF4-FFF2-40B4-BE49-F238E27FC236}">
+                <a16:creationId xmlns:a16="http://schemas.microsoft.com/office/drawing/2014/main" id="{C35EAB37-4B0D-4848-B2E9-CCE1852B766C}"/>
+              </a:ext>
+            </a:extLst>
+          </p:cNvPr>
+          <p:cNvSpPr>
+            <a:spLocks noGrp="1"/>
+          </p:cNvSpPr>
+          <p:nvPr>
+            <p:ph idx="1"/>
+          </p:nvPr>
+        </p:nvSpPr>
+        <p:spPr/>
+        <p:txBody>
+          <a:bodyPr/>
+          <a:lstStyle/>
+          <a:p>
+            <a:pPr marL="0" indent="0">
+              <a:buNone/>
+            </a:pPr>
+            <a:r>
+              <a:rPr lang="en-US" b="1" i="1" dirty="0"/>
+              <a:t>Share…</a:t>
+            </a:r>
+            <a:endParaRPr lang="en-US" dirty="0"/>
+          </a:p>
+          <a:p>
+            <a:pPr marL="514350" indent="-514350">
+              <a:buAutoNum type="arabicPeriod"/>
+            </a:pPr>
+            <a:r>
+              <a:rPr lang="en-US" dirty="0"/>
+              <a:t>Institution and LTER site</a:t>
+            </a:r>
+          </a:p>
+          <a:p>
+            <a:pPr marL="514350" indent="-514350">
+              <a:buAutoNum type="arabicPeriod"/>
+            </a:pPr>
+            <a:r>
+              <a:rPr lang="en-US" dirty="0"/>
+              <a:t>Role (e.g., professor, postdoc, grad student, etc.)</a:t>
+            </a:r>
+          </a:p>
+          <a:p>
+            <a:pPr marL="514350" indent="-514350">
+              <a:buAutoNum type="arabicPeriod"/>
+            </a:pPr>
+            <a:r>
+              <a:rPr lang="en-US" dirty="0"/>
+              <a:t>Research area</a:t>
+            </a:r>
+          </a:p>
+        </p:txBody>
+      </p:sp>
+    </p:spTree>
+    <p:extLst>
+      <p:ext uri="{BB962C8B-B14F-4D97-AF65-F5344CB8AC3E}">
+        <p14:creationId xmlns:p14="http://schemas.microsoft.com/office/powerpoint/2010/main" val="3064312405"/>
+      </p:ext>
+    </p:extLst>
+  </p:cSld>
+  <p:clrMapOvr>
+    <a:masterClrMapping/>
+  </p:clrMapOvr>
+</p:sld>
+</file>
+
+<file path=ppt/slides/slide24.xml><?xml version="1.0" encoding="utf-8"?>
+<p:sld xmlns:a="http://schemas.openxmlformats.org/drawingml/2006/main" xmlns:r="http://schemas.openxmlformats.org/officeDocument/2006/relationships" xmlns:p="http://schemas.openxmlformats.org/presentationml/2006/main">
+  <p:cSld>
+    <p:spTree>
+      <p:nvGrpSpPr>
+        <p:cNvPr id="1" name=""/>
+        <p:cNvGrpSpPr/>
+        <p:nvPr/>
+      </p:nvGrpSpPr>
+      <p:grpSpPr>
+        <a:xfrm>
+          <a:off x="0" y="0"/>
+          <a:ext cx="0" cy="0"/>
+          <a:chOff x="0" y="0"/>
+          <a:chExt cx="0" cy="0"/>
+        </a:xfrm>
+      </p:grpSpPr>
+      <p:sp>
+        <p:nvSpPr>
+          <p:cNvPr id="2" name="Title 1">
+            <a:extLst>
+              <a:ext uri="{FF2B5EF4-FFF2-40B4-BE49-F238E27FC236}">
+                <a16:creationId xmlns:a16="http://schemas.microsoft.com/office/drawing/2014/main" id="{063DBBFE-8E9D-41E2-BD09-9C4A32165836}"/>
+              </a:ext>
+            </a:extLst>
+          </p:cNvPr>
+          <p:cNvSpPr>
+            <a:spLocks noGrp="1"/>
+          </p:cNvSpPr>
+          <p:nvPr>
+            <p:ph type="title"/>
+          </p:nvPr>
+        </p:nvSpPr>
+        <p:spPr/>
+        <p:txBody>
+          <a:bodyPr/>
+          <a:lstStyle/>
+          <a:p>
+            <a:r>
+              <a:rPr lang="en-US" dirty="0"/>
+              <a:t>Part 2: Reflecting Back</a:t>
+            </a:r>
+          </a:p>
+        </p:txBody>
+      </p:sp>
+      <p:sp>
+        <p:nvSpPr>
+          <p:cNvPr id="3" name="Content Placeholder 2">
+            <a:extLst>
+              <a:ext uri="{FF2B5EF4-FFF2-40B4-BE49-F238E27FC236}">
+                <a16:creationId xmlns:a16="http://schemas.microsoft.com/office/drawing/2014/main" id="{527F693A-CD83-4ECC-A63D-6E07BDA34141}"/>
+              </a:ext>
+            </a:extLst>
+          </p:cNvPr>
+          <p:cNvSpPr>
+            <a:spLocks noGrp="1"/>
+          </p:cNvSpPr>
+          <p:nvPr>
+            <p:ph idx="1"/>
+          </p:nvPr>
+        </p:nvSpPr>
+        <p:spPr/>
+        <p:txBody>
+          <a:bodyPr/>
+          <a:lstStyle/>
+          <a:p>
+            <a:pPr marL="0" indent="0">
+              <a:buNone/>
+            </a:pPr>
+            <a:r>
+              <a:rPr lang="en-US" b="1" i="1" dirty="0"/>
+              <a:t>Think…</a:t>
+            </a:r>
+            <a:endParaRPr lang="en-US" dirty="0"/>
+          </a:p>
+          <a:p>
+            <a:pPr marL="514350" indent="-514350">
+              <a:buAutoNum type="arabicPeriod"/>
+            </a:pPr>
+            <a:r>
+              <a:rPr lang="en-US" dirty="0"/>
+              <a:t>Blah</a:t>
+            </a:r>
+          </a:p>
+          <a:p>
+            <a:pPr marL="514350" indent="-514350">
+              <a:buAutoNum type="arabicPeriod"/>
+            </a:pPr>
+            <a:r>
+              <a:rPr lang="en-US" dirty="0"/>
+              <a:t>Blah</a:t>
+            </a:r>
+          </a:p>
+          <a:p>
+            <a:pPr marL="0" indent="0">
+              <a:buNone/>
+            </a:pPr>
+            <a:r>
+              <a:rPr lang="en-US" b="1" i="1" dirty="0"/>
+              <a:t>Share…</a:t>
+            </a:r>
+          </a:p>
+        </p:txBody>
+      </p:sp>
+    </p:spTree>
+    <p:extLst>
+      <p:ext uri="{BB962C8B-B14F-4D97-AF65-F5344CB8AC3E}">
+        <p14:creationId xmlns:p14="http://schemas.microsoft.com/office/powerpoint/2010/main" val="2276565651"/>
+      </p:ext>
+    </p:extLst>
+  </p:cSld>
+  <p:clrMapOvr>
+    <a:masterClrMapping/>
+  </p:clrMapOvr>
+</p:sld>
+</file>
+
+<file path=ppt/slides/slide25.xml><?xml version="1.0" encoding="utf-8"?>
+<p:sld xmlns:a="http://schemas.openxmlformats.org/drawingml/2006/main" xmlns:r="http://schemas.openxmlformats.org/officeDocument/2006/relationships" xmlns:p="http://schemas.openxmlformats.org/presentationml/2006/main">
+  <p:cSld>
+    <p:spTree>
+      <p:nvGrpSpPr>
+        <p:cNvPr id="1" name=""/>
+        <p:cNvGrpSpPr/>
+        <p:nvPr/>
+      </p:nvGrpSpPr>
+      <p:grpSpPr>
+        <a:xfrm>
+          <a:off x="0" y="0"/>
+          <a:ext cx="0" cy="0"/>
+          <a:chOff x="0" y="0"/>
+          <a:chExt cx="0" cy="0"/>
+        </a:xfrm>
+      </p:grpSpPr>
+      <p:sp>
+        <p:nvSpPr>
+          <p:cNvPr id="2" name="Title 1">
+            <a:extLst>
+              <a:ext uri="{FF2B5EF4-FFF2-40B4-BE49-F238E27FC236}">
+                <a16:creationId xmlns:a16="http://schemas.microsoft.com/office/drawing/2014/main" id="{8767DBB4-F5AD-4316-BE61-85136EBF7846}"/>
+              </a:ext>
+            </a:extLst>
+          </p:cNvPr>
+          <p:cNvSpPr>
+            <a:spLocks noGrp="1"/>
+          </p:cNvSpPr>
+          <p:nvPr>
+            <p:ph type="title"/>
+          </p:nvPr>
+        </p:nvSpPr>
+        <p:spPr/>
+        <p:txBody>
+          <a:bodyPr/>
+          <a:lstStyle/>
+          <a:p>
+            <a:r>
+              <a:rPr lang="en-US" dirty="0"/>
+              <a:t>Part 3: Looking Forward</a:t>
+            </a:r>
+          </a:p>
+        </p:txBody>
+      </p:sp>
+      <p:sp>
+        <p:nvSpPr>
+          <p:cNvPr id="3" name="Content Placeholder 2">
+            <a:extLst>
+              <a:ext uri="{FF2B5EF4-FFF2-40B4-BE49-F238E27FC236}">
+                <a16:creationId xmlns:a16="http://schemas.microsoft.com/office/drawing/2014/main" id="{29E78B52-C2A3-4828-A172-D913CA1C5929}"/>
+              </a:ext>
+            </a:extLst>
+          </p:cNvPr>
+          <p:cNvSpPr>
+            <a:spLocks noGrp="1"/>
+          </p:cNvSpPr>
+          <p:nvPr>
+            <p:ph idx="1"/>
+          </p:nvPr>
+        </p:nvSpPr>
+        <p:spPr/>
+        <p:txBody>
+          <a:bodyPr/>
+          <a:lstStyle/>
+          <a:p>
+            <a:pPr marL="0" indent="0">
+              <a:buNone/>
+            </a:pPr>
+            <a:r>
+              <a:rPr lang="en-US" b="1" i="1" dirty="0"/>
+              <a:t>Think…</a:t>
+            </a:r>
+            <a:endParaRPr lang="en-US" dirty="0"/>
+          </a:p>
+          <a:p>
+            <a:pPr marL="514350" indent="-514350">
+              <a:buAutoNum type="arabicPeriod"/>
+            </a:pPr>
+            <a:r>
+              <a:rPr lang="en-US" dirty="0"/>
+              <a:t>Blah</a:t>
+            </a:r>
+          </a:p>
+          <a:p>
+            <a:pPr marL="514350" indent="-514350">
+              <a:buAutoNum type="arabicPeriod"/>
+            </a:pPr>
+            <a:r>
+              <a:rPr lang="en-US" dirty="0"/>
+              <a:t>Blah</a:t>
+            </a:r>
+          </a:p>
+          <a:p>
+            <a:pPr marL="0" indent="0">
+              <a:buNone/>
+            </a:pPr>
+            <a:r>
+              <a:rPr lang="en-US" b="1" i="1" dirty="0"/>
+              <a:t>Share…</a:t>
+            </a:r>
+          </a:p>
+          <a:p>
+            <a:pPr marL="0" indent="0">
+              <a:buNone/>
+            </a:pPr>
+            <a:endParaRPr lang="en-US" dirty="0"/>
+          </a:p>
+        </p:txBody>
+      </p:sp>
+    </p:spTree>
+    <p:extLst>
+      <p:ext uri="{BB962C8B-B14F-4D97-AF65-F5344CB8AC3E}">
+        <p14:creationId xmlns:p14="http://schemas.microsoft.com/office/powerpoint/2010/main" val="323198984"/>
+      </p:ext>
+    </p:extLst>
+  </p:cSld>
+  <p:clrMapOvr>
+    <a:masterClrMapping/>
+  </p:clrMapOvr>
+</p:sld>
+</file>
+
+<file path=ppt/slides/slide26.xml><?xml version="1.0" encoding="utf-8"?>
+<p:sld xmlns:a="http://schemas.openxmlformats.org/drawingml/2006/main" xmlns:r="http://schemas.openxmlformats.org/officeDocument/2006/relationships" xmlns:p="http://schemas.openxmlformats.org/presentationml/2006/main">
+  <p:cSld>
+    <p:spTree>
+      <p:nvGrpSpPr>
+        <p:cNvPr id="1" name=""/>
+        <p:cNvGrpSpPr/>
+        <p:nvPr/>
+      </p:nvGrpSpPr>
+      <p:grpSpPr>
+        <a:xfrm>
+          <a:off x="0" y="0"/>
+          <a:ext cx="0" cy="0"/>
+          <a:chOff x="0" y="0"/>
+          <a:chExt cx="0" cy="0"/>
+        </a:xfrm>
+      </p:grpSpPr>
+      <p:sp>
+        <p:nvSpPr>
           <p:cNvPr id="3" name="Text Placeholder 2">
             <a:extLst>
               <a:ext uri="{FF2B5EF4-FFF2-40B4-BE49-F238E27FC236}">
@@ -5123,7 +6408,7 @@
 </p:sld>
 </file>
 
-<file path=ppt/slides/slide21.xml><?xml version="1.0" encoding="utf-8"?>
+<file path=ppt/slides/slide27.xml><?xml version="1.0" encoding="utf-8"?>
 <p:sld xmlns:a="http://schemas.openxmlformats.org/drawingml/2006/main" xmlns:r="http://schemas.openxmlformats.org/officeDocument/2006/relationships" xmlns:p="http://schemas.openxmlformats.org/presentationml/2006/main">
   <p:cSld>
     <p:spTree>
@@ -5344,6 +6629,13 @@
   <p:clrMapOvr>
     <a:masterClrMapping/>
   </p:clrMapOvr>
+  <p:timing>
+    <p:tnLst>
+      <p:par>
+        <p:cTn id="1" dur="indefinite" restart="never" nodeType="tmRoot"/>
+      </p:par>
+    </p:tnLst>
+  </p:timing>
 </p:sld>
 </file>
 
@@ -5951,6 +7243,13 @@
   <p:clrMapOvr>
     <a:masterClrMapping/>
   </p:clrMapOvr>
+  <p:timing>
+    <p:tnLst>
+      <p:par>
+        <p:cTn id="1" dur="indefinite" restart="never" nodeType="tmRoot"/>
+      </p:par>
+    </p:tnLst>
+  </p:timing>
 </p:sld>
 </file>
 
@@ -5992,6 +7291,14 @@
             </a:r>
             <a:r>
               <a:rPr lang="en-US" dirty="0" err="1" smtClean="0"/>
+              <a:t>Git</a:t>
+            </a:r>
+            <a:r>
+              <a:rPr lang="en-US" dirty="0" smtClean="0"/>
+              <a:t>/ </a:t>
+            </a:r>
+            <a:r>
+              <a:rPr lang="en-US" dirty="0" err="1" smtClean="0"/>
               <a:t>Github</a:t>
             </a:r>
             <a:r>
@@ -6012,42 +7319,316 @@
             <p:ph idx="1"/>
           </p:nvPr>
         </p:nvSpPr>
-        <p:spPr/>
-        <p:txBody>
-          <a:bodyPr/>
-          <a:lstStyle/>
-          <a:p>
-            <a:r>
-              <a:rPr lang="en-US" dirty="0"/>
-              <a:t>The repo</a:t>
-            </a:r>
-          </a:p>
-          <a:p>
-            <a:r>
-              <a:rPr lang="en-US" dirty="0"/>
-              <a:t>What is a pull request?</a:t>
-            </a:r>
-          </a:p>
-          <a:p>
-            <a:r>
-              <a:rPr lang="en-US" dirty="0"/>
-              <a:t>What is a fork?</a:t>
-            </a:r>
-          </a:p>
-          <a:p>
-            <a:r>
-              <a:rPr lang="en-US" dirty="0"/>
-              <a:t>Using the issues page?</a:t>
-            </a:r>
-          </a:p>
-          <a:p>
-            <a:pPr marL="0" indent="0">
-              <a:buNone/>
-            </a:pPr>
+        <p:spPr>
+          <a:xfrm>
+            <a:off x="531159" y="1825625"/>
+            <a:ext cx="5567299" cy="1920465"/>
+          </a:xfrm>
+        </p:spPr>
+        <p:txBody>
+          <a:bodyPr/>
+          <a:lstStyle/>
+          <a:p>
+            <a:r>
+              <a:rPr lang="en-US" dirty="0" err="1" smtClean="0"/>
+              <a:t>Git</a:t>
+            </a:r>
+            <a:r>
+              <a:rPr lang="en-US" dirty="0" smtClean="0"/>
+              <a:t> is a command line language for version control</a:t>
+            </a:r>
+          </a:p>
+          <a:p>
+            <a:r>
+              <a:rPr lang="en-US" dirty="0" err="1" smtClean="0"/>
+              <a:t>Git</a:t>
+            </a:r>
+            <a:r>
+              <a:rPr lang="en-US" dirty="0" smtClean="0"/>
+              <a:t> is running in the background when you use </a:t>
+            </a:r>
+            <a:r>
+              <a:rPr lang="en-US" dirty="0" err="1" smtClean="0"/>
+              <a:t>Github</a:t>
+            </a:r>
             <a:endParaRPr lang="en-US" dirty="0"/>
           </a:p>
         </p:txBody>
       </p:sp>
+      <p:sp>
+        <p:nvSpPr>
+          <p:cNvPr id="4" name="Content Placeholder 2"/>
+          <p:cNvSpPr txBox="1">
+            <a:spLocks/>
+          </p:cNvSpPr>
+          <p:nvPr/>
+        </p:nvSpPr>
+        <p:spPr>
+          <a:xfrm>
+            <a:off x="5968180" y="1756799"/>
+            <a:ext cx="5892125" cy="2262136"/>
+          </a:xfrm>
+          <a:prstGeom prst="rect">
+            <a:avLst/>
+          </a:prstGeom>
+        </p:spPr>
+        <p:txBody>
+          <a:bodyPr vert="horz" lIns="91440" tIns="45720" rIns="91440" bIns="45720" rtlCol="0">
+            <a:normAutofit/>
+          </a:bodyPr>
+          <a:lstStyle>
+            <a:lvl1pPr marL="228600" indent="-228600" algn="l" defTabSz="914400" rtl="0" eaLnBrk="1" latinLnBrk="0" hangingPunct="1">
+              <a:lnSpc>
+                <a:spcPct val="90000"/>
+              </a:lnSpc>
+              <a:spcBef>
+                <a:spcPts val="1000"/>
+              </a:spcBef>
+              <a:buFont typeface="Arial" panose="020B0604020202020204" pitchFamily="34" charset="0"/>
+              <a:buChar char="•"/>
+              <a:defRPr sz="2800" kern="1200">
+                <a:solidFill>
+                  <a:schemeClr val="tx1"/>
+                </a:solidFill>
+                <a:latin typeface="+mn-lt"/>
+                <a:ea typeface="+mn-ea"/>
+                <a:cs typeface="+mn-cs"/>
+              </a:defRPr>
+            </a:lvl1pPr>
+            <a:lvl2pPr marL="685800" indent="-228600" algn="l" defTabSz="914400" rtl="0" eaLnBrk="1" latinLnBrk="0" hangingPunct="1">
+              <a:lnSpc>
+                <a:spcPct val="90000"/>
+              </a:lnSpc>
+              <a:spcBef>
+                <a:spcPts val="500"/>
+              </a:spcBef>
+              <a:buFont typeface="Arial" panose="020B0604020202020204" pitchFamily="34" charset="0"/>
+              <a:buChar char="•"/>
+              <a:defRPr sz="2400" kern="1200">
+                <a:solidFill>
+                  <a:schemeClr val="tx1"/>
+                </a:solidFill>
+                <a:latin typeface="+mn-lt"/>
+                <a:ea typeface="+mn-ea"/>
+                <a:cs typeface="+mn-cs"/>
+              </a:defRPr>
+            </a:lvl2pPr>
+            <a:lvl3pPr marL="1143000" indent="-228600" algn="l" defTabSz="914400" rtl="0" eaLnBrk="1" latinLnBrk="0" hangingPunct="1">
+              <a:lnSpc>
+                <a:spcPct val="90000"/>
+              </a:lnSpc>
+              <a:spcBef>
+                <a:spcPts val="500"/>
+              </a:spcBef>
+              <a:buFont typeface="Arial" panose="020B0604020202020204" pitchFamily="34" charset="0"/>
+              <a:buChar char="•"/>
+              <a:defRPr sz="2000" kern="1200">
+                <a:solidFill>
+                  <a:schemeClr val="tx1"/>
+                </a:solidFill>
+                <a:latin typeface="+mn-lt"/>
+                <a:ea typeface="+mn-ea"/>
+                <a:cs typeface="+mn-cs"/>
+              </a:defRPr>
+            </a:lvl3pPr>
+            <a:lvl4pPr marL="1600200" indent="-228600" algn="l" defTabSz="914400" rtl="0" eaLnBrk="1" latinLnBrk="0" hangingPunct="1">
+              <a:lnSpc>
+                <a:spcPct val="90000"/>
+              </a:lnSpc>
+              <a:spcBef>
+                <a:spcPts val="500"/>
+              </a:spcBef>
+              <a:buFont typeface="Arial" panose="020B0604020202020204" pitchFamily="34" charset="0"/>
+              <a:buChar char="•"/>
+              <a:defRPr sz="1800" kern="1200">
+                <a:solidFill>
+                  <a:schemeClr val="tx1"/>
+                </a:solidFill>
+                <a:latin typeface="+mn-lt"/>
+                <a:ea typeface="+mn-ea"/>
+                <a:cs typeface="+mn-cs"/>
+              </a:defRPr>
+            </a:lvl4pPr>
+            <a:lvl5pPr marL="2057400" indent="-228600" algn="l" defTabSz="914400" rtl="0" eaLnBrk="1" latinLnBrk="0" hangingPunct="1">
+              <a:lnSpc>
+                <a:spcPct val="90000"/>
+              </a:lnSpc>
+              <a:spcBef>
+                <a:spcPts val="500"/>
+              </a:spcBef>
+              <a:buFont typeface="Arial" panose="020B0604020202020204" pitchFamily="34" charset="0"/>
+              <a:buChar char="•"/>
+              <a:defRPr sz="1800" kern="1200">
+                <a:solidFill>
+                  <a:schemeClr val="tx1"/>
+                </a:solidFill>
+                <a:latin typeface="+mn-lt"/>
+                <a:ea typeface="+mn-ea"/>
+                <a:cs typeface="+mn-cs"/>
+              </a:defRPr>
+            </a:lvl5pPr>
+            <a:lvl6pPr marL="2514600" indent="-228600" algn="l" defTabSz="914400" rtl="0" eaLnBrk="1" latinLnBrk="0" hangingPunct="1">
+              <a:lnSpc>
+                <a:spcPct val="90000"/>
+              </a:lnSpc>
+              <a:spcBef>
+                <a:spcPts val="500"/>
+              </a:spcBef>
+              <a:buFont typeface="Arial" panose="020B0604020202020204" pitchFamily="34" charset="0"/>
+              <a:buChar char="•"/>
+              <a:defRPr sz="1800" kern="1200">
+                <a:solidFill>
+                  <a:schemeClr val="tx1"/>
+                </a:solidFill>
+                <a:latin typeface="+mn-lt"/>
+                <a:ea typeface="+mn-ea"/>
+                <a:cs typeface="+mn-cs"/>
+              </a:defRPr>
+            </a:lvl6pPr>
+            <a:lvl7pPr marL="2971800" indent="-228600" algn="l" defTabSz="914400" rtl="0" eaLnBrk="1" latinLnBrk="0" hangingPunct="1">
+              <a:lnSpc>
+                <a:spcPct val="90000"/>
+              </a:lnSpc>
+              <a:spcBef>
+                <a:spcPts val="500"/>
+              </a:spcBef>
+              <a:buFont typeface="Arial" panose="020B0604020202020204" pitchFamily="34" charset="0"/>
+              <a:buChar char="•"/>
+              <a:defRPr sz="1800" kern="1200">
+                <a:solidFill>
+                  <a:schemeClr val="tx1"/>
+                </a:solidFill>
+                <a:latin typeface="+mn-lt"/>
+                <a:ea typeface="+mn-ea"/>
+                <a:cs typeface="+mn-cs"/>
+              </a:defRPr>
+            </a:lvl7pPr>
+            <a:lvl8pPr marL="3429000" indent="-228600" algn="l" defTabSz="914400" rtl="0" eaLnBrk="1" latinLnBrk="0" hangingPunct="1">
+              <a:lnSpc>
+                <a:spcPct val="90000"/>
+              </a:lnSpc>
+              <a:spcBef>
+                <a:spcPts val="500"/>
+              </a:spcBef>
+              <a:buFont typeface="Arial" panose="020B0604020202020204" pitchFamily="34" charset="0"/>
+              <a:buChar char="•"/>
+              <a:defRPr sz="1800" kern="1200">
+                <a:solidFill>
+                  <a:schemeClr val="tx1"/>
+                </a:solidFill>
+                <a:latin typeface="+mn-lt"/>
+                <a:ea typeface="+mn-ea"/>
+                <a:cs typeface="+mn-cs"/>
+              </a:defRPr>
+            </a:lvl8pPr>
+            <a:lvl9pPr marL="3886200" indent="-228600" algn="l" defTabSz="914400" rtl="0" eaLnBrk="1" latinLnBrk="0" hangingPunct="1">
+              <a:lnSpc>
+                <a:spcPct val="90000"/>
+              </a:lnSpc>
+              <a:spcBef>
+                <a:spcPts val="500"/>
+              </a:spcBef>
+              <a:buFont typeface="Arial" panose="020B0604020202020204" pitchFamily="34" charset="0"/>
+              <a:buChar char="•"/>
+              <a:defRPr sz="1800" kern="1200">
+                <a:solidFill>
+                  <a:schemeClr val="tx1"/>
+                </a:solidFill>
+                <a:latin typeface="+mn-lt"/>
+                <a:ea typeface="+mn-ea"/>
+                <a:cs typeface="+mn-cs"/>
+              </a:defRPr>
+            </a:lvl9pPr>
+          </a:lstStyle>
+          <a:p>
+            <a:r>
+              <a:rPr lang="en-US" dirty="0" err="1" smtClean="0"/>
+              <a:t>Github</a:t>
+            </a:r>
+            <a:r>
+              <a:rPr lang="en-US" dirty="0" smtClean="0"/>
+              <a:t> is a web/desktop interface for version control</a:t>
+            </a:r>
+          </a:p>
+          <a:p>
+            <a:r>
+              <a:rPr lang="en-US" dirty="0" smtClean="0"/>
+              <a:t>Free hosting service that allows you to work collaboratively online</a:t>
+            </a:r>
+            <a:endParaRPr lang="en-US" dirty="0"/>
+          </a:p>
+        </p:txBody>
+      </p:sp>
+      <p:pic>
+        <p:nvPicPr>
+          <p:cNvPr id="6" name="Picture 5"/>
+          <p:cNvPicPr>
+            <a:picLocks noChangeAspect="1"/>
+          </p:cNvPicPr>
+          <p:nvPr/>
+        </p:nvPicPr>
+        <p:blipFill rotWithShape="1">
+          <a:blip r:embed="rId2"/>
+          <a:srcRect b="15522"/>
+          <a:stretch/>
+        </p:blipFill>
+        <p:spPr>
+          <a:xfrm>
+            <a:off x="838200" y="3814916"/>
+            <a:ext cx="4549109" cy="2702028"/>
+          </a:xfrm>
+          <a:prstGeom prst="rect">
+            <a:avLst/>
+          </a:prstGeom>
+        </p:spPr>
+      </p:pic>
+      <p:pic>
+        <p:nvPicPr>
+          <p:cNvPr id="7" name="Picture 6"/>
+          <p:cNvPicPr>
+            <a:picLocks noChangeAspect="1"/>
+          </p:cNvPicPr>
+          <p:nvPr/>
+        </p:nvPicPr>
+        <p:blipFill>
+          <a:blip r:embed="rId3"/>
+          <a:stretch>
+            <a:fillRect/>
+          </a:stretch>
+        </p:blipFill>
+        <p:spPr>
+          <a:xfrm>
+            <a:off x="4055806" y="5391303"/>
+            <a:ext cx="992289" cy="992289"/>
+          </a:xfrm>
+          <a:prstGeom prst="rect">
+            <a:avLst/>
+          </a:prstGeom>
+        </p:spPr>
+      </p:pic>
+      <p:pic>
+        <p:nvPicPr>
+          <p:cNvPr id="8" name="Picture 7"/>
+          <p:cNvPicPr>
+            <a:picLocks noChangeAspect="1"/>
+          </p:cNvPicPr>
+          <p:nvPr/>
+        </p:nvPicPr>
+        <p:blipFill rotWithShape="1">
+          <a:blip r:embed="rId4"/>
+          <a:srcRect l="10872" r="11660"/>
+          <a:stretch/>
+        </p:blipFill>
+        <p:spPr>
+          <a:xfrm>
+            <a:off x="6576131" y="3746090"/>
+            <a:ext cx="4057568" cy="2868583"/>
+          </a:xfrm>
+          <a:prstGeom prst="rect">
+            <a:avLst/>
+          </a:prstGeom>
+        </p:spPr>
+      </p:pic>
     </p:spTree>
     <p:extLst>
       <p:ext uri="{BB962C8B-B14F-4D97-AF65-F5344CB8AC3E}">
@@ -6058,6 +7639,13 @@
   <p:clrMapOvr>
     <a:masterClrMapping/>
   </p:clrMapOvr>
+  <p:timing>
+    <p:tnLst>
+      <p:par>
+        <p:cTn id="1" dur="indefinite" restart="never" nodeType="tmRoot"/>
+      </p:par>
+    </p:tnLst>
+  </p:timing>
 </p:sld>
 </file>
 

--- a/pres_deck.pptx
+++ b/pres_deck.pptx
@@ -21,17 +21,23 @@
     <p:sldId id="280" r:id="rId15"/>
     <p:sldId id="281" r:id="rId16"/>
     <p:sldId id="282" r:id="rId17"/>
-    <p:sldId id="273" r:id="rId18"/>
-    <p:sldId id="274" r:id="rId19"/>
-    <p:sldId id="275" r:id="rId20"/>
-    <p:sldId id="276" r:id="rId21"/>
-    <p:sldId id="266" r:id="rId22"/>
-    <p:sldId id="265" r:id="rId23"/>
-    <p:sldId id="267" r:id="rId24"/>
-    <p:sldId id="268" r:id="rId25"/>
-    <p:sldId id="269" r:id="rId26"/>
-    <p:sldId id="271" r:id="rId27"/>
-    <p:sldId id="270" r:id="rId28"/>
+    <p:sldId id="285" r:id="rId18"/>
+    <p:sldId id="286" r:id="rId19"/>
+    <p:sldId id="288" r:id="rId20"/>
+    <p:sldId id="287" r:id="rId21"/>
+    <p:sldId id="289" r:id="rId22"/>
+    <p:sldId id="290" r:id="rId23"/>
+    <p:sldId id="291" r:id="rId24"/>
+    <p:sldId id="274" r:id="rId25"/>
+    <p:sldId id="275" r:id="rId26"/>
+    <p:sldId id="276" r:id="rId27"/>
+    <p:sldId id="266" r:id="rId28"/>
+    <p:sldId id="265" r:id="rId29"/>
+    <p:sldId id="267" r:id="rId30"/>
+    <p:sldId id="268" r:id="rId31"/>
+    <p:sldId id="269" r:id="rId32"/>
+    <p:sldId id="271" r:id="rId33"/>
+    <p:sldId id="270" r:id="rId34"/>
   </p:sldIdLst>
   <p:sldSz cx="12192000" cy="6858000"/>
   <p:notesSz cx="6858000" cy="9144000"/>
@@ -155,7 +161,13 @@
             <p14:sldId id="280"/>
             <p14:sldId id="281"/>
             <p14:sldId id="282"/>
-            <p14:sldId id="273"/>
+            <p14:sldId id="285"/>
+            <p14:sldId id="286"/>
+            <p14:sldId id="288"/>
+            <p14:sldId id="287"/>
+            <p14:sldId id="289"/>
+            <p14:sldId id="290"/>
+            <p14:sldId id="291"/>
             <p14:sldId id="274"/>
             <p14:sldId id="275"/>
             <p14:sldId id="276"/>
@@ -4565,7 +4577,6 @@
               <a:rPr lang="en-US" dirty="0"/>
               <a:t>of a version of a file. </a:t>
             </a:r>
-            <a:endParaRPr lang="en-US" dirty="0"/>
           </a:p>
         </p:txBody>
       </p:sp>
@@ -4977,11 +4988,11 @@
   <p:clrMapOvr>
     <a:masterClrMapping/>
   </p:clrMapOvr>
-  <mc:AlternateContent xmlns:mc="http://schemas.openxmlformats.org/markup-compatibility/2006">
-    <mc:Choice xmlns:p14="http://schemas.microsoft.com/office/powerpoint/2010/main" Requires="p14">
+  <mc:AlternateContent xmlns:mc="http://schemas.openxmlformats.org/markup-compatibility/2006" xmlns:p14="http://schemas.microsoft.com/office/powerpoint/2010/main">
+    <mc:Choice Requires="p14">
       <p:transition spd="slow" p14:dur="2000"/>
     </mc:Choice>
-    <mc:Fallback>
+    <mc:Fallback xmlns="">
       <p:transition spd="slow"/>
     </mc:Fallback>
   </mc:AlternateContent>
@@ -5007,7 +5018,51 @@
       </p:grpSpPr>
       <p:sp>
         <p:nvSpPr>
-          <p:cNvPr id="2" name="Title 1"/>
+          <p:cNvPr id="3" name="Text Placeholder 2">
+            <a:extLst>
+              <a:ext uri="{FF2B5EF4-FFF2-40B4-BE49-F238E27FC236}">
+                <a16:creationId xmlns:a16="http://schemas.microsoft.com/office/drawing/2014/main" id="{CBBEC366-C759-494E-BEFD-6DED92045DAC}"/>
+              </a:ext>
+            </a:extLst>
+          </p:cNvPr>
+          <p:cNvSpPr>
+            <a:spLocks noGrp="1"/>
+          </p:cNvSpPr>
+          <p:nvPr>
+            <p:ph type="body" idx="1"/>
+          </p:nvPr>
+        </p:nvSpPr>
+        <p:spPr>
+          <a:xfrm>
+            <a:off x="831850" y="4589464"/>
+            <a:ext cx="10515600" cy="430212"/>
+          </a:xfrm>
+        </p:spPr>
+        <p:txBody>
+          <a:bodyPr/>
+          <a:lstStyle/>
+          <a:p>
+            <a:r>
+              <a:rPr lang="en-US" dirty="0" smtClean="0"/>
+              <a:t>A few scenarios that sound </a:t>
+            </a:r>
+            <a:r>
+              <a:rPr lang="en-US" dirty="0" err="1" smtClean="0"/>
+              <a:t>familar</a:t>
+            </a:r>
+            <a:endParaRPr lang="en-US" dirty="0"/>
+          </a:p>
+        </p:txBody>
+      </p:sp>
+      <p:sp>
+        <p:nvSpPr>
+          <p:cNvPr id="7" name="Title 6">
+            <a:extLst>
+              <a:ext uri="{FF2B5EF4-FFF2-40B4-BE49-F238E27FC236}">
+                <a16:creationId xmlns:a16="http://schemas.microsoft.com/office/drawing/2014/main" id="{52783F39-79B3-4870-B7E0-BCD7EAF177B0}"/>
+              </a:ext>
+            </a:extLst>
+          </p:cNvPr>
           <p:cNvSpPr>
             <a:spLocks noGrp="1"/>
           </p:cNvSpPr>
@@ -5015,48 +5070,73 @@
             <p:ph type="title"/>
           </p:nvPr>
         </p:nvSpPr>
-        <p:spPr/>
+        <p:spPr>
+          <a:xfrm>
+            <a:off x="831850" y="3648075"/>
+            <a:ext cx="10515600" cy="914400"/>
+          </a:xfrm>
+        </p:spPr>
         <p:txBody>
           <a:bodyPr/>
           <a:lstStyle/>
           <a:p>
             <a:r>
               <a:rPr lang="en-US" dirty="0" smtClean="0"/>
-              <a:t>Some examples</a:t>
+              <a:t>Using </a:t>
+            </a:r>
+            <a:r>
+              <a:rPr lang="en-US" dirty="0" err="1" smtClean="0"/>
+              <a:t>Github</a:t>
+            </a:r>
+            <a:r>
+              <a:rPr lang="en-US" dirty="0" smtClean="0"/>
+              <a:t> for collaboration</a:t>
             </a:r>
             <a:endParaRPr lang="en-US" dirty="0"/>
           </a:p>
         </p:txBody>
       </p:sp>
-      <p:sp>
-        <p:nvSpPr>
-          <p:cNvPr id="3" name="Content Placeholder 2"/>
-          <p:cNvSpPr>
-            <a:spLocks noGrp="1"/>
-          </p:cNvSpPr>
-          <p:nvPr>
-            <p:ph idx="1"/>
-          </p:nvPr>
-        </p:nvSpPr>
-        <p:spPr/>
-        <p:txBody>
-          <a:bodyPr/>
-          <a:lstStyle/>
-          <a:p>
-            <a:endParaRPr lang="en-US"/>
-          </a:p>
-        </p:txBody>
-      </p:sp>
+      <p:pic>
+        <p:nvPicPr>
+          <p:cNvPr id="2" name="Picture 1"/>
+          <p:cNvPicPr>
+            <a:picLocks noChangeAspect="1"/>
+          </p:cNvPicPr>
+          <p:nvPr/>
+        </p:nvPicPr>
+        <p:blipFill>
+          <a:blip r:embed="rId2"/>
+          <a:stretch>
+            <a:fillRect/>
+          </a:stretch>
+        </p:blipFill>
+        <p:spPr>
+          <a:xfrm>
+            <a:off x="8045245" y="644474"/>
+            <a:ext cx="2758563" cy="2653364"/>
+          </a:xfrm>
+          <a:prstGeom prst="rect">
+            <a:avLst/>
+          </a:prstGeom>
+        </p:spPr>
+      </p:pic>
     </p:spTree>
     <p:extLst>
       <p:ext uri="{BB962C8B-B14F-4D97-AF65-F5344CB8AC3E}">
-        <p14:creationId xmlns:p14="http://schemas.microsoft.com/office/powerpoint/2010/main" val="760688889"/>
+        <p14:creationId xmlns:p14="http://schemas.microsoft.com/office/powerpoint/2010/main" val="3017785426"/>
       </p:ext>
     </p:extLst>
   </p:cSld>
   <p:clrMapOvr>
     <a:masterClrMapping/>
   </p:clrMapOvr>
+  <p:timing>
+    <p:tnLst>
+      <p:par>
+        <p:cTn id="1" dur="indefinite" restart="never" nodeType="tmRoot"/>
+      </p:par>
+    </p:tnLst>
+  </p:timing>
 </p:sld>
 </file>
 
@@ -5094,38 +5174,30 @@
           <a:p>
             <a:r>
               <a:rPr lang="en-US" dirty="0" smtClean="0"/>
-              <a:t>What are the pros of </a:t>
-            </a:r>
-            <a:r>
-              <a:rPr lang="en-US" dirty="0" err="1" smtClean="0"/>
-              <a:t>Github</a:t>
-            </a:r>
+              <a:t>Multiple people working on the same files</a:t>
+            </a:r>
+            <a:endParaRPr lang="en-US" dirty="0"/>
+          </a:p>
+        </p:txBody>
+      </p:sp>
+      <p:sp>
+        <p:nvSpPr>
+          <p:cNvPr id="3" name="Content Placeholder 2"/>
+          <p:cNvSpPr>
+            <a:spLocks noGrp="1"/>
+          </p:cNvSpPr>
+          <p:nvPr>
+            <p:ph idx="1"/>
+          </p:nvPr>
+        </p:nvSpPr>
+        <p:spPr/>
+        <p:txBody>
+          <a:bodyPr/>
+          <a:lstStyle/>
+          <a:p>
             <a:r>
               <a:rPr lang="en-US" dirty="0" smtClean="0"/>
-              <a:t>?</a:t>
-            </a:r>
-            <a:endParaRPr lang="en-US" dirty="0"/>
-          </a:p>
-        </p:txBody>
-      </p:sp>
-      <p:sp>
-        <p:nvSpPr>
-          <p:cNvPr id="3" name="Content Placeholder 2"/>
-          <p:cNvSpPr>
-            <a:spLocks noGrp="1"/>
-          </p:cNvSpPr>
-          <p:nvPr>
-            <p:ph idx="1"/>
-          </p:nvPr>
-        </p:nvSpPr>
-        <p:spPr/>
-        <p:txBody>
-          <a:bodyPr/>
-          <a:lstStyle/>
-          <a:p>
-            <a:r>
-              <a:rPr lang="en-US" dirty="0" smtClean="0"/>
-              <a:t>Discuss in groups (x minutes)</a:t>
+              <a:t>The multiple conflicting versions monster</a:t>
             </a:r>
             <a:endParaRPr lang="en-US" dirty="0"/>
           </a:p>
@@ -5134,13 +5206,20 @@
     </p:spTree>
     <p:extLst>
       <p:ext uri="{BB962C8B-B14F-4D97-AF65-F5344CB8AC3E}">
-        <p14:creationId xmlns:p14="http://schemas.microsoft.com/office/powerpoint/2010/main" val="729585267"/>
+        <p14:creationId xmlns:p14="http://schemas.microsoft.com/office/powerpoint/2010/main" val="2222529625"/>
       </p:ext>
     </p:extLst>
   </p:cSld>
   <p:clrMapOvr>
     <a:masterClrMapping/>
   </p:clrMapOvr>
+  <p:timing>
+    <p:tnLst>
+      <p:par>
+        <p:cTn id="1" dur="indefinite" restart="never" nodeType="tmRoot"/>
+      </p:par>
+    </p:tnLst>
+  </p:timing>
 </p:sld>
 </file>
 
@@ -5178,15 +5257,7 @@
           <a:p>
             <a:r>
               <a:rPr lang="en-US" dirty="0" smtClean="0"/>
-              <a:t>What are the cons of </a:t>
-            </a:r>
-            <a:r>
-              <a:rPr lang="en-US" dirty="0" err="1" smtClean="0"/>
-              <a:t>Github</a:t>
-            </a:r>
-            <a:r>
-              <a:rPr lang="en-US" dirty="0" smtClean="0"/>
-              <a:t>?</a:t>
+              <a:t>Version control and merge conflict resolution</a:t>
             </a:r>
             <a:endParaRPr lang="en-US" dirty="0"/>
           </a:p>
@@ -5207,20 +5278,14 @@
           <a:bodyPr/>
           <a:lstStyle/>
           <a:p>
-            <a:r>
-              <a:rPr lang="en-US" dirty="0"/>
-              <a:t>Discuss in groups (x minutes)</a:t>
-            </a:r>
-          </a:p>
-          <a:p>
-            <a:endParaRPr lang="en-US" dirty="0"/>
+            <a:endParaRPr lang="en-US"/>
           </a:p>
         </p:txBody>
       </p:sp>
     </p:spTree>
     <p:extLst>
       <p:ext uri="{BB962C8B-B14F-4D97-AF65-F5344CB8AC3E}">
-        <p14:creationId xmlns:p14="http://schemas.microsoft.com/office/powerpoint/2010/main" val="2478776565"/>
+        <p14:creationId xmlns:p14="http://schemas.microsoft.com/office/powerpoint/2010/main" val="2646089634"/>
       </p:ext>
     </p:extLst>
   </p:cSld>
@@ -5660,12 +5725,18 @@
         </p:nvSpPr>
         <p:spPr/>
         <p:txBody>
-          <a:bodyPr/>
-          <a:lstStyle/>
-          <a:p>
+          <a:bodyPr>
+            <a:normAutofit/>
+          </a:bodyPr>
+          <a:lstStyle/>
+          <a:p>
+            <a:r>
+              <a:rPr lang="en-US" dirty="0"/>
+              <a:t>20 tasks to do, 3 people working on the project, and no common to-do </a:t>
+            </a:r>
             <a:r>
               <a:rPr lang="en-US" dirty="0" smtClean="0"/>
-              <a:t>Resources for learning more</a:t>
+              <a:t>list</a:t>
             </a:r>
             <a:endParaRPr lang="en-US" dirty="0"/>
           </a:p>
@@ -5686,6 +5757,343 @@
           <a:bodyPr/>
           <a:lstStyle/>
           <a:p>
+            <a:r>
+              <a:rPr lang="en-US" dirty="0" smtClean="0"/>
+              <a:t>Who is doing what?</a:t>
+            </a:r>
+            <a:endParaRPr lang="en-US" dirty="0"/>
+          </a:p>
+        </p:txBody>
+      </p:sp>
+      <p:pic>
+        <p:nvPicPr>
+          <p:cNvPr id="4" name="Picture 3"/>
+          <p:cNvPicPr>
+            <a:picLocks noChangeAspect="1"/>
+          </p:cNvPicPr>
+          <p:nvPr/>
+        </p:nvPicPr>
+        <p:blipFill>
+          <a:blip r:embed="rId2"/>
+          <a:stretch>
+            <a:fillRect/>
+          </a:stretch>
+        </p:blipFill>
+        <p:spPr>
+          <a:xfrm>
+            <a:off x="8509113" y="2056478"/>
+            <a:ext cx="2435265" cy="1615870"/>
+          </a:xfrm>
+          <a:prstGeom prst="rect">
+            <a:avLst/>
+          </a:prstGeom>
+        </p:spPr>
+      </p:pic>
+      <p:pic>
+        <p:nvPicPr>
+          <p:cNvPr id="5" name="Picture 4"/>
+          <p:cNvPicPr>
+            <a:picLocks noChangeAspect="1"/>
+          </p:cNvPicPr>
+          <p:nvPr/>
+        </p:nvPicPr>
+        <p:blipFill rotWithShape="1">
+          <a:blip r:embed="rId3"/>
+          <a:srcRect l="11760"/>
+          <a:stretch/>
+        </p:blipFill>
+        <p:spPr>
+          <a:xfrm>
+            <a:off x="376083" y="4830097"/>
+            <a:ext cx="2264437" cy="1283110"/>
+          </a:xfrm>
+          <a:prstGeom prst="rect">
+            <a:avLst/>
+          </a:prstGeom>
+        </p:spPr>
+      </p:pic>
+      <p:pic>
+        <p:nvPicPr>
+          <p:cNvPr id="6" name="Picture 5"/>
+          <p:cNvPicPr>
+            <a:picLocks noChangeAspect="1"/>
+          </p:cNvPicPr>
+          <p:nvPr/>
+        </p:nvPicPr>
+        <p:blipFill>
+          <a:blip r:embed="rId4"/>
+          <a:stretch>
+            <a:fillRect/>
+          </a:stretch>
+        </p:blipFill>
+        <p:spPr>
+          <a:xfrm>
+            <a:off x="6096000" y="4918327"/>
+            <a:ext cx="2402191" cy="1600460"/>
+          </a:xfrm>
+          <a:prstGeom prst="rect">
+            <a:avLst/>
+          </a:prstGeom>
+        </p:spPr>
+      </p:pic>
+      <p:pic>
+        <p:nvPicPr>
+          <p:cNvPr id="2052" name="Picture 4" descr="Image result for vector word doc"/>
+          <p:cNvPicPr>
+            <a:picLocks noChangeAspect="1" noChangeArrowheads="1"/>
+          </p:cNvPicPr>
+          <p:nvPr/>
+        </p:nvPicPr>
+        <p:blipFill>
+          <a:blip r:embed="rId5" cstate="hqprint">
+            <a:extLst>
+              <a:ext uri="{28A0092B-C50C-407E-A947-70E740481C1C}">
+                <a14:useLocalDpi xmlns:a14="http://schemas.microsoft.com/office/drawing/2010/main" val="0"/>
+              </a:ext>
+            </a:extLst>
+          </a:blip>
+          <a:srcRect/>
+          <a:stretch>
+            <a:fillRect/>
+          </a:stretch>
+        </p:blipFill>
+        <p:spPr bwMode="auto">
+          <a:xfrm>
+            <a:off x="2396612" y="4396346"/>
+            <a:ext cx="884904" cy="884904"/>
+          </a:xfrm>
+          <a:prstGeom prst="rect">
+            <a:avLst/>
+          </a:prstGeom>
+          <a:noFill/>
+          <a:extLst>
+            <a:ext uri="{909E8E84-426E-40DD-AFC4-6F175D3DCCD1}">
+              <a14:hiddenFill xmlns:a14="http://schemas.microsoft.com/office/drawing/2010/main">
+                <a:solidFill>
+                  <a:srgbClr val="FFFFFF"/>
+                </a:solidFill>
+              </a14:hiddenFill>
+            </a:ext>
+          </a:extLst>
+        </p:spPr>
+      </p:pic>
+      <p:pic>
+        <p:nvPicPr>
+          <p:cNvPr id="10" name="Picture 4" descr="Image result for vector word doc"/>
+          <p:cNvPicPr>
+            <a:picLocks noChangeAspect="1" noChangeArrowheads="1"/>
+          </p:cNvPicPr>
+          <p:nvPr/>
+        </p:nvPicPr>
+        <p:blipFill>
+          <a:blip r:embed="rId5" cstate="hqprint">
+            <a:extLst>
+              <a:ext uri="{28A0092B-C50C-407E-A947-70E740481C1C}">
+                <a14:useLocalDpi xmlns:a14="http://schemas.microsoft.com/office/drawing/2010/main" val="0"/>
+              </a:ext>
+            </a:extLst>
+          </a:blip>
+          <a:srcRect/>
+          <a:stretch>
+            <a:fillRect/>
+          </a:stretch>
+        </p:blipFill>
+        <p:spPr bwMode="auto">
+          <a:xfrm>
+            <a:off x="5653548" y="4340938"/>
+            <a:ext cx="884904" cy="884904"/>
+          </a:xfrm>
+          <a:prstGeom prst="rect">
+            <a:avLst/>
+          </a:prstGeom>
+          <a:noFill/>
+          <a:extLst>
+            <a:ext uri="{909E8E84-426E-40DD-AFC4-6F175D3DCCD1}">
+              <a14:hiddenFill xmlns:a14="http://schemas.microsoft.com/office/drawing/2010/main">
+                <a:solidFill>
+                  <a:srgbClr val="FFFFFF"/>
+                </a:solidFill>
+              </a14:hiddenFill>
+            </a:ext>
+          </a:extLst>
+        </p:spPr>
+      </p:pic>
+      <p:pic>
+        <p:nvPicPr>
+          <p:cNvPr id="11" name="Picture 4" descr="Image result for vector word doc"/>
+          <p:cNvPicPr>
+            <a:picLocks noChangeAspect="1" noChangeArrowheads="1"/>
+          </p:cNvPicPr>
+          <p:nvPr/>
+        </p:nvPicPr>
+        <p:blipFill>
+          <a:blip r:embed="rId5" cstate="hqprint">
+            <a:extLst>
+              <a:ext uri="{28A0092B-C50C-407E-A947-70E740481C1C}">
+                <a14:useLocalDpi xmlns:a14="http://schemas.microsoft.com/office/drawing/2010/main" val="0"/>
+              </a:ext>
+            </a:extLst>
+          </a:blip>
+          <a:srcRect/>
+          <a:stretch>
+            <a:fillRect/>
+          </a:stretch>
+        </p:blipFill>
+        <p:spPr bwMode="auto">
+          <a:xfrm>
+            <a:off x="7657239" y="2070070"/>
+            <a:ext cx="884904" cy="884904"/>
+          </a:xfrm>
+          <a:prstGeom prst="rect">
+            <a:avLst/>
+          </a:prstGeom>
+          <a:noFill/>
+          <a:extLst>
+            <a:ext uri="{909E8E84-426E-40DD-AFC4-6F175D3DCCD1}">
+              <a14:hiddenFill xmlns:a14="http://schemas.microsoft.com/office/drawing/2010/main">
+                <a:solidFill>
+                  <a:srgbClr val="FFFFFF"/>
+                </a:solidFill>
+              </a14:hiddenFill>
+            </a:ext>
+          </a:extLst>
+        </p:spPr>
+      </p:pic>
+      <p:sp>
+        <p:nvSpPr>
+          <p:cNvPr id="9" name="Freeform 8"/>
+          <p:cNvSpPr/>
+          <p:nvPr/>
+        </p:nvSpPr>
+        <p:spPr>
+          <a:xfrm>
+            <a:off x="2941163" y="2108924"/>
+            <a:ext cx="5104816" cy="2662720"/>
+          </a:xfrm>
+          <a:custGeom>
+            <a:avLst/>
+            <a:gdLst>
+              <a:gd name="connsiteX0" fmla="*/ 178121 w 5104816"/>
+              <a:gd name="connsiteY0" fmla="*/ 2507321 h 2662720"/>
+              <a:gd name="connsiteX1" fmla="*/ 2840205 w 5104816"/>
+              <a:gd name="connsiteY1" fmla="*/ 2263973 h 2662720"/>
+              <a:gd name="connsiteX2" fmla="*/ 4912353 w 5104816"/>
+              <a:gd name="connsiteY2" fmla="*/ 73837 h 2662720"/>
+              <a:gd name="connsiteX3" fmla="*/ 3341650 w 5104816"/>
+              <a:gd name="connsiteY3" fmla="*/ 2367211 h 2662720"/>
+              <a:gd name="connsiteX4" fmla="*/ 15889 w 5104816"/>
+              <a:gd name="connsiteY4" fmla="*/ 2374586 h 2662720"/>
+              <a:gd name="connsiteX5" fmla="*/ 4838611 w 5104816"/>
+              <a:gd name="connsiteY5" fmla="*/ 95 h 2662720"/>
+              <a:gd name="connsiteX6" fmla="*/ 3489134 w 5104816"/>
+              <a:gd name="connsiteY6" fmla="*/ 2470450 h 2662720"/>
+              <a:gd name="connsiteX7" fmla="*/ 5008218 w 5104816"/>
+              <a:gd name="connsiteY7" fmla="*/ 781760 h 2662720"/>
+              <a:gd name="connsiteX8" fmla="*/ 133876 w 5104816"/>
+              <a:gd name="connsiteY8" fmla="*/ 2433579 h 2662720"/>
+            </a:gdLst>
+            <a:ahLst/>
+            <a:cxnLst>
+              <a:cxn ang="0">
+                <a:pos x="connsiteX0" y="connsiteY0"/>
+              </a:cxn>
+              <a:cxn ang="0">
+                <a:pos x="connsiteX1" y="connsiteY1"/>
+              </a:cxn>
+              <a:cxn ang="0">
+                <a:pos x="connsiteX2" y="connsiteY2"/>
+              </a:cxn>
+              <a:cxn ang="0">
+                <a:pos x="connsiteX3" y="connsiteY3"/>
+              </a:cxn>
+              <a:cxn ang="0">
+                <a:pos x="connsiteX4" y="connsiteY4"/>
+              </a:cxn>
+              <a:cxn ang="0">
+                <a:pos x="connsiteX5" y="connsiteY5"/>
+              </a:cxn>
+              <a:cxn ang="0">
+                <a:pos x="connsiteX6" y="connsiteY6"/>
+              </a:cxn>
+              <a:cxn ang="0">
+                <a:pos x="connsiteX7" y="connsiteY7"/>
+              </a:cxn>
+              <a:cxn ang="0">
+                <a:pos x="connsiteX8" y="connsiteY8"/>
+              </a:cxn>
+            </a:cxnLst>
+            <a:rect l="l" t="t" r="r" b="b"/>
+            <a:pathLst>
+              <a:path w="5104816" h="2662720">
+                <a:moveTo>
+                  <a:pt x="178121" y="2507321"/>
+                </a:moveTo>
+                <a:lnTo>
+                  <a:pt x="2840205" y="2263973"/>
+                </a:lnTo>
+                <a:cubicBezTo>
+                  <a:pt x="3629244" y="1858392"/>
+                  <a:pt x="4828779" y="56631"/>
+                  <a:pt x="4912353" y="73837"/>
+                </a:cubicBezTo>
+                <a:cubicBezTo>
+                  <a:pt x="4995927" y="91043"/>
+                  <a:pt x="4157727" y="1983753"/>
+                  <a:pt x="3341650" y="2367211"/>
+                </a:cubicBezTo>
+                <a:cubicBezTo>
+                  <a:pt x="2525573" y="2750669"/>
+                  <a:pt x="-233605" y="2769105"/>
+                  <a:pt x="15889" y="2374586"/>
+                </a:cubicBezTo>
+                <a:cubicBezTo>
+                  <a:pt x="265383" y="1980067"/>
+                  <a:pt x="4259737" y="-15882"/>
+                  <a:pt x="4838611" y="95"/>
+                </a:cubicBezTo>
+                <a:cubicBezTo>
+                  <a:pt x="5417485" y="16072"/>
+                  <a:pt x="3460866" y="2340173"/>
+                  <a:pt x="3489134" y="2470450"/>
+                </a:cubicBezTo>
+                <a:cubicBezTo>
+                  <a:pt x="3517402" y="2600727"/>
+                  <a:pt x="5567428" y="787905"/>
+                  <a:pt x="5008218" y="781760"/>
+                </a:cubicBezTo>
+                <a:cubicBezTo>
+                  <a:pt x="4449008" y="775615"/>
+                  <a:pt x="2291442" y="1604597"/>
+                  <a:pt x="133876" y="2433579"/>
+                </a:cubicBezTo>
+              </a:path>
+            </a:pathLst>
+          </a:custGeom>
+          <a:ln w="31750">
+            <a:solidFill>
+              <a:srgbClr val="FF0000"/>
+            </a:solidFill>
+          </a:ln>
+        </p:spPr>
+        <p:style>
+          <a:lnRef idx="3">
+            <a:schemeClr val="accent2"/>
+          </a:lnRef>
+          <a:fillRef idx="0">
+            <a:schemeClr val="accent2"/>
+          </a:fillRef>
+          <a:effectRef idx="2">
+            <a:schemeClr val="accent2"/>
+          </a:effectRef>
+          <a:fontRef idx="minor">
+            <a:schemeClr val="tx1"/>
+          </a:fontRef>
+        </p:style>
+        <p:txBody>
+          <a:bodyPr rtlCol="0" anchor="ctr"/>
+          <a:lstStyle/>
+          <a:p>
+            <a:pPr algn="ctr"/>
             <a:endParaRPr lang="en-US"/>
           </a:p>
         </p:txBody>
@@ -5693,13 +6101,20 @@
     </p:spTree>
     <p:extLst>
       <p:ext uri="{BB962C8B-B14F-4D97-AF65-F5344CB8AC3E}">
-        <p14:creationId xmlns:p14="http://schemas.microsoft.com/office/powerpoint/2010/main" val="1669023424"/>
+        <p14:creationId xmlns:p14="http://schemas.microsoft.com/office/powerpoint/2010/main" val="930044843"/>
       </p:ext>
     </p:extLst>
   </p:cSld>
   <p:clrMapOvr>
     <a:masterClrMapping/>
   </p:clrMapOvr>
+  <p:timing>
+    <p:tnLst>
+      <p:par>
+        <p:cTn id="1" dur="indefinite" restart="never" nodeType="tmRoot"/>
+      </p:par>
+    </p:tnLst>
+  </p:timing>
 </p:sld>
 </file>
 
@@ -5722,46 +6137,7 @@
       </p:grpSpPr>
       <p:sp>
         <p:nvSpPr>
-          <p:cNvPr id="3" name="Text Placeholder 2">
-            <a:extLst>
-              <a:ext uri="{FF2B5EF4-FFF2-40B4-BE49-F238E27FC236}">
-                <a16:creationId xmlns:a16="http://schemas.microsoft.com/office/drawing/2014/main" id="{CBBEC366-C759-494E-BEFD-6DED92045DAC}"/>
-              </a:ext>
-            </a:extLst>
-          </p:cNvPr>
-          <p:cNvSpPr>
-            <a:spLocks noGrp="1"/>
-          </p:cNvSpPr>
-          <p:nvPr>
-            <p:ph type="body" idx="1"/>
-          </p:nvPr>
-        </p:nvSpPr>
-        <p:spPr>
-          <a:xfrm>
-            <a:off x="831850" y="4589464"/>
-            <a:ext cx="10515600" cy="430212"/>
-          </a:xfrm>
-        </p:spPr>
-        <p:txBody>
-          <a:bodyPr/>
-          <a:lstStyle/>
-          <a:p>
-            <a:r>
-              <a:rPr lang="en-US" dirty="0"/>
-              <a:t>Learning from Past Collaborations</a:t>
-            </a:r>
-          </a:p>
-        </p:txBody>
-      </p:sp>
-      <p:sp>
-        <p:nvSpPr>
-          <p:cNvPr id="7" name="Title 6">
-            <a:extLst>
-              <a:ext uri="{FF2B5EF4-FFF2-40B4-BE49-F238E27FC236}">
-                <a16:creationId xmlns:a16="http://schemas.microsoft.com/office/drawing/2014/main" id="{52783F39-79B3-4870-B7E0-BCD7EAF177B0}"/>
-              </a:ext>
-            </a:extLst>
-          </p:cNvPr>
+          <p:cNvPr id="2" name="Title 1"/>
           <p:cNvSpPr>
             <a:spLocks noGrp="1"/>
           </p:cNvSpPr>
@@ -5769,27 +6145,42 @@
             <p:ph type="title"/>
           </p:nvPr>
         </p:nvSpPr>
-        <p:spPr>
-          <a:xfrm>
-            <a:off x="831850" y="3648075"/>
-            <a:ext cx="10515600" cy="914400"/>
-          </a:xfrm>
-        </p:spPr>
-        <p:txBody>
-          <a:bodyPr/>
-          <a:lstStyle/>
-          <a:p>
-            <a:r>
-              <a:rPr lang="en-US" dirty="0"/>
-              <a:t>Small Group Discussions</a:t>
-            </a:r>
+        <p:spPr/>
+        <p:txBody>
+          <a:bodyPr/>
+          <a:lstStyle/>
+          <a:p>
+            <a:r>
+              <a:rPr lang="en-US" dirty="0" smtClean="0"/>
+              <a:t>Using issues</a:t>
+            </a:r>
+            <a:endParaRPr lang="en-US" dirty="0"/>
+          </a:p>
+        </p:txBody>
+      </p:sp>
+      <p:sp>
+        <p:nvSpPr>
+          <p:cNvPr id="3" name="Content Placeholder 2"/>
+          <p:cNvSpPr>
+            <a:spLocks noGrp="1"/>
+          </p:cNvSpPr>
+          <p:nvPr>
+            <p:ph idx="1"/>
+          </p:nvPr>
+        </p:nvSpPr>
+        <p:spPr/>
+        <p:txBody>
+          <a:bodyPr/>
+          <a:lstStyle/>
+          <a:p>
+            <a:endParaRPr lang="en-US"/>
           </a:p>
         </p:txBody>
       </p:sp>
     </p:spTree>
     <p:extLst>
       <p:ext uri="{BB962C8B-B14F-4D97-AF65-F5344CB8AC3E}">
-        <p14:creationId xmlns:p14="http://schemas.microsoft.com/office/powerpoint/2010/main" val="1827043774"/>
+        <p14:creationId xmlns:p14="http://schemas.microsoft.com/office/powerpoint/2010/main" val="1959654841"/>
       </p:ext>
     </p:extLst>
   </p:cSld>
@@ -5818,13 +6209,7 @@
       </p:grpSpPr>
       <p:sp>
         <p:nvSpPr>
-          <p:cNvPr id="2" name="Title 1">
-            <a:extLst>
-              <a:ext uri="{FF2B5EF4-FFF2-40B4-BE49-F238E27FC236}">
-                <a16:creationId xmlns:a16="http://schemas.microsoft.com/office/drawing/2014/main" id="{4DBB3D5F-2B2C-4880-8F07-4EA749825D10}"/>
-              </a:ext>
-            </a:extLst>
-          </p:cNvPr>
+          <p:cNvPr id="2" name="Title 1"/>
           <p:cNvSpPr>
             <a:spLocks noGrp="1"/>
           </p:cNvSpPr>
@@ -5839,20 +6224,19 @@
           <a:p>
             <a:r>
               <a:rPr lang="en-US" dirty="0"/>
-              <a:t>Small Group Discussions</a:t>
-            </a:r>
-          </a:p>
-        </p:txBody>
-      </p:sp>
-      <p:sp>
-        <p:nvSpPr>
-          <p:cNvPr id="3" name="Content Placeholder 2">
-            <a:extLst>
-              <a:ext uri="{FF2B5EF4-FFF2-40B4-BE49-F238E27FC236}">
-                <a16:creationId xmlns:a16="http://schemas.microsoft.com/office/drawing/2014/main" id="{58DA7441-F606-4D88-B3AB-F330ECBB4130}"/>
-              </a:ext>
-            </a:extLst>
-          </p:cNvPr>
+              <a:t>T</a:t>
+            </a:r>
+            <a:r>
+              <a:rPr lang="en-US" dirty="0" smtClean="0"/>
+              <a:t>ry something new without messing up your project.</a:t>
+            </a:r>
+            <a:endParaRPr lang="en-US" dirty="0"/>
+          </a:p>
+        </p:txBody>
+      </p:sp>
+      <p:sp>
+        <p:nvSpPr>
+          <p:cNvPr id="3" name="Content Placeholder 2"/>
           <p:cNvSpPr>
             <a:spLocks noGrp="1"/>
           </p:cNvSpPr>
@@ -5862,90 +6246,17 @@
         </p:nvSpPr>
         <p:spPr/>
         <p:txBody>
-          <a:bodyPr>
-            <a:normAutofit lnSpcReduction="10000"/>
-          </a:bodyPr>
-          <a:lstStyle/>
-          <a:p>
-            <a:pPr marL="0" indent="0">
-              <a:buNone/>
-            </a:pPr>
-            <a:r>
-              <a:rPr lang="en-US" b="1" i="1" dirty="0"/>
-              <a:t>What you’ll need…</a:t>
-            </a:r>
-          </a:p>
-          <a:p>
-            <a:pPr marL="514350" indent="-514350">
-              <a:buAutoNum type="arabicPeriod"/>
-            </a:pPr>
-            <a:r>
-              <a:rPr lang="en-US" dirty="0"/>
-              <a:t>Some people to talk with</a:t>
-            </a:r>
-          </a:p>
-          <a:p>
-            <a:pPr marL="514350" indent="-514350">
-              <a:buAutoNum type="arabicPeriod"/>
-            </a:pPr>
-            <a:r>
-              <a:rPr lang="en-US" dirty="0"/>
-              <a:t>Some notetaking technology (e.g., pen and paper, laptop, tablet)</a:t>
-            </a:r>
-          </a:p>
-          <a:p>
-            <a:pPr marL="514350" indent="-514350">
-              <a:buAutoNum type="arabicPeriod"/>
-            </a:pPr>
-            <a:endParaRPr lang="en-US" dirty="0"/>
-          </a:p>
-          <a:p>
-            <a:pPr marL="0" indent="0">
-              <a:buNone/>
-            </a:pPr>
-            <a:r>
-              <a:rPr lang="en-US" b="1" i="1" dirty="0"/>
-              <a:t>What we’ll do…</a:t>
-            </a:r>
-          </a:p>
-          <a:p>
-            <a:pPr marL="514350" indent="-514350">
-              <a:buAutoNum type="arabicPeriod"/>
-            </a:pPr>
-            <a:r>
-              <a:rPr lang="en-US" dirty="0"/>
-              <a:t>Reflect on past collaborative experiences</a:t>
-            </a:r>
-          </a:p>
-          <a:p>
-            <a:pPr marL="514350" indent="-514350">
-              <a:buAutoNum type="arabicPeriod"/>
-            </a:pPr>
-            <a:r>
-              <a:rPr lang="en-US" dirty="0"/>
-              <a:t>Gather anecdotal evidence to support </a:t>
-            </a:r>
-            <a:r>
-              <a:rPr lang="en-US" i="1" dirty="0"/>
-              <a:t>The N Commandments of Collaborative Computing</a:t>
-            </a:r>
-            <a:endParaRPr lang="en-US" dirty="0"/>
-          </a:p>
-          <a:p>
-            <a:pPr marL="514350" indent="-514350">
-              <a:buAutoNum type="arabicPeriod"/>
-            </a:pPr>
-            <a:r>
-              <a:rPr lang="en-US" dirty="0"/>
-              <a:t>Focus on digital aspects and tools that worked (or not)</a:t>
-            </a:r>
+          <a:bodyPr/>
+          <a:lstStyle/>
+          <a:p>
+            <a:endParaRPr lang="en-US"/>
           </a:p>
         </p:txBody>
       </p:sp>
     </p:spTree>
     <p:extLst>
       <p:ext uri="{BB962C8B-B14F-4D97-AF65-F5344CB8AC3E}">
-        <p14:creationId xmlns:p14="http://schemas.microsoft.com/office/powerpoint/2010/main" val="431935109"/>
+        <p14:creationId xmlns:p14="http://schemas.microsoft.com/office/powerpoint/2010/main" val="3056863530"/>
       </p:ext>
     </p:extLst>
   </p:cSld>
@@ -5974,13 +6285,7 @@
       </p:grpSpPr>
       <p:sp>
         <p:nvSpPr>
-          <p:cNvPr id="2" name="Title 1">
-            <a:extLst>
-              <a:ext uri="{FF2B5EF4-FFF2-40B4-BE49-F238E27FC236}">
-                <a16:creationId xmlns:a16="http://schemas.microsoft.com/office/drawing/2014/main" id="{F03E117D-36C5-4FC7-8EEF-CDC513A6F7D0}"/>
-              </a:ext>
-            </a:extLst>
-          </p:cNvPr>
+          <p:cNvPr id="2" name="Title 1"/>
           <p:cNvSpPr>
             <a:spLocks noGrp="1"/>
           </p:cNvSpPr>
@@ -5994,21 +6299,16 @@
           <a:lstStyle/>
           <a:p>
             <a:r>
-              <a:rPr lang="en-US" dirty="0"/>
-              <a:t>Part 1: Introductions</a:t>
-            </a:r>
-          </a:p>
-        </p:txBody>
-      </p:sp>
-      <p:sp>
-        <p:nvSpPr>
-          <p:cNvPr id="3" name="Content Placeholder 2">
-            <a:extLst>
-              <a:ext uri="{FF2B5EF4-FFF2-40B4-BE49-F238E27FC236}">
-                <a16:creationId xmlns:a16="http://schemas.microsoft.com/office/drawing/2014/main" id="{C35EAB37-4B0D-4848-B2E9-CCE1852B766C}"/>
-              </a:ext>
-            </a:extLst>
-          </p:cNvPr>
+              <a:rPr lang="en-US" dirty="0" smtClean="0"/>
+              <a:t>Using branches and merge</a:t>
+            </a:r>
+            <a:endParaRPr lang="en-US" dirty="0"/>
+          </a:p>
+        </p:txBody>
+      </p:sp>
+      <p:sp>
+        <p:nvSpPr>
+          <p:cNvPr id="3" name="Content Placeholder 2"/>
           <p:cNvSpPr>
             <a:spLocks noGrp="1"/>
           </p:cNvSpPr>
@@ -6021,48 +6321,14 @@
           <a:bodyPr/>
           <a:lstStyle/>
           <a:p>
-            <a:pPr marL="0" indent="0">
-              <a:buNone/>
-            </a:pPr>
-            <a:r>
-              <a:rPr lang="en-US" b="1" i="1" dirty="0"/>
-              <a:t>Share…</a:t>
-            </a:r>
-            <a:endParaRPr lang="en-US" dirty="0"/>
-          </a:p>
-          <a:p>
-            <a:pPr marL="514350" indent="-514350">
-              <a:buAutoNum type="arabicPeriod"/>
-            </a:pPr>
-            <a:r>
-              <a:rPr lang="en-US" dirty="0"/>
-              <a:t>Institution and LTER site</a:t>
-            </a:r>
-          </a:p>
-          <a:p>
-            <a:pPr marL="514350" indent="-514350">
-              <a:buAutoNum type="arabicPeriod"/>
-            </a:pPr>
-            <a:r>
-              <a:rPr lang="en-US" dirty="0"/>
-              <a:t>Role (e.g., professor, postdoc, grad student, etc.)</a:t>
-            </a:r>
-          </a:p>
-          <a:p>
-            <a:pPr marL="514350" indent="-514350">
-              <a:buAutoNum type="arabicPeriod"/>
-            </a:pPr>
-            <a:r>
-              <a:rPr lang="en-US" dirty="0"/>
-              <a:t>Research area</a:t>
-            </a:r>
+            <a:endParaRPr lang="en-US"/>
           </a:p>
         </p:txBody>
       </p:sp>
     </p:spTree>
     <p:extLst>
       <p:ext uri="{BB962C8B-B14F-4D97-AF65-F5344CB8AC3E}">
-        <p14:creationId xmlns:p14="http://schemas.microsoft.com/office/powerpoint/2010/main" val="3064312405"/>
+        <p14:creationId xmlns:p14="http://schemas.microsoft.com/office/powerpoint/2010/main" val="15406166"/>
       </p:ext>
     </p:extLst>
   </p:cSld>
@@ -6091,13 +6357,7 @@
       </p:grpSpPr>
       <p:sp>
         <p:nvSpPr>
-          <p:cNvPr id="2" name="Title 1">
-            <a:extLst>
-              <a:ext uri="{FF2B5EF4-FFF2-40B4-BE49-F238E27FC236}">
-                <a16:creationId xmlns:a16="http://schemas.microsoft.com/office/drawing/2014/main" id="{063DBBFE-8E9D-41E2-BD09-9C4A32165836}"/>
-              </a:ext>
-            </a:extLst>
-          </p:cNvPr>
+          <p:cNvPr id="2" name="Title 1"/>
           <p:cNvSpPr>
             <a:spLocks noGrp="1"/>
           </p:cNvSpPr>
@@ -6111,21 +6371,24 @@
           <a:lstStyle/>
           <a:p>
             <a:r>
-              <a:rPr lang="en-US" dirty="0"/>
-              <a:t>Part 2: Reflecting Back</a:t>
-            </a:r>
-          </a:p>
-        </p:txBody>
-      </p:sp>
-      <p:sp>
-        <p:nvSpPr>
-          <p:cNvPr id="3" name="Content Placeholder 2">
-            <a:extLst>
-              <a:ext uri="{FF2B5EF4-FFF2-40B4-BE49-F238E27FC236}">
-                <a16:creationId xmlns:a16="http://schemas.microsoft.com/office/drawing/2014/main" id="{527F693A-CD83-4ECC-A63D-6E07BDA34141}"/>
-              </a:ext>
-            </a:extLst>
-          </p:cNvPr>
+              <a:rPr lang="en-US" dirty="0" smtClean="0"/>
+              <a:t>What are the pros of </a:t>
+            </a:r>
+            <a:r>
+              <a:rPr lang="en-US" dirty="0" err="1" smtClean="0"/>
+              <a:t>Github</a:t>
+            </a:r>
+            <a:r>
+              <a:rPr lang="en-US" dirty="0" smtClean="0"/>
+              <a:t>?</a:t>
+            </a:r>
+            <a:endParaRPr lang="en-US" dirty="0"/>
+          </a:p>
+        </p:txBody>
+      </p:sp>
+      <p:sp>
+        <p:nvSpPr>
+          <p:cNvPr id="3" name="Content Placeholder 2"/>
           <p:cNvSpPr>
             <a:spLocks noGrp="1"/>
           </p:cNvSpPr>
@@ -6138,48 +6401,18 @@
           <a:bodyPr/>
           <a:lstStyle/>
           <a:p>
-            <a:pPr marL="0" indent="0">
-              <a:buNone/>
-            </a:pPr>
-            <a:r>
-              <a:rPr lang="en-US" b="1" i="1" dirty="0"/>
-              <a:t>Think…</a:t>
+            <a:r>
+              <a:rPr lang="en-US" dirty="0" smtClean="0"/>
+              <a:t>Discuss in groups (x minutes)</a:t>
             </a:r>
             <a:endParaRPr lang="en-US" dirty="0"/>
-          </a:p>
-          <a:p>
-            <a:pPr marL="514350" indent="-514350">
-              <a:buAutoNum type="arabicPeriod"/>
-            </a:pPr>
-            <a:r>
-              <a:rPr lang="en-US" dirty="0"/>
-              <a:t>Blah</a:t>
-            </a:r>
-          </a:p>
-          <a:p>
-            <a:pPr marL="514350" indent="-514350">
-              <a:buAutoNum type="arabicPeriod"/>
-            </a:pPr>
-            <a:r>
-              <a:rPr lang="en-US" dirty="0"/>
-              <a:t>Blah</a:t>
-            </a:r>
-          </a:p>
-          <a:p>
-            <a:pPr marL="0" indent="0">
-              <a:buNone/>
-            </a:pPr>
-            <a:r>
-              <a:rPr lang="en-US" b="1" i="1" dirty="0"/>
-              <a:t>Share…</a:t>
-            </a:r>
           </a:p>
         </p:txBody>
       </p:sp>
     </p:spTree>
     <p:extLst>
       <p:ext uri="{BB962C8B-B14F-4D97-AF65-F5344CB8AC3E}">
-        <p14:creationId xmlns:p14="http://schemas.microsoft.com/office/powerpoint/2010/main" val="2276565651"/>
+        <p14:creationId xmlns:p14="http://schemas.microsoft.com/office/powerpoint/2010/main" val="729585267"/>
       </p:ext>
     </p:extLst>
   </p:cSld>
@@ -6208,13 +6441,7 @@
       </p:grpSpPr>
       <p:sp>
         <p:nvSpPr>
-          <p:cNvPr id="2" name="Title 1">
-            <a:extLst>
-              <a:ext uri="{FF2B5EF4-FFF2-40B4-BE49-F238E27FC236}">
-                <a16:creationId xmlns:a16="http://schemas.microsoft.com/office/drawing/2014/main" id="{8767DBB4-F5AD-4316-BE61-85136EBF7846}"/>
-              </a:ext>
-            </a:extLst>
-          </p:cNvPr>
+          <p:cNvPr id="2" name="Title 1"/>
           <p:cNvSpPr>
             <a:spLocks noGrp="1"/>
           </p:cNvSpPr>
@@ -6228,73 +6455,42 @@
           <a:lstStyle/>
           <a:p>
             <a:r>
+              <a:rPr lang="en-US" dirty="0" smtClean="0"/>
+              <a:t>What are the cons of </a:t>
+            </a:r>
+            <a:r>
+              <a:rPr lang="en-US" dirty="0" err="1" smtClean="0"/>
+              <a:t>Github</a:t>
+            </a:r>
+            <a:r>
+              <a:rPr lang="en-US" dirty="0" smtClean="0"/>
+              <a:t>?</a:t>
+            </a:r>
+            <a:endParaRPr lang="en-US" dirty="0"/>
+          </a:p>
+        </p:txBody>
+      </p:sp>
+      <p:sp>
+        <p:nvSpPr>
+          <p:cNvPr id="3" name="Content Placeholder 2"/>
+          <p:cNvSpPr>
+            <a:spLocks noGrp="1"/>
+          </p:cNvSpPr>
+          <p:nvPr>
+            <p:ph idx="1"/>
+          </p:nvPr>
+        </p:nvSpPr>
+        <p:spPr/>
+        <p:txBody>
+          <a:bodyPr/>
+          <a:lstStyle/>
+          <a:p>
+            <a:r>
               <a:rPr lang="en-US" dirty="0"/>
-              <a:t>Part 3: Looking Forward</a:t>
-            </a:r>
-          </a:p>
-        </p:txBody>
-      </p:sp>
-      <p:sp>
-        <p:nvSpPr>
-          <p:cNvPr id="3" name="Content Placeholder 2">
-            <a:extLst>
-              <a:ext uri="{FF2B5EF4-FFF2-40B4-BE49-F238E27FC236}">
-                <a16:creationId xmlns:a16="http://schemas.microsoft.com/office/drawing/2014/main" id="{29E78B52-C2A3-4828-A172-D913CA1C5929}"/>
-              </a:ext>
-            </a:extLst>
-          </p:cNvPr>
-          <p:cNvSpPr>
-            <a:spLocks noGrp="1"/>
-          </p:cNvSpPr>
-          <p:nvPr>
-            <p:ph idx="1"/>
-          </p:nvPr>
-        </p:nvSpPr>
-        <p:spPr/>
-        <p:txBody>
-          <a:bodyPr/>
-          <a:lstStyle/>
-          <a:p>
-            <a:pPr marL="0" indent="0">
-              <a:buNone/>
-            </a:pPr>
-            <a:r>
-              <a:rPr lang="en-US" b="1" i="1" dirty="0"/>
-              <a:t>Think…</a:t>
-            </a:r>
-            <a:endParaRPr lang="en-US" dirty="0"/>
-          </a:p>
-          <a:p>
-            <a:pPr marL="514350" indent="-514350">
-              <a:buAutoNum type="arabicPeriod"/>
-            </a:pPr>
-            <a:r>
-              <a:rPr lang="en-US" dirty="0"/>
-              <a:t>Blah</a:t>
-            </a:r>
-          </a:p>
-          <a:p>
-            <a:pPr marL="514350" indent="-514350">
-              <a:buAutoNum type="arabicPeriod"/>
-            </a:pPr>
-            <a:r>
-              <a:rPr lang="en-US" dirty="0"/>
-              <a:t>Blah</a:t>
-            </a:r>
-          </a:p>
-          <a:p>
-            <a:pPr marL="0" indent="0">
-              <a:buNone/>
-            </a:pPr>
-            <a:r>
-              <a:rPr lang="en-US" b="1" i="1" dirty="0"/>
-              <a:t>Share…</a:t>
-            </a:r>
-          </a:p>
-          <a:p>
-            <a:pPr marL="0" indent="0">
-              <a:buNone/>
-            </a:pPr>
+              <a:t>Discuss in groups (x minutes)</a:t>
+            </a:r>
+          </a:p>
+          <a:p>
             <a:endParaRPr lang="en-US" dirty="0"/>
           </a:p>
         </p:txBody>
@@ -6302,7 +6498,7 @@
     </p:spTree>
     <p:extLst>
       <p:ext uri="{BB962C8B-B14F-4D97-AF65-F5344CB8AC3E}">
-        <p14:creationId xmlns:p14="http://schemas.microsoft.com/office/powerpoint/2010/main" val="323198984"/>
+        <p14:creationId xmlns:p14="http://schemas.microsoft.com/office/powerpoint/2010/main" val="2478776565"/>
       </p:ext>
     </p:extLst>
   </p:cSld>
@@ -6331,46 +6527,7 @@
       </p:grpSpPr>
       <p:sp>
         <p:nvSpPr>
-          <p:cNvPr id="3" name="Text Placeholder 2">
-            <a:extLst>
-              <a:ext uri="{FF2B5EF4-FFF2-40B4-BE49-F238E27FC236}">
-                <a16:creationId xmlns:a16="http://schemas.microsoft.com/office/drawing/2014/main" id="{CBBEC366-C759-494E-BEFD-6DED92045DAC}"/>
-              </a:ext>
-            </a:extLst>
-          </p:cNvPr>
-          <p:cNvSpPr>
-            <a:spLocks noGrp="1"/>
-          </p:cNvSpPr>
-          <p:nvPr>
-            <p:ph type="body" idx="1"/>
-          </p:nvPr>
-        </p:nvSpPr>
-        <p:spPr>
-          <a:xfrm>
-            <a:off x="831850" y="4589464"/>
-            <a:ext cx="10515600" cy="430212"/>
-          </a:xfrm>
-        </p:spPr>
-        <p:txBody>
-          <a:bodyPr/>
-          <a:lstStyle/>
-          <a:p>
-            <a:r>
-              <a:rPr lang="en-US" dirty="0"/>
-              <a:t>Developing the N Commandments</a:t>
-            </a:r>
-          </a:p>
-        </p:txBody>
-      </p:sp>
-      <p:sp>
-        <p:nvSpPr>
-          <p:cNvPr id="7" name="Title 6">
-            <a:extLst>
-              <a:ext uri="{FF2B5EF4-FFF2-40B4-BE49-F238E27FC236}">
-                <a16:creationId xmlns:a16="http://schemas.microsoft.com/office/drawing/2014/main" id="{52783F39-79B3-4870-B7E0-BCD7EAF177B0}"/>
-              </a:ext>
-            </a:extLst>
-          </p:cNvPr>
+          <p:cNvPr id="2" name="Title 1"/>
           <p:cNvSpPr>
             <a:spLocks noGrp="1"/>
           </p:cNvSpPr>
@@ -6378,27 +6535,42 @@
             <p:ph type="title"/>
           </p:nvPr>
         </p:nvSpPr>
-        <p:spPr>
-          <a:xfrm>
-            <a:off x="831850" y="3648075"/>
-            <a:ext cx="10515600" cy="914400"/>
-          </a:xfrm>
-        </p:spPr>
-        <p:txBody>
-          <a:bodyPr/>
-          <a:lstStyle/>
-          <a:p>
-            <a:r>
-              <a:rPr lang="en-US" dirty="0"/>
-              <a:t>Consensus Building</a:t>
-            </a:r>
+        <p:spPr/>
+        <p:txBody>
+          <a:bodyPr/>
+          <a:lstStyle/>
+          <a:p>
+            <a:r>
+              <a:rPr lang="en-US" dirty="0" smtClean="0"/>
+              <a:t>Resources for learning more</a:t>
+            </a:r>
+            <a:endParaRPr lang="en-US" dirty="0"/>
+          </a:p>
+        </p:txBody>
+      </p:sp>
+      <p:sp>
+        <p:nvSpPr>
+          <p:cNvPr id="3" name="Content Placeholder 2"/>
+          <p:cNvSpPr>
+            <a:spLocks noGrp="1"/>
+          </p:cNvSpPr>
+          <p:nvPr>
+            <p:ph idx="1"/>
+          </p:nvPr>
+        </p:nvSpPr>
+        <p:spPr/>
+        <p:txBody>
+          <a:bodyPr/>
+          <a:lstStyle/>
+          <a:p>
+            <a:endParaRPr lang="en-US"/>
           </a:p>
         </p:txBody>
       </p:sp>
     </p:spTree>
     <p:extLst>
       <p:ext uri="{BB962C8B-B14F-4D97-AF65-F5344CB8AC3E}">
-        <p14:creationId xmlns:p14="http://schemas.microsoft.com/office/powerpoint/2010/main" val="885996570"/>
+        <p14:creationId xmlns:p14="http://schemas.microsoft.com/office/powerpoint/2010/main" val="1669023424"/>
       </p:ext>
     </p:extLst>
   </p:cSld>
@@ -6427,10 +6599,43 @@
       </p:grpSpPr>
       <p:sp>
         <p:nvSpPr>
-          <p:cNvPr id="2" name="Title 1">
-            <a:extLst>
-              <a:ext uri="{FF2B5EF4-FFF2-40B4-BE49-F238E27FC236}">
-                <a16:creationId xmlns:a16="http://schemas.microsoft.com/office/drawing/2014/main" id="{D341A550-712D-4A10-8D9F-CD327680AA41}"/>
+          <p:cNvPr id="3" name="Text Placeholder 2">
+            <a:extLst>
+              <a:ext uri="{FF2B5EF4-FFF2-40B4-BE49-F238E27FC236}">
+                <a16:creationId xmlns:a16="http://schemas.microsoft.com/office/drawing/2014/main" id="{CBBEC366-C759-494E-BEFD-6DED92045DAC}"/>
+              </a:ext>
+            </a:extLst>
+          </p:cNvPr>
+          <p:cNvSpPr>
+            <a:spLocks noGrp="1"/>
+          </p:cNvSpPr>
+          <p:nvPr>
+            <p:ph type="body" idx="1"/>
+          </p:nvPr>
+        </p:nvSpPr>
+        <p:spPr>
+          <a:xfrm>
+            <a:off x="831850" y="4589464"/>
+            <a:ext cx="10515600" cy="430212"/>
+          </a:xfrm>
+        </p:spPr>
+        <p:txBody>
+          <a:bodyPr/>
+          <a:lstStyle/>
+          <a:p>
+            <a:r>
+              <a:rPr lang="en-US" dirty="0"/>
+              <a:t>Learning from Past Collaborations</a:t>
+            </a:r>
+          </a:p>
+        </p:txBody>
+      </p:sp>
+      <p:sp>
+        <p:nvSpPr>
+          <p:cNvPr id="7" name="Title 6">
+            <a:extLst>
+              <a:ext uri="{FF2B5EF4-FFF2-40B4-BE49-F238E27FC236}">
+                <a16:creationId xmlns:a16="http://schemas.microsoft.com/office/drawing/2014/main" id="{52783F39-79B3-4870-B7E0-BCD7EAF177B0}"/>
               </a:ext>
             </a:extLst>
           </p:cNvPr>
@@ -6441,44 +6646,300 @@
             <p:ph type="title"/>
           </p:nvPr>
         </p:nvSpPr>
-        <p:spPr/>
-        <p:txBody>
-          <a:bodyPr/>
-          <a:lstStyle/>
-          <a:p>
-            <a:endParaRPr lang="en-US" dirty="0"/>
-          </a:p>
-        </p:txBody>
-      </p:sp>
-      <p:sp>
-        <p:nvSpPr>
-          <p:cNvPr id="3" name="Content Placeholder 2">
-            <a:extLst>
-              <a:ext uri="{FF2B5EF4-FFF2-40B4-BE49-F238E27FC236}">
-                <a16:creationId xmlns:a16="http://schemas.microsoft.com/office/drawing/2014/main" id="{62C8C4C7-120E-4230-8E60-B64F8C51C634}"/>
-              </a:ext>
-            </a:extLst>
-          </p:cNvPr>
-          <p:cNvSpPr>
-            <a:spLocks noGrp="1"/>
-          </p:cNvSpPr>
-          <p:nvPr>
-            <p:ph idx="1"/>
-          </p:nvPr>
-        </p:nvSpPr>
-        <p:spPr/>
-        <p:txBody>
-          <a:bodyPr/>
-          <a:lstStyle/>
-          <a:p>
-            <a:endParaRPr lang="en-US" dirty="0"/>
+        <p:spPr>
+          <a:xfrm>
+            <a:off x="831850" y="3648075"/>
+            <a:ext cx="10515600" cy="914400"/>
+          </a:xfrm>
+        </p:spPr>
+        <p:txBody>
+          <a:bodyPr/>
+          <a:lstStyle/>
+          <a:p>
+            <a:r>
+              <a:rPr lang="en-US" dirty="0"/>
+              <a:t>Small Group Discussions</a:t>
+            </a:r>
           </a:p>
         </p:txBody>
       </p:sp>
     </p:spTree>
     <p:extLst>
       <p:ext uri="{BB962C8B-B14F-4D97-AF65-F5344CB8AC3E}">
-        <p14:creationId xmlns:p14="http://schemas.microsoft.com/office/powerpoint/2010/main" val="3269339386"/>
+        <p14:creationId xmlns:p14="http://schemas.microsoft.com/office/powerpoint/2010/main" val="1827043774"/>
+      </p:ext>
+    </p:extLst>
+  </p:cSld>
+  <p:clrMapOvr>
+    <a:masterClrMapping/>
+  </p:clrMapOvr>
+</p:sld>
+</file>
+
+<file path=ppt/slides/slide28.xml><?xml version="1.0" encoding="utf-8"?>
+<p:sld xmlns:a="http://schemas.openxmlformats.org/drawingml/2006/main" xmlns:r="http://schemas.openxmlformats.org/officeDocument/2006/relationships" xmlns:p="http://schemas.openxmlformats.org/presentationml/2006/main">
+  <p:cSld>
+    <p:spTree>
+      <p:nvGrpSpPr>
+        <p:cNvPr id="1" name=""/>
+        <p:cNvGrpSpPr/>
+        <p:nvPr/>
+      </p:nvGrpSpPr>
+      <p:grpSpPr>
+        <a:xfrm>
+          <a:off x="0" y="0"/>
+          <a:ext cx="0" cy="0"/>
+          <a:chOff x="0" y="0"/>
+          <a:chExt cx="0" cy="0"/>
+        </a:xfrm>
+      </p:grpSpPr>
+      <p:sp>
+        <p:nvSpPr>
+          <p:cNvPr id="2" name="Title 1">
+            <a:extLst>
+              <a:ext uri="{FF2B5EF4-FFF2-40B4-BE49-F238E27FC236}">
+                <a16:creationId xmlns:a16="http://schemas.microsoft.com/office/drawing/2014/main" id="{4DBB3D5F-2B2C-4880-8F07-4EA749825D10}"/>
+              </a:ext>
+            </a:extLst>
+          </p:cNvPr>
+          <p:cNvSpPr>
+            <a:spLocks noGrp="1"/>
+          </p:cNvSpPr>
+          <p:nvPr>
+            <p:ph type="title"/>
+          </p:nvPr>
+        </p:nvSpPr>
+        <p:spPr/>
+        <p:txBody>
+          <a:bodyPr/>
+          <a:lstStyle/>
+          <a:p>
+            <a:r>
+              <a:rPr lang="en-US" dirty="0"/>
+              <a:t>Small Group Discussions</a:t>
+            </a:r>
+          </a:p>
+        </p:txBody>
+      </p:sp>
+      <p:sp>
+        <p:nvSpPr>
+          <p:cNvPr id="3" name="Content Placeholder 2">
+            <a:extLst>
+              <a:ext uri="{FF2B5EF4-FFF2-40B4-BE49-F238E27FC236}">
+                <a16:creationId xmlns:a16="http://schemas.microsoft.com/office/drawing/2014/main" id="{58DA7441-F606-4D88-B3AB-F330ECBB4130}"/>
+              </a:ext>
+            </a:extLst>
+          </p:cNvPr>
+          <p:cNvSpPr>
+            <a:spLocks noGrp="1"/>
+          </p:cNvSpPr>
+          <p:nvPr>
+            <p:ph idx="1"/>
+          </p:nvPr>
+        </p:nvSpPr>
+        <p:spPr/>
+        <p:txBody>
+          <a:bodyPr>
+            <a:normAutofit lnSpcReduction="10000"/>
+          </a:bodyPr>
+          <a:lstStyle/>
+          <a:p>
+            <a:pPr marL="0" indent="0">
+              <a:buNone/>
+            </a:pPr>
+            <a:r>
+              <a:rPr lang="en-US" b="1" i="1" dirty="0"/>
+              <a:t>What you’ll need…</a:t>
+            </a:r>
+          </a:p>
+          <a:p>
+            <a:pPr marL="514350" indent="-514350">
+              <a:buAutoNum type="arabicPeriod"/>
+            </a:pPr>
+            <a:r>
+              <a:rPr lang="en-US" dirty="0"/>
+              <a:t>Some people to talk with</a:t>
+            </a:r>
+          </a:p>
+          <a:p>
+            <a:pPr marL="514350" indent="-514350">
+              <a:buAutoNum type="arabicPeriod"/>
+            </a:pPr>
+            <a:r>
+              <a:rPr lang="en-US" dirty="0"/>
+              <a:t>Some notetaking technology (e.g., pen and paper, laptop, tablet)</a:t>
+            </a:r>
+          </a:p>
+          <a:p>
+            <a:pPr marL="514350" indent="-514350">
+              <a:buAutoNum type="arabicPeriod"/>
+            </a:pPr>
+            <a:endParaRPr lang="en-US" dirty="0"/>
+          </a:p>
+          <a:p>
+            <a:pPr marL="0" indent="0">
+              <a:buNone/>
+            </a:pPr>
+            <a:r>
+              <a:rPr lang="en-US" b="1" i="1" dirty="0"/>
+              <a:t>What we’ll do…</a:t>
+            </a:r>
+          </a:p>
+          <a:p>
+            <a:pPr marL="514350" indent="-514350">
+              <a:buAutoNum type="arabicPeriod"/>
+            </a:pPr>
+            <a:r>
+              <a:rPr lang="en-US" dirty="0"/>
+              <a:t>Reflect on past collaborative experiences</a:t>
+            </a:r>
+          </a:p>
+          <a:p>
+            <a:pPr marL="514350" indent="-514350">
+              <a:buAutoNum type="arabicPeriod"/>
+            </a:pPr>
+            <a:r>
+              <a:rPr lang="en-US" dirty="0"/>
+              <a:t>Gather anecdotal evidence to support </a:t>
+            </a:r>
+            <a:r>
+              <a:rPr lang="en-US" i="1" dirty="0"/>
+              <a:t>The N Commandments of Collaborative Computing</a:t>
+            </a:r>
+            <a:endParaRPr lang="en-US" dirty="0"/>
+          </a:p>
+          <a:p>
+            <a:pPr marL="514350" indent="-514350">
+              <a:buAutoNum type="arabicPeriod"/>
+            </a:pPr>
+            <a:r>
+              <a:rPr lang="en-US" dirty="0"/>
+              <a:t>Focus on digital aspects and tools that worked (or not)</a:t>
+            </a:r>
+          </a:p>
+        </p:txBody>
+      </p:sp>
+    </p:spTree>
+    <p:extLst>
+      <p:ext uri="{BB962C8B-B14F-4D97-AF65-F5344CB8AC3E}">
+        <p14:creationId xmlns:p14="http://schemas.microsoft.com/office/powerpoint/2010/main" val="431935109"/>
+      </p:ext>
+    </p:extLst>
+  </p:cSld>
+  <p:clrMapOvr>
+    <a:masterClrMapping/>
+  </p:clrMapOvr>
+</p:sld>
+</file>
+
+<file path=ppt/slides/slide29.xml><?xml version="1.0" encoding="utf-8"?>
+<p:sld xmlns:a="http://schemas.openxmlformats.org/drawingml/2006/main" xmlns:r="http://schemas.openxmlformats.org/officeDocument/2006/relationships" xmlns:p="http://schemas.openxmlformats.org/presentationml/2006/main">
+  <p:cSld>
+    <p:spTree>
+      <p:nvGrpSpPr>
+        <p:cNvPr id="1" name=""/>
+        <p:cNvGrpSpPr/>
+        <p:nvPr/>
+      </p:nvGrpSpPr>
+      <p:grpSpPr>
+        <a:xfrm>
+          <a:off x="0" y="0"/>
+          <a:ext cx="0" cy="0"/>
+          <a:chOff x="0" y="0"/>
+          <a:chExt cx="0" cy="0"/>
+        </a:xfrm>
+      </p:grpSpPr>
+      <p:sp>
+        <p:nvSpPr>
+          <p:cNvPr id="2" name="Title 1">
+            <a:extLst>
+              <a:ext uri="{FF2B5EF4-FFF2-40B4-BE49-F238E27FC236}">
+                <a16:creationId xmlns:a16="http://schemas.microsoft.com/office/drawing/2014/main" id="{F03E117D-36C5-4FC7-8EEF-CDC513A6F7D0}"/>
+              </a:ext>
+            </a:extLst>
+          </p:cNvPr>
+          <p:cNvSpPr>
+            <a:spLocks noGrp="1"/>
+          </p:cNvSpPr>
+          <p:nvPr>
+            <p:ph type="title"/>
+          </p:nvPr>
+        </p:nvSpPr>
+        <p:spPr/>
+        <p:txBody>
+          <a:bodyPr/>
+          <a:lstStyle/>
+          <a:p>
+            <a:r>
+              <a:rPr lang="en-US" dirty="0"/>
+              <a:t>Part 1: Introductions</a:t>
+            </a:r>
+          </a:p>
+        </p:txBody>
+      </p:sp>
+      <p:sp>
+        <p:nvSpPr>
+          <p:cNvPr id="3" name="Content Placeholder 2">
+            <a:extLst>
+              <a:ext uri="{FF2B5EF4-FFF2-40B4-BE49-F238E27FC236}">
+                <a16:creationId xmlns:a16="http://schemas.microsoft.com/office/drawing/2014/main" id="{C35EAB37-4B0D-4848-B2E9-CCE1852B766C}"/>
+              </a:ext>
+            </a:extLst>
+          </p:cNvPr>
+          <p:cNvSpPr>
+            <a:spLocks noGrp="1"/>
+          </p:cNvSpPr>
+          <p:nvPr>
+            <p:ph idx="1"/>
+          </p:nvPr>
+        </p:nvSpPr>
+        <p:spPr/>
+        <p:txBody>
+          <a:bodyPr/>
+          <a:lstStyle/>
+          <a:p>
+            <a:pPr marL="0" indent="0">
+              <a:buNone/>
+            </a:pPr>
+            <a:r>
+              <a:rPr lang="en-US" b="1" i="1" dirty="0"/>
+              <a:t>Share…</a:t>
+            </a:r>
+            <a:endParaRPr lang="en-US" dirty="0"/>
+          </a:p>
+          <a:p>
+            <a:pPr marL="514350" indent="-514350">
+              <a:buAutoNum type="arabicPeriod"/>
+            </a:pPr>
+            <a:r>
+              <a:rPr lang="en-US" dirty="0"/>
+              <a:t>Institution and LTER site</a:t>
+            </a:r>
+          </a:p>
+          <a:p>
+            <a:pPr marL="514350" indent="-514350">
+              <a:buAutoNum type="arabicPeriod"/>
+            </a:pPr>
+            <a:r>
+              <a:rPr lang="en-US" dirty="0"/>
+              <a:t>Role (e.g., professor, postdoc, grad student, etc.)</a:t>
+            </a:r>
+          </a:p>
+          <a:p>
+            <a:pPr marL="514350" indent="-514350">
+              <a:buAutoNum type="arabicPeriod"/>
+            </a:pPr>
+            <a:r>
+              <a:rPr lang="en-US" dirty="0"/>
+              <a:t>Research area</a:t>
+            </a:r>
+          </a:p>
+        </p:txBody>
+      </p:sp>
+    </p:spTree>
+    <p:extLst>
+      <p:ext uri="{BB962C8B-B14F-4D97-AF65-F5344CB8AC3E}">
+        <p14:creationId xmlns:p14="http://schemas.microsoft.com/office/powerpoint/2010/main" val="3064312405"/>
       </p:ext>
     </p:extLst>
   </p:cSld>
@@ -6636,6 +7097,422 @@
       </p:par>
     </p:tnLst>
   </p:timing>
+</p:sld>
+</file>
+
+<file path=ppt/slides/slide30.xml><?xml version="1.0" encoding="utf-8"?>
+<p:sld xmlns:a="http://schemas.openxmlformats.org/drawingml/2006/main" xmlns:r="http://schemas.openxmlformats.org/officeDocument/2006/relationships" xmlns:p="http://schemas.openxmlformats.org/presentationml/2006/main">
+  <p:cSld>
+    <p:spTree>
+      <p:nvGrpSpPr>
+        <p:cNvPr id="1" name=""/>
+        <p:cNvGrpSpPr/>
+        <p:nvPr/>
+      </p:nvGrpSpPr>
+      <p:grpSpPr>
+        <a:xfrm>
+          <a:off x="0" y="0"/>
+          <a:ext cx="0" cy="0"/>
+          <a:chOff x="0" y="0"/>
+          <a:chExt cx="0" cy="0"/>
+        </a:xfrm>
+      </p:grpSpPr>
+      <p:sp>
+        <p:nvSpPr>
+          <p:cNvPr id="2" name="Title 1">
+            <a:extLst>
+              <a:ext uri="{FF2B5EF4-FFF2-40B4-BE49-F238E27FC236}">
+                <a16:creationId xmlns:a16="http://schemas.microsoft.com/office/drawing/2014/main" id="{063DBBFE-8E9D-41E2-BD09-9C4A32165836}"/>
+              </a:ext>
+            </a:extLst>
+          </p:cNvPr>
+          <p:cNvSpPr>
+            <a:spLocks noGrp="1"/>
+          </p:cNvSpPr>
+          <p:nvPr>
+            <p:ph type="title"/>
+          </p:nvPr>
+        </p:nvSpPr>
+        <p:spPr/>
+        <p:txBody>
+          <a:bodyPr/>
+          <a:lstStyle/>
+          <a:p>
+            <a:r>
+              <a:rPr lang="en-US" dirty="0"/>
+              <a:t>Part 2: Reflecting Back</a:t>
+            </a:r>
+          </a:p>
+        </p:txBody>
+      </p:sp>
+      <p:sp>
+        <p:nvSpPr>
+          <p:cNvPr id="3" name="Content Placeholder 2">
+            <a:extLst>
+              <a:ext uri="{FF2B5EF4-FFF2-40B4-BE49-F238E27FC236}">
+                <a16:creationId xmlns:a16="http://schemas.microsoft.com/office/drawing/2014/main" id="{527F693A-CD83-4ECC-A63D-6E07BDA34141}"/>
+              </a:ext>
+            </a:extLst>
+          </p:cNvPr>
+          <p:cNvSpPr>
+            <a:spLocks noGrp="1"/>
+          </p:cNvSpPr>
+          <p:nvPr>
+            <p:ph idx="1"/>
+          </p:nvPr>
+        </p:nvSpPr>
+        <p:spPr/>
+        <p:txBody>
+          <a:bodyPr/>
+          <a:lstStyle/>
+          <a:p>
+            <a:pPr marL="0" indent="0">
+              <a:buNone/>
+            </a:pPr>
+            <a:r>
+              <a:rPr lang="en-US" b="1" i="1" dirty="0"/>
+              <a:t>Think…</a:t>
+            </a:r>
+            <a:endParaRPr lang="en-US" dirty="0"/>
+          </a:p>
+          <a:p>
+            <a:pPr marL="514350" indent="-514350">
+              <a:buAutoNum type="arabicPeriod"/>
+            </a:pPr>
+            <a:r>
+              <a:rPr lang="en-US" dirty="0"/>
+              <a:t>Blah</a:t>
+            </a:r>
+          </a:p>
+          <a:p>
+            <a:pPr marL="514350" indent="-514350">
+              <a:buAutoNum type="arabicPeriod"/>
+            </a:pPr>
+            <a:r>
+              <a:rPr lang="en-US" dirty="0"/>
+              <a:t>Blah</a:t>
+            </a:r>
+          </a:p>
+          <a:p>
+            <a:pPr marL="0" indent="0">
+              <a:buNone/>
+            </a:pPr>
+            <a:r>
+              <a:rPr lang="en-US" b="1" i="1" dirty="0"/>
+              <a:t>Share…</a:t>
+            </a:r>
+          </a:p>
+        </p:txBody>
+      </p:sp>
+    </p:spTree>
+    <p:extLst>
+      <p:ext uri="{BB962C8B-B14F-4D97-AF65-F5344CB8AC3E}">
+        <p14:creationId xmlns:p14="http://schemas.microsoft.com/office/powerpoint/2010/main" val="2276565651"/>
+      </p:ext>
+    </p:extLst>
+  </p:cSld>
+  <p:clrMapOvr>
+    <a:masterClrMapping/>
+  </p:clrMapOvr>
+</p:sld>
+</file>
+
+<file path=ppt/slides/slide31.xml><?xml version="1.0" encoding="utf-8"?>
+<p:sld xmlns:a="http://schemas.openxmlformats.org/drawingml/2006/main" xmlns:r="http://schemas.openxmlformats.org/officeDocument/2006/relationships" xmlns:p="http://schemas.openxmlformats.org/presentationml/2006/main">
+  <p:cSld>
+    <p:spTree>
+      <p:nvGrpSpPr>
+        <p:cNvPr id="1" name=""/>
+        <p:cNvGrpSpPr/>
+        <p:nvPr/>
+      </p:nvGrpSpPr>
+      <p:grpSpPr>
+        <a:xfrm>
+          <a:off x="0" y="0"/>
+          <a:ext cx="0" cy="0"/>
+          <a:chOff x="0" y="0"/>
+          <a:chExt cx="0" cy="0"/>
+        </a:xfrm>
+      </p:grpSpPr>
+      <p:sp>
+        <p:nvSpPr>
+          <p:cNvPr id="2" name="Title 1">
+            <a:extLst>
+              <a:ext uri="{FF2B5EF4-FFF2-40B4-BE49-F238E27FC236}">
+                <a16:creationId xmlns:a16="http://schemas.microsoft.com/office/drawing/2014/main" id="{8767DBB4-F5AD-4316-BE61-85136EBF7846}"/>
+              </a:ext>
+            </a:extLst>
+          </p:cNvPr>
+          <p:cNvSpPr>
+            <a:spLocks noGrp="1"/>
+          </p:cNvSpPr>
+          <p:nvPr>
+            <p:ph type="title"/>
+          </p:nvPr>
+        </p:nvSpPr>
+        <p:spPr/>
+        <p:txBody>
+          <a:bodyPr/>
+          <a:lstStyle/>
+          <a:p>
+            <a:r>
+              <a:rPr lang="en-US" dirty="0"/>
+              <a:t>Part 3: Looking Forward</a:t>
+            </a:r>
+          </a:p>
+        </p:txBody>
+      </p:sp>
+      <p:sp>
+        <p:nvSpPr>
+          <p:cNvPr id="3" name="Content Placeholder 2">
+            <a:extLst>
+              <a:ext uri="{FF2B5EF4-FFF2-40B4-BE49-F238E27FC236}">
+                <a16:creationId xmlns:a16="http://schemas.microsoft.com/office/drawing/2014/main" id="{29E78B52-C2A3-4828-A172-D913CA1C5929}"/>
+              </a:ext>
+            </a:extLst>
+          </p:cNvPr>
+          <p:cNvSpPr>
+            <a:spLocks noGrp="1"/>
+          </p:cNvSpPr>
+          <p:nvPr>
+            <p:ph idx="1"/>
+          </p:nvPr>
+        </p:nvSpPr>
+        <p:spPr/>
+        <p:txBody>
+          <a:bodyPr/>
+          <a:lstStyle/>
+          <a:p>
+            <a:pPr marL="0" indent="0">
+              <a:buNone/>
+            </a:pPr>
+            <a:r>
+              <a:rPr lang="en-US" b="1" i="1" dirty="0"/>
+              <a:t>Think…</a:t>
+            </a:r>
+            <a:endParaRPr lang="en-US" dirty="0"/>
+          </a:p>
+          <a:p>
+            <a:pPr marL="514350" indent="-514350">
+              <a:buAutoNum type="arabicPeriod"/>
+            </a:pPr>
+            <a:r>
+              <a:rPr lang="en-US" dirty="0"/>
+              <a:t>Blah</a:t>
+            </a:r>
+          </a:p>
+          <a:p>
+            <a:pPr marL="514350" indent="-514350">
+              <a:buAutoNum type="arabicPeriod"/>
+            </a:pPr>
+            <a:r>
+              <a:rPr lang="en-US" dirty="0"/>
+              <a:t>Blah</a:t>
+            </a:r>
+          </a:p>
+          <a:p>
+            <a:pPr marL="0" indent="0">
+              <a:buNone/>
+            </a:pPr>
+            <a:r>
+              <a:rPr lang="en-US" b="1" i="1" dirty="0"/>
+              <a:t>Share…</a:t>
+            </a:r>
+          </a:p>
+          <a:p>
+            <a:pPr marL="0" indent="0">
+              <a:buNone/>
+            </a:pPr>
+            <a:endParaRPr lang="en-US" dirty="0"/>
+          </a:p>
+        </p:txBody>
+      </p:sp>
+    </p:spTree>
+    <p:extLst>
+      <p:ext uri="{BB962C8B-B14F-4D97-AF65-F5344CB8AC3E}">
+        <p14:creationId xmlns:p14="http://schemas.microsoft.com/office/powerpoint/2010/main" val="323198984"/>
+      </p:ext>
+    </p:extLst>
+  </p:cSld>
+  <p:clrMapOvr>
+    <a:masterClrMapping/>
+  </p:clrMapOvr>
+</p:sld>
+</file>
+
+<file path=ppt/slides/slide32.xml><?xml version="1.0" encoding="utf-8"?>
+<p:sld xmlns:a="http://schemas.openxmlformats.org/drawingml/2006/main" xmlns:r="http://schemas.openxmlformats.org/officeDocument/2006/relationships" xmlns:p="http://schemas.openxmlformats.org/presentationml/2006/main">
+  <p:cSld>
+    <p:spTree>
+      <p:nvGrpSpPr>
+        <p:cNvPr id="1" name=""/>
+        <p:cNvGrpSpPr/>
+        <p:nvPr/>
+      </p:nvGrpSpPr>
+      <p:grpSpPr>
+        <a:xfrm>
+          <a:off x="0" y="0"/>
+          <a:ext cx="0" cy="0"/>
+          <a:chOff x="0" y="0"/>
+          <a:chExt cx="0" cy="0"/>
+        </a:xfrm>
+      </p:grpSpPr>
+      <p:sp>
+        <p:nvSpPr>
+          <p:cNvPr id="3" name="Text Placeholder 2">
+            <a:extLst>
+              <a:ext uri="{FF2B5EF4-FFF2-40B4-BE49-F238E27FC236}">
+                <a16:creationId xmlns:a16="http://schemas.microsoft.com/office/drawing/2014/main" id="{CBBEC366-C759-494E-BEFD-6DED92045DAC}"/>
+              </a:ext>
+            </a:extLst>
+          </p:cNvPr>
+          <p:cNvSpPr>
+            <a:spLocks noGrp="1"/>
+          </p:cNvSpPr>
+          <p:nvPr>
+            <p:ph type="body" idx="1"/>
+          </p:nvPr>
+        </p:nvSpPr>
+        <p:spPr>
+          <a:xfrm>
+            <a:off x="831850" y="4589464"/>
+            <a:ext cx="10515600" cy="430212"/>
+          </a:xfrm>
+        </p:spPr>
+        <p:txBody>
+          <a:bodyPr/>
+          <a:lstStyle/>
+          <a:p>
+            <a:r>
+              <a:rPr lang="en-US" dirty="0"/>
+              <a:t>Developing the N Commandments</a:t>
+            </a:r>
+          </a:p>
+        </p:txBody>
+      </p:sp>
+      <p:sp>
+        <p:nvSpPr>
+          <p:cNvPr id="7" name="Title 6">
+            <a:extLst>
+              <a:ext uri="{FF2B5EF4-FFF2-40B4-BE49-F238E27FC236}">
+                <a16:creationId xmlns:a16="http://schemas.microsoft.com/office/drawing/2014/main" id="{52783F39-79B3-4870-B7E0-BCD7EAF177B0}"/>
+              </a:ext>
+            </a:extLst>
+          </p:cNvPr>
+          <p:cNvSpPr>
+            <a:spLocks noGrp="1"/>
+          </p:cNvSpPr>
+          <p:nvPr>
+            <p:ph type="title"/>
+          </p:nvPr>
+        </p:nvSpPr>
+        <p:spPr>
+          <a:xfrm>
+            <a:off x="831850" y="3648075"/>
+            <a:ext cx="10515600" cy="914400"/>
+          </a:xfrm>
+        </p:spPr>
+        <p:txBody>
+          <a:bodyPr/>
+          <a:lstStyle/>
+          <a:p>
+            <a:r>
+              <a:rPr lang="en-US" dirty="0"/>
+              <a:t>Consensus Building</a:t>
+            </a:r>
+          </a:p>
+        </p:txBody>
+      </p:sp>
+    </p:spTree>
+    <p:extLst>
+      <p:ext uri="{BB962C8B-B14F-4D97-AF65-F5344CB8AC3E}">
+        <p14:creationId xmlns:p14="http://schemas.microsoft.com/office/powerpoint/2010/main" val="885996570"/>
+      </p:ext>
+    </p:extLst>
+  </p:cSld>
+  <p:clrMapOvr>
+    <a:masterClrMapping/>
+  </p:clrMapOvr>
+</p:sld>
+</file>
+
+<file path=ppt/slides/slide33.xml><?xml version="1.0" encoding="utf-8"?>
+<p:sld xmlns:a="http://schemas.openxmlformats.org/drawingml/2006/main" xmlns:r="http://schemas.openxmlformats.org/officeDocument/2006/relationships" xmlns:p="http://schemas.openxmlformats.org/presentationml/2006/main">
+  <p:cSld>
+    <p:spTree>
+      <p:nvGrpSpPr>
+        <p:cNvPr id="1" name=""/>
+        <p:cNvGrpSpPr/>
+        <p:nvPr/>
+      </p:nvGrpSpPr>
+      <p:grpSpPr>
+        <a:xfrm>
+          <a:off x="0" y="0"/>
+          <a:ext cx="0" cy="0"/>
+          <a:chOff x="0" y="0"/>
+          <a:chExt cx="0" cy="0"/>
+        </a:xfrm>
+      </p:grpSpPr>
+      <p:sp>
+        <p:nvSpPr>
+          <p:cNvPr id="2" name="Title 1">
+            <a:extLst>
+              <a:ext uri="{FF2B5EF4-FFF2-40B4-BE49-F238E27FC236}">
+                <a16:creationId xmlns:a16="http://schemas.microsoft.com/office/drawing/2014/main" id="{D341A550-712D-4A10-8D9F-CD327680AA41}"/>
+              </a:ext>
+            </a:extLst>
+          </p:cNvPr>
+          <p:cNvSpPr>
+            <a:spLocks noGrp="1"/>
+          </p:cNvSpPr>
+          <p:nvPr>
+            <p:ph type="title"/>
+          </p:nvPr>
+        </p:nvSpPr>
+        <p:spPr/>
+        <p:txBody>
+          <a:bodyPr/>
+          <a:lstStyle/>
+          <a:p>
+            <a:endParaRPr lang="en-US" dirty="0"/>
+          </a:p>
+        </p:txBody>
+      </p:sp>
+      <p:sp>
+        <p:nvSpPr>
+          <p:cNvPr id="3" name="Content Placeholder 2">
+            <a:extLst>
+              <a:ext uri="{FF2B5EF4-FFF2-40B4-BE49-F238E27FC236}">
+                <a16:creationId xmlns:a16="http://schemas.microsoft.com/office/drawing/2014/main" id="{62C8C4C7-120E-4230-8E60-B64F8C51C634}"/>
+              </a:ext>
+            </a:extLst>
+          </p:cNvPr>
+          <p:cNvSpPr>
+            <a:spLocks noGrp="1"/>
+          </p:cNvSpPr>
+          <p:nvPr>
+            <p:ph idx="1"/>
+          </p:nvPr>
+        </p:nvSpPr>
+        <p:spPr/>
+        <p:txBody>
+          <a:bodyPr/>
+          <a:lstStyle/>
+          <a:p>
+            <a:endParaRPr lang="en-US" dirty="0"/>
+          </a:p>
+        </p:txBody>
+      </p:sp>
+    </p:spTree>
+    <p:extLst>
+      <p:ext uri="{BB962C8B-B14F-4D97-AF65-F5344CB8AC3E}">
+        <p14:creationId xmlns:p14="http://schemas.microsoft.com/office/powerpoint/2010/main" val="3269339386"/>
+      </p:ext>
+    </p:extLst>
+  </p:cSld>
+  <p:clrMapOvr>
+    <a:masterClrMapping/>
+  </p:clrMapOvr>
 </p:sld>
 </file>
 

--- a/pres_deck.pptx
+++ b/pres_deck.pptx
@@ -38,6 +38,8 @@
     <p:sldId id="269" r:id="rId32"/>
     <p:sldId id="271" r:id="rId33"/>
     <p:sldId id="270" r:id="rId34"/>
+    <p:sldId id="292" r:id="rId35"/>
+    <p:sldId id="293" r:id="rId36"/>
   </p:sldIdLst>
   <p:sldSz cx="12192000" cy="6858000"/>
   <p:notesSz cx="6858000" cy="9144000"/>
@@ -186,6 +188,8 @@
           <p14:sldIdLst>
             <p14:sldId id="271"/>
             <p14:sldId id="270"/>
+            <p14:sldId id="292"/>
+            <p14:sldId id="293"/>
           </p14:sldIdLst>
         </p14:section>
       </p14:sectionLst>
@@ -344,7 +348,7 @@
           <a:p>
             <a:fld id="{6A2BB79C-6BB1-4438-8F46-9EDF1954807C}" type="datetimeFigureOut">
               <a:rPr lang="en-US" smtClean="0"/>
-              <a:t>9/24/2018</a:t>
+              <a:t>9/25/2018</a:t>
             </a:fld>
             <a:endParaRPr lang="en-US"/>
           </a:p>
@@ -542,7 +546,7 @@
           <a:p>
             <a:fld id="{6A2BB79C-6BB1-4438-8F46-9EDF1954807C}" type="datetimeFigureOut">
               <a:rPr lang="en-US" smtClean="0"/>
-              <a:t>9/24/2018</a:t>
+              <a:t>9/25/2018</a:t>
             </a:fld>
             <a:endParaRPr lang="en-US"/>
           </a:p>
@@ -750,7 +754,7 @@
           <a:p>
             <a:fld id="{6A2BB79C-6BB1-4438-8F46-9EDF1954807C}" type="datetimeFigureOut">
               <a:rPr lang="en-US" smtClean="0"/>
-              <a:t>9/24/2018</a:t>
+              <a:t>9/25/2018</a:t>
             </a:fld>
             <a:endParaRPr lang="en-US"/>
           </a:p>
@@ -948,7 +952,7 @@
           <a:p>
             <a:fld id="{6A2BB79C-6BB1-4438-8F46-9EDF1954807C}" type="datetimeFigureOut">
               <a:rPr lang="en-US" smtClean="0"/>
-              <a:t>9/24/2018</a:t>
+              <a:t>9/25/2018</a:t>
             </a:fld>
             <a:endParaRPr lang="en-US"/>
           </a:p>
@@ -1223,7 +1227,7 @@
           <a:p>
             <a:fld id="{6A2BB79C-6BB1-4438-8F46-9EDF1954807C}" type="datetimeFigureOut">
               <a:rPr lang="en-US" smtClean="0"/>
-              <a:t>9/24/2018</a:t>
+              <a:t>9/25/2018</a:t>
             </a:fld>
             <a:endParaRPr lang="en-US"/>
           </a:p>
@@ -1488,7 +1492,7 @@
           <a:p>
             <a:fld id="{6A2BB79C-6BB1-4438-8F46-9EDF1954807C}" type="datetimeFigureOut">
               <a:rPr lang="en-US" smtClean="0"/>
-              <a:t>9/24/2018</a:t>
+              <a:t>9/25/2018</a:t>
             </a:fld>
             <a:endParaRPr lang="en-US"/>
           </a:p>
@@ -1900,7 +1904,7 @@
           <a:p>
             <a:fld id="{6A2BB79C-6BB1-4438-8F46-9EDF1954807C}" type="datetimeFigureOut">
               <a:rPr lang="en-US" smtClean="0"/>
-              <a:t>9/24/2018</a:t>
+              <a:t>9/25/2018</a:t>
             </a:fld>
             <a:endParaRPr lang="en-US"/>
           </a:p>
@@ -2041,7 +2045,7 @@
           <a:p>
             <a:fld id="{6A2BB79C-6BB1-4438-8F46-9EDF1954807C}" type="datetimeFigureOut">
               <a:rPr lang="en-US" smtClean="0"/>
-              <a:t>9/24/2018</a:t>
+              <a:t>9/25/2018</a:t>
             </a:fld>
             <a:endParaRPr lang="en-US"/>
           </a:p>
@@ -2154,7 +2158,7 @@
           <a:p>
             <a:fld id="{6A2BB79C-6BB1-4438-8F46-9EDF1954807C}" type="datetimeFigureOut">
               <a:rPr lang="en-US" smtClean="0"/>
-              <a:t>9/24/2018</a:t>
+              <a:t>9/25/2018</a:t>
             </a:fld>
             <a:endParaRPr lang="en-US"/>
           </a:p>
@@ -2465,7 +2469,7 @@
           <a:p>
             <a:fld id="{6A2BB79C-6BB1-4438-8F46-9EDF1954807C}" type="datetimeFigureOut">
               <a:rPr lang="en-US" smtClean="0"/>
-              <a:t>9/24/2018</a:t>
+              <a:t>9/25/2018</a:t>
             </a:fld>
             <a:endParaRPr lang="en-US"/>
           </a:p>
@@ -2753,7 +2757,7 @@
           <a:p>
             <a:fld id="{6A2BB79C-6BB1-4438-8F46-9EDF1954807C}" type="datetimeFigureOut">
               <a:rPr lang="en-US" smtClean="0"/>
-              <a:t>9/24/2018</a:t>
+              <a:t>9/25/2018</a:t>
             </a:fld>
             <a:endParaRPr lang="en-US"/>
           </a:p>
@@ -2994,7 +2998,7 @@
           <a:p>
             <a:fld id="{6A2BB79C-6BB1-4438-8F46-9EDF1954807C}" type="datetimeFigureOut">
               <a:rPr lang="en-US" smtClean="0"/>
-              <a:t>9/24/2018</a:t>
+              <a:t>9/25/2018</a:t>
             </a:fld>
             <a:endParaRPr lang="en-US"/>
           </a:p>
@@ -3653,26 +3657,25 @@
           <a:lstStyle/>
           <a:p>
             <a:r>
-              <a:rPr lang="en-US" dirty="0" smtClean="0"/>
+              <a:rPr lang="en-US" dirty="0"/>
               <a:t>What is </a:t>
             </a:r>
             <a:r>
-              <a:rPr lang="en-US" dirty="0" err="1" smtClean="0"/>
+              <a:rPr lang="en-US" dirty="0" err="1"/>
               <a:t>Git</a:t>
             </a:r>
             <a:r>
-              <a:rPr lang="en-US" dirty="0" smtClean="0"/>
+              <a:rPr lang="en-US" dirty="0"/>
               <a:t>/ </a:t>
             </a:r>
             <a:r>
-              <a:rPr lang="en-US" dirty="0" err="1" smtClean="0"/>
+              <a:rPr lang="en-US" dirty="0" err="1"/>
               <a:t>Github</a:t>
             </a:r>
             <a:r>
-              <a:rPr lang="en-US" dirty="0" smtClean="0"/>
+              <a:rPr lang="en-US" dirty="0"/>
               <a:t>?</a:t>
             </a:r>
-            <a:endParaRPr lang="en-US" dirty="0"/>
           </a:p>
         </p:txBody>
       </p:sp>
@@ -3697,25 +3700,25 @@
           <a:lstStyle/>
           <a:p>
             <a:r>
-              <a:rPr lang="en-US" dirty="0" err="1" smtClean="0"/>
+              <a:rPr lang="en-US" dirty="0" err="1"/>
               <a:t>Git</a:t>
             </a:r>
             <a:r>
-              <a:rPr lang="en-US" dirty="0" smtClean="0"/>
+              <a:rPr lang="en-US" dirty="0"/>
               <a:t> is a command line language for version control</a:t>
             </a:r>
           </a:p>
           <a:p>
             <a:r>
-              <a:rPr lang="en-US" dirty="0" err="1" smtClean="0"/>
+              <a:rPr lang="en-US" dirty="0" err="1"/>
               <a:t>Git</a:t>
             </a:r>
             <a:r>
-              <a:rPr lang="en-US" dirty="0" smtClean="0"/>
+              <a:rPr lang="en-US" dirty="0"/>
               <a:t> is running in the background when you use </a:t>
             </a:r>
             <a:r>
-              <a:rPr lang="en-US" dirty="0" err="1" smtClean="0"/>
+              <a:rPr lang="en-US" dirty="0" err="1"/>
               <a:t>Github</a:t>
             </a:r>
             <a:endParaRPr lang="en-US" dirty="0"/>
@@ -3909,20 +3912,19 @@
           </a:lstStyle>
           <a:p>
             <a:r>
-              <a:rPr lang="en-US" dirty="0" err="1" smtClean="0"/>
+              <a:rPr lang="en-US" dirty="0" err="1"/>
               <a:t>Github</a:t>
             </a:r>
             <a:r>
-              <a:rPr lang="en-US" dirty="0" smtClean="0"/>
+              <a:rPr lang="en-US" dirty="0"/>
               <a:t> is a web/desktop interface for version control</a:t>
             </a:r>
           </a:p>
           <a:p>
             <a:r>
-              <a:rPr lang="en-US" dirty="0" smtClean="0"/>
+              <a:rPr lang="en-US" dirty="0"/>
               <a:t>Free hosting service that allows you to work collaboratively online</a:t>
             </a:r>
-            <a:endParaRPr lang="en-US" dirty="0"/>
           </a:p>
         </p:txBody>
       </p:sp>
@@ -4233,23 +4235,23 @@
           </a:lstStyle>
           <a:p>
             <a:r>
-              <a:rPr lang="en-US" dirty="0" smtClean="0"/>
+              <a:rPr lang="en-US" dirty="0"/>
               <a:t>You can use </a:t>
             </a:r>
             <a:r>
-              <a:rPr lang="en-US" dirty="0" err="1" smtClean="0"/>
+              <a:rPr lang="en-US" dirty="0" err="1"/>
               <a:t>Github</a:t>
             </a:r>
             <a:r>
-              <a:rPr lang="en-US" dirty="0" smtClean="0"/>
+              <a:rPr lang="en-US" dirty="0"/>
               <a:t> without knowing </a:t>
             </a:r>
             <a:r>
-              <a:rPr lang="en-US" dirty="0" err="1" smtClean="0"/>
+              <a:rPr lang="en-US" dirty="0" err="1"/>
               <a:t>Git</a:t>
             </a:r>
             <a:r>
-              <a:rPr lang="en-US" dirty="0" smtClean="0"/>
+              <a:rPr lang="en-US" dirty="0"/>
               <a:t> or how to use the command line</a:t>
             </a:r>
           </a:p>
@@ -4257,30 +4259,29 @@
             <a:pPr marL="0" indent="0">
               <a:buNone/>
             </a:pPr>
-            <a:endParaRPr lang="en-US" dirty="0" smtClean="0"/>
-          </a:p>
-          <a:p>
-            <a:r>
-              <a:rPr lang="en-US" dirty="0" smtClean="0"/>
+            <a:endParaRPr lang="en-US" dirty="0"/>
+          </a:p>
+          <a:p>
+            <a:r>
+              <a:rPr lang="en-US" dirty="0"/>
               <a:t>Today we will focus on </a:t>
             </a:r>
             <a:r>
-              <a:rPr lang="en-US" dirty="0" err="1" smtClean="0"/>
+              <a:rPr lang="en-US" dirty="0" err="1"/>
               <a:t>Github</a:t>
             </a:r>
             <a:r>
-              <a:rPr lang="en-US" dirty="0" smtClean="0"/>
+              <a:rPr lang="en-US" dirty="0"/>
               <a:t> and </a:t>
             </a:r>
             <a:r>
-              <a:rPr lang="en-US" dirty="0" err="1" smtClean="0"/>
+              <a:rPr lang="en-US" dirty="0" err="1"/>
               <a:t>Github</a:t>
             </a:r>
             <a:r>
-              <a:rPr lang="en-US" dirty="0" smtClean="0"/>
+              <a:rPr lang="en-US" dirty="0"/>
               <a:t> desktop </a:t>
             </a:r>
-            <a:endParaRPr lang="en-US" dirty="0"/>
           </a:p>
         </p:txBody>
       </p:sp>
@@ -4294,13 +4295,6 @@
   <p:clrMapOvr>
     <a:masterClrMapping/>
   </p:clrMapOvr>
-  <p:timing>
-    <p:tnLst>
-      <p:par>
-        <p:cTn id="1" dur="indefinite" restart="never" nodeType="tmRoot"/>
-      </p:par>
-    </p:tnLst>
-  </p:timing>
 </p:sld>
 </file>
 
@@ -4337,10 +4331,9 @@
           <a:lstStyle/>
           <a:p>
             <a:r>
-              <a:rPr lang="en-US" dirty="0" smtClean="0"/>
+              <a:rPr lang="en-US" dirty="0"/>
               <a:t>The repo (repository)</a:t>
             </a:r>
-            <a:endParaRPr lang="en-US" dirty="0"/>
           </a:p>
         </p:txBody>
       </p:sp>
@@ -4360,23 +4353,23 @@
           <a:lstStyle/>
           <a:p>
             <a:r>
-              <a:rPr lang="en-US" dirty="0" smtClean="0"/>
+              <a:rPr lang="en-US" dirty="0"/>
               <a:t>The home for your project</a:t>
             </a:r>
           </a:p>
           <a:p>
             <a:r>
-              <a:rPr lang="en-US" dirty="0" smtClean="0"/>
+              <a:rPr lang="en-US" dirty="0"/>
               <a:t>All of the files are stored here (including old versions)</a:t>
             </a:r>
           </a:p>
           <a:p>
             <a:r>
-              <a:rPr lang="en-US" dirty="0" smtClean="0"/>
+              <a:rPr lang="en-US" dirty="0"/>
               <a:t>Files in the repo are stored both locally and on </a:t>
             </a:r>
             <a:r>
-              <a:rPr lang="en-US" dirty="0" err="1" smtClean="0"/>
+              <a:rPr lang="en-US" dirty="0" err="1"/>
               <a:t>Github</a:t>
             </a:r>
             <a:endParaRPr lang="en-US" dirty="0"/>
@@ -4393,13 +4386,6 @@
   <p:clrMapOvr>
     <a:masterClrMapping/>
   </p:clrMapOvr>
-  <p:timing>
-    <p:tnLst>
-      <p:par>
-        <p:cTn id="1" dur="indefinite" restart="never" nodeType="tmRoot"/>
-      </p:par>
-    </p:tnLst>
-  </p:timing>
 </p:sld>
 </file>
 
@@ -4436,10 +4422,9 @@
           <a:lstStyle/>
           <a:p>
             <a:r>
-              <a:rPr lang="en-US" dirty="0" smtClean="0"/>
+              <a:rPr lang="en-US" dirty="0"/>
               <a:t>Version control</a:t>
             </a:r>
-            <a:endParaRPr lang="en-US" dirty="0"/>
           </a:p>
         </p:txBody>
       </p:sp>
@@ -4459,38 +4444,21 @@
           <a:lstStyle/>
           <a:p>
             <a:r>
-              <a:rPr lang="en-US" dirty="0" smtClean="0"/>
-              <a:t>Track changes to </a:t>
-            </a:r>
-            <a:r>
-              <a:rPr lang="en-US" dirty="0"/>
-              <a:t>a </a:t>
-            </a:r>
-            <a:r>
-              <a:rPr lang="en-US" dirty="0" smtClean="0"/>
-              <a:t>file</a:t>
-            </a:r>
-          </a:p>
-          <a:p>
-            <a:r>
-              <a:rPr lang="en-US" dirty="0" smtClean="0"/>
-              <a:t>go </a:t>
-            </a:r>
-            <a:r>
-              <a:rPr lang="en-US" dirty="0"/>
-              <a:t>back to previous versions of a </a:t>
-            </a:r>
-            <a:r>
-              <a:rPr lang="en-US" dirty="0" smtClean="0"/>
-              <a:t>file</a:t>
-            </a:r>
-          </a:p>
-          <a:p>
-            <a:r>
-              <a:rPr lang="en-US" dirty="0" smtClean="0"/>
+              <a:rPr lang="en-US" dirty="0"/>
+              <a:t>Track changes to a file</a:t>
+            </a:r>
+          </a:p>
+          <a:p>
+            <a:r>
+              <a:rPr lang="en-US" dirty="0"/>
+              <a:t>go back to previous versions of a file</a:t>
+            </a:r>
+          </a:p>
+          <a:p>
+            <a:r>
+              <a:rPr lang="en-US" dirty="0"/>
               <a:t>Merge/resolve conflicting versions of a file</a:t>
             </a:r>
-            <a:endParaRPr lang="en-US" dirty="0"/>
           </a:p>
         </p:txBody>
       </p:sp>
@@ -4504,13 +4472,6 @@
   <p:clrMapOvr>
     <a:masterClrMapping/>
   </p:clrMapOvr>
-  <p:timing>
-    <p:tnLst>
-      <p:par>
-        <p:cTn id="1" dur="indefinite" restart="never" nodeType="tmRoot"/>
-      </p:par>
-    </p:tnLst>
-  </p:timing>
 </p:sld>
 </file>
 
@@ -4547,10 +4508,9 @@
           <a:lstStyle/>
           <a:p>
             <a:r>
-              <a:rPr lang="en-US" dirty="0" smtClean="0"/>
+              <a:rPr lang="en-US" dirty="0"/>
               <a:t>Commit</a:t>
             </a:r>
-            <a:endParaRPr lang="en-US" dirty="0"/>
           </a:p>
         </p:txBody>
       </p:sp>
@@ -4570,12 +4530,8 @@
           <a:lstStyle/>
           <a:p>
             <a:r>
-              <a:rPr lang="en-US" dirty="0" smtClean="0"/>
-              <a:t>save </a:t>
-            </a:r>
-            <a:r>
-              <a:rPr lang="en-US" dirty="0"/>
-              <a:t>of a version of a file. </a:t>
+              <a:rPr lang="en-US" dirty="0"/>
+              <a:t>save of a version of a file. </a:t>
             </a:r>
           </a:p>
         </p:txBody>
@@ -4650,10 +4606,9 @@
           <a:lstStyle/>
           <a:p>
             <a:r>
-              <a:rPr lang="en-US" dirty="0" smtClean="0"/>
+              <a:rPr lang="en-US" dirty="0"/>
               <a:t>Branch/Merge</a:t>
             </a:r>
-            <a:endParaRPr lang="en-US" dirty="0"/>
           </a:p>
         </p:txBody>
       </p:sp>
@@ -4673,16 +4628,15 @@
           <a:lstStyle/>
           <a:p>
             <a:r>
-              <a:rPr lang="en-US" dirty="0" smtClean="0"/>
+              <a:rPr lang="en-US" dirty="0"/>
               <a:t>Try new things without messing up a project</a:t>
             </a:r>
           </a:p>
           <a:p>
             <a:r>
-              <a:rPr lang="en-US" dirty="0" smtClean="0"/>
+              <a:rPr lang="en-US" dirty="0"/>
               <a:t>Make code better without breaking existing code</a:t>
             </a:r>
-            <a:endParaRPr lang="en-US" dirty="0"/>
           </a:p>
         </p:txBody>
       </p:sp>
@@ -4755,10 +4709,9 @@
           <a:lstStyle/>
           <a:p>
             <a:r>
-              <a:rPr lang="en-US" dirty="0" smtClean="0"/>
+              <a:rPr lang="en-US" dirty="0"/>
               <a:t>Issues</a:t>
             </a:r>
-            <a:endParaRPr lang="en-US" dirty="0"/>
           </a:p>
         </p:txBody>
       </p:sp>
@@ -4783,57 +4736,56 @@
           <a:lstStyle/>
           <a:p>
             <a:r>
-              <a:rPr lang="en-US" dirty="0" smtClean="0"/>
+              <a:rPr lang="en-US" dirty="0"/>
               <a:t>To-do list for the project</a:t>
             </a:r>
           </a:p>
           <a:p>
             <a:pPr lvl="1"/>
             <a:r>
-              <a:rPr lang="en-US" dirty="0" smtClean="0"/>
+              <a:rPr lang="en-US" dirty="0"/>
               <a:t>Bugs that need fixing</a:t>
             </a:r>
           </a:p>
           <a:p>
             <a:pPr lvl="1"/>
             <a:r>
-              <a:rPr lang="en-US" dirty="0" smtClean="0"/>
+              <a:rPr lang="en-US" dirty="0"/>
               <a:t>Tasks needed to be done</a:t>
             </a:r>
           </a:p>
           <a:p>
             <a:pPr lvl="1"/>
             <a:r>
-              <a:rPr lang="en-US" dirty="0" smtClean="0"/>
+              <a:rPr lang="en-US" dirty="0"/>
               <a:t>Future plans</a:t>
             </a:r>
           </a:p>
           <a:p>
             <a:r>
-              <a:rPr lang="en-US" dirty="0" smtClean="0"/>
+              <a:rPr lang="en-US" dirty="0"/>
               <a:t>Can assign issues to</a:t>
             </a:r>
             <a:br>
-              <a:rPr lang="en-US" dirty="0" smtClean="0"/>
+              <a:rPr lang="en-US" dirty="0"/>
             </a:br>
             <a:r>
-              <a:rPr lang="en-US" dirty="0" smtClean="0"/>
+              <a:rPr lang="en-US" dirty="0"/>
               <a:t>collaborators (or yourself)</a:t>
             </a:r>
           </a:p>
           <a:p>
             <a:r>
-              <a:rPr lang="en-US" dirty="0" smtClean="0"/>
+              <a:rPr lang="en-US" dirty="0"/>
               <a:t>Can label issues for certain</a:t>
             </a:r>
             <a:br>
-              <a:rPr lang="en-US" dirty="0" smtClean="0"/>
+              <a:rPr lang="en-US" dirty="0"/>
             </a:br>
             <a:r>
-              <a:rPr lang="en-US" dirty="0" smtClean="0"/>
+              <a:rPr lang="en-US" dirty="0"/>
               <a:t>parts of the project</a:t>
             </a:r>
-            <a:endParaRPr lang="en-US" dirty="0"/>
           </a:p>
         </p:txBody>
       </p:sp>
@@ -4907,10 +4859,9 @@
           <a:lstStyle/>
           <a:p>
             <a:r>
-              <a:rPr lang="en-US" dirty="0" smtClean="0"/>
+              <a:rPr lang="en-US" dirty="0"/>
               <a:t>Forking/Pull requests</a:t>
             </a:r>
-            <a:endParaRPr lang="en-US" dirty="0"/>
           </a:p>
         </p:txBody>
       </p:sp>
@@ -4930,28 +4881,28 @@
           <a:lstStyle/>
           <a:p>
             <a:r>
-              <a:rPr lang="en-US" dirty="0" smtClean="0"/>
+              <a:rPr lang="en-US" dirty="0"/>
               <a:t>Make a copy of a repository</a:t>
             </a:r>
           </a:p>
           <a:p>
             <a:pPr lvl="1"/>
             <a:r>
-              <a:rPr lang="en-US" dirty="0" smtClean="0"/>
+              <a:rPr lang="en-US" dirty="0"/>
               <a:t>Make changes</a:t>
             </a:r>
           </a:p>
           <a:p>
             <a:pPr lvl="1"/>
             <a:r>
-              <a:rPr lang="en-US" dirty="0" smtClean="0"/>
+              <a:rPr lang="en-US" dirty="0"/>
               <a:t>re-deploy as a different project</a:t>
             </a:r>
           </a:p>
           <a:p>
             <a:pPr lvl="1"/>
             <a:r>
-              <a:rPr lang="en-US" dirty="0" smtClean="0"/>
+              <a:rPr lang="en-US" dirty="0"/>
               <a:t>Create a different/better version of the current repo</a:t>
             </a:r>
           </a:p>
@@ -4964,7 +4915,7 @@
               <a:buNone/>
             </a:pPr>
             <a:r>
-              <a:rPr lang="en-US" dirty="0" smtClean="0">
+              <a:rPr lang="en-US" dirty="0">
                 <a:solidFill>
                   <a:srgbClr val="FF0000"/>
                 </a:solidFill>
@@ -4974,7 +4925,7 @@
           </a:p>
           <a:p>
             <a:pPr lvl="1"/>
-            <a:endParaRPr lang="en-US" dirty="0" smtClean="0"/>
+            <a:endParaRPr lang="en-US" dirty="0"/>
           </a:p>
         </p:txBody>
       </p:sp>
@@ -4988,14 +4939,6 @@
   <p:clrMapOvr>
     <a:masterClrMapping/>
   </p:clrMapOvr>
-  <mc:AlternateContent xmlns:mc="http://schemas.openxmlformats.org/markup-compatibility/2006" xmlns:p14="http://schemas.microsoft.com/office/powerpoint/2010/main">
-    <mc:Choice Requires="p14">
-      <p:transition spd="slow" p14:dur="2000"/>
-    </mc:Choice>
-    <mc:Fallback xmlns="">
-      <p:transition spd="slow"/>
-    </mc:Fallback>
-  </mc:AlternateContent>
 </p:sld>
 </file>
 
@@ -5043,11 +4986,11 @@
           <a:lstStyle/>
           <a:p>
             <a:r>
-              <a:rPr lang="en-US" dirty="0" smtClean="0"/>
+              <a:rPr lang="en-US" dirty="0"/>
               <a:t>A few scenarios that sound </a:t>
             </a:r>
             <a:r>
-              <a:rPr lang="en-US" dirty="0" err="1" smtClean="0"/>
+              <a:rPr lang="en-US" dirty="0" err="1"/>
               <a:t>familar</a:t>
             </a:r>
             <a:endParaRPr lang="en-US" dirty="0"/>
@@ -5081,18 +5024,17 @@
           <a:lstStyle/>
           <a:p>
             <a:r>
-              <a:rPr lang="en-US" dirty="0" smtClean="0"/>
+              <a:rPr lang="en-US" dirty="0"/>
               <a:t>Using </a:t>
             </a:r>
             <a:r>
-              <a:rPr lang="en-US" dirty="0" err="1" smtClean="0"/>
+              <a:rPr lang="en-US" dirty="0" err="1"/>
               <a:t>Github</a:t>
             </a:r>
             <a:r>
-              <a:rPr lang="en-US" dirty="0" smtClean="0"/>
+              <a:rPr lang="en-US" dirty="0"/>
               <a:t> for collaboration</a:t>
             </a:r>
-            <a:endParaRPr lang="en-US" dirty="0"/>
           </a:p>
         </p:txBody>
       </p:sp>
@@ -5130,13 +5072,6 @@
   <p:clrMapOvr>
     <a:masterClrMapping/>
   </p:clrMapOvr>
-  <p:timing>
-    <p:tnLst>
-      <p:par>
-        <p:cTn id="1" dur="indefinite" restart="never" nodeType="tmRoot"/>
-      </p:par>
-    </p:tnLst>
-  </p:timing>
 </p:sld>
 </file>
 
@@ -5173,10 +5108,9 @@
           <a:lstStyle/>
           <a:p>
             <a:r>
-              <a:rPr lang="en-US" dirty="0" smtClean="0"/>
+              <a:rPr lang="en-US" dirty="0"/>
               <a:t>Multiple people working on the same files</a:t>
             </a:r>
-            <a:endParaRPr lang="en-US" dirty="0"/>
           </a:p>
         </p:txBody>
       </p:sp>
@@ -5196,10 +5130,9 @@
           <a:lstStyle/>
           <a:p>
             <a:r>
-              <a:rPr lang="en-US" dirty="0" smtClean="0"/>
+              <a:rPr lang="en-US" dirty="0"/>
               <a:t>The multiple conflicting versions monster</a:t>
             </a:r>
-            <a:endParaRPr lang="en-US" dirty="0"/>
           </a:p>
         </p:txBody>
       </p:sp>
@@ -5213,13 +5146,6 @@
   <p:clrMapOvr>
     <a:masterClrMapping/>
   </p:clrMapOvr>
-  <p:timing>
-    <p:tnLst>
-      <p:par>
-        <p:cTn id="1" dur="indefinite" restart="never" nodeType="tmRoot"/>
-      </p:par>
-    </p:tnLst>
-  </p:timing>
 </p:sld>
 </file>
 
@@ -5256,10 +5182,9 @@
           <a:lstStyle/>
           <a:p>
             <a:r>
-              <a:rPr lang="en-US" dirty="0" smtClean="0"/>
+              <a:rPr lang="en-US" dirty="0"/>
               <a:t>Version control and merge conflict resolution</a:t>
             </a:r>
-            <a:endParaRPr lang="en-US" dirty="0"/>
           </a:p>
         </p:txBody>
       </p:sp>
@@ -5457,11 +5382,7 @@
             <a:p>
               <a:r>
                 <a:rPr lang="en-US" dirty="0"/>
-                <a:t>Kent </a:t>
-              </a:r>
-              <a:r>
-                <a:rPr lang="en-US" dirty="0" smtClean="0"/>
-                <a:t>State</a:t>
+                <a:t>Kent State</a:t>
               </a:r>
             </a:p>
             <a:p>
@@ -5582,11 +5503,7 @@
             <a:p>
               <a:r>
                 <a:rPr lang="en-US" dirty="0"/>
-                <a:t>Michigan </a:t>
-              </a:r>
-              <a:r>
-                <a:rPr lang="en-US" dirty="0" smtClean="0"/>
-                <a:t>State</a:t>
+                <a:t>Michigan State</a:t>
               </a:r>
             </a:p>
           </p:txBody>
@@ -5686,13 +5603,6 @@
   <p:clrMapOvr>
     <a:masterClrMapping/>
   </p:clrMapOvr>
-  <p:timing>
-    <p:tnLst>
-      <p:par>
-        <p:cTn id="1" dur="indefinite" restart="never" nodeType="tmRoot"/>
-      </p:par>
-    </p:tnLst>
-  </p:timing>
 </p:sld>
 </file>
 
@@ -5732,13 +5642,8 @@
           <a:p>
             <a:r>
               <a:rPr lang="en-US" dirty="0"/>
-              <a:t>20 tasks to do, 3 people working on the project, and no common to-do </a:t>
-            </a:r>
-            <a:r>
-              <a:rPr lang="en-US" dirty="0" smtClean="0"/>
-              <a:t>list</a:t>
-            </a:r>
-            <a:endParaRPr lang="en-US" dirty="0"/>
+              <a:t>20 tasks to do, 3 people working on the project, and no common to-do list</a:t>
+            </a:r>
           </a:p>
         </p:txBody>
       </p:sp>
@@ -5758,10 +5663,9 @@
           <a:lstStyle/>
           <a:p>
             <a:r>
-              <a:rPr lang="en-US" dirty="0" smtClean="0"/>
+              <a:rPr lang="en-US" dirty="0"/>
               <a:t>Who is doing what?</a:t>
             </a:r>
-            <a:endParaRPr lang="en-US" dirty="0"/>
           </a:p>
         </p:txBody>
       </p:sp>
@@ -6108,13 +6012,6 @@
   <p:clrMapOvr>
     <a:masterClrMapping/>
   </p:clrMapOvr>
-  <p:timing>
-    <p:tnLst>
-      <p:par>
-        <p:cTn id="1" dur="indefinite" restart="never" nodeType="tmRoot"/>
-      </p:par>
-    </p:tnLst>
-  </p:timing>
 </p:sld>
 </file>
 
@@ -6151,10 +6048,9 @@
           <a:lstStyle/>
           <a:p>
             <a:r>
-              <a:rPr lang="en-US" dirty="0" smtClean="0"/>
+              <a:rPr lang="en-US" dirty="0"/>
               <a:t>Using issues</a:t>
             </a:r>
-            <a:endParaRPr lang="en-US" dirty="0"/>
           </a:p>
         </p:txBody>
       </p:sp>
@@ -6224,13 +6120,8 @@
           <a:p>
             <a:r>
               <a:rPr lang="en-US" dirty="0"/>
-              <a:t>T</a:t>
-            </a:r>
-            <a:r>
-              <a:rPr lang="en-US" dirty="0" smtClean="0"/>
-              <a:t>ry something new without messing up your project.</a:t>
-            </a:r>
-            <a:endParaRPr lang="en-US" dirty="0"/>
+              <a:t>Try something new without messing up your project.</a:t>
+            </a:r>
           </a:p>
         </p:txBody>
       </p:sp>
@@ -6299,10 +6190,9 @@
           <a:lstStyle/>
           <a:p>
             <a:r>
-              <a:rPr lang="en-US" dirty="0" smtClean="0"/>
+              <a:rPr lang="en-US" dirty="0"/>
               <a:t>Using branches and merge</a:t>
             </a:r>
-            <a:endParaRPr lang="en-US" dirty="0"/>
           </a:p>
         </p:txBody>
       </p:sp>
@@ -6371,18 +6261,17 @@
           <a:lstStyle/>
           <a:p>
             <a:r>
-              <a:rPr lang="en-US" dirty="0" smtClean="0"/>
+              <a:rPr lang="en-US" dirty="0"/>
               <a:t>What are the pros of </a:t>
             </a:r>
             <a:r>
-              <a:rPr lang="en-US" dirty="0" err="1" smtClean="0"/>
+              <a:rPr lang="en-US" dirty="0" err="1"/>
               <a:t>Github</a:t>
             </a:r>
             <a:r>
-              <a:rPr lang="en-US" dirty="0" smtClean="0"/>
+              <a:rPr lang="en-US" dirty="0"/>
               <a:t>?</a:t>
             </a:r>
-            <a:endParaRPr lang="en-US" dirty="0"/>
           </a:p>
         </p:txBody>
       </p:sp>
@@ -6402,10 +6291,9 @@
           <a:lstStyle/>
           <a:p>
             <a:r>
-              <a:rPr lang="en-US" dirty="0" smtClean="0"/>
+              <a:rPr lang="en-US" dirty="0"/>
               <a:t>Discuss in groups (x minutes)</a:t>
             </a:r>
-            <a:endParaRPr lang="en-US" dirty="0"/>
           </a:p>
         </p:txBody>
       </p:sp>
@@ -6455,18 +6343,17 @@
           <a:lstStyle/>
           <a:p>
             <a:r>
-              <a:rPr lang="en-US" dirty="0" smtClean="0"/>
+              <a:rPr lang="en-US" dirty="0"/>
               <a:t>What are the cons of </a:t>
             </a:r>
             <a:r>
-              <a:rPr lang="en-US" dirty="0" err="1" smtClean="0"/>
+              <a:rPr lang="en-US" dirty="0" err="1"/>
               <a:t>Github</a:t>
             </a:r>
             <a:r>
-              <a:rPr lang="en-US" dirty="0" smtClean="0"/>
+              <a:rPr lang="en-US" dirty="0"/>
               <a:t>?</a:t>
             </a:r>
-            <a:endParaRPr lang="en-US" dirty="0"/>
           </a:p>
         </p:txBody>
       </p:sp>
@@ -6541,10 +6428,9 @@
           <a:lstStyle/>
           <a:p>
             <a:r>
-              <a:rPr lang="en-US" dirty="0" smtClean="0"/>
+              <a:rPr lang="en-US" dirty="0"/>
               <a:t>Resources for learning more</a:t>
             </a:r>
-            <a:endParaRPr lang="en-US" dirty="0"/>
           </a:p>
         </p:txBody>
       </p:sp>
@@ -7090,13 +6976,6 @@
   <p:clrMapOvr>
     <a:masterClrMapping/>
   </p:clrMapOvr>
-  <p:timing>
-    <p:tnLst>
-      <p:par>
-        <p:cTn id="1" dur="indefinite" restart="never" nodeType="tmRoot"/>
-      </p:par>
-    </p:tnLst>
-  </p:timing>
 </p:sld>
 </file>
 
@@ -7163,7 +7042,9 @@
         </p:nvSpPr>
         <p:spPr/>
         <p:txBody>
-          <a:bodyPr/>
+          <a:bodyPr>
+            <a:normAutofit/>
+          </a:bodyPr>
           <a:lstStyle/>
           <a:p>
             <a:pPr marL="0" indent="0">
@@ -7177,20 +7058,32 @@
           </a:p>
           <a:p>
             <a:pPr marL="514350" indent="-514350">
+              <a:buFont typeface="+mj-lt"/>
               <a:buAutoNum type="arabicPeriod"/>
             </a:pPr>
             <a:r>
               <a:rPr lang="en-US" dirty="0"/>
-              <a:t>Blah</a:t>
+              <a:t>What was the goal of the project (e.g., a paper, a novel dataset, a grant proposal, an outreach program, etc.)?</a:t>
             </a:r>
           </a:p>
           <a:p>
             <a:pPr marL="514350" indent="-514350">
+              <a:buFont typeface="+mj-lt"/>
               <a:buAutoNum type="arabicPeriod"/>
             </a:pPr>
             <a:r>
               <a:rPr lang="en-US" dirty="0"/>
-              <a:t>Blah</a:t>
+              <a:t>How many people were involved? What kind of people (e.g., interdisciplinary, different career stages, different technical expertise, etc.)?</a:t>
+            </a:r>
+          </a:p>
+          <a:p>
+            <a:pPr marL="514350" indent="-514350">
+              <a:buFont typeface="+mj-lt"/>
+              <a:buAutoNum type="arabicPeriod"/>
+            </a:pPr>
+            <a:r>
+              <a:rPr lang="en-US" dirty="0"/>
+              <a:t>Was the group based in one location? How long did the collaboration last?</a:t>
             </a:r>
           </a:p>
           <a:p>
@@ -7298,7 +7191,7 @@
             </a:pPr>
             <a:r>
               <a:rPr lang="en-US" dirty="0"/>
-              <a:t>Blah</a:t>
+              <a:t>What tools, resources, or workflows do you consider necessary for a successful collaboration?</a:t>
             </a:r>
           </a:p>
           <a:p>
@@ -7307,7 +7200,7 @@
             </a:pPr>
             <a:r>
               <a:rPr lang="en-US" dirty="0"/>
-              <a:t>Blah</a:t>
+              <a:t>What can be done to more easily facilitate the use of these tools throughout a project’s lifecycle?</a:t>
             </a:r>
           </a:p>
           <a:p>
@@ -7474,32 +7367,56 @@
           <a:bodyPr/>
           <a:lstStyle/>
           <a:p>
+            <a:r>
+              <a:rPr lang="en-US" dirty="0"/>
+              <a:t>What Consensus Is</a:t>
+            </a:r>
+          </a:p>
+        </p:txBody>
+      </p:sp>
+      <p:sp>
+        <p:nvSpPr>
+          <p:cNvPr id="3" name="Content Placeholder 2">
+            <a:extLst>
+              <a:ext uri="{FF2B5EF4-FFF2-40B4-BE49-F238E27FC236}">
+                <a16:creationId xmlns:a16="http://schemas.microsoft.com/office/drawing/2014/main" id="{62C8C4C7-120E-4230-8E60-B64F8C51C634}"/>
+              </a:ext>
+            </a:extLst>
+          </p:cNvPr>
+          <p:cNvSpPr>
+            <a:spLocks noGrp="1"/>
+          </p:cNvSpPr>
+          <p:nvPr>
+            <p:ph idx="1"/>
+          </p:nvPr>
+        </p:nvSpPr>
+        <p:spPr/>
+        <p:txBody>
+          <a:bodyPr/>
+          <a:lstStyle/>
+          <a:p>
+            <a:r>
+              <a:rPr lang="en-US" dirty="0"/>
+              <a:t>Everyone’s opinions are heard and encouraged</a:t>
+            </a:r>
+          </a:p>
+          <a:p>
             <a:endParaRPr lang="en-US" dirty="0"/>
           </a:p>
-        </p:txBody>
-      </p:sp>
-      <p:sp>
-        <p:nvSpPr>
-          <p:cNvPr id="3" name="Content Placeholder 2">
-            <a:extLst>
-              <a:ext uri="{FF2B5EF4-FFF2-40B4-BE49-F238E27FC236}">
-                <a16:creationId xmlns:a16="http://schemas.microsoft.com/office/drawing/2014/main" id="{62C8C4C7-120E-4230-8E60-B64F8C51C634}"/>
-              </a:ext>
-            </a:extLst>
-          </p:cNvPr>
-          <p:cNvSpPr>
-            <a:spLocks noGrp="1"/>
-          </p:cNvSpPr>
-          <p:nvPr>
-            <p:ph idx="1"/>
-          </p:nvPr>
-        </p:nvSpPr>
-        <p:spPr/>
-        <p:txBody>
-          <a:bodyPr/>
-          <a:lstStyle/>
+          <a:p>
+            <a:r>
+              <a:rPr lang="en-US" dirty="0"/>
+              <a:t>Differences viewed as helpful, chances to learn more</a:t>
+            </a:r>
+          </a:p>
           <a:p>
             <a:endParaRPr lang="en-US" dirty="0"/>
+          </a:p>
+          <a:p>
+            <a:r>
+              <a:rPr lang="en-US" dirty="0"/>
+              <a:t>Everyone can understand the result and how it was reached</a:t>
+            </a:r>
           </a:p>
         </p:txBody>
       </p:sp>
@@ -7507,6 +7424,222 @@
     <p:extLst>
       <p:ext uri="{BB962C8B-B14F-4D97-AF65-F5344CB8AC3E}">
         <p14:creationId xmlns:p14="http://schemas.microsoft.com/office/powerpoint/2010/main" val="3269339386"/>
+      </p:ext>
+    </p:extLst>
+  </p:cSld>
+  <p:clrMapOvr>
+    <a:masterClrMapping/>
+  </p:clrMapOvr>
+</p:sld>
+</file>
+
+<file path=ppt/slides/slide34.xml><?xml version="1.0" encoding="utf-8"?>
+<p:sld xmlns:a="http://schemas.openxmlformats.org/drawingml/2006/main" xmlns:r="http://schemas.openxmlformats.org/officeDocument/2006/relationships" xmlns:p="http://schemas.openxmlformats.org/presentationml/2006/main">
+  <p:cSld>
+    <p:spTree>
+      <p:nvGrpSpPr>
+        <p:cNvPr id="1" name=""/>
+        <p:cNvGrpSpPr/>
+        <p:nvPr/>
+      </p:nvGrpSpPr>
+      <p:grpSpPr>
+        <a:xfrm>
+          <a:off x="0" y="0"/>
+          <a:ext cx="0" cy="0"/>
+          <a:chOff x="0" y="0"/>
+          <a:chExt cx="0" cy="0"/>
+        </a:xfrm>
+      </p:grpSpPr>
+      <p:sp>
+        <p:nvSpPr>
+          <p:cNvPr id="2" name="Title 1">
+            <a:extLst>
+              <a:ext uri="{FF2B5EF4-FFF2-40B4-BE49-F238E27FC236}">
+                <a16:creationId xmlns:a16="http://schemas.microsoft.com/office/drawing/2014/main" id="{FCA70632-4B1A-4E6A-974B-3AD2013F76EB}"/>
+              </a:ext>
+            </a:extLst>
+          </p:cNvPr>
+          <p:cNvSpPr>
+            <a:spLocks noGrp="1"/>
+          </p:cNvSpPr>
+          <p:nvPr>
+            <p:ph type="title"/>
+          </p:nvPr>
+        </p:nvSpPr>
+        <p:spPr/>
+        <p:txBody>
+          <a:bodyPr/>
+          <a:lstStyle/>
+          <a:p>
+            <a:r>
+              <a:rPr lang="en-US" dirty="0"/>
+              <a:t>What Consensus Is Not</a:t>
+            </a:r>
+          </a:p>
+        </p:txBody>
+      </p:sp>
+      <p:sp>
+        <p:nvSpPr>
+          <p:cNvPr id="3" name="Content Placeholder 2">
+            <a:extLst>
+              <a:ext uri="{FF2B5EF4-FFF2-40B4-BE49-F238E27FC236}">
+                <a16:creationId xmlns:a16="http://schemas.microsoft.com/office/drawing/2014/main" id="{1D1EACA7-1198-47A0-980E-5B8568AA18B3}"/>
+              </a:ext>
+            </a:extLst>
+          </p:cNvPr>
+          <p:cNvSpPr>
+            <a:spLocks noGrp="1"/>
+          </p:cNvSpPr>
+          <p:nvPr>
+            <p:ph idx="1"/>
+          </p:nvPr>
+        </p:nvSpPr>
+        <p:spPr/>
+        <p:txBody>
+          <a:bodyPr/>
+          <a:lstStyle/>
+          <a:p>
+            <a:r>
+              <a:rPr lang="en-US" dirty="0"/>
+              <a:t>Unanimous agreement on end product</a:t>
+            </a:r>
+          </a:p>
+          <a:p>
+            <a:endParaRPr lang="en-US" dirty="0"/>
+          </a:p>
+          <a:p>
+            <a:r>
+              <a:rPr lang="en-US" dirty="0"/>
+              <a:t>Conflict is avoided, ignored</a:t>
+            </a:r>
+          </a:p>
+          <a:p>
+            <a:endParaRPr lang="en-US" dirty="0"/>
+          </a:p>
+          <a:p>
+            <a:r>
+              <a:rPr lang="en-US" dirty="0"/>
+              <a:t>Result is everyone's first choice</a:t>
+            </a:r>
+          </a:p>
+        </p:txBody>
+      </p:sp>
+    </p:spTree>
+    <p:extLst>
+      <p:ext uri="{BB962C8B-B14F-4D97-AF65-F5344CB8AC3E}">
+        <p14:creationId xmlns:p14="http://schemas.microsoft.com/office/powerpoint/2010/main" val="3692428149"/>
+      </p:ext>
+    </p:extLst>
+  </p:cSld>
+  <p:clrMapOvr>
+    <a:masterClrMapping/>
+  </p:clrMapOvr>
+</p:sld>
+</file>
+
+<file path=ppt/slides/slide35.xml><?xml version="1.0" encoding="utf-8"?>
+<p:sld xmlns:a="http://schemas.openxmlformats.org/drawingml/2006/main" xmlns:r="http://schemas.openxmlformats.org/officeDocument/2006/relationships" xmlns:p="http://schemas.openxmlformats.org/presentationml/2006/main">
+  <p:cSld>
+    <p:spTree>
+      <p:nvGrpSpPr>
+        <p:cNvPr id="1" name=""/>
+        <p:cNvGrpSpPr/>
+        <p:nvPr/>
+      </p:nvGrpSpPr>
+      <p:grpSpPr>
+        <a:xfrm>
+          <a:off x="0" y="0"/>
+          <a:ext cx="0" cy="0"/>
+          <a:chOff x="0" y="0"/>
+          <a:chExt cx="0" cy="0"/>
+        </a:xfrm>
+      </p:grpSpPr>
+      <p:sp>
+        <p:nvSpPr>
+          <p:cNvPr id="2" name="Title 1">
+            <a:extLst>
+              <a:ext uri="{FF2B5EF4-FFF2-40B4-BE49-F238E27FC236}">
+                <a16:creationId xmlns:a16="http://schemas.microsoft.com/office/drawing/2014/main" id="{E57A859E-B88A-46A3-9E68-55EFF37EEE72}"/>
+              </a:ext>
+            </a:extLst>
+          </p:cNvPr>
+          <p:cNvSpPr>
+            <a:spLocks noGrp="1"/>
+          </p:cNvSpPr>
+          <p:nvPr>
+            <p:ph type="title"/>
+          </p:nvPr>
+        </p:nvSpPr>
+        <p:spPr/>
+        <p:txBody>
+          <a:bodyPr/>
+          <a:lstStyle/>
+          <a:p>
+            <a:r>
+              <a:rPr lang="en-US" dirty="0"/>
+              <a:t>Consensus Process</a:t>
+            </a:r>
+          </a:p>
+        </p:txBody>
+      </p:sp>
+      <p:sp>
+        <p:nvSpPr>
+          <p:cNvPr id="3" name="Content Placeholder 2">
+            <a:extLst>
+              <a:ext uri="{FF2B5EF4-FFF2-40B4-BE49-F238E27FC236}">
+                <a16:creationId xmlns:a16="http://schemas.microsoft.com/office/drawing/2014/main" id="{972F0E65-6C7E-4E1C-9BA0-A14525CC6445}"/>
+              </a:ext>
+            </a:extLst>
+          </p:cNvPr>
+          <p:cNvSpPr>
+            <a:spLocks noGrp="1"/>
+          </p:cNvSpPr>
+          <p:nvPr>
+            <p:ph idx="1"/>
+          </p:nvPr>
+        </p:nvSpPr>
+        <p:spPr/>
+        <p:txBody>
+          <a:bodyPr/>
+          <a:lstStyle/>
+          <a:p>
+            <a:pPr marL="0" indent="0">
+              <a:buNone/>
+            </a:pPr>
+            <a:r>
+              <a:rPr lang="en-US" b="1" dirty="0"/>
+              <a:t>Stage 1: </a:t>
+            </a:r>
+            <a:r>
+              <a:rPr lang="en-US" dirty="0"/>
+              <a:t>Share ideas</a:t>
+            </a:r>
+          </a:p>
+          <a:p>
+            <a:pPr marL="0" indent="0">
+              <a:buNone/>
+            </a:pPr>
+            <a:endParaRPr lang="en-US" b="1" dirty="0"/>
+          </a:p>
+          <a:p>
+            <a:pPr marL="0" indent="0">
+              <a:buNone/>
+            </a:pPr>
+            <a:r>
+              <a:rPr lang="en-US" b="1" dirty="0"/>
+              <a:t>Stage 2:</a:t>
+            </a:r>
+            <a:r>
+              <a:rPr lang="en-US" dirty="0"/>
+              <a:t> Review ideas</a:t>
+            </a:r>
+          </a:p>
+        </p:txBody>
+      </p:sp>
+    </p:spTree>
+    <p:extLst>
+      <p:ext uri="{BB962C8B-B14F-4D97-AF65-F5344CB8AC3E}">
+        <p14:creationId xmlns:p14="http://schemas.microsoft.com/office/powerpoint/2010/main" val="1766099802"/>
       </p:ext>
     </p:extLst>
   </p:cSld>
@@ -8120,13 +8253,6 @@
   <p:clrMapOvr>
     <a:masterClrMapping/>
   </p:clrMapOvr>
-  <p:timing>
-    <p:tnLst>
-      <p:par>
-        <p:cTn id="1" dur="indefinite" restart="never" nodeType="tmRoot"/>
-      </p:par>
-    </p:tnLst>
-  </p:timing>
 </p:sld>
 </file>
 
@@ -8163,26 +8289,25 @@
           <a:lstStyle/>
           <a:p>
             <a:r>
-              <a:rPr lang="en-US" dirty="0" smtClean="0"/>
+              <a:rPr lang="en-US" dirty="0"/>
               <a:t>What is </a:t>
             </a:r>
             <a:r>
-              <a:rPr lang="en-US" dirty="0" err="1" smtClean="0"/>
+              <a:rPr lang="en-US" dirty="0" err="1"/>
               <a:t>Git</a:t>
             </a:r>
             <a:r>
-              <a:rPr lang="en-US" dirty="0" smtClean="0"/>
+              <a:rPr lang="en-US" dirty="0"/>
               <a:t>/ </a:t>
             </a:r>
             <a:r>
-              <a:rPr lang="en-US" dirty="0" err="1" smtClean="0"/>
+              <a:rPr lang="en-US" dirty="0" err="1"/>
               <a:t>Github</a:t>
             </a:r>
             <a:r>
-              <a:rPr lang="en-US" dirty="0" smtClean="0"/>
+              <a:rPr lang="en-US" dirty="0"/>
               <a:t>?</a:t>
             </a:r>
-            <a:endParaRPr lang="en-US" dirty="0"/>
           </a:p>
         </p:txBody>
       </p:sp>
@@ -8207,25 +8332,25 @@
           <a:lstStyle/>
           <a:p>
             <a:r>
-              <a:rPr lang="en-US" dirty="0" err="1" smtClean="0"/>
+              <a:rPr lang="en-US" dirty="0" err="1"/>
               <a:t>Git</a:t>
             </a:r>
             <a:r>
-              <a:rPr lang="en-US" dirty="0" smtClean="0"/>
+              <a:rPr lang="en-US" dirty="0"/>
               <a:t> is a command line language for version control</a:t>
             </a:r>
           </a:p>
           <a:p>
             <a:r>
-              <a:rPr lang="en-US" dirty="0" err="1" smtClean="0"/>
+              <a:rPr lang="en-US" dirty="0" err="1"/>
               <a:t>Git</a:t>
             </a:r>
             <a:r>
-              <a:rPr lang="en-US" dirty="0" smtClean="0"/>
+              <a:rPr lang="en-US" dirty="0"/>
               <a:t> is running in the background when you use </a:t>
             </a:r>
             <a:r>
-              <a:rPr lang="en-US" dirty="0" err="1" smtClean="0"/>
+              <a:rPr lang="en-US" dirty="0" err="1"/>
               <a:t>Github</a:t>
             </a:r>
             <a:endParaRPr lang="en-US" dirty="0"/>
@@ -8419,20 +8544,19 @@
           </a:lstStyle>
           <a:p>
             <a:r>
-              <a:rPr lang="en-US" dirty="0" err="1" smtClean="0"/>
+              <a:rPr lang="en-US" dirty="0" err="1"/>
               <a:t>Github</a:t>
             </a:r>
             <a:r>
-              <a:rPr lang="en-US" dirty="0" smtClean="0"/>
+              <a:rPr lang="en-US" dirty="0"/>
               <a:t> is a web/desktop interface for version control</a:t>
             </a:r>
           </a:p>
           <a:p>
             <a:r>
-              <a:rPr lang="en-US" dirty="0" smtClean="0"/>
+              <a:rPr lang="en-US" dirty="0"/>
               <a:t>Free hosting service that allows you to work collaboratively online</a:t>
             </a:r>
-            <a:endParaRPr lang="en-US" dirty="0"/>
           </a:p>
         </p:txBody>
       </p:sp>
@@ -8516,13 +8640,6 @@
   <p:clrMapOvr>
     <a:masterClrMapping/>
   </p:clrMapOvr>
-  <p:timing>
-    <p:tnLst>
-      <p:par>
-        <p:cTn id="1" dur="indefinite" restart="never" nodeType="tmRoot"/>
-      </p:par>
-    </p:tnLst>
-  </p:timing>
 </p:sld>
 </file>
 

--- a/pres_deck.pptx
+++ b/pres_deck.pptx
@@ -9,37 +9,25 @@
     <p:sldId id="257" r:id="rId3"/>
     <p:sldId id="258" r:id="rId4"/>
     <p:sldId id="259" r:id="rId5"/>
-    <p:sldId id="260" r:id="rId6"/>
-    <p:sldId id="262" r:id="rId7"/>
-    <p:sldId id="261" r:id="rId8"/>
-    <p:sldId id="263" r:id="rId9"/>
-    <p:sldId id="272" r:id="rId10"/>
-    <p:sldId id="284" r:id="rId11"/>
-    <p:sldId id="277" r:id="rId12"/>
-    <p:sldId id="278" r:id="rId13"/>
-    <p:sldId id="279" r:id="rId14"/>
-    <p:sldId id="280" r:id="rId15"/>
-    <p:sldId id="281" r:id="rId16"/>
-    <p:sldId id="282" r:id="rId17"/>
-    <p:sldId id="285" r:id="rId18"/>
-    <p:sldId id="286" r:id="rId19"/>
-    <p:sldId id="288" r:id="rId20"/>
-    <p:sldId id="287" r:id="rId21"/>
-    <p:sldId id="289" r:id="rId22"/>
-    <p:sldId id="290" r:id="rId23"/>
-    <p:sldId id="291" r:id="rId24"/>
-    <p:sldId id="274" r:id="rId25"/>
-    <p:sldId id="275" r:id="rId26"/>
-    <p:sldId id="276" r:id="rId27"/>
-    <p:sldId id="266" r:id="rId28"/>
-    <p:sldId id="265" r:id="rId29"/>
-    <p:sldId id="267" r:id="rId30"/>
-    <p:sldId id="268" r:id="rId31"/>
-    <p:sldId id="269" r:id="rId32"/>
-    <p:sldId id="271" r:id="rId33"/>
-    <p:sldId id="270" r:id="rId34"/>
-    <p:sldId id="292" r:id="rId35"/>
-    <p:sldId id="293" r:id="rId36"/>
+    <p:sldId id="262" r:id="rId6"/>
+    <p:sldId id="301" r:id="rId7"/>
+    <p:sldId id="287" r:id="rId8"/>
+    <p:sldId id="297" r:id="rId9"/>
+    <p:sldId id="294" r:id="rId10"/>
+    <p:sldId id="298" r:id="rId11"/>
+    <p:sldId id="295" r:id="rId12"/>
+    <p:sldId id="299" r:id="rId13"/>
+    <p:sldId id="296" r:id="rId14"/>
+    <p:sldId id="300" r:id="rId15"/>
+    <p:sldId id="266" r:id="rId16"/>
+    <p:sldId id="265" r:id="rId17"/>
+    <p:sldId id="267" r:id="rId18"/>
+    <p:sldId id="268" r:id="rId19"/>
+    <p:sldId id="269" r:id="rId20"/>
+    <p:sldId id="271" r:id="rId21"/>
+    <p:sldId id="270" r:id="rId22"/>
+    <p:sldId id="292" r:id="rId23"/>
+    <p:sldId id="293" r:id="rId24"/>
   </p:sldIdLst>
   <p:sldSz cx="12192000" cy="6858000"/>
   <p:notesSz cx="6858000" cy="9144000"/>
@@ -147,32 +135,20 @@
             <p14:sldId id="257"/>
             <p14:sldId id="258"/>
             <p14:sldId id="259"/>
-            <p14:sldId id="260"/>
             <p14:sldId id="262"/>
-            <p14:sldId id="261"/>
           </p14:sldIdLst>
         </p14:section>
         <p14:section name="GitHub" id="{22A46AFE-F935-4EFF-A186-87C503576482}">
           <p14:sldIdLst>
-            <p14:sldId id="263"/>
-            <p14:sldId id="272"/>
-            <p14:sldId id="284"/>
-            <p14:sldId id="277"/>
-            <p14:sldId id="278"/>
-            <p14:sldId id="279"/>
-            <p14:sldId id="280"/>
-            <p14:sldId id="281"/>
-            <p14:sldId id="282"/>
-            <p14:sldId id="285"/>
-            <p14:sldId id="286"/>
-            <p14:sldId id="288"/>
+            <p14:sldId id="301"/>
             <p14:sldId id="287"/>
-            <p14:sldId id="289"/>
-            <p14:sldId id="290"/>
-            <p14:sldId id="291"/>
-            <p14:sldId id="274"/>
-            <p14:sldId id="275"/>
-            <p14:sldId id="276"/>
+            <p14:sldId id="297"/>
+            <p14:sldId id="294"/>
+            <p14:sldId id="298"/>
+            <p14:sldId id="295"/>
+            <p14:sldId id="299"/>
+            <p14:sldId id="296"/>
+            <p14:sldId id="300"/>
           </p14:sldIdLst>
         </p14:section>
         <p14:section name="Small Group Discussion" id="{58A9CF17-C114-408C-8BC6-27407D082DDD}">
@@ -348,7 +324,7 @@
           <a:p>
             <a:fld id="{6A2BB79C-6BB1-4438-8F46-9EDF1954807C}" type="datetimeFigureOut">
               <a:rPr lang="en-US" smtClean="0"/>
-              <a:t>9/25/2018</a:t>
+              <a:t>9/30/2018</a:t>
             </a:fld>
             <a:endParaRPr lang="en-US"/>
           </a:p>
@@ -546,7 +522,7 @@
           <a:p>
             <a:fld id="{6A2BB79C-6BB1-4438-8F46-9EDF1954807C}" type="datetimeFigureOut">
               <a:rPr lang="en-US" smtClean="0"/>
-              <a:t>9/25/2018</a:t>
+              <a:t>9/30/2018</a:t>
             </a:fld>
             <a:endParaRPr lang="en-US"/>
           </a:p>
@@ -754,7 +730,7 @@
           <a:p>
             <a:fld id="{6A2BB79C-6BB1-4438-8F46-9EDF1954807C}" type="datetimeFigureOut">
               <a:rPr lang="en-US" smtClean="0"/>
-              <a:t>9/25/2018</a:t>
+              <a:t>9/30/2018</a:t>
             </a:fld>
             <a:endParaRPr lang="en-US"/>
           </a:p>
@@ -952,7 +928,7 @@
           <a:p>
             <a:fld id="{6A2BB79C-6BB1-4438-8F46-9EDF1954807C}" type="datetimeFigureOut">
               <a:rPr lang="en-US" smtClean="0"/>
-              <a:t>9/25/2018</a:t>
+              <a:t>9/30/2018</a:t>
             </a:fld>
             <a:endParaRPr lang="en-US"/>
           </a:p>
@@ -1227,7 +1203,7 @@
           <a:p>
             <a:fld id="{6A2BB79C-6BB1-4438-8F46-9EDF1954807C}" type="datetimeFigureOut">
               <a:rPr lang="en-US" smtClean="0"/>
-              <a:t>9/25/2018</a:t>
+              <a:t>9/30/2018</a:t>
             </a:fld>
             <a:endParaRPr lang="en-US"/>
           </a:p>
@@ -1492,7 +1468,7 @@
           <a:p>
             <a:fld id="{6A2BB79C-6BB1-4438-8F46-9EDF1954807C}" type="datetimeFigureOut">
               <a:rPr lang="en-US" smtClean="0"/>
-              <a:t>9/25/2018</a:t>
+              <a:t>9/30/2018</a:t>
             </a:fld>
             <a:endParaRPr lang="en-US"/>
           </a:p>
@@ -1904,7 +1880,7 @@
           <a:p>
             <a:fld id="{6A2BB79C-6BB1-4438-8F46-9EDF1954807C}" type="datetimeFigureOut">
               <a:rPr lang="en-US" smtClean="0"/>
-              <a:t>9/25/2018</a:t>
+              <a:t>9/30/2018</a:t>
             </a:fld>
             <a:endParaRPr lang="en-US"/>
           </a:p>
@@ -2045,7 +2021,7 @@
           <a:p>
             <a:fld id="{6A2BB79C-6BB1-4438-8F46-9EDF1954807C}" type="datetimeFigureOut">
               <a:rPr lang="en-US" smtClean="0"/>
-              <a:t>9/25/2018</a:t>
+              <a:t>9/30/2018</a:t>
             </a:fld>
             <a:endParaRPr lang="en-US"/>
           </a:p>
@@ -2158,7 +2134,7 @@
           <a:p>
             <a:fld id="{6A2BB79C-6BB1-4438-8F46-9EDF1954807C}" type="datetimeFigureOut">
               <a:rPr lang="en-US" smtClean="0"/>
-              <a:t>9/25/2018</a:t>
+              <a:t>9/30/2018</a:t>
             </a:fld>
             <a:endParaRPr lang="en-US"/>
           </a:p>
@@ -2469,7 +2445,7 @@
           <a:p>
             <a:fld id="{6A2BB79C-6BB1-4438-8F46-9EDF1954807C}" type="datetimeFigureOut">
               <a:rPr lang="en-US" smtClean="0"/>
-              <a:t>9/25/2018</a:t>
+              <a:t>9/30/2018</a:t>
             </a:fld>
             <a:endParaRPr lang="en-US"/>
           </a:p>
@@ -2757,7 +2733,7 @@
           <a:p>
             <a:fld id="{6A2BB79C-6BB1-4438-8F46-9EDF1954807C}" type="datetimeFigureOut">
               <a:rPr lang="en-US" smtClean="0"/>
-              <a:t>9/25/2018</a:t>
+              <a:t>9/30/2018</a:t>
             </a:fld>
             <a:endParaRPr lang="en-US"/>
           </a:p>
@@ -2998,7 +2974,7 @@
           <a:p>
             <a:fld id="{6A2BB79C-6BB1-4438-8F46-9EDF1954807C}" type="datetimeFigureOut">
               <a:rPr lang="en-US" smtClean="0"/>
-              <a:t>9/25/2018</a:t>
+              <a:t>9/30/2018</a:t>
             </a:fld>
             <a:endParaRPr lang="en-US"/>
           </a:p>
@@ -3657,25 +3633,10 @@
           <a:lstStyle/>
           <a:p>
             <a:r>
-              <a:rPr lang="en-US" dirty="0"/>
-              <a:t>What is </a:t>
-            </a:r>
-            <a:r>
-              <a:rPr lang="en-US" dirty="0" err="1"/>
-              <a:t>Git</a:t>
-            </a:r>
-            <a:r>
-              <a:rPr lang="en-US" dirty="0"/>
-              <a:t>/ </a:t>
-            </a:r>
-            <a:r>
-              <a:rPr lang="en-US" dirty="0" err="1"/>
-              <a:t>Github</a:t>
-            </a:r>
-            <a:r>
-              <a:rPr lang="en-US" dirty="0"/>
-              <a:t>?</a:t>
-            </a:r>
+              <a:rPr lang="en-US" dirty="0" smtClean="0"/>
+              <a:t>Version control and merge conflict resolution </a:t>
+            </a:r>
+            <a:endParaRPr lang="en-US" dirty="0"/>
           </a:p>
         </p:txBody>
       </p:sp>
@@ -3689,606 +3650,46 @@
             <p:ph idx="1"/>
           </p:nvPr>
         </p:nvSpPr>
-        <p:spPr>
-          <a:xfrm>
-            <a:off x="531159" y="1825625"/>
-            <a:ext cx="5567299" cy="1920465"/>
-          </a:xfrm>
-        </p:spPr>
-        <p:txBody>
-          <a:bodyPr/>
-          <a:lstStyle/>
-          <a:p>
-            <a:r>
-              <a:rPr lang="en-US" dirty="0" err="1"/>
-              <a:t>Git</a:t>
-            </a:r>
-            <a:r>
-              <a:rPr lang="en-US" dirty="0"/>
-              <a:t> is a command line language for version control</a:t>
-            </a:r>
-          </a:p>
-          <a:p>
-            <a:r>
-              <a:rPr lang="en-US" dirty="0" err="1"/>
-              <a:t>Git</a:t>
-            </a:r>
-            <a:r>
-              <a:rPr lang="en-US" dirty="0"/>
-              <a:t> is running in the background when you use </a:t>
-            </a:r>
-            <a:r>
-              <a:rPr lang="en-US" dirty="0" err="1"/>
-              <a:t>Github</a:t>
-            </a:r>
+        <p:spPr/>
+        <p:txBody>
+          <a:bodyPr/>
+          <a:lstStyle/>
+          <a:p>
+            <a:pPr marL="0" indent="0">
+              <a:buNone/>
+            </a:pPr>
             <a:endParaRPr lang="en-US" dirty="0"/>
-          </a:p>
-        </p:txBody>
-      </p:sp>
-      <p:sp>
-        <p:nvSpPr>
-          <p:cNvPr id="4" name="Content Placeholder 2"/>
-          <p:cNvSpPr txBox="1">
-            <a:spLocks/>
-          </p:cNvSpPr>
-          <p:nvPr/>
-        </p:nvSpPr>
-        <p:spPr>
-          <a:xfrm>
-            <a:off x="5968180" y="1756799"/>
-            <a:ext cx="5892125" cy="2262136"/>
-          </a:xfrm>
-          <a:prstGeom prst="rect">
-            <a:avLst/>
-          </a:prstGeom>
-        </p:spPr>
-        <p:txBody>
-          <a:bodyPr vert="horz" lIns="91440" tIns="45720" rIns="91440" bIns="45720" rtlCol="0">
-            <a:normAutofit/>
-          </a:bodyPr>
-          <a:lstStyle>
-            <a:lvl1pPr marL="228600" indent="-228600" algn="l" defTabSz="914400" rtl="0" eaLnBrk="1" latinLnBrk="0" hangingPunct="1">
-              <a:lnSpc>
-                <a:spcPct val="90000"/>
-              </a:lnSpc>
-              <a:spcBef>
-                <a:spcPts val="1000"/>
-              </a:spcBef>
-              <a:buFont typeface="Arial" panose="020B0604020202020204" pitchFamily="34" charset="0"/>
-              <a:buChar char="•"/>
-              <a:defRPr sz="2800" kern="1200">
-                <a:solidFill>
-                  <a:schemeClr val="tx1"/>
-                </a:solidFill>
-                <a:latin typeface="+mn-lt"/>
-                <a:ea typeface="+mn-ea"/>
-                <a:cs typeface="+mn-cs"/>
-              </a:defRPr>
-            </a:lvl1pPr>
-            <a:lvl2pPr marL="685800" indent="-228600" algn="l" defTabSz="914400" rtl="0" eaLnBrk="1" latinLnBrk="0" hangingPunct="1">
-              <a:lnSpc>
-                <a:spcPct val="90000"/>
-              </a:lnSpc>
-              <a:spcBef>
-                <a:spcPts val="500"/>
-              </a:spcBef>
-              <a:buFont typeface="Arial" panose="020B0604020202020204" pitchFamily="34" charset="0"/>
-              <a:buChar char="•"/>
-              <a:defRPr sz="2400" kern="1200">
-                <a:solidFill>
-                  <a:schemeClr val="tx1"/>
-                </a:solidFill>
-                <a:latin typeface="+mn-lt"/>
-                <a:ea typeface="+mn-ea"/>
-                <a:cs typeface="+mn-cs"/>
-              </a:defRPr>
-            </a:lvl2pPr>
-            <a:lvl3pPr marL="1143000" indent="-228600" algn="l" defTabSz="914400" rtl="0" eaLnBrk="1" latinLnBrk="0" hangingPunct="1">
-              <a:lnSpc>
-                <a:spcPct val="90000"/>
-              </a:lnSpc>
-              <a:spcBef>
-                <a:spcPts val="500"/>
-              </a:spcBef>
-              <a:buFont typeface="Arial" panose="020B0604020202020204" pitchFamily="34" charset="0"/>
-              <a:buChar char="•"/>
-              <a:defRPr sz="2000" kern="1200">
-                <a:solidFill>
-                  <a:schemeClr val="tx1"/>
-                </a:solidFill>
-                <a:latin typeface="+mn-lt"/>
-                <a:ea typeface="+mn-ea"/>
-                <a:cs typeface="+mn-cs"/>
-              </a:defRPr>
-            </a:lvl3pPr>
-            <a:lvl4pPr marL="1600200" indent="-228600" algn="l" defTabSz="914400" rtl="0" eaLnBrk="1" latinLnBrk="0" hangingPunct="1">
-              <a:lnSpc>
-                <a:spcPct val="90000"/>
-              </a:lnSpc>
-              <a:spcBef>
-                <a:spcPts val="500"/>
-              </a:spcBef>
-              <a:buFont typeface="Arial" panose="020B0604020202020204" pitchFamily="34" charset="0"/>
-              <a:buChar char="•"/>
-              <a:defRPr sz="1800" kern="1200">
-                <a:solidFill>
-                  <a:schemeClr val="tx1"/>
-                </a:solidFill>
-                <a:latin typeface="+mn-lt"/>
-                <a:ea typeface="+mn-ea"/>
-                <a:cs typeface="+mn-cs"/>
-              </a:defRPr>
-            </a:lvl4pPr>
-            <a:lvl5pPr marL="2057400" indent="-228600" algn="l" defTabSz="914400" rtl="0" eaLnBrk="1" latinLnBrk="0" hangingPunct="1">
-              <a:lnSpc>
-                <a:spcPct val="90000"/>
-              </a:lnSpc>
-              <a:spcBef>
-                <a:spcPts val="500"/>
-              </a:spcBef>
-              <a:buFont typeface="Arial" panose="020B0604020202020204" pitchFamily="34" charset="0"/>
-              <a:buChar char="•"/>
-              <a:defRPr sz="1800" kern="1200">
-                <a:solidFill>
-                  <a:schemeClr val="tx1"/>
-                </a:solidFill>
-                <a:latin typeface="+mn-lt"/>
-                <a:ea typeface="+mn-ea"/>
-                <a:cs typeface="+mn-cs"/>
-              </a:defRPr>
-            </a:lvl5pPr>
-            <a:lvl6pPr marL="2514600" indent="-228600" algn="l" defTabSz="914400" rtl="0" eaLnBrk="1" latinLnBrk="0" hangingPunct="1">
-              <a:lnSpc>
-                <a:spcPct val="90000"/>
-              </a:lnSpc>
-              <a:spcBef>
-                <a:spcPts val="500"/>
-              </a:spcBef>
-              <a:buFont typeface="Arial" panose="020B0604020202020204" pitchFamily="34" charset="0"/>
-              <a:buChar char="•"/>
-              <a:defRPr sz="1800" kern="1200">
-                <a:solidFill>
-                  <a:schemeClr val="tx1"/>
-                </a:solidFill>
-                <a:latin typeface="+mn-lt"/>
-                <a:ea typeface="+mn-ea"/>
-                <a:cs typeface="+mn-cs"/>
-              </a:defRPr>
-            </a:lvl6pPr>
-            <a:lvl7pPr marL="2971800" indent="-228600" algn="l" defTabSz="914400" rtl="0" eaLnBrk="1" latinLnBrk="0" hangingPunct="1">
-              <a:lnSpc>
-                <a:spcPct val="90000"/>
-              </a:lnSpc>
-              <a:spcBef>
-                <a:spcPts val="500"/>
-              </a:spcBef>
-              <a:buFont typeface="Arial" panose="020B0604020202020204" pitchFamily="34" charset="0"/>
-              <a:buChar char="•"/>
-              <a:defRPr sz="1800" kern="1200">
-                <a:solidFill>
-                  <a:schemeClr val="tx1"/>
-                </a:solidFill>
-                <a:latin typeface="+mn-lt"/>
-                <a:ea typeface="+mn-ea"/>
-                <a:cs typeface="+mn-cs"/>
-              </a:defRPr>
-            </a:lvl7pPr>
-            <a:lvl8pPr marL="3429000" indent="-228600" algn="l" defTabSz="914400" rtl="0" eaLnBrk="1" latinLnBrk="0" hangingPunct="1">
-              <a:lnSpc>
-                <a:spcPct val="90000"/>
-              </a:lnSpc>
-              <a:spcBef>
-                <a:spcPts val="500"/>
-              </a:spcBef>
-              <a:buFont typeface="Arial" panose="020B0604020202020204" pitchFamily="34" charset="0"/>
-              <a:buChar char="•"/>
-              <a:defRPr sz="1800" kern="1200">
-                <a:solidFill>
-                  <a:schemeClr val="tx1"/>
-                </a:solidFill>
-                <a:latin typeface="+mn-lt"/>
-                <a:ea typeface="+mn-ea"/>
-                <a:cs typeface="+mn-cs"/>
-              </a:defRPr>
-            </a:lvl8pPr>
-            <a:lvl9pPr marL="3886200" indent="-228600" algn="l" defTabSz="914400" rtl="0" eaLnBrk="1" latinLnBrk="0" hangingPunct="1">
-              <a:lnSpc>
-                <a:spcPct val="90000"/>
-              </a:lnSpc>
-              <a:spcBef>
-                <a:spcPts val="500"/>
-              </a:spcBef>
-              <a:buFont typeface="Arial" panose="020B0604020202020204" pitchFamily="34" charset="0"/>
-              <a:buChar char="•"/>
-              <a:defRPr sz="1800" kern="1200">
-                <a:solidFill>
-                  <a:schemeClr val="tx1"/>
-                </a:solidFill>
-                <a:latin typeface="+mn-lt"/>
-                <a:ea typeface="+mn-ea"/>
-                <a:cs typeface="+mn-cs"/>
-              </a:defRPr>
-            </a:lvl9pPr>
-          </a:lstStyle>
-          <a:p>
-            <a:r>
-              <a:rPr lang="en-US" dirty="0" err="1"/>
-              <a:t>Github</a:t>
-            </a:r>
-            <a:r>
-              <a:rPr lang="en-US" dirty="0"/>
-              <a:t> is a web/desktop interface for version control</a:t>
-            </a:r>
-          </a:p>
-          <a:p>
-            <a:r>
-              <a:rPr lang="en-US" dirty="0"/>
-              <a:t>Free hosting service that allows you to work collaboratively online</a:t>
-            </a:r>
           </a:p>
         </p:txBody>
       </p:sp>
       <p:pic>
         <p:nvPicPr>
-          <p:cNvPr id="6" name="Picture 5"/>
+          <p:cNvPr id="4" name="Picture 3"/>
           <p:cNvPicPr>
             <a:picLocks noChangeAspect="1"/>
           </p:cNvPicPr>
           <p:nvPr/>
         </p:nvPicPr>
-        <p:blipFill rotWithShape="1">
+        <p:blipFill>
           <a:blip r:embed="rId2"/>
-          <a:srcRect b="15522"/>
-          <a:stretch/>
+          <a:stretch>
+            <a:fillRect/>
+          </a:stretch>
         </p:blipFill>
         <p:spPr>
           <a:xfrm>
-            <a:off x="838200" y="3814916"/>
-            <a:ext cx="4549109" cy="2702028"/>
+            <a:off x="356649" y="1958454"/>
+            <a:ext cx="11057999" cy="4651896"/>
           </a:xfrm>
           <a:prstGeom prst="rect">
             <a:avLst/>
           </a:prstGeom>
         </p:spPr>
       </p:pic>
-      <p:pic>
-        <p:nvPicPr>
-          <p:cNvPr id="7" name="Picture 6"/>
-          <p:cNvPicPr>
-            <a:picLocks noChangeAspect="1"/>
-          </p:cNvPicPr>
-          <p:nvPr/>
-        </p:nvPicPr>
-        <p:blipFill>
-          <a:blip r:embed="rId3"/>
-          <a:stretch>
-            <a:fillRect/>
-          </a:stretch>
-        </p:blipFill>
-        <p:spPr>
-          <a:xfrm>
-            <a:off x="4055806" y="5391303"/>
-            <a:ext cx="992289" cy="992289"/>
-          </a:xfrm>
-          <a:prstGeom prst="rect">
-            <a:avLst/>
-          </a:prstGeom>
-        </p:spPr>
-      </p:pic>
-      <p:pic>
-        <p:nvPicPr>
-          <p:cNvPr id="8" name="Picture 7"/>
-          <p:cNvPicPr>
-            <a:picLocks noChangeAspect="1"/>
-          </p:cNvPicPr>
-          <p:nvPr/>
-        </p:nvPicPr>
-        <p:blipFill rotWithShape="1">
-          <a:blip r:embed="rId4"/>
-          <a:srcRect l="10872" r="11660"/>
-          <a:stretch/>
-        </p:blipFill>
-        <p:spPr>
-          <a:xfrm>
-            <a:off x="6576131" y="3746090"/>
-            <a:ext cx="4057568" cy="2868583"/>
-          </a:xfrm>
-          <a:prstGeom prst="rect">
-            <a:avLst/>
-          </a:prstGeom>
-        </p:spPr>
-      </p:pic>
-      <p:sp>
-        <p:nvSpPr>
-          <p:cNvPr id="5" name="Rectangle 4"/>
-          <p:cNvSpPr/>
-          <p:nvPr/>
-        </p:nvSpPr>
-        <p:spPr>
-          <a:xfrm>
-            <a:off x="0" y="0"/>
-            <a:ext cx="12191999" cy="6858000"/>
-          </a:xfrm>
-          <a:prstGeom prst="rect">
-            <a:avLst/>
-          </a:prstGeom>
-          <a:solidFill>
-            <a:schemeClr val="bg1">
-              <a:alpha val="80000"/>
-            </a:schemeClr>
-          </a:solidFill>
-        </p:spPr>
-        <p:style>
-          <a:lnRef idx="2">
-            <a:schemeClr val="accent1">
-              <a:shade val="50000"/>
-            </a:schemeClr>
-          </a:lnRef>
-          <a:fillRef idx="1">
-            <a:schemeClr val="accent1"/>
-          </a:fillRef>
-          <a:effectRef idx="0">
-            <a:schemeClr val="accent1"/>
-          </a:effectRef>
-          <a:fontRef idx="minor">
-            <a:schemeClr val="lt1"/>
-          </a:fontRef>
-        </p:style>
-        <p:txBody>
-          <a:bodyPr rtlCol="0" anchor="ctr"/>
-          <a:lstStyle/>
-          <a:p>
-            <a:pPr algn="ctr"/>
-            <a:endParaRPr lang="en-US">
-              <a:solidFill>
-                <a:schemeClr val="bg1"/>
-              </a:solidFill>
-            </a:endParaRPr>
-          </a:p>
-        </p:txBody>
-      </p:sp>
-      <p:sp>
-        <p:nvSpPr>
-          <p:cNvPr id="9" name="Content Placeholder 2"/>
-          <p:cNvSpPr txBox="1">
-            <a:spLocks/>
-          </p:cNvSpPr>
-          <p:nvPr/>
-        </p:nvSpPr>
-        <p:spPr>
-          <a:xfrm>
-            <a:off x="1597886" y="4043979"/>
-            <a:ext cx="10262419" cy="1920465"/>
-          </a:xfrm>
-          <a:prstGeom prst="rect">
-            <a:avLst/>
-          </a:prstGeom>
-          <a:noFill/>
-        </p:spPr>
-        <p:txBody>
-          <a:bodyPr vert="horz" lIns="91440" tIns="45720" rIns="91440" bIns="45720" rtlCol="0">
-            <a:normAutofit/>
-          </a:bodyPr>
-          <a:lstStyle>
-            <a:lvl1pPr marL="228600" indent="-228600" algn="l" defTabSz="914400" rtl="0" eaLnBrk="1" latinLnBrk="0" hangingPunct="1">
-              <a:lnSpc>
-                <a:spcPct val="90000"/>
-              </a:lnSpc>
-              <a:spcBef>
-                <a:spcPts val="1000"/>
-              </a:spcBef>
-              <a:buFont typeface="Arial" panose="020B0604020202020204" pitchFamily="34" charset="0"/>
-              <a:buChar char="•"/>
-              <a:defRPr sz="2800" kern="1200">
-                <a:solidFill>
-                  <a:schemeClr val="tx1"/>
-                </a:solidFill>
-                <a:latin typeface="+mn-lt"/>
-                <a:ea typeface="+mn-ea"/>
-                <a:cs typeface="+mn-cs"/>
-              </a:defRPr>
-            </a:lvl1pPr>
-            <a:lvl2pPr marL="685800" indent="-228600" algn="l" defTabSz="914400" rtl="0" eaLnBrk="1" latinLnBrk="0" hangingPunct="1">
-              <a:lnSpc>
-                <a:spcPct val="90000"/>
-              </a:lnSpc>
-              <a:spcBef>
-                <a:spcPts val="500"/>
-              </a:spcBef>
-              <a:buFont typeface="Arial" panose="020B0604020202020204" pitchFamily="34" charset="0"/>
-              <a:buChar char="•"/>
-              <a:defRPr sz="2400" kern="1200">
-                <a:solidFill>
-                  <a:schemeClr val="tx1"/>
-                </a:solidFill>
-                <a:latin typeface="+mn-lt"/>
-                <a:ea typeface="+mn-ea"/>
-                <a:cs typeface="+mn-cs"/>
-              </a:defRPr>
-            </a:lvl2pPr>
-            <a:lvl3pPr marL="1143000" indent="-228600" algn="l" defTabSz="914400" rtl="0" eaLnBrk="1" latinLnBrk="0" hangingPunct="1">
-              <a:lnSpc>
-                <a:spcPct val="90000"/>
-              </a:lnSpc>
-              <a:spcBef>
-                <a:spcPts val="500"/>
-              </a:spcBef>
-              <a:buFont typeface="Arial" panose="020B0604020202020204" pitchFamily="34" charset="0"/>
-              <a:buChar char="•"/>
-              <a:defRPr sz="2000" kern="1200">
-                <a:solidFill>
-                  <a:schemeClr val="tx1"/>
-                </a:solidFill>
-                <a:latin typeface="+mn-lt"/>
-                <a:ea typeface="+mn-ea"/>
-                <a:cs typeface="+mn-cs"/>
-              </a:defRPr>
-            </a:lvl3pPr>
-            <a:lvl4pPr marL="1600200" indent="-228600" algn="l" defTabSz="914400" rtl="0" eaLnBrk="1" latinLnBrk="0" hangingPunct="1">
-              <a:lnSpc>
-                <a:spcPct val="90000"/>
-              </a:lnSpc>
-              <a:spcBef>
-                <a:spcPts val="500"/>
-              </a:spcBef>
-              <a:buFont typeface="Arial" panose="020B0604020202020204" pitchFamily="34" charset="0"/>
-              <a:buChar char="•"/>
-              <a:defRPr sz="1800" kern="1200">
-                <a:solidFill>
-                  <a:schemeClr val="tx1"/>
-                </a:solidFill>
-                <a:latin typeface="+mn-lt"/>
-                <a:ea typeface="+mn-ea"/>
-                <a:cs typeface="+mn-cs"/>
-              </a:defRPr>
-            </a:lvl4pPr>
-            <a:lvl5pPr marL="2057400" indent="-228600" algn="l" defTabSz="914400" rtl="0" eaLnBrk="1" latinLnBrk="0" hangingPunct="1">
-              <a:lnSpc>
-                <a:spcPct val="90000"/>
-              </a:lnSpc>
-              <a:spcBef>
-                <a:spcPts val="500"/>
-              </a:spcBef>
-              <a:buFont typeface="Arial" panose="020B0604020202020204" pitchFamily="34" charset="0"/>
-              <a:buChar char="•"/>
-              <a:defRPr sz="1800" kern="1200">
-                <a:solidFill>
-                  <a:schemeClr val="tx1"/>
-                </a:solidFill>
-                <a:latin typeface="+mn-lt"/>
-                <a:ea typeface="+mn-ea"/>
-                <a:cs typeface="+mn-cs"/>
-              </a:defRPr>
-            </a:lvl5pPr>
-            <a:lvl6pPr marL="2514600" indent="-228600" algn="l" defTabSz="914400" rtl="0" eaLnBrk="1" latinLnBrk="0" hangingPunct="1">
-              <a:lnSpc>
-                <a:spcPct val="90000"/>
-              </a:lnSpc>
-              <a:spcBef>
-                <a:spcPts val="500"/>
-              </a:spcBef>
-              <a:buFont typeface="Arial" panose="020B0604020202020204" pitchFamily="34" charset="0"/>
-              <a:buChar char="•"/>
-              <a:defRPr sz="1800" kern="1200">
-                <a:solidFill>
-                  <a:schemeClr val="tx1"/>
-                </a:solidFill>
-                <a:latin typeface="+mn-lt"/>
-                <a:ea typeface="+mn-ea"/>
-                <a:cs typeface="+mn-cs"/>
-              </a:defRPr>
-            </a:lvl6pPr>
-            <a:lvl7pPr marL="2971800" indent="-228600" algn="l" defTabSz="914400" rtl="0" eaLnBrk="1" latinLnBrk="0" hangingPunct="1">
-              <a:lnSpc>
-                <a:spcPct val="90000"/>
-              </a:lnSpc>
-              <a:spcBef>
-                <a:spcPts val="500"/>
-              </a:spcBef>
-              <a:buFont typeface="Arial" panose="020B0604020202020204" pitchFamily="34" charset="0"/>
-              <a:buChar char="•"/>
-              <a:defRPr sz="1800" kern="1200">
-                <a:solidFill>
-                  <a:schemeClr val="tx1"/>
-                </a:solidFill>
-                <a:latin typeface="+mn-lt"/>
-                <a:ea typeface="+mn-ea"/>
-                <a:cs typeface="+mn-cs"/>
-              </a:defRPr>
-            </a:lvl7pPr>
-            <a:lvl8pPr marL="3429000" indent="-228600" algn="l" defTabSz="914400" rtl="0" eaLnBrk="1" latinLnBrk="0" hangingPunct="1">
-              <a:lnSpc>
-                <a:spcPct val="90000"/>
-              </a:lnSpc>
-              <a:spcBef>
-                <a:spcPts val="500"/>
-              </a:spcBef>
-              <a:buFont typeface="Arial" panose="020B0604020202020204" pitchFamily="34" charset="0"/>
-              <a:buChar char="•"/>
-              <a:defRPr sz="1800" kern="1200">
-                <a:solidFill>
-                  <a:schemeClr val="tx1"/>
-                </a:solidFill>
-                <a:latin typeface="+mn-lt"/>
-                <a:ea typeface="+mn-ea"/>
-                <a:cs typeface="+mn-cs"/>
-              </a:defRPr>
-            </a:lvl8pPr>
-            <a:lvl9pPr marL="3886200" indent="-228600" algn="l" defTabSz="914400" rtl="0" eaLnBrk="1" latinLnBrk="0" hangingPunct="1">
-              <a:lnSpc>
-                <a:spcPct val="90000"/>
-              </a:lnSpc>
-              <a:spcBef>
-                <a:spcPts val="500"/>
-              </a:spcBef>
-              <a:buFont typeface="Arial" panose="020B0604020202020204" pitchFamily="34" charset="0"/>
-              <a:buChar char="•"/>
-              <a:defRPr sz="1800" kern="1200">
-                <a:solidFill>
-                  <a:schemeClr val="tx1"/>
-                </a:solidFill>
-                <a:latin typeface="+mn-lt"/>
-                <a:ea typeface="+mn-ea"/>
-                <a:cs typeface="+mn-cs"/>
-              </a:defRPr>
-            </a:lvl9pPr>
-          </a:lstStyle>
-          <a:p>
-            <a:r>
-              <a:rPr lang="en-US" dirty="0"/>
-              <a:t>You can use </a:t>
-            </a:r>
-            <a:r>
-              <a:rPr lang="en-US" dirty="0" err="1"/>
-              <a:t>Github</a:t>
-            </a:r>
-            <a:r>
-              <a:rPr lang="en-US" dirty="0"/>
-              <a:t> without knowing </a:t>
-            </a:r>
-            <a:r>
-              <a:rPr lang="en-US" dirty="0" err="1"/>
-              <a:t>Git</a:t>
-            </a:r>
-            <a:r>
-              <a:rPr lang="en-US" dirty="0"/>
-              <a:t> or how to use the command line</a:t>
-            </a:r>
-          </a:p>
-          <a:p>
-            <a:pPr marL="0" indent="0">
-              <a:buNone/>
-            </a:pPr>
-            <a:endParaRPr lang="en-US" dirty="0"/>
-          </a:p>
-          <a:p>
-            <a:r>
-              <a:rPr lang="en-US" dirty="0"/>
-              <a:t>Today we will focus on </a:t>
-            </a:r>
-            <a:r>
-              <a:rPr lang="en-US" dirty="0" err="1"/>
-              <a:t>Github</a:t>
-            </a:r>
-            <a:r>
-              <a:rPr lang="en-US" dirty="0"/>
-              <a:t> and </a:t>
-            </a:r>
-            <a:r>
-              <a:rPr lang="en-US" dirty="0" err="1"/>
-              <a:t>Github</a:t>
-            </a:r>
-            <a:r>
-              <a:rPr lang="en-US" dirty="0"/>
-              <a:t> desktop </a:t>
-            </a:r>
-          </a:p>
-        </p:txBody>
-      </p:sp>
     </p:spTree>
     <p:extLst>
       <p:ext uri="{BB962C8B-B14F-4D97-AF65-F5344CB8AC3E}">
-        <p14:creationId xmlns:p14="http://schemas.microsoft.com/office/powerpoint/2010/main" val="446067528"/>
+        <p14:creationId xmlns:p14="http://schemas.microsoft.com/office/powerpoint/2010/main" val="1452016407"/>
       </p:ext>
     </p:extLst>
   </p:cSld>
@@ -4332,8 +3733,13 @@
           <a:p>
             <a:r>
               <a:rPr lang="en-US" dirty="0"/>
-              <a:t>The repo (repository)</a:t>
-            </a:r>
+              <a:t>Try something new without messing up your </a:t>
+            </a:r>
+            <a:r>
+              <a:rPr lang="en-US" dirty="0" smtClean="0"/>
+              <a:t>project</a:t>
+            </a:r>
+            <a:endParaRPr lang="en-US" dirty="0"/>
           </a:p>
         </p:txBody>
       </p:sp>
@@ -4352,40 +3758,64 @@
           <a:bodyPr/>
           <a:lstStyle/>
           <a:p>
-            <a:r>
-              <a:rPr lang="en-US" dirty="0"/>
-              <a:t>The home for your project</a:t>
-            </a:r>
-          </a:p>
-          <a:p>
-            <a:r>
-              <a:rPr lang="en-US" dirty="0"/>
-              <a:t>All of the files are stored here (including old versions)</a:t>
-            </a:r>
-          </a:p>
-          <a:p>
-            <a:r>
-              <a:rPr lang="en-US" dirty="0"/>
-              <a:t>Files in the repo are stored both locally and on </a:t>
-            </a:r>
-            <a:r>
-              <a:rPr lang="en-US" dirty="0" err="1"/>
-              <a:t>Github</a:t>
-            </a:r>
             <a:endParaRPr lang="en-US" dirty="0"/>
           </a:p>
         </p:txBody>
       </p:sp>
+      <p:pic>
+        <p:nvPicPr>
+          <p:cNvPr id="5" name="Picture 4"/>
+          <p:cNvPicPr>
+            <a:picLocks noChangeAspect="1"/>
+          </p:cNvPicPr>
+          <p:nvPr/>
+        </p:nvPicPr>
+        <p:blipFill>
+          <a:blip r:embed="rId2">
+            <a:extLst>
+              <a:ext uri="{BEBA8EAE-BF5A-486C-A8C5-ECC9F3942E4B}">
+                <a14:imgProps xmlns:a14="http://schemas.microsoft.com/office/drawing/2010/main">
+                  <a14:imgLayer r:embed="rId3">
+                    <a14:imgEffect>
+                      <a14:brightnessContrast bright="20000"/>
+                    </a14:imgEffect>
+                  </a14:imgLayer>
+                </a14:imgProps>
+              </a:ext>
+            </a:extLst>
+          </a:blip>
+          <a:stretch>
+            <a:fillRect/>
+          </a:stretch>
+        </p:blipFill>
+        <p:spPr>
+          <a:xfrm>
+            <a:off x="3193576" y="1513764"/>
+            <a:ext cx="4817660" cy="4817660"/>
+          </a:xfrm>
+          <a:prstGeom prst="rect">
+            <a:avLst/>
+          </a:prstGeom>
+        </p:spPr>
+      </p:pic>
     </p:spTree>
     <p:extLst>
       <p:ext uri="{BB962C8B-B14F-4D97-AF65-F5344CB8AC3E}">
-        <p14:creationId xmlns:p14="http://schemas.microsoft.com/office/powerpoint/2010/main" val="2234043758"/>
+        <p14:creationId xmlns:p14="http://schemas.microsoft.com/office/powerpoint/2010/main" val="3997331958"/>
       </p:ext>
     </p:extLst>
   </p:cSld>
   <p:clrMapOvr>
     <a:masterClrMapping/>
   </p:clrMapOvr>
+  <mc:AlternateContent xmlns:mc="http://schemas.openxmlformats.org/markup-compatibility/2006">
+    <mc:Choice xmlns:p14="http://schemas.microsoft.com/office/powerpoint/2010/main" Requires="p14">
+      <p:transition spd="slow" p14:dur="2000"/>
+    </mc:Choice>
+    <mc:Fallback>
+      <p:transition spd="slow"/>
+    </mc:Fallback>
+  </mc:AlternateContent>
 </p:sld>
 </file>
 
@@ -4423,7 +3853,7 @@
           <a:p>
             <a:r>
               <a:rPr lang="en-US" dirty="0"/>
-              <a:t>Version control</a:t>
+              <a:t>Branch/Merge</a:t>
             </a:r>
           </a:p>
         </p:txBody>
@@ -4445,27 +3875,44 @@
           <a:p>
             <a:r>
               <a:rPr lang="en-US" dirty="0"/>
-              <a:t>Track changes to a file</a:t>
+              <a:t>Try new things without messing up a project</a:t>
             </a:r>
           </a:p>
           <a:p>
             <a:r>
               <a:rPr lang="en-US" dirty="0"/>
-              <a:t>go back to previous versions of a file</a:t>
-            </a:r>
-          </a:p>
-          <a:p>
-            <a:r>
-              <a:rPr lang="en-US" dirty="0"/>
-              <a:t>Merge/resolve conflicting versions of a file</a:t>
-            </a:r>
-          </a:p>
-        </p:txBody>
-      </p:sp>
+              <a:t>Make code better without breaking existing code</a:t>
+            </a:r>
+          </a:p>
+        </p:txBody>
+      </p:sp>
+      <p:pic>
+        <p:nvPicPr>
+          <p:cNvPr id="4" name="Picture 3"/>
+          <p:cNvPicPr>
+            <a:picLocks noChangeAspect="1"/>
+          </p:cNvPicPr>
+          <p:nvPr/>
+        </p:nvPicPr>
+        <p:blipFill rotWithShape="1">
+          <a:blip r:embed="rId2"/>
+          <a:srcRect l="4762" r="5074"/>
+          <a:stretch/>
+        </p:blipFill>
+        <p:spPr>
+          <a:xfrm>
+            <a:off x="0" y="3039977"/>
+            <a:ext cx="12026517" cy="3351298"/>
+          </a:xfrm>
+          <a:prstGeom prst="rect">
+            <a:avLst/>
+          </a:prstGeom>
+        </p:spPr>
+      </p:pic>
     </p:spTree>
     <p:extLst>
       <p:ext uri="{BB962C8B-B14F-4D97-AF65-F5344CB8AC3E}">
-        <p14:creationId xmlns:p14="http://schemas.microsoft.com/office/powerpoint/2010/main" val="863938580"/>
+        <p14:creationId xmlns:p14="http://schemas.microsoft.com/office/powerpoint/2010/main" val="2598613010"/>
       </p:ext>
     </p:extLst>
   </p:cSld>
@@ -4508,9 +3955,10 @@
           <a:lstStyle/>
           <a:p>
             <a:r>
-              <a:rPr lang="en-US" dirty="0"/>
-              <a:t>Commit</a:t>
-            </a:r>
+              <a:rPr lang="en-US" dirty="0" smtClean="0"/>
+              <a:t>Reproducible research</a:t>
+            </a:r>
+            <a:endParaRPr lang="en-US" dirty="0"/>
           </a:p>
         </p:txBody>
       </p:sp>
@@ -4524,21 +3972,23 @@
             <p:ph idx="1"/>
           </p:nvPr>
         </p:nvSpPr>
-        <p:spPr/>
-        <p:txBody>
-          <a:bodyPr/>
-          <a:lstStyle/>
-          <a:p>
-            <a:r>
-              <a:rPr lang="en-US" dirty="0"/>
-              <a:t>save of a version of a file. </a:t>
-            </a:r>
+        <p:spPr>
+          <a:xfrm>
+            <a:off x="1676400" y="1450312"/>
+            <a:ext cx="10515600" cy="4351338"/>
+          </a:xfrm>
+        </p:spPr>
+        <p:txBody>
+          <a:bodyPr/>
+          <a:lstStyle/>
+          <a:p>
+            <a:endParaRPr lang="en-US" dirty="0"/>
           </a:p>
         </p:txBody>
       </p:sp>
       <p:pic>
         <p:nvPicPr>
-          <p:cNvPr id="4" name="Picture 3"/>
+          <p:cNvPr id="5" name="Picture 4"/>
           <p:cNvPicPr>
             <a:picLocks noChangeAspect="1"/>
           </p:cNvPicPr>
@@ -4552,8 +4002,8 @@
         </p:blipFill>
         <p:spPr>
           <a:xfrm>
-            <a:off x="1814512" y="2571750"/>
-            <a:ext cx="9600136" cy="4038600"/>
+            <a:off x="447926" y="1690688"/>
+            <a:ext cx="10519274" cy="4558352"/>
           </a:xfrm>
           <a:prstGeom prst="rect">
             <a:avLst/>
@@ -4563,13 +4013,21 @@
     </p:spTree>
     <p:extLst>
       <p:ext uri="{BB962C8B-B14F-4D97-AF65-F5344CB8AC3E}">
-        <p14:creationId xmlns:p14="http://schemas.microsoft.com/office/powerpoint/2010/main" val="3536666087"/>
+        <p14:creationId xmlns:p14="http://schemas.microsoft.com/office/powerpoint/2010/main" val="16346812"/>
       </p:ext>
     </p:extLst>
   </p:cSld>
   <p:clrMapOvr>
     <a:masterClrMapping/>
   </p:clrMapOvr>
+  <mc:AlternateContent xmlns:mc="http://schemas.openxmlformats.org/markup-compatibility/2006">
+    <mc:Choice xmlns:p14="http://schemas.microsoft.com/office/powerpoint/2010/main" Requires="p14">
+      <p:transition spd="slow" p14:dur="2000"/>
+    </mc:Choice>
+    <mc:Fallback>
+      <p:transition spd="slow"/>
+    </mc:Fallback>
+  </mc:AlternateContent>
 </p:sld>
 </file>
 
@@ -4606,9 +4064,10 @@
           <a:lstStyle/>
           <a:p>
             <a:r>
-              <a:rPr lang="en-US" dirty="0"/>
-              <a:t>Branch/Merge</a:t>
-            </a:r>
+              <a:rPr lang="en-US" dirty="0" smtClean="0"/>
+              <a:t>One home for your research project</a:t>
+            </a:r>
+            <a:endParaRPr lang="en-US" dirty="0"/>
           </a:p>
         </p:txBody>
       </p:sp>
@@ -4627,16 +4086,7 @@
           <a:bodyPr/>
           <a:lstStyle/>
           <a:p>
-            <a:r>
-              <a:rPr lang="en-US" dirty="0"/>
-              <a:t>Try new things without messing up a project</a:t>
-            </a:r>
-          </a:p>
-          <a:p>
-            <a:r>
-              <a:rPr lang="en-US" dirty="0"/>
-              <a:t>Make code better without breaking existing code</a:t>
-            </a:r>
+            <a:endParaRPr lang="en-US" dirty="0"/>
           </a:p>
         </p:txBody>
       </p:sp>
@@ -4650,13 +4100,13 @@
         </p:nvPicPr>
         <p:blipFill rotWithShape="1">
           <a:blip r:embed="rId2"/>
-          <a:srcRect l="4762" r="5074"/>
+          <a:srcRect t="9850" r="2712" b="6033"/>
           <a:stretch/>
         </p:blipFill>
         <p:spPr>
           <a:xfrm>
-            <a:off x="0" y="3039977"/>
-            <a:ext cx="12026517" cy="3351298"/>
+            <a:off x="1042080" y="1825625"/>
+            <a:ext cx="9519685" cy="4629882"/>
           </a:xfrm>
           <a:prstGeom prst="rect">
             <a:avLst/>
@@ -4666,7 +4116,7 @@
     </p:spTree>
     <p:extLst>
       <p:ext uri="{BB962C8B-B14F-4D97-AF65-F5344CB8AC3E}">
-        <p14:creationId xmlns:p14="http://schemas.microsoft.com/office/powerpoint/2010/main" val="1925196024"/>
+        <p14:creationId xmlns:p14="http://schemas.microsoft.com/office/powerpoint/2010/main" val="1528076977"/>
       </p:ext>
     </p:extLst>
   </p:cSld>
@@ -4695,40 +4145,24 @@
       </p:grpSpPr>
       <p:sp>
         <p:nvSpPr>
-          <p:cNvPr id="2" name="Title 1"/>
-          <p:cNvSpPr>
-            <a:spLocks noGrp="1"/>
-          </p:cNvSpPr>
-          <p:nvPr>
-            <p:ph type="title"/>
-          </p:nvPr>
-        </p:nvSpPr>
-        <p:spPr/>
-        <p:txBody>
-          <a:bodyPr/>
-          <a:lstStyle/>
-          <a:p>
-            <a:r>
-              <a:rPr lang="en-US" dirty="0"/>
-              <a:t>Issues</a:t>
-            </a:r>
-          </a:p>
-        </p:txBody>
-      </p:sp>
-      <p:sp>
-        <p:nvSpPr>
-          <p:cNvPr id="3" name="Content Placeholder 2"/>
-          <p:cNvSpPr>
-            <a:spLocks noGrp="1"/>
-          </p:cNvSpPr>
-          <p:nvPr>
-            <p:ph idx="1"/>
+          <p:cNvPr id="3" name="Text Placeholder 2">
+            <a:extLst>
+              <a:ext uri="{FF2B5EF4-FFF2-40B4-BE49-F238E27FC236}">
+                <a16:creationId xmlns:a16="http://schemas.microsoft.com/office/drawing/2014/main" id="{CBBEC366-C759-494E-BEFD-6DED92045DAC}"/>
+              </a:ext>
+            </a:extLst>
+          </p:cNvPr>
+          <p:cNvSpPr>
+            <a:spLocks noGrp="1"/>
+          </p:cNvSpPr>
+          <p:nvPr>
+            <p:ph type="body" idx="1"/>
           </p:nvPr>
         </p:nvSpPr>
         <p:spPr>
           <a:xfrm>
-            <a:off x="838200" y="1539875"/>
-            <a:ext cx="10515600" cy="4351338"/>
+            <a:off x="831850" y="4589464"/>
+            <a:ext cx="10515600" cy="430212"/>
           </a:xfrm>
         </p:spPr>
         <p:txBody>
@@ -4737,86 +4171,48 @@
           <a:p>
             <a:r>
               <a:rPr lang="en-US" dirty="0"/>
-              <a:t>To-do list for the project</a:t>
-            </a:r>
-          </a:p>
-          <a:p>
-            <a:pPr lvl="1"/>
-            <a:r>
-              <a:rPr lang="en-US" dirty="0"/>
-              <a:t>Bugs that need fixing</a:t>
-            </a:r>
-          </a:p>
-          <a:p>
-            <a:pPr lvl="1"/>
-            <a:r>
-              <a:rPr lang="en-US" dirty="0"/>
-              <a:t>Tasks needed to be done</a:t>
-            </a:r>
-          </a:p>
-          <a:p>
-            <a:pPr lvl="1"/>
-            <a:r>
-              <a:rPr lang="en-US" dirty="0"/>
-              <a:t>Future plans</a:t>
-            </a:r>
-          </a:p>
-          <a:p>
-            <a:r>
-              <a:rPr lang="en-US" dirty="0"/>
-              <a:t>Can assign issues to</a:t>
-            </a:r>
-            <a:br>
-              <a:rPr lang="en-US" dirty="0"/>
-            </a:br>
-            <a:r>
-              <a:rPr lang="en-US" dirty="0"/>
-              <a:t>collaborators (or yourself)</a:t>
-            </a:r>
-          </a:p>
-          <a:p>
-            <a:r>
-              <a:rPr lang="en-US" dirty="0"/>
-              <a:t>Can label issues for certain</a:t>
-            </a:r>
-            <a:br>
-              <a:rPr lang="en-US" dirty="0"/>
-            </a:br>
-            <a:r>
-              <a:rPr lang="en-US" dirty="0"/>
-              <a:t>parts of the project</a:t>
-            </a:r>
-          </a:p>
-        </p:txBody>
-      </p:sp>
-      <p:pic>
-        <p:nvPicPr>
-          <p:cNvPr id="4" name="Picture 3"/>
-          <p:cNvPicPr>
-            <a:picLocks noChangeAspect="1"/>
-          </p:cNvPicPr>
-          <p:nvPr/>
-        </p:nvPicPr>
-        <p:blipFill>
-          <a:blip r:embed="rId2"/>
-          <a:stretch>
-            <a:fillRect/>
-          </a:stretch>
-        </p:blipFill>
+              <a:t>Learning from Past Collaborations</a:t>
+            </a:r>
+          </a:p>
+        </p:txBody>
+      </p:sp>
+      <p:sp>
+        <p:nvSpPr>
+          <p:cNvPr id="7" name="Title 6">
+            <a:extLst>
+              <a:ext uri="{FF2B5EF4-FFF2-40B4-BE49-F238E27FC236}">
+                <a16:creationId xmlns:a16="http://schemas.microsoft.com/office/drawing/2014/main" id="{52783F39-79B3-4870-B7E0-BCD7EAF177B0}"/>
+              </a:ext>
+            </a:extLst>
+          </p:cNvPr>
+          <p:cNvSpPr>
+            <a:spLocks noGrp="1"/>
+          </p:cNvSpPr>
+          <p:nvPr>
+            <p:ph type="title"/>
+          </p:nvPr>
+        </p:nvSpPr>
         <p:spPr>
           <a:xfrm>
-            <a:off x="5086350" y="2099000"/>
-            <a:ext cx="7105650" cy="4530399"/>
+            <a:off x="831850" y="3648075"/>
+            <a:ext cx="10515600" cy="914400"/>
           </a:xfrm>
-          <a:prstGeom prst="rect">
-            <a:avLst/>
-          </a:prstGeom>
         </p:spPr>
-      </p:pic>
+        <p:txBody>
+          <a:bodyPr/>
+          <a:lstStyle/>
+          <a:p>
+            <a:r>
+              <a:rPr lang="en-US" dirty="0"/>
+              <a:t>Small Group Discussions</a:t>
+            </a:r>
+          </a:p>
+        </p:txBody>
+      </p:sp>
     </p:spTree>
     <p:extLst>
       <p:ext uri="{BB962C8B-B14F-4D97-AF65-F5344CB8AC3E}">
-        <p14:creationId xmlns:p14="http://schemas.microsoft.com/office/powerpoint/2010/main" val="2906930741"/>
+        <p14:creationId xmlns:p14="http://schemas.microsoft.com/office/powerpoint/2010/main" val="1827043774"/>
       </p:ext>
     </p:extLst>
   </p:cSld>
@@ -4827,7 +4223,7 @@
 </file>
 
 <file path=ppt/slides/slide16.xml><?xml version="1.0" encoding="utf-8"?>
-<p:sld xmlns:a="http://schemas.openxmlformats.org/drawingml/2006/main" xmlns:r="http://schemas.openxmlformats.org/officeDocument/2006/relationships" xmlns:p="http://schemas.openxmlformats.org/presentationml/2006/main" show="0">
+<p:sld xmlns:a="http://schemas.openxmlformats.org/drawingml/2006/main" xmlns:r="http://schemas.openxmlformats.org/officeDocument/2006/relationships" xmlns:p="http://schemas.openxmlformats.org/presentationml/2006/main">
   <p:cSld>
     <p:spTree>
       <p:nvGrpSpPr>
@@ -4845,7 +4241,13 @@
       </p:grpSpPr>
       <p:sp>
         <p:nvSpPr>
-          <p:cNvPr id="2" name="Title 1"/>
+          <p:cNvPr id="2" name="Title 1">
+            <a:extLst>
+              <a:ext uri="{FF2B5EF4-FFF2-40B4-BE49-F238E27FC236}">
+                <a16:creationId xmlns:a16="http://schemas.microsoft.com/office/drawing/2014/main" id="{4DBB3D5F-2B2C-4880-8F07-4EA749825D10}"/>
+              </a:ext>
+            </a:extLst>
+          </p:cNvPr>
           <p:cNvSpPr>
             <a:spLocks noGrp="1"/>
           </p:cNvSpPr>
@@ -4860,14 +4262,20 @@
           <a:p>
             <a:r>
               <a:rPr lang="en-US" dirty="0"/>
-              <a:t>Forking/Pull requests</a:t>
-            </a:r>
-          </a:p>
-        </p:txBody>
-      </p:sp>
-      <p:sp>
-        <p:nvSpPr>
-          <p:cNvPr id="3" name="Content Placeholder 2"/>
+              <a:t>Small Group Discussions</a:t>
+            </a:r>
+          </a:p>
+        </p:txBody>
+      </p:sp>
+      <p:sp>
+        <p:nvSpPr>
+          <p:cNvPr id="3" name="Content Placeholder 2">
+            <a:extLst>
+              <a:ext uri="{FF2B5EF4-FFF2-40B4-BE49-F238E27FC236}">
+                <a16:creationId xmlns:a16="http://schemas.microsoft.com/office/drawing/2014/main" id="{58DA7441-F606-4D88-B3AB-F330ECBB4130}"/>
+              </a:ext>
+            </a:extLst>
+          </p:cNvPr>
           <p:cNvSpPr>
             <a:spLocks noGrp="1"/>
           </p:cNvSpPr>
@@ -4877,62 +4285,90 @@
         </p:nvSpPr>
         <p:spPr/>
         <p:txBody>
-          <a:bodyPr/>
-          <a:lstStyle/>
-          <a:p>
+          <a:bodyPr>
+            <a:normAutofit lnSpcReduction="10000"/>
+          </a:bodyPr>
+          <a:lstStyle/>
+          <a:p>
+            <a:pPr marL="0" indent="0">
+              <a:buNone/>
+            </a:pPr>
+            <a:r>
+              <a:rPr lang="en-US" b="1" i="1" dirty="0"/>
+              <a:t>What you’ll need…</a:t>
+            </a:r>
+          </a:p>
+          <a:p>
+            <a:pPr marL="514350" indent="-514350">
+              <a:buAutoNum type="arabicPeriod"/>
+            </a:pPr>
             <a:r>
               <a:rPr lang="en-US" dirty="0"/>
-              <a:t>Make a copy of a repository</a:t>
-            </a:r>
-          </a:p>
-          <a:p>
-            <a:pPr lvl="1"/>
+              <a:t>Some people to talk with</a:t>
+            </a:r>
+          </a:p>
+          <a:p>
+            <a:pPr marL="514350" indent="-514350">
+              <a:buAutoNum type="arabicPeriod"/>
+            </a:pPr>
             <a:r>
               <a:rPr lang="en-US" dirty="0"/>
-              <a:t>Make changes</a:t>
-            </a:r>
-          </a:p>
-          <a:p>
-            <a:pPr lvl="1"/>
+              <a:t>Some notetaking technology (e.g., pen and paper, laptop, tablet)</a:t>
+            </a:r>
+          </a:p>
+          <a:p>
+            <a:pPr marL="514350" indent="-514350">
+              <a:buAutoNum type="arabicPeriod"/>
+            </a:pPr>
+            <a:endParaRPr lang="en-US" dirty="0"/>
+          </a:p>
+          <a:p>
+            <a:pPr marL="0" indent="0">
+              <a:buNone/>
+            </a:pPr>
+            <a:r>
+              <a:rPr lang="en-US" b="1" i="1" dirty="0"/>
+              <a:t>What we’ll do…</a:t>
+            </a:r>
+          </a:p>
+          <a:p>
+            <a:pPr marL="514350" indent="-514350">
+              <a:buAutoNum type="arabicPeriod"/>
+            </a:pPr>
             <a:r>
               <a:rPr lang="en-US" dirty="0"/>
-              <a:t>re-deploy as a different project</a:t>
-            </a:r>
-          </a:p>
-          <a:p>
-            <a:pPr lvl="1"/>
+              <a:t>Reflect on past collaborative experiences</a:t>
+            </a:r>
+          </a:p>
+          <a:p>
+            <a:pPr marL="514350" indent="-514350">
+              <a:buAutoNum type="arabicPeriod"/>
+            </a:pPr>
             <a:r>
               <a:rPr lang="en-US" dirty="0"/>
-              <a:t>Create a different/better version of the current repo</a:t>
-            </a:r>
-          </a:p>
-          <a:p>
-            <a:pPr lvl="1"/>
+              <a:t>Gather anecdotal evidence to support </a:t>
+            </a:r>
+            <a:r>
+              <a:rPr lang="en-US" i="1" dirty="0"/>
+              <a:t>The N Commandments of Collaborative Computing</a:t>
+            </a:r>
             <a:endParaRPr lang="en-US" dirty="0"/>
           </a:p>
           <a:p>
-            <a:pPr marL="457200" lvl="1" indent="0">
-              <a:buNone/>
+            <a:pPr marL="514350" indent="-514350">
+              <a:buAutoNum type="arabicPeriod"/>
             </a:pPr>
             <a:r>
-              <a:rPr lang="en-US" dirty="0">
-                <a:solidFill>
-                  <a:srgbClr val="FF0000"/>
-                </a:solidFill>
-              </a:rPr>
-              <a:t>Currently hidden slide. Maybe more than we want to get into</a:t>
-            </a:r>
-          </a:p>
-          <a:p>
-            <a:pPr lvl="1"/>
-            <a:endParaRPr lang="en-US" dirty="0"/>
+              <a:rPr lang="en-US" dirty="0"/>
+              <a:t>Focus on digital aspects and tools that worked (or not)</a:t>
+            </a:r>
           </a:p>
         </p:txBody>
       </p:sp>
     </p:spTree>
     <p:extLst>
       <p:ext uri="{BB962C8B-B14F-4D97-AF65-F5344CB8AC3E}">
-        <p14:creationId xmlns:p14="http://schemas.microsoft.com/office/powerpoint/2010/main" val="1193757105"/>
+        <p14:creationId xmlns:p14="http://schemas.microsoft.com/office/powerpoint/2010/main" val="431935109"/>
       </p:ext>
     </p:extLst>
   </p:cSld>
@@ -4961,111 +4397,95 @@
       </p:grpSpPr>
       <p:sp>
         <p:nvSpPr>
-          <p:cNvPr id="3" name="Text Placeholder 2">
-            <a:extLst>
-              <a:ext uri="{FF2B5EF4-FFF2-40B4-BE49-F238E27FC236}">
-                <a16:creationId xmlns:a16="http://schemas.microsoft.com/office/drawing/2014/main" id="{CBBEC366-C759-494E-BEFD-6DED92045DAC}"/>
-              </a:ext>
-            </a:extLst>
-          </p:cNvPr>
-          <p:cNvSpPr>
-            <a:spLocks noGrp="1"/>
-          </p:cNvSpPr>
-          <p:nvPr>
-            <p:ph type="body" idx="1"/>
-          </p:nvPr>
-        </p:nvSpPr>
-        <p:spPr>
-          <a:xfrm>
-            <a:off x="831850" y="4589464"/>
-            <a:ext cx="10515600" cy="430212"/>
-          </a:xfrm>
-        </p:spPr>
+          <p:cNvPr id="2" name="Title 1">
+            <a:extLst>
+              <a:ext uri="{FF2B5EF4-FFF2-40B4-BE49-F238E27FC236}">
+                <a16:creationId xmlns:a16="http://schemas.microsoft.com/office/drawing/2014/main" id="{F03E117D-36C5-4FC7-8EEF-CDC513A6F7D0}"/>
+              </a:ext>
+            </a:extLst>
+          </p:cNvPr>
+          <p:cNvSpPr>
+            <a:spLocks noGrp="1"/>
+          </p:cNvSpPr>
+          <p:nvPr>
+            <p:ph type="title"/>
+          </p:nvPr>
+        </p:nvSpPr>
+        <p:spPr/>
         <p:txBody>
           <a:bodyPr/>
           <a:lstStyle/>
           <a:p>
             <a:r>
               <a:rPr lang="en-US" dirty="0"/>
-              <a:t>A few scenarios that sound </a:t>
-            </a:r>
-            <a:r>
-              <a:rPr lang="en-US" dirty="0" err="1"/>
-              <a:t>familar</a:t>
+              <a:t>Part 1: Introductions</a:t>
+            </a:r>
+          </a:p>
+        </p:txBody>
+      </p:sp>
+      <p:sp>
+        <p:nvSpPr>
+          <p:cNvPr id="3" name="Content Placeholder 2">
+            <a:extLst>
+              <a:ext uri="{FF2B5EF4-FFF2-40B4-BE49-F238E27FC236}">
+                <a16:creationId xmlns:a16="http://schemas.microsoft.com/office/drawing/2014/main" id="{C35EAB37-4B0D-4848-B2E9-CCE1852B766C}"/>
+              </a:ext>
+            </a:extLst>
+          </p:cNvPr>
+          <p:cNvSpPr>
+            <a:spLocks noGrp="1"/>
+          </p:cNvSpPr>
+          <p:nvPr>
+            <p:ph idx="1"/>
+          </p:nvPr>
+        </p:nvSpPr>
+        <p:spPr/>
+        <p:txBody>
+          <a:bodyPr/>
+          <a:lstStyle/>
+          <a:p>
+            <a:pPr marL="0" indent="0">
+              <a:buNone/>
+            </a:pPr>
+            <a:r>
+              <a:rPr lang="en-US" b="1" i="1" dirty="0"/>
+              <a:t>Share…</a:t>
             </a:r>
             <a:endParaRPr lang="en-US" dirty="0"/>
           </a:p>
-        </p:txBody>
-      </p:sp>
-      <p:sp>
-        <p:nvSpPr>
-          <p:cNvPr id="7" name="Title 6">
-            <a:extLst>
-              <a:ext uri="{FF2B5EF4-FFF2-40B4-BE49-F238E27FC236}">
-                <a16:creationId xmlns:a16="http://schemas.microsoft.com/office/drawing/2014/main" id="{52783F39-79B3-4870-B7E0-BCD7EAF177B0}"/>
-              </a:ext>
-            </a:extLst>
-          </p:cNvPr>
-          <p:cNvSpPr>
-            <a:spLocks noGrp="1"/>
-          </p:cNvSpPr>
-          <p:nvPr>
-            <p:ph type="title"/>
-          </p:nvPr>
-        </p:nvSpPr>
-        <p:spPr>
-          <a:xfrm>
-            <a:off x="831850" y="3648075"/>
-            <a:ext cx="10515600" cy="914400"/>
-          </a:xfrm>
-        </p:spPr>
-        <p:txBody>
-          <a:bodyPr/>
-          <a:lstStyle/>
-          <a:p>
+          <a:p>
+            <a:pPr marL="514350" indent="-514350">
+              <a:buAutoNum type="arabicPeriod"/>
+            </a:pPr>
             <a:r>
               <a:rPr lang="en-US" dirty="0"/>
-              <a:t>Using </a:t>
-            </a:r>
-            <a:r>
-              <a:rPr lang="en-US" dirty="0" err="1"/>
-              <a:t>Github</a:t>
-            </a:r>
+              <a:t>Institution and LTER site</a:t>
+            </a:r>
+          </a:p>
+          <a:p>
+            <a:pPr marL="514350" indent="-514350">
+              <a:buAutoNum type="arabicPeriod"/>
+            </a:pPr>
             <a:r>
               <a:rPr lang="en-US" dirty="0"/>
-              <a:t> for collaboration</a:t>
-            </a:r>
-          </a:p>
-        </p:txBody>
-      </p:sp>
-      <p:pic>
-        <p:nvPicPr>
-          <p:cNvPr id="2" name="Picture 1"/>
-          <p:cNvPicPr>
-            <a:picLocks noChangeAspect="1"/>
-          </p:cNvPicPr>
-          <p:nvPr/>
-        </p:nvPicPr>
-        <p:blipFill>
-          <a:blip r:embed="rId2"/>
-          <a:stretch>
-            <a:fillRect/>
-          </a:stretch>
-        </p:blipFill>
-        <p:spPr>
-          <a:xfrm>
-            <a:off x="8045245" y="644474"/>
-            <a:ext cx="2758563" cy="2653364"/>
-          </a:xfrm>
-          <a:prstGeom prst="rect">
-            <a:avLst/>
-          </a:prstGeom>
-        </p:spPr>
-      </p:pic>
+              <a:t>Role (e.g., professor, postdoc, grad student, etc.)</a:t>
+            </a:r>
+          </a:p>
+          <a:p>
+            <a:pPr marL="514350" indent="-514350">
+              <a:buAutoNum type="arabicPeriod"/>
+            </a:pPr>
+            <a:r>
+              <a:rPr lang="en-US" dirty="0"/>
+              <a:t>Research area</a:t>
+            </a:r>
+          </a:p>
+        </p:txBody>
+      </p:sp>
     </p:spTree>
     <p:extLst>
       <p:ext uri="{BB962C8B-B14F-4D97-AF65-F5344CB8AC3E}">
-        <p14:creationId xmlns:p14="http://schemas.microsoft.com/office/powerpoint/2010/main" val="3017785426"/>
+        <p14:creationId xmlns:p14="http://schemas.microsoft.com/office/powerpoint/2010/main" val="3064312405"/>
       </p:ext>
     </p:extLst>
   </p:cSld>
@@ -5094,7 +4514,13 @@
       </p:grpSpPr>
       <p:sp>
         <p:nvSpPr>
-          <p:cNvPr id="2" name="Title 1"/>
+          <p:cNvPr id="2" name="Title 1">
+            <a:extLst>
+              <a:ext uri="{FF2B5EF4-FFF2-40B4-BE49-F238E27FC236}">
+                <a16:creationId xmlns:a16="http://schemas.microsoft.com/office/drawing/2014/main" id="{063DBBFE-8E9D-41E2-BD09-9C4A32165836}"/>
+              </a:ext>
+            </a:extLst>
+          </p:cNvPr>
           <p:cNvSpPr>
             <a:spLocks noGrp="1"/>
           </p:cNvSpPr>
@@ -5109,14 +4535,20 @@
           <a:p>
             <a:r>
               <a:rPr lang="en-US" dirty="0"/>
-              <a:t>Multiple people working on the same files</a:t>
-            </a:r>
-          </a:p>
-        </p:txBody>
-      </p:sp>
-      <p:sp>
-        <p:nvSpPr>
-          <p:cNvPr id="3" name="Content Placeholder 2"/>
+              <a:t>Part 2: Reflecting Back</a:t>
+            </a:r>
+          </a:p>
+        </p:txBody>
+      </p:sp>
+      <p:sp>
+        <p:nvSpPr>
+          <p:cNvPr id="3" name="Content Placeholder 2">
+            <a:extLst>
+              <a:ext uri="{FF2B5EF4-FFF2-40B4-BE49-F238E27FC236}">
+                <a16:creationId xmlns:a16="http://schemas.microsoft.com/office/drawing/2014/main" id="{527F693A-CD83-4ECC-A63D-6E07BDA34141}"/>
+              </a:ext>
+            </a:extLst>
+          </p:cNvPr>
           <p:cNvSpPr>
             <a:spLocks noGrp="1"/>
           </p:cNvSpPr>
@@ -5124,22 +4556,128 @@
             <p:ph idx="1"/>
           </p:nvPr>
         </p:nvSpPr>
-        <p:spPr/>
-        <p:txBody>
-          <a:bodyPr/>
-          <a:lstStyle/>
-          <a:p>
+        <p:spPr>
+          <a:xfrm>
+            <a:off x="838200" y="1501254"/>
+            <a:ext cx="10515600" cy="4675709"/>
+          </a:xfrm>
+        </p:spPr>
+        <p:txBody>
+          <a:bodyPr>
+            <a:normAutofit fontScale="92500" lnSpcReduction="20000"/>
+          </a:bodyPr>
+          <a:lstStyle/>
+          <a:p>
+            <a:pPr marL="0" indent="0">
+              <a:buNone/>
+            </a:pPr>
+            <a:r>
+              <a:rPr lang="en-US" b="1" i="1" dirty="0"/>
+              <a:t>Think…</a:t>
+            </a:r>
+            <a:endParaRPr lang="en-US" dirty="0"/>
+          </a:p>
+          <a:p>
+            <a:pPr marL="514350" indent="-514350">
+              <a:buFont typeface="+mj-lt"/>
+              <a:buAutoNum type="arabicPeriod"/>
+            </a:pPr>
             <a:r>
               <a:rPr lang="en-US" dirty="0"/>
-              <a:t>The multiple conflicting versions monster</a:t>
-            </a:r>
+              <a:t>What was the goal of the project (e.g., a paper, a novel dataset, a grant proposal, an outreach program, etc.)?</a:t>
+            </a:r>
+          </a:p>
+          <a:p>
+            <a:pPr marL="514350" indent="-514350">
+              <a:buFont typeface="+mj-lt"/>
+              <a:buAutoNum type="arabicPeriod"/>
+            </a:pPr>
+            <a:r>
+              <a:rPr lang="en-US" dirty="0"/>
+              <a:t>How many people were involved? What kind of people (e.g., interdisciplinary, different career stages, different technical expertise, etc.)?</a:t>
+            </a:r>
+          </a:p>
+          <a:p>
+            <a:pPr marL="514350" indent="-514350">
+              <a:buFont typeface="+mj-lt"/>
+              <a:buAutoNum type="arabicPeriod"/>
+            </a:pPr>
+            <a:r>
+              <a:rPr lang="en-US" dirty="0"/>
+              <a:t>Was the group based in one location? How long did the collaboration </a:t>
+            </a:r>
+            <a:r>
+              <a:rPr lang="en-US" dirty="0" smtClean="0"/>
+              <a:t>last?</a:t>
+            </a:r>
+          </a:p>
+          <a:p>
+            <a:pPr marL="0" indent="0">
+              <a:buNone/>
+            </a:pPr>
+            <a:r>
+              <a:rPr lang="en-US" b="1" i="1" dirty="0"/>
+              <a:t>Share</a:t>
+            </a:r>
+            <a:r>
+              <a:rPr lang="en-US" b="1" i="1" dirty="0" smtClean="0"/>
+              <a:t>…</a:t>
+            </a:r>
+          </a:p>
+          <a:p>
+            <a:pPr marL="514350" indent="-514350">
+              <a:buFont typeface="+mj-lt"/>
+              <a:buAutoNum type="arabicPeriod"/>
+            </a:pPr>
+            <a:r>
+              <a:rPr lang="en-US" dirty="0" smtClean="0"/>
+              <a:t>What was the project?</a:t>
+            </a:r>
+            <a:endParaRPr lang="en-US" dirty="0"/>
+          </a:p>
+          <a:p>
+            <a:pPr marL="514350" indent="-514350">
+              <a:buFont typeface="+mj-lt"/>
+              <a:buAutoNum type="arabicPeriod"/>
+            </a:pPr>
+            <a:r>
+              <a:rPr lang="en-US" dirty="0" smtClean="0"/>
+              <a:t>One </a:t>
+            </a:r>
+            <a:r>
+              <a:rPr lang="en-US" dirty="0"/>
+              <a:t>or two "highlights" – What worked smoothly in this </a:t>
+            </a:r>
+            <a:r>
+              <a:rPr lang="en-US" dirty="0" smtClean="0"/>
+              <a:t>group?</a:t>
+            </a:r>
+          </a:p>
+          <a:p>
+            <a:pPr marL="514350" indent="-514350">
+              <a:buFont typeface="+mj-lt"/>
+              <a:buAutoNum type="arabicPeriod"/>
+            </a:pPr>
+            <a:r>
+              <a:rPr lang="en-US" dirty="0" smtClean="0"/>
+              <a:t>One </a:t>
+            </a:r>
+            <a:r>
+              <a:rPr lang="en-US" dirty="0"/>
+              <a:t>or two "frustrations" – What could have gone better in this group</a:t>
+            </a:r>
+            <a:r>
+              <a:rPr lang="en-US" dirty="0" smtClean="0"/>
+              <a:t>?</a:t>
+            </a:r>
+            <a:endParaRPr lang="en-US" dirty="0"/>
           </a:p>
         </p:txBody>
       </p:sp>
     </p:spTree>
     <p:extLst>
       <p:ext uri="{BB962C8B-B14F-4D97-AF65-F5344CB8AC3E}">
-        <p14:creationId xmlns:p14="http://schemas.microsoft.com/office/powerpoint/2010/main" val="2222529625"/>
+        <p14:creationId xmlns:p14="http://schemas.microsoft.com/office/powerpoint/2010/main" val="2276565651"/>
       </p:ext>
     </p:extLst>
   </p:cSld>
@@ -5168,7 +4706,13 @@
       </p:grpSpPr>
       <p:sp>
         <p:nvSpPr>
-          <p:cNvPr id="2" name="Title 1"/>
+          <p:cNvPr id="2" name="Title 1">
+            <a:extLst>
+              <a:ext uri="{FF2B5EF4-FFF2-40B4-BE49-F238E27FC236}">
+                <a16:creationId xmlns:a16="http://schemas.microsoft.com/office/drawing/2014/main" id="{8767DBB4-F5AD-4316-BE61-85136EBF7846}"/>
+              </a:ext>
+            </a:extLst>
+          </p:cNvPr>
           <p:cNvSpPr>
             <a:spLocks noGrp="1"/>
           </p:cNvSpPr>
@@ -5183,14 +4727,20 @@
           <a:p>
             <a:r>
               <a:rPr lang="en-US" dirty="0"/>
-              <a:t>Version control and merge conflict resolution</a:t>
-            </a:r>
-          </a:p>
-        </p:txBody>
-      </p:sp>
-      <p:sp>
-        <p:nvSpPr>
-          <p:cNvPr id="3" name="Content Placeholder 2"/>
+              <a:t>Part 3: Looking Forward</a:t>
+            </a:r>
+          </a:p>
+        </p:txBody>
+      </p:sp>
+      <p:sp>
+        <p:nvSpPr>
+          <p:cNvPr id="3" name="Content Placeholder 2">
+            <a:extLst>
+              <a:ext uri="{FF2B5EF4-FFF2-40B4-BE49-F238E27FC236}">
+                <a16:creationId xmlns:a16="http://schemas.microsoft.com/office/drawing/2014/main" id="{29E78B52-C2A3-4828-A172-D913CA1C5929}"/>
+              </a:ext>
+            </a:extLst>
+          </p:cNvPr>
           <p:cNvSpPr>
             <a:spLocks noGrp="1"/>
           </p:cNvSpPr>
@@ -5203,14 +4753,54 @@
           <a:bodyPr/>
           <a:lstStyle/>
           <a:p>
-            <a:endParaRPr lang="en-US"/>
+            <a:pPr marL="0" indent="0">
+              <a:buNone/>
+            </a:pPr>
+            <a:r>
+              <a:rPr lang="en-US" b="1" i="1" dirty="0"/>
+              <a:t>Think…</a:t>
+            </a:r>
+            <a:endParaRPr lang="en-US" dirty="0"/>
+          </a:p>
+          <a:p>
+            <a:pPr marL="514350" indent="-514350">
+              <a:buAutoNum type="arabicPeriod"/>
+            </a:pPr>
+            <a:r>
+              <a:rPr lang="en-US" dirty="0"/>
+              <a:t>What tools, resources, or workflows do you consider necessary for a successful collaboration?</a:t>
+            </a:r>
+          </a:p>
+          <a:p>
+            <a:pPr marL="514350" indent="-514350">
+              <a:buAutoNum type="arabicPeriod"/>
+            </a:pPr>
+            <a:r>
+              <a:rPr lang="en-US" dirty="0"/>
+              <a:t>What can be done to more easily facilitate the use of these tools throughout a project’s lifecycle?</a:t>
+            </a:r>
+          </a:p>
+          <a:p>
+            <a:pPr marL="0" indent="0">
+              <a:buNone/>
+            </a:pPr>
+            <a:r>
+              <a:rPr lang="en-US" b="1" i="1" dirty="0"/>
+              <a:t>Share…</a:t>
+            </a:r>
+          </a:p>
+          <a:p>
+            <a:pPr marL="0" indent="0">
+              <a:buNone/>
+            </a:pPr>
+            <a:endParaRPr lang="en-US" dirty="0"/>
           </a:p>
         </p:txBody>
       </p:sp>
     </p:spTree>
     <p:extLst>
       <p:ext uri="{BB962C8B-B14F-4D97-AF65-F5344CB8AC3E}">
-        <p14:creationId xmlns:p14="http://schemas.microsoft.com/office/powerpoint/2010/main" val="2646089634"/>
+        <p14:creationId xmlns:p14="http://schemas.microsoft.com/office/powerpoint/2010/main" val="323198984"/>
       </p:ext>
     </p:extLst>
   </p:cSld>
@@ -5607,6 +5197,1021 @@
 </file>
 
 <file path=ppt/slides/slide20.xml><?xml version="1.0" encoding="utf-8"?>
+<p:sld xmlns:a="http://schemas.openxmlformats.org/drawingml/2006/main" xmlns:r="http://schemas.openxmlformats.org/officeDocument/2006/relationships" xmlns:p="http://schemas.openxmlformats.org/presentationml/2006/main">
+  <p:cSld>
+    <p:spTree>
+      <p:nvGrpSpPr>
+        <p:cNvPr id="1" name=""/>
+        <p:cNvGrpSpPr/>
+        <p:nvPr/>
+      </p:nvGrpSpPr>
+      <p:grpSpPr>
+        <a:xfrm>
+          <a:off x="0" y="0"/>
+          <a:ext cx="0" cy="0"/>
+          <a:chOff x="0" y="0"/>
+          <a:chExt cx="0" cy="0"/>
+        </a:xfrm>
+      </p:grpSpPr>
+      <p:sp>
+        <p:nvSpPr>
+          <p:cNvPr id="3" name="Text Placeholder 2">
+            <a:extLst>
+              <a:ext uri="{FF2B5EF4-FFF2-40B4-BE49-F238E27FC236}">
+                <a16:creationId xmlns:a16="http://schemas.microsoft.com/office/drawing/2014/main" id="{CBBEC366-C759-494E-BEFD-6DED92045DAC}"/>
+              </a:ext>
+            </a:extLst>
+          </p:cNvPr>
+          <p:cNvSpPr>
+            <a:spLocks noGrp="1"/>
+          </p:cNvSpPr>
+          <p:nvPr>
+            <p:ph type="body" idx="1"/>
+          </p:nvPr>
+        </p:nvSpPr>
+        <p:spPr>
+          <a:xfrm>
+            <a:off x="831850" y="4589464"/>
+            <a:ext cx="10515600" cy="430212"/>
+          </a:xfrm>
+        </p:spPr>
+        <p:txBody>
+          <a:bodyPr/>
+          <a:lstStyle/>
+          <a:p>
+            <a:r>
+              <a:rPr lang="en-US" dirty="0"/>
+              <a:t>Developing the N Commandments</a:t>
+            </a:r>
+          </a:p>
+        </p:txBody>
+      </p:sp>
+      <p:sp>
+        <p:nvSpPr>
+          <p:cNvPr id="7" name="Title 6">
+            <a:extLst>
+              <a:ext uri="{FF2B5EF4-FFF2-40B4-BE49-F238E27FC236}">
+                <a16:creationId xmlns:a16="http://schemas.microsoft.com/office/drawing/2014/main" id="{52783F39-79B3-4870-B7E0-BCD7EAF177B0}"/>
+              </a:ext>
+            </a:extLst>
+          </p:cNvPr>
+          <p:cNvSpPr>
+            <a:spLocks noGrp="1"/>
+          </p:cNvSpPr>
+          <p:nvPr>
+            <p:ph type="title"/>
+          </p:nvPr>
+        </p:nvSpPr>
+        <p:spPr>
+          <a:xfrm>
+            <a:off x="831850" y="3648075"/>
+            <a:ext cx="10515600" cy="914400"/>
+          </a:xfrm>
+        </p:spPr>
+        <p:txBody>
+          <a:bodyPr/>
+          <a:lstStyle/>
+          <a:p>
+            <a:r>
+              <a:rPr lang="en-US" dirty="0"/>
+              <a:t>Consensus Building</a:t>
+            </a:r>
+          </a:p>
+        </p:txBody>
+      </p:sp>
+    </p:spTree>
+    <p:extLst>
+      <p:ext uri="{BB962C8B-B14F-4D97-AF65-F5344CB8AC3E}">
+        <p14:creationId xmlns:p14="http://schemas.microsoft.com/office/powerpoint/2010/main" val="885996570"/>
+      </p:ext>
+    </p:extLst>
+  </p:cSld>
+  <p:clrMapOvr>
+    <a:masterClrMapping/>
+  </p:clrMapOvr>
+</p:sld>
+</file>
+
+<file path=ppt/slides/slide21.xml><?xml version="1.0" encoding="utf-8"?>
+<p:sld xmlns:a="http://schemas.openxmlformats.org/drawingml/2006/main" xmlns:r="http://schemas.openxmlformats.org/officeDocument/2006/relationships" xmlns:p="http://schemas.openxmlformats.org/presentationml/2006/main">
+  <p:cSld>
+    <p:spTree>
+      <p:nvGrpSpPr>
+        <p:cNvPr id="1" name=""/>
+        <p:cNvGrpSpPr/>
+        <p:nvPr/>
+      </p:nvGrpSpPr>
+      <p:grpSpPr>
+        <a:xfrm>
+          <a:off x="0" y="0"/>
+          <a:ext cx="0" cy="0"/>
+          <a:chOff x="0" y="0"/>
+          <a:chExt cx="0" cy="0"/>
+        </a:xfrm>
+      </p:grpSpPr>
+      <p:sp>
+        <p:nvSpPr>
+          <p:cNvPr id="2" name="Title 1">
+            <a:extLst>
+              <a:ext uri="{FF2B5EF4-FFF2-40B4-BE49-F238E27FC236}">
+                <a16:creationId xmlns:a16="http://schemas.microsoft.com/office/drawing/2014/main" id="{D341A550-712D-4A10-8D9F-CD327680AA41}"/>
+              </a:ext>
+            </a:extLst>
+          </p:cNvPr>
+          <p:cNvSpPr>
+            <a:spLocks noGrp="1"/>
+          </p:cNvSpPr>
+          <p:nvPr>
+            <p:ph type="title"/>
+          </p:nvPr>
+        </p:nvSpPr>
+        <p:spPr/>
+        <p:txBody>
+          <a:bodyPr/>
+          <a:lstStyle/>
+          <a:p>
+            <a:r>
+              <a:rPr lang="en-US" dirty="0"/>
+              <a:t>What Consensus Is</a:t>
+            </a:r>
+          </a:p>
+        </p:txBody>
+      </p:sp>
+      <p:sp>
+        <p:nvSpPr>
+          <p:cNvPr id="3" name="Content Placeholder 2">
+            <a:extLst>
+              <a:ext uri="{FF2B5EF4-FFF2-40B4-BE49-F238E27FC236}">
+                <a16:creationId xmlns:a16="http://schemas.microsoft.com/office/drawing/2014/main" id="{62C8C4C7-120E-4230-8E60-B64F8C51C634}"/>
+              </a:ext>
+            </a:extLst>
+          </p:cNvPr>
+          <p:cNvSpPr>
+            <a:spLocks noGrp="1"/>
+          </p:cNvSpPr>
+          <p:nvPr>
+            <p:ph idx="1"/>
+          </p:nvPr>
+        </p:nvSpPr>
+        <p:spPr/>
+        <p:txBody>
+          <a:bodyPr/>
+          <a:lstStyle/>
+          <a:p>
+            <a:r>
+              <a:rPr lang="en-US" dirty="0"/>
+              <a:t>Everyone’s opinions are heard and encouraged</a:t>
+            </a:r>
+          </a:p>
+          <a:p>
+            <a:endParaRPr lang="en-US" dirty="0"/>
+          </a:p>
+          <a:p>
+            <a:r>
+              <a:rPr lang="en-US" dirty="0"/>
+              <a:t>Differences viewed as helpful, chances to learn more</a:t>
+            </a:r>
+          </a:p>
+          <a:p>
+            <a:endParaRPr lang="en-US" dirty="0"/>
+          </a:p>
+          <a:p>
+            <a:r>
+              <a:rPr lang="en-US" dirty="0"/>
+              <a:t>Everyone can understand the result and how it was reached</a:t>
+            </a:r>
+          </a:p>
+        </p:txBody>
+      </p:sp>
+    </p:spTree>
+    <p:extLst>
+      <p:ext uri="{BB962C8B-B14F-4D97-AF65-F5344CB8AC3E}">
+        <p14:creationId xmlns:p14="http://schemas.microsoft.com/office/powerpoint/2010/main" val="3269339386"/>
+      </p:ext>
+    </p:extLst>
+  </p:cSld>
+  <p:clrMapOvr>
+    <a:masterClrMapping/>
+  </p:clrMapOvr>
+</p:sld>
+</file>
+
+<file path=ppt/slides/slide22.xml><?xml version="1.0" encoding="utf-8"?>
+<p:sld xmlns:a="http://schemas.openxmlformats.org/drawingml/2006/main" xmlns:r="http://schemas.openxmlformats.org/officeDocument/2006/relationships" xmlns:p="http://schemas.openxmlformats.org/presentationml/2006/main">
+  <p:cSld>
+    <p:spTree>
+      <p:nvGrpSpPr>
+        <p:cNvPr id="1" name=""/>
+        <p:cNvGrpSpPr/>
+        <p:nvPr/>
+      </p:nvGrpSpPr>
+      <p:grpSpPr>
+        <a:xfrm>
+          <a:off x="0" y="0"/>
+          <a:ext cx="0" cy="0"/>
+          <a:chOff x="0" y="0"/>
+          <a:chExt cx="0" cy="0"/>
+        </a:xfrm>
+      </p:grpSpPr>
+      <p:sp>
+        <p:nvSpPr>
+          <p:cNvPr id="2" name="Title 1">
+            <a:extLst>
+              <a:ext uri="{FF2B5EF4-FFF2-40B4-BE49-F238E27FC236}">
+                <a16:creationId xmlns:a16="http://schemas.microsoft.com/office/drawing/2014/main" id="{FCA70632-4B1A-4E6A-974B-3AD2013F76EB}"/>
+              </a:ext>
+            </a:extLst>
+          </p:cNvPr>
+          <p:cNvSpPr>
+            <a:spLocks noGrp="1"/>
+          </p:cNvSpPr>
+          <p:nvPr>
+            <p:ph type="title"/>
+          </p:nvPr>
+        </p:nvSpPr>
+        <p:spPr/>
+        <p:txBody>
+          <a:bodyPr/>
+          <a:lstStyle/>
+          <a:p>
+            <a:r>
+              <a:rPr lang="en-US" dirty="0"/>
+              <a:t>What Consensus Is Not</a:t>
+            </a:r>
+          </a:p>
+        </p:txBody>
+      </p:sp>
+      <p:sp>
+        <p:nvSpPr>
+          <p:cNvPr id="3" name="Content Placeholder 2">
+            <a:extLst>
+              <a:ext uri="{FF2B5EF4-FFF2-40B4-BE49-F238E27FC236}">
+                <a16:creationId xmlns:a16="http://schemas.microsoft.com/office/drawing/2014/main" id="{1D1EACA7-1198-47A0-980E-5B8568AA18B3}"/>
+              </a:ext>
+            </a:extLst>
+          </p:cNvPr>
+          <p:cNvSpPr>
+            <a:spLocks noGrp="1"/>
+          </p:cNvSpPr>
+          <p:nvPr>
+            <p:ph idx="1"/>
+          </p:nvPr>
+        </p:nvSpPr>
+        <p:spPr/>
+        <p:txBody>
+          <a:bodyPr/>
+          <a:lstStyle/>
+          <a:p>
+            <a:r>
+              <a:rPr lang="en-US" dirty="0"/>
+              <a:t>Unanimous agreement on end product</a:t>
+            </a:r>
+          </a:p>
+          <a:p>
+            <a:endParaRPr lang="en-US" dirty="0"/>
+          </a:p>
+          <a:p>
+            <a:r>
+              <a:rPr lang="en-US" dirty="0"/>
+              <a:t>Conflict is avoided, ignored</a:t>
+            </a:r>
+          </a:p>
+          <a:p>
+            <a:endParaRPr lang="en-US" dirty="0"/>
+          </a:p>
+          <a:p>
+            <a:r>
+              <a:rPr lang="en-US" dirty="0"/>
+              <a:t>Result is everyone's first choice</a:t>
+            </a:r>
+          </a:p>
+        </p:txBody>
+      </p:sp>
+    </p:spTree>
+    <p:extLst>
+      <p:ext uri="{BB962C8B-B14F-4D97-AF65-F5344CB8AC3E}">
+        <p14:creationId xmlns:p14="http://schemas.microsoft.com/office/powerpoint/2010/main" val="3692428149"/>
+      </p:ext>
+    </p:extLst>
+  </p:cSld>
+  <p:clrMapOvr>
+    <a:masterClrMapping/>
+  </p:clrMapOvr>
+</p:sld>
+</file>
+
+<file path=ppt/slides/slide23.xml><?xml version="1.0" encoding="utf-8"?>
+<p:sld xmlns:a="http://schemas.openxmlformats.org/drawingml/2006/main" xmlns:r="http://schemas.openxmlformats.org/officeDocument/2006/relationships" xmlns:p="http://schemas.openxmlformats.org/presentationml/2006/main">
+  <p:cSld>
+    <p:spTree>
+      <p:nvGrpSpPr>
+        <p:cNvPr id="1" name=""/>
+        <p:cNvGrpSpPr/>
+        <p:nvPr/>
+      </p:nvGrpSpPr>
+      <p:grpSpPr>
+        <a:xfrm>
+          <a:off x="0" y="0"/>
+          <a:ext cx="0" cy="0"/>
+          <a:chOff x="0" y="0"/>
+          <a:chExt cx="0" cy="0"/>
+        </a:xfrm>
+      </p:grpSpPr>
+      <p:sp>
+        <p:nvSpPr>
+          <p:cNvPr id="2" name="Title 1">
+            <a:extLst>
+              <a:ext uri="{FF2B5EF4-FFF2-40B4-BE49-F238E27FC236}">
+                <a16:creationId xmlns:a16="http://schemas.microsoft.com/office/drawing/2014/main" id="{E57A859E-B88A-46A3-9E68-55EFF37EEE72}"/>
+              </a:ext>
+            </a:extLst>
+          </p:cNvPr>
+          <p:cNvSpPr>
+            <a:spLocks noGrp="1"/>
+          </p:cNvSpPr>
+          <p:nvPr>
+            <p:ph type="title"/>
+          </p:nvPr>
+        </p:nvSpPr>
+        <p:spPr/>
+        <p:txBody>
+          <a:bodyPr/>
+          <a:lstStyle/>
+          <a:p>
+            <a:r>
+              <a:rPr lang="en-US" dirty="0"/>
+              <a:t>Consensus Process</a:t>
+            </a:r>
+          </a:p>
+        </p:txBody>
+      </p:sp>
+      <p:sp>
+        <p:nvSpPr>
+          <p:cNvPr id="3" name="Content Placeholder 2">
+            <a:extLst>
+              <a:ext uri="{FF2B5EF4-FFF2-40B4-BE49-F238E27FC236}">
+                <a16:creationId xmlns:a16="http://schemas.microsoft.com/office/drawing/2014/main" id="{972F0E65-6C7E-4E1C-9BA0-A14525CC6445}"/>
+              </a:ext>
+            </a:extLst>
+          </p:cNvPr>
+          <p:cNvSpPr>
+            <a:spLocks noGrp="1"/>
+          </p:cNvSpPr>
+          <p:nvPr>
+            <p:ph idx="1"/>
+          </p:nvPr>
+        </p:nvSpPr>
+        <p:spPr/>
+        <p:txBody>
+          <a:bodyPr/>
+          <a:lstStyle/>
+          <a:p>
+            <a:pPr marL="0" indent="0">
+              <a:buNone/>
+            </a:pPr>
+            <a:r>
+              <a:rPr lang="en-US" b="1" dirty="0"/>
+              <a:t>Stage 1: </a:t>
+            </a:r>
+            <a:r>
+              <a:rPr lang="en-US" dirty="0"/>
+              <a:t>Share ideas</a:t>
+            </a:r>
+          </a:p>
+          <a:p>
+            <a:pPr marL="0" indent="0">
+              <a:buNone/>
+            </a:pPr>
+            <a:endParaRPr lang="en-US" b="1" dirty="0"/>
+          </a:p>
+          <a:p>
+            <a:pPr marL="0" indent="0">
+              <a:buNone/>
+            </a:pPr>
+            <a:r>
+              <a:rPr lang="en-US" b="1" dirty="0"/>
+              <a:t>Stage 2:</a:t>
+            </a:r>
+            <a:r>
+              <a:rPr lang="en-US" dirty="0"/>
+              <a:t> Review ideas</a:t>
+            </a:r>
+          </a:p>
+        </p:txBody>
+      </p:sp>
+      <p:pic>
+        <p:nvPicPr>
+          <p:cNvPr id="1026" name="Picture 2" descr="Image result for computer moses"/>
+          <p:cNvPicPr>
+            <a:picLocks noChangeAspect="1" noChangeArrowheads="1"/>
+          </p:cNvPicPr>
+          <p:nvPr/>
+        </p:nvPicPr>
+        <p:blipFill>
+          <a:blip r:embed="rId2">
+            <a:extLst>
+              <a:ext uri="{28A0092B-C50C-407E-A947-70E740481C1C}">
+                <a14:useLocalDpi xmlns:a14="http://schemas.microsoft.com/office/drawing/2010/main" val="0"/>
+              </a:ext>
+            </a:extLst>
+          </a:blip>
+          <a:srcRect/>
+          <a:stretch>
+            <a:fillRect/>
+          </a:stretch>
+        </p:blipFill>
+        <p:spPr bwMode="auto">
+          <a:xfrm>
+            <a:off x="5798924" y="730155"/>
+            <a:ext cx="5460458" cy="5446808"/>
+          </a:xfrm>
+          <a:prstGeom prst="rect">
+            <a:avLst/>
+          </a:prstGeom>
+          <a:noFill/>
+          <a:extLst>
+            <a:ext uri="{909E8E84-426E-40DD-AFC4-6F175D3DCCD1}">
+              <a14:hiddenFill xmlns:a14="http://schemas.microsoft.com/office/drawing/2010/main">
+                <a:solidFill>
+                  <a:srgbClr val="FFFFFF"/>
+                </a:solidFill>
+              </a14:hiddenFill>
+            </a:ext>
+          </a:extLst>
+        </p:spPr>
+      </p:pic>
+    </p:spTree>
+    <p:extLst>
+      <p:ext uri="{BB962C8B-B14F-4D97-AF65-F5344CB8AC3E}">
+        <p14:creationId xmlns:p14="http://schemas.microsoft.com/office/powerpoint/2010/main" val="1766099802"/>
+      </p:ext>
+    </p:extLst>
+  </p:cSld>
+  <p:clrMapOvr>
+    <a:masterClrMapping/>
+  </p:clrMapOvr>
+</p:sld>
+</file>
+
+<file path=ppt/slides/slide3.xml><?xml version="1.0" encoding="utf-8"?>
+<p:sld xmlns:a="http://schemas.openxmlformats.org/drawingml/2006/main" xmlns:r="http://schemas.openxmlformats.org/officeDocument/2006/relationships" xmlns:p="http://schemas.openxmlformats.org/presentationml/2006/main">
+  <p:cSld>
+    <p:spTree>
+      <p:nvGrpSpPr>
+        <p:cNvPr id="1" name=""/>
+        <p:cNvGrpSpPr/>
+        <p:nvPr/>
+      </p:nvGrpSpPr>
+      <p:grpSpPr>
+        <a:xfrm>
+          <a:off x="0" y="0"/>
+          <a:ext cx="0" cy="0"/>
+          <a:chOff x="0" y="0"/>
+          <a:chExt cx="0" cy="0"/>
+        </a:xfrm>
+      </p:grpSpPr>
+      <p:sp>
+        <p:nvSpPr>
+          <p:cNvPr id="2" name="Title 1">
+            <a:extLst>
+              <a:ext uri="{FF2B5EF4-FFF2-40B4-BE49-F238E27FC236}">
+                <a16:creationId xmlns:a16="http://schemas.microsoft.com/office/drawing/2014/main" id="{20C38387-8B78-44FA-9D77-60FF559F0F15}"/>
+              </a:ext>
+            </a:extLst>
+          </p:cNvPr>
+          <p:cNvSpPr>
+            <a:spLocks noGrp="1"/>
+          </p:cNvSpPr>
+          <p:nvPr>
+            <p:ph type="title"/>
+          </p:nvPr>
+        </p:nvSpPr>
+        <p:spPr/>
+        <p:txBody>
+          <a:bodyPr/>
+          <a:lstStyle/>
+          <a:p>
+            <a:r>
+              <a:rPr lang="en-US" dirty="0"/>
+              <a:t>Today’s Outline</a:t>
+            </a:r>
+          </a:p>
+        </p:txBody>
+      </p:sp>
+      <p:sp>
+        <p:nvSpPr>
+          <p:cNvPr id="3" name="Content Placeholder 2">
+            <a:extLst>
+              <a:ext uri="{FF2B5EF4-FFF2-40B4-BE49-F238E27FC236}">
+                <a16:creationId xmlns:a16="http://schemas.microsoft.com/office/drawing/2014/main" id="{240CE714-EFAE-491F-96F2-8E47136EDEC9}"/>
+              </a:ext>
+            </a:extLst>
+          </p:cNvPr>
+          <p:cNvSpPr>
+            <a:spLocks noGrp="1"/>
+          </p:cNvSpPr>
+          <p:nvPr>
+            <p:ph idx="1"/>
+          </p:nvPr>
+        </p:nvSpPr>
+        <p:spPr/>
+        <p:txBody>
+          <a:bodyPr/>
+          <a:lstStyle/>
+          <a:p>
+            <a:pPr marL="514350" indent="-514350">
+              <a:buFont typeface="+mj-lt"/>
+              <a:buAutoNum type="arabicPeriod"/>
+            </a:pPr>
+            <a:r>
+              <a:rPr lang="en-US" dirty="0" smtClean="0"/>
+              <a:t>Challenges in Collaboration</a:t>
+            </a:r>
+          </a:p>
+          <a:p>
+            <a:pPr marL="514350" indent="-514350">
+              <a:buFont typeface="+mj-lt"/>
+              <a:buAutoNum type="arabicPeriod"/>
+            </a:pPr>
+            <a:r>
+              <a:rPr lang="en-US" dirty="0" smtClean="0"/>
+              <a:t>GitHub: A Web-Based </a:t>
+            </a:r>
+            <a:r>
+              <a:rPr lang="en-US" dirty="0"/>
+              <a:t>Collaboration </a:t>
+            </a:r>
+            <a:r>
+              <a:rPr lang="en-US" dirty="0" smtClean="0"/>
+              <a:t>Tool</a:t>
+            </a:r>
+            <a:endParaRPr lang="en-US" dirty="0"/>
+          </a:p>
+          <a:p>
+            <a:pPr marL="514350" indent="-514350">
+              <a:buFont typeface="+mj-lt"/>
+              <a:buAutoNum type="arabicPeriod"/>
+            </a:pPr>
+            <a:r>
+              <a:rPr lang="en-US" dirty="0" smtClean="0"/>
+              <a:t>Reflect on Past Collaborations</a:t>
+            </a:r>
+          </a:p>
+          <a:p>
+            <a:pPr marL="514350" indent="-514350">
+              <a:buFont typeface="+mj-lt"/>
+              <a:buAutoNum type="arabicPeriod"/>
+            </a:pPr>
+            <a:r>
+              <a:rPr lang="en-US" dirty="0" smtClean="0"/>
+              <a:t>Develop </a:t>
+            </a:r>
+            <a:r>
+              <a:rPr lang="en-US" i="1" dirty="0"/>
+              <a:t>The N Commandments of Collaborative Computing</a:t>
+            </a:r>
+          </a:p>
+          <a:p>
+            <a:pPr marL="0" indent="0">
+              <a:buNone/>
+            </a:pPr>
+            <a:endParaRPr lang="en-US" dirty="0"/>
+          </a:p>
+          <a:p>
+            <a:pPr marL="914400" indent="-914400">
+              <a:buNone/>
+            </a:pPr>
+            <a:r>
+              <a:rPr lang="en-US" b="1" dirty="0"/>
+              <a:t>Goal:	</a:t>
+            </a:r>
+            <a:r>
+              <a:rPr lang="en-US" dirty="0"/>
+              <a:t>Explore solutions to the challenges of modern, data-intensive collaborative projects over long-distances</a:t>
+            </a:r>
+            <a:endParaRPr lang="en-US" b="1" dirty="0"/>
+          </a:p>
+        </p:txBody>
+      </p:sp>
+    </p:spTree>
+    <p:extLst>
+      <p:ext uri="{BB962C8B-B14F-4D97-AF65-F5344CB8AC3E}">
+        <p14:creationId xmlns:p14="http://schemas.microsoft.com/office/powerpoint/2010/main" val="1924694988"/>
+      </p:ext>
+    </p:extLst>
+  </p:cSld>
+  <p:clrMapOvr>
+    <a:masterClrMapping/>
+  </p:clrMapOvr>
+</p:sld>
+</file>
+
+<file path=ppt/slides/slide4.xml><?xml version="1.0" encoding="utf-8"?>
+<p:sld xmlns:a="http://schemas.openxmlformats.org/drawingml/2006/main" xmlns:r="http://schemas.openxmlformats.org/officeDocument/2006/relationships" xmlns:p="http://schemas.openxmlformats.org/presentationml/2006/main">
+  <p:cSld>
+    <p:spTree>
+      <p:nvGrpSpPr>
+        <p:cNvPr id="1" name=""/>
+        <p:cNvGrpSpPr/>
+        <p:nvPr/>
+      </p:nvGrpSpPr>
+      <p:grpSpPr>
+        <a:xfrm>
+          <a:off x="0" y="0"/>
+          <a:ext cx="0" cy="0"/>
+          <a:chOff x="0" y="0"/>
+          <a:chExt cx="0" cy="0"/>
+        </a:xfrm>
+      </p:grpSpPr>
+      <p:sp>
+        <p:nvSpPr>
+          <p:cNvPr id="2" name="Title 1">
+            <a:extLst>
+              <a:ext uri="{FF2B5EF4-FFF2-40B4-BE49-F238E27FC236}">
+                <a16:creationId xmlns:a16="http://schemas.microsoft.com/office/drawing/2014/main" id="{2F7ECBC6-29E3-4723-A138-2DF125E2576A}"/>
+              </a:ext>
+            </a:extLst>
+          </p:cNvPr>
+          <p:cNvSpPr>
+            <a:spLocks noGrp="1"/>
+          </p:cNvSpPr>
+          <p:nvPr>
+            <p:ph type="title"/>
+          </p:nvPr>
+        </p:nvSpPr>
+        <p:spPr/>
+        <p:txBody>
+          <a:bodyPr/>
+          <a:lstStyle/>
+          <a:p>
+            <a:r>
+              <a:rPr lang="en-US" dirty="0"/>
+              <a:t>Challenges of Collaboration</a:t>
+            </a:r>
+          </a:p>
+        </p:txBody>
+      </p:sp>
+      <p:sp>
+        <p:nvSpPr>
+          <p:cNvPr id="3" name="Content Placeholder 2">
+            <a:extLst>
+              <a:ext uri="{FF2B5EF4-FFF2-40B4-BE49-F238E27FC236}">
+                <a16:creationId xmlns:a16="http://schemas.microsoft.com/office/drawing/2014/main" id="{14EB6FE5-AECE-4700-A24E-2EBD201F91BD}"/>
+              </a:ext>
+            </a:extLst>
+          </p:cNvPr>
+          <p:cNvSpPr>
+            <a:spLocks noGrp="1"/>
+          </p:cNvSpPr>
+          <p:nvPr>
+            <p:ph idx="1"/>
+          </p:nvPr>
+        </p:nvSpPr>
+        <p:spPr/>
+        <p:txBody>
+          <a:bodyPr/>
+          <a:lstStyle/>
+          <a:p>
+            <a:pPr marL="0" indent="0">
+              <a:buNone/>
+            </a:pPr>
+            <a:r>
+              <a:rPr lang="en-US" b="1" i="1" dirty="0"/>
+              <a:t>What conditions are necessary for collaboration</a:t>
+            </a:r>
+            <a:r>
+              <a:rPr lang="en-US" b="1" i="1" dirty="0" smtClean="0"/>
+              <a:t>?</a:t>
+            </a:r>
+          </a:p>
+          <a:p>
+            <a:pPr marL="0" indent="0">
+              <a:buNone/>
+            </a:pPr>
+            <a:endParaRPr lang="en-US" b="1" i="1" dirty="0"/>
+          </a:p>
+          <a:p>
+            <a:pPr marL="0" indent="0">
+              <a:buNone/>
+            </a:pPr>
+            <a:endParaRPr lang="en-US" b="1" i="1" dirty="0" smtClean="0"/>
+          </a:p>
+          <a:p>
+            <a:pPr marL="0" indent="0">
+              <a:buNone/>
+            </a:pPr>
+            <a:endParaRPr lang="en-US" b="1" i="1" dirty="0" smtClean="0"/>
+          </a:p>
+          <a:p>
+            <a:pPr marL="0" indent="0">
+              <a:buNone/>
+            </a:pPr>
+            <a:endParaRPr lang="en-US" b="1" i="1" dirty="0"/>
+          </a:p>
+          <a:p>
+            <a:pPr marL="0" indent="0">
+              <a:buNone/>
+            </a:pPr>
+            <a:endParaRPr lang="en-US" b="1" i="1" dirty="0"/>
+          </a:p>
+          <a:p>
+            <a:pPr marL="0" indent="0">
+              <a:buNone/>
+            </a:pPr>
+            <a:endParaRPr lang="en-US" dirty="0"/>
+          </a:p>
+        </p:txBody>
+      </p:sp>
+    </p:spTree>
+    <p:extLst>
+      <p:ext uri="{BB962C8B-B14F-4D97-AF65-F5344CB8AC3E}">
+        <p14:creationId xmlns:p14="http://schemas.microsoft.com/office/powerpoint/2010/main" val="1584187434"/>
+      </p:ext>
+    </p:extLst>
+  </p:cSld>
+  <p:clrMapOvr>
+    <a:masterClrMapping/>
+  </p:clrMapOvr>
+</p:sld>
+</file>
+
+<file path=ppt/slides/slide5.xml><?xml version="1.0" encoding="utf-8"?>
+<p:sld xmlns:a="http://schemas.openxmlformats.org/drawingml/2006/main" xmlns:r="http://schemas.openxmlformats.org/officeDocument/2006/relationships" xmlns:p="http://schemas.openxmlformats.org/presentationml/2006/main">
+  <p:cSld>
+    <p:spTree>
+      <p:nvGrpSpPr>
+        <p:cNvPr id="1" name=""/>
+        <p:cNvGrpSpPr/>
+        <p:nvPr/>
+      </p:nvGrpSpPr>
+      <p:grpSpPr>
+        <a:xfrm>
+          <a:off x="0" y="0"/>
+          <a:ext cx="0" cy="0"/>
+          <a:chOff x="0" y="0"/>
+          <a:chExt cx="0" cy="0"/>
+        </a:xfrm>
+      </p:grpSpPr>
+      <p:sp>
+        <p:nvSpPr>
+          <p:cNvPr id="2" name="Title 1">
+            <a:extLst>
+              <a:ext uri="{FF2B5EF4-FFF2-40B4-BE49-F238E27FC236}">
+                <a16:creationId xmlns:a16="http://schemas.microsoft.com/office/drawing/2014/main" id="{2F7ECBC6-29E3-4723-A138-2DF125E2576A}"/>
+              </a:ext>
+            </a:extLst>
+          </p:cNvPr>
+          <p:cNvSpPr>
+            <a:spLocks noGrp="1"/>
+          </p:cNvSpPr>
+          <p:nvPr>
+            <p:ph type="title"/>
+          </p:nvPr>
+        </p:nvSpPr>
+        <p:spPr/>
+        <p:txBody>
+          <a:bodyPr/>
+          <a:lstStyle/>
+          <a:p>
+            <a:r>
+              <a:rPr lang="en-US" dirty="0"/>
+              <a:t>Challenges of Collaboration</a:t>
+            </a:r>
+          </a:p>
+        </p:txBody>
+      </p:sp>
+      <p:sp>
+        <p:nvSpPr>
+          <p:cNvPr id="4" name="Content Placeholder 2">
+            <a:extLst>
+              <a:ext uri="{FF2B5EF4-FFF2-40B4-BE49-F238E27FC236}">
+                <a16:creationId xmlns:a16="http://schemas.microsoft.com/office/drawing/2014/main" id="{14EB6FE5-AECE-4700-A24E-2EBD201F91BD}"/>
+              </a:ext>
+            </a:extLst>
+          </p:cNvPr>
+          <p:cNvSpPr>
+            <a:spLocks noGrp="1"/>
+          </p:cNvSpPr>
+          <p:nvPr>
+            <p:ph idx="1"/>
+          </p:nvPr>
+        </p:nvSpPr>
+        <p:spPr/>
+        <p:txBody>
+          <a:bodyPr/>
+          <a:lstStyle/>
+          <a:p>
+            <a:pPr marL="0" indent="0">
+              <a:buNone/>
+            </a:pPr>
+            <a:r>
+              <a:rPr lang="en-US" b="1" i="1" dirty="0"/>
+              <a:t>What conditions are necessary for collaboration</a:t>
+            </a:r>
+            <a:r>
+              <a:rPr lang="en-US" b="1" i="1" dirty="0" smtClean="0"/>
+              <a:t>?</a:t>
+            </a:r>
+          </a:p>
+          <a:p>
+            <a:pPr marL="0" indent="0">
+              <a:buNone/>
+            </a:pPr>
+            <a:endParaRPr lang="en-US" b="1" i="1" dirty="0"/>
+          </a:p>
+          <a:p>
+            <a:pPr marL="0" indent="0">
+              <a:buNone/>
+            </a:pPr>
+            <a:endParaRPr lang="en-US" b="1" i="1" dirty="0" smtClean="0"/>
+          </a:p>
+          <a:p>
+            <a:pPr marL="0" indent="0">
+              <a:buNone/>
+            </a:pPr>
+            <a:endParaRPr lang="en-US" b="1" i="1" dirty="0" smtClean="0"/>
+          </a:p>
+          <a:p>
+            <a:pPr marL="0" indent="0">
+              <a:buNone/>
+            </a:pPr>
+            <a:r>
+              <a:rPr lang="en-US" b="1" i="1" dirty="0"/>
+              <a:t>What additional challenges does cross-site LTER research introduce?</a:t>
+            </a:r>
+            <a:endParaRPr lang="en-US" dirty="0"/>
+          </a:p>
+          <a:p>
+            <a:pPr marL="0" indent="0">
+              <a:buNone/>
+            </a:pPr>
+            <a:endParaRPr lang="en-US" b="1" i="1" dirty="0"/>
+          </a:p>
+          <a:p>
+            <a:pPr marL="0" indent="0">
+              <a:buNone/>
+            </a:pPr>
+            <a:endParaRPr lang="en-US" b="1" i="1" dirty="0"/>
+          </a:p>
+          <a:p>
+            <a:pPr marL="0" indent="0">
+              <a:buNone/>
+            </a:pPr>
+            <a:endParaRPr lang="en-US" dirty="0"/>
+          </a:p>
+        </p:txBody>
+      </p:sp>
+    </p:spTree>
+    <p:extLst>
+      <p:ext uri="{BB962C8B-B14F-4D97-AF65-F5344CB8AC3E}">
+        <p14:creationId xmlns:p14="http://schemas.microsoft.com/office/powerpoint/2010/main" val="1784654015"/>
+      </p:ext>
+    </p:extLst>
+  </p:cSld>
+  <p:clrMapOvr>
+    <a:masterClrMapping/>
+  </p:clrMapOvr>
+</p:sld>
+</file>
+
+<file path=ppt/slides/slide6.xml><?xml version="1.0" encoding="utf-8"?>
+<p:sld xmlns:a="http://schemas.openxmlformats.org/drawingml/2006/main" xmlns:r="http://schemas.openxmlformats.org/officeDocument/2006/relationships" xmlns:p="http://schemas.openxmlformats.org/presentationml/2006/main">
+  <p:cSld>
+    <p:spTree>
+      <p:nvGrpSpPr>
+        <p:cNvPr id="1" name=""/>
+        <p:cNvGrpSpPr/>
+        <p:nvPr/>
+      </p:nvGrpSpPr>
+      <p:grpSpPr>
+        <a:xfrm>
+          <a:off x="0" y="0"/>
+          <a:ext cx="0" cy="0"/>
+          <a:chOff x="0" y="0"/>
+          <a:chExt cx="0" cy="0"/>
+        </a:xfrm>
+      </p:grpSpPr>
+      <p:sp>
+        <p:nvSpPr>
+          <p:cNvPr id="3" name="Text Placeholder 2">
+            <a:extLst>
+              <a:ext uri="{FF2B5EF4-FFF2-40B4-BE49-F238E27FC236}">
+                <a16:creationId xmlns:a16="http://schemas.microsoft.com/office/drawing/2014/main" id="{CBBEC366-C759-494E-BEFD-6DED92045DAC}"/>
+              </a:ext>
+            </a:extLst>
+          </p:cNvPr>
+          <p:cNvSpPr>
+            <a:spLocks noGrp="1"/>
+          </p:cNvSpPr>
+          <p:nvPr>
+            <p:ph type="body" idx="1"/>
+          </p:nvPr>
+        </p:nvSpPr>
+        <p:spPr>
+          <a:xfrm>
+            <a:off x="831850" y="4589464"/>
+            <a:ext cx="10515600" cy="430212"/>
+          </a:xfrm>
+        </p:spPr>
+        <p:txBody>
+          <a:bodyPr/>
+          <a:lstStyle/>
+          <a:p>
+            <a:r>
+              <a:rPr lang="en-US" dirty="0"/>
+              <a:t>A Digital Collaboration Tool</a:t>
+            </a:r>
+          </a:p>
+        </p:txBody>
+      </p:sp>
+      <p:sp>
+        <p:nvSpPr>
+          <p:cNvPr id="7" name="Title 6">
+            <a:extLst>
+              <a:ext uri="{FF2B5EF4-FFF2-40B4-BE49-F238E27FC236}">
+                <a16:creationId xmlns:a16="http://schemas.microsoft.com/office/drawing/2014/main" id="{52783F39-79B3-4870-B7E0-BCD7EAF177B0}"/>
+              </a:ext>
+            </a:extLst>
+          </p:cNvPr>
+          <p:cNvSpPr>
+            <a:spLocks noGrp="1"/>
+          </p:cNvSpPr>
+          <p:nvPr>
+            <p:ph type="title"/>
+          </p:nvPr>
+        </p:nvSpPr>
+        <p:spPr>
+          <a:xfrm>
+            <a:off x="831850" y="3648075"/>
+            <a:ext cx="10515600" cy="914400"/>
+          </a:xfrm>
+        </p:spPr>
+        <p:txBody>
+          <a:bodyPr/>
+          <a:lstStyle/>
+          <a:p>
+            <a:r>
+              <a:rPr lang="en-US" dirty="0"/>
+              <a:t>GitHub</a:t>
+            </a:r>
+          </a:p>
+        </p:txBody>
+      </p:sp>
+      <p:pic>
+        <p:nvPicPr>
+          <p:cNvPr id="5" name="Picture 2" descr="Image result for github"/>
+          <p:cNvPicPr>
+            <a:picLocks noChangeAspect="1" noChangeArrowheads="1"/>
+          </p:cNvPicPr>
+          <p:nvPr/>
+        </p:nvPicPr>
+        <p:blipFill>
+          <a:blip r:embed="rId2">
+            <a:extLst>
+              <a:ext uri="{28A0092B-C50C-407E-A947-70E740481C1C}">
+                <a14:useLocalDpi xmlns:a14="http://schemas.microsoft.com/office/drawing/2010/main" val="0"/>
+              </a:ext>
+            </a:extLst>
+          </a:blip>
+          <a:srcRect/>
+          <a:stretch>
+            <a:fillRect/>
+          </a:stretch>
+        </p:blipFill>
+        <p:spPr bwMode="auto">
+          <a:xfrm>
+            <a:off x="6821847" y="2035060"/>
+            <a:ext cx="3590515" cy="2984616"/>
+          </a:xfrm>
+          <a:prstGeom prst="rect">
+            <a:avLst/>
+          </a:prstGeom>
+          <a:noFill/>
+          <a:extLst>
+            <a:ext uri="{909E8E84-426E-40DD-AFC4-6F175D3DCCD1}">
+              <a14:hiddenFill xmlns:a14="http://schemas.microsoft.com/office/drawing/2010/main">
+                <a:solidFill>
+                  <a:srgbClr val="FFFFFF"/>
+                </a:solidFill>
+              </a14:hiddenFill>
+            </a:ext>
+          </a:extLst>
+        </p:spPr>
+      </p:pic>
+    </p:spTree>
+    <p:extLst>
+      <p:ext uri="{BB962C8B-B14F-4D97-AF65-F5344CB8AC3E}">
+        <p14:creationId xmlns:p14="http://schemas.microsoft.com/office/powerpoint/2010/main" val="1687163991"/>
+      </p:ext>
+    </p:extLst>
+  </p:cSld>
+  <p:clrMapOvr>
+    <a:masterClrMapping/>
+  </p:clrMapOvr>
+</p:sld>
+</file>
+
+<file path=ppt/slides/slide7.xml><?xml version="1.0" encoding="utf-8"?>
 <p:sld xmlns:a="http://schemas.openxmlformats.org/drawingml/2006/main" xmlns:r="http://schemas.openxmlformats.org/officeDocument/2006/relationships" xmlns:p="http://schemas.openxmlformats.org/presentationml/2006/main">
   <p:cSld>
     <p:spTree>
@@ -6012,2110 +6617,14 @@
   <p:clrMapOvr>
     <a:masterClrMapping/>
   </p:clrMapOvr>
-</p:sld>
-</file>
-
-<file path=ppt/slides/slide21.xml><?xml version="1.0" encoding="utf-8"?>
-<p:sld xmlns:a="http://schemas.openxmlformats.org/drawingml/2006/main" xmlns:r="http://schemas.openxmlformats.org/officeDocument/2006/relationships" xmlns:p="http://schemas.openxmlformats.org/presentationml/2006/main">
-  <p:cSld>
-    <p:spTree>
-      <p:nvGrpSpPr>
-        <p:cNvPr id="1" name=""/>
-        <p:cNvGrpSpPr/>
-        <p:nvPr/>
-      </p:nvGrpSpPr>
-      <p:grpSpPr>
-        <a:xfrm>
-          <a:off x="0" y="0"/>
-          <a:ext cx="0" cy="0"/>
-          <a:chOff x="0" y="0"/>
-          <a:chExt cx="0" cy="0"/>
-        </a:xfrm>
-      </p:grpSpPr>
-      <p:sp>
-        <p:nvSpPr>
-          <p:cNvPr id="2" name="Title 1"/>
-          <p:cNvSpPr>
-            <a:spLocks noGrp="1"/>
-          </p:cNvSpPr>
-          <p:nvPr>
-            <p:ph type="title"/>
-          </p:nvPr>
-        </p:nvSpPr>
-        <p:spPr/>
-        <p:txBody>
-          <a:bodyPr/>
-          <a:lstStyle/>
-          <a:p>
-            <a:r>
-              <a:rPr lang="en-US" dirty="0"/>
-              <a:t>Using issues</a:t>
-            </a:r>
-          </a:p>
-        </p:txBody>
-      </p:sp>
-      <p:sp>
-        <p:nvSpPr>
-          <p:cNvPr id="3" name="Content Placeholder 2"/>
-          <p:cNvSpPr>
-            <a:spLocks noGrp="1"/>
-          </p:cNvSpPr>
-          <p:nvPr>
-            <p:ph idx="1"/>
-          </p:nvPr>
-        </p:nvSpPr>
-        <p:spPr/>
-        <p:txBody>
-          <a:bodyPr/>
-          <a:lstStyle/>
-          <a:p>
-            <a:endParaRPr lang="en-US"/>
-          </a:p>
-        </p:txBody>
-      </p:sp>
-    </p:spTree>
-    <p:extLst>
-      <p:ext uri="{BB962C8B-B14F-4D97-AF65-F5344CB8AC3E}">
-        <p14:creationId xmlns:p14="http://schemas.microsoft.com/office/powerpoint/2010/main" val="1959654841"/>
-      </p:ext>
-    </p:extLst>
-  </p:cSld>
-  <p:clrMapOvr>
-    <a:masterClrMapping/>
-  </p:clrMapOvr>
-</p:sld>
-</file>
-
-<file path=ppt/slides/slide22.xml><?xml version="1.0" encoding="utf-8"?>
-<p:sld xmlns:a="http://schemas.openxmlformats.org/drawingml/2006/main" xmlns:r="http://schemas.openxmlformats.org/officeDocument/2006/relationships" xmlns:p="http://schemas.openxmlformats.org/presentationml/2006/main">
-  <p:cSld>
-    <p:spTree>
-      <p:nvGrpSpPr>
-        <p:cNvPr id="1" name=""/>
-        <p:cNvGrpSpPr/>
-        <p:nvPr/>
-      </p:nvGrpSpPr>
-      <p:grpSpPr>
-        <a:xfrm>
-          <a:off x="0" y="0"/>
-          <a:ext cx="0" cy="0"/>
-          <a:chOff x="0" y="0"/>
-          <a:chExt cx="0" cy="0"/>
-        </a:xfrm>
-      </p:grpSpPr>
-      <p:sp>
-        <p:nvSpPr>
-          <p:cNvPr id="2" name="Title 1"/>
-          <p:cNvSpPr>
-            <a:spLocks noGrp="1"/>
-          </p:cNvSpPr>
-          <p:nvPr>
-            <p:ph type="title"/>
-          </p:nvPr>
-        </p:nvSpPr>
-        <p:spPr/>
-        <p:txBody>
-          <a:bodyPr/>
-          <a:lstStyle/>
-          <a:p>
-            <a:r>
-              <a:rPr lang="en-US" dirty="0"/>
-              <a:t>Try something new without messing up your project.</a:t>
-            </a:r>
-          </a:p>
-        </p:txBody>
-      </p:sp>
-      <p:sp>
-        <p:nvSpPr>
-          <p:cNvPr id="3" name="Content Placeholder 2"/>
-          <p:cNvSpPr>
-            <a:spLocks noGrp="1"/>
-          </p:cNvSpPr>
-          <p:nvPr>
-            <p:ph idx="1"/>
-          </p:nvPr>
-        </p:nvSpPr>
-        <p:spPr/>
-        <p:txBody>
-          <a:bodyPr/>
-          <a:lstStyle/>
-          <a:p>
-            <a:endParaRPr lang="en-US"/>
-          </a:p>
-        </p:txBody>
-      </p:sp>
-    </p:spTree>
-    <p:extLst>
-      <p:ext uri="{BB962C8B-B14F-4D97-AF65-F5344CB8AC3E}">
-        <p14:creationId xmlns:p14="http://schemas.microsoft.com/office/powerpoint/2010/main" val="3056863530"/>
-      </p:ext>
-    </p:extLst>
-  </p:cSld>
-  <p:clrMapOvr>
-    <a:masterClrMapping/>
-  </p:clrMapOvr>
-</p:sld>
-</file>
-
-<file path=ppt/slides/slide23.xml><?xml version="1.0" encoding="utf-8"?>
-<p:sld xmlns:a="http://schemas.openxmlformats.org/drawingml/2006/main" xmlns:r="http://schemas.openxmlformats.org/officeDocument/2006/relationships" xmlns:p="http://schemas.openxmlformats.org/presentationml/2006/main">
-  <p:cSld>
-    <p:spTree>
-      <p:nvGrpSpPr>
-        <p:cNvPr id="1" name=""/>
-        <p:cNvGrpSpPr/>
-        <p:nvPr/>
-      </p:nvGrpSpPr>
-      <p:grpSpPr>
-        <a:xfrm>
-          <a:off x="0" y="0"/>
-          <a:ext cx="0" cy="0"/>
-          <a:chOff x="0" y="0"/>
-          <a:chExt cx="0" cy="0"/>
-        </a:xfrm>
-      </p:grpSpPr>
-      <p:sp>
-        <p:nvSpPr>
-          <p:cNvPr id="2" name="Title 1"/>
-          <p:cNvSpPr>
-            <a:spLocks noGrp="1"/>
-          </p:cNvSpPr>
-          <p:nvPr>
-            <p:ph type="title"/>
-          </p:nvPr>
-        </p:nvSpPr>
-        <p:spPr/>
-        <p:txBody>
-          <a:bodyPr/>
-          <a:lstStyle/>
-          <a:p>
-            <a:r>
-              <a:rPr lang="en-US" dirty="0"/>
-              <a:t>Using branches and merge</a:t>
-            </a:r>
-          </a:p>
-        </p:txBody>
-      </p:sp>
-      <p:sp>
-        <p:nvSpPr>
-          <p:cNvPr id="3" name="Content Placeholder 2"/>
-          <p:cNvSpPr>
-            <a:spLocks noGrp="1"/>
-          </p:cNvSpPr>
-          <p:nvPr>
-            <p:ph idx="1"/>
-          </p:nvPr>
-        </p:nvSpPr>
-        <p:spPr/>
-        <p:txBody>
-          <a:bodyPr/>
-          <a:lstStyle/>
-          <a:p>
-            <a:endParaRPr lang="en-US"/>
-          </a:p>
-        </p:txBody>
-      </p:sp>
-    </p:spTree>
-    <p:extLst>
-      <p:ext uri="{BB962C8B-B14F-4D97-AF65-F5344CB8AC3E}">
-        <p14:creationId xmlns:p14="http://schemas.microsoft.com/office/powerpoint/2010/main" val="15406166"/>
-      </p:ext>
-    </p:extLst>
-  </p:cSld>
-  <p:clrMapOvr>
-    <a:masterClrMapping/>
-  </p:clrMapOvr>
-</p:sld>
-</file>
-
-<file path=ppt/slides/slide24.xml><?xml version="1.0" encoding="utf-8"?>
-<p:sld xmlns:a="http://schemas.openxmlformats.org/drawingml/2006/main" xmlns:r="http://schemas.openxmlformats.org/officeDocument/2006/relationships" xmlns:p="http://schemas.openxmlformats.org/presentationml/2006/main">
-  <p:cSld>
-    <p:spTree>
-      <p:nvGrpSpPr>
-        <p:cNvPr id="1" name=""/>
-        <p:cNvGrpSpPr/>
-        <p:nvPr/>
-      </p:nvGrpSpPr>
-      <p:grpSpPr>
-        <a:xfrm>
-          <a:off x="0" y="0"/>
-          <a:ext cx="0" cy="0"/>
-          <a:chOff x="0" y="0"/>
-          <a:chExt cx="0" cy="0"/>
-        </a:xfrm>
-      </p:grpSpPr>
-      <p:sp>
-        <p:nvSpPr>
-          <p:cNvPr id="2" name="Title 1"/>
-          <p:cNvSpPr>
-            <a:spLocks noGrp="1"/>
-          </p:cNvSpPr>
-          <p:nvPr>
-            <p:ph type="title"/>
-          </p:nvPr>
-        </p:nvSpPr>
-        <p:spPr/>
-        <p:txBody>
-          <a:bodyPr/>
-          <a:lstStyle/>
-          <a:p>
-            <a:r>
-              <a:rPr lang="en-US" dirty="0"/>
-              <a:t>What are the pros of </a:t>
-            </a:r>
-            <a:r>
-              <a:rPr lang="en-US" dirty="0" err="1"/>
-              <a:t>Github</a:t>
-            </a:r>
-            <a:r>
-              <a:rPr lang="en-US" dirty="0"/>
-              <a:t>?</a:t>
-            </a:r>
-          </a:p>
-        </p:txBody>
-      </p:sp>
-      <p:sp>
-        <p:nvSpPr>
-          <p:cNvPr id="3" name="Content Placeholder 2"/>
-          <p:cNvSpPr>
-            <a:spLocks noGrp="1"/>
-          </p:cNvSpPr>
-          <p:nvPr>
-            <p:ph idx="1"/>
-          </p:nvPr>
-        </p:nvSpPr>
-        <p:spPr/>
-        <p:txBody>
-          <a:bodyPr/>
-          <a:lstStyle/>
-          <a:p>
-            <a:r>
-              <a:rPr lang="en-US" dirty="0"/>
-              <a:t>Discuss in groups (x minutes)</a:t>
-            </a:r>
-          </a:p>
-        </p:txBody>
-      </p:sp>
-    </p:spTree>
-    <p:extLst>
-      <p:ext uri="{BB962C8B-B14F-4D97-AF65-F5344CB8AC3E}">
-        <p14:creationId xmlns:p14="http://schemas.microsoft.com/office/powerpoint/2010/main" val="729585267"/>
-      </p:ext>
-    </p:extLst>
-  </p:cSld>
-  <p:clrMapOvr>
-    <a:masterClrMapping/>
-  </p:clrMapOvr>
-</p:sld>
-</file>
-
-<file path=ppt/slides/slide25.xml><?xml version="1.0" encoding="utf-8"?>
-<p:sld xmlns:a="http://schemas.openxmlformats.org/drawingml/2006/main" xmlns:r="http://schemas.openxmlformats.org/officeDocument/2006/relationships" xmlns:p="http://schemas.openxmlformats.org/presentationml/2006/main">
-  <p:cSld>
-    <p:spTree>
-      <p:nvGrpSpPr>
-        <p:cNvPr id="1" name=""/>
-        <p:cNvGrpSpPr/>
-        <p:nvPr/>
-      </p:nvGrpSpPr>
-      <p:grpSpPr>
-        <a:xfrm>
-          <a:off x="0" y="0"/>
-          <a:ext cx="0" cy="0"/>
-          <a:chOff x="0" y="0"/>
-          <a:chExt cx="0" cy="0"/>
-        </a:xfrm>
-      </p:grpSpPr>
-      <p:sp>
-        <p:nvSpPr>
-          <p:cNvPr id="2" name="Title 1"/>
-          <p:cNvSpPr>
-            <a:spLocks noGrp="1"/>
-          </p:cNvSpPr>
-          <p:nvPr>
-            <p:ph type="title"/>
-          </p:nvPr>
-        </p:nvSpPr>
-        <p:spPr/>
-        <p:txBody>
-          <a:bodyPr/>
-          <a:lstStyle/>
-          <a:p>
-            <a:r>
-              <a:rPr lang="en-US" dirty="0"/>
-              <a:t>What are the cons of </a:t>
-            </a:r>
-            <a:r>
-              <a:rPr lang="en-US" dirty="0" err="1"/>
-              <a:t>Github</a:t>
-            </a:r>
-            <a:r>
-              <a:rPr lang="en-US" dirty="0"/>
-              <a:t>?</a:t>
-            </a:r>
-          </a:p>
-        </p:txBody>
-      </p:sp>
-      <p:sp>
-        <p:nvSpPr>
-          <p:cNvPr id="3" name="Content Placeholder 2"/>
-          <p:cNvSpPr>
-            <a:spLocks noGrp="1"/>
-          </p:cNvSpPr>
-          <p:nvPr>
-            <p:ph idx="1"/>
-          </p:nvPr>
-        </p:nvSpPr>
-        <p:spPr/>
-        <p:txBody>
-          <a:bodyPr/>
-          <a:lstStyle/>
-          <a:p>
-            <a:r>
-              <a:rPr lang="en-US" dirty="0"/>
-              <a:t>Discuss in groups (x minutes)</a:t>
-            </a:r>
-          </a:p>
-          <a:p>
-            <a:endParaRPr lang="en-US" dirty="0"/>
-          </a:p>
-        </p:txBody>
-      </p:sp>
-    </p:spTree>
-    <p:extLst>
-      <p:ext uri="{BB962C8B-B14F-4D97-AF65-F5344CB8AC3E}">
-        <p14:creationId xmlns:p14="http://schemas.microsoft.com/office/powerpoint/2010/main" val="2478776565"/>
-      </p:ext>
-    </p:extLst>
-  </p:cSld>
-  <p:clrMapOvr>
-    <a:masterClrMapping/>
-  </p:clrMapOvr>
-</p:sld>
-</file>
-
-<file path=ppt/slides/slide26.xml><?xml version="1.0" encoding="utf-8"?>
-<p:sld xmlns:a="http://schemas.openxmlformats.org/drawingml/2006/main" xmlns:r="http://schemas.openxmlformats.org/officeDocument/2006/relationships" xmlns:p="http://schemas.openxmlformats.org/presentationml/2006/main">
-  <p:cSld>
-    <p:spTree>
-      <p:nvGrpSpPr>
-        <p:cNvPr id="1" name=""/>
-        <p:cNvGrpSpPr/>
-        <p:nvPr/>
-      </p:nvGrpSpPr>
-      <p:grpSpPr>
-        <a:xfrm>
-          <a:off x="0" y="0"/>
-          <a:ext cx="0" cy="0"/>
-          <a:chOff x="0" y="0"/>
-          <a:chExt cx="0" cy="0"/>
-        </a:xfrm>
-      </p:grpSpPr>
-      <p:sp>
-        <p:nvSpPr>
-          <p:cNvPr id="2" name="Title 1"/>
-          <p:cNvSpPr>
-            <a:spLocks noGrp="1"/>
-          </p:cNvSpPr>
-          <p:nvPr>
-            <p:ph type="title"/>
-          </p:nvPr>
-        </p:nvSpPr>
-        <p:spPr/>
-        <p:txBody>
-          <a:bodyPr/>
-          <a:lstStyle/>
-          <a:p>
-            <a:r>
-              <a:rPr lang="en-US" dirty="0"/>
-              <a:t>Resources for learning more</a:t>
-            </a:r>
-          </a:p>
-        </p:txBody>
-      </p:sp>
-      <p:sp>
-        <p:nvSpPr>
-          <p:cNvPr id="3" name="Content Placeholder 2"/>
-          <p:cNvSpPr>
-            <a:spLocks noGrp="1"/>
-          </p:cNvSpPr>
-          <p:nvPr>
-            <p:ph idx="1"/>
-          </p:nvPr>
-        </p:nvSpPr>
-        <p:spPr/>
-        <p:txBody>
-          <a:bodyPr/>
-          <a:lstStyle/>
-          <a:p>
-            <a:endParaRPr lang="en-US"/>
-          </a:p>
-        </p:txBody>
-      </p:sp>
-    </p:spTree>
-    <p:extLst>
-      <p:ext uri="{BB962C8B-B14F-4D97-AF65-F5344CB8AC3E}">
-        <p14:creationId xmlns:p14="http://schemas.microsoft.com/office/powerpoint/2010/main" val="1669023424"/>
-      </p:ext>
-    </p:extLst>
-  </p:cSld>
-  <p:clrMapOvr>
-    <a:masterClrMapping/>
-  </p:clrMapOvr>
-</p:sld>
-</file>
-
-<file path=ppt/slides/slide27.xml><?xml version="1.0" encoding="utf-8"?>
-<p:sld xmlns:a="http://schemas.openxmlformats.org/drawingml/2006/main" xmlns:r="http://schemas.openxmlformats.org/officeDocument/2006/relationships" xmlns:p="http://schemas.openxmlformats.org/presentationml/2006/main">
-  <p:cSld>
-    <p:spTree>
-      <p:nvGrpSpPr>
-        <p:cNvPr id="1" name=""/>
-        <p:cNvGrpSpPr/>
-        <p:nvPr/>
-      </p:nvGrpSpPr>
-      <p:grpSpPr>
-        <a:xfrm>
-          <a:off x="0" y="0"/>
-          <a:ext cx="0" cy="0"/>
-          <a:chOff x="0" y="0"/>
-          <a:chExt cx="0" cy="0"/>
-        </a:xfrm>
-      </p:grpSpPr>
-      <p:sp>
-        <p:nvSpPr>
-          <p:cNvPr id="3" name="Text Placeholder 2">
-            <a:extLst>
-              <a:ext uri="{FF2B5EF4-FFF2-40B4-BE49-F238E27FC236}">
-                <a16:creationId xmlns:a16="http://schemas.microsoft.com/office/drawing/2014/main" id="{CBBEC366-C759-494E-BEFD-6DED92045DAC}"/>
-              </a:ext>
-            </a:extLst>
-          </p:cNvPr>
-          <p:cNvSpPr>
-            <a:spLocks noGrp="1"/>
-          </p:cNvSpPr>
-          <p:nvPr>
-            <p:ph type="body" idx="1"/>
-          </p:nvPr>
-        </p:nvSpPr>
-        <p:spPr>
-          <a:xfrm>
-            <a:off x="831850" y="4589464"/>
-            <a:ext cx="10515600" cy="430212"/>
-          </a:xfrm>
-        </p:spPr>
-        <p:txBody>
-          <a:bodyPr/>
-          <a:lstStyle/>
-          <a:p>
-            <a:r>
-              <a:rPr lang="en-US" dirty="0"/>
-              <a:t>Learning from Past Collaborations</a:t>
-            </a:r>
-          </a:p>
-        </p:txBody>
-      </p:sp>
-      <p:sp>
-        <p:nvSpPr>
-          <p:cNvPr id="7" name="Title 6">
-            <a:extLst>
-              <a:ext uri="{FF2B5EF4-FFF2-40B4-BE49-F238E27FC236}">
-                <a16:creationId xmlns:a16="http://schemas.microsoft.com/office/drawing/2014/main" id="{52783F39-79B3-4870-B7E0-BCD7EAF177B0}"/>
-              </a:ext>
-            </a:extLst>
-          </p:cNvPr>
-          <p:cNvSpPr>
-            <a:spLocks noGrp="1"/>
-          </p:cNvSpPr>
-          <p:nvPr>
-            <p:ph type="title"/>
-          </p:nvPr>
-        </p:nvSpPr>
-        <p:spPr>
-          <a:xfrm>
-            <a:off x="831850" y="3648075"/>
-            <a:ext cx="10515600" cy="914400"/>
-          </a:xfrm>
-        </p:spPr>
-        <p:txBody>
-          <a:bodyPr/>
-          <a:lstStyle/>
-          <a:p>
-            <a:r>
-              <a:rPr lang="en-US" dirty="0"/>
-              <a:t>Small Group Discussions</a:t>
-            </a:r>
-          </a:p>
-        </p:txBody>
-      </p:sp>
-    </p:spTree>
-    <p:extLst>
-      <p:ext uri="{BB962C8B-B14F-4D97-AF65-F5344CB8AC3E}">
-        <p14:creationId xmlns:p14="http://schemas.microsoft.com/office/powerpoint/2010/main" val="1827043774"/>
-      </p:ext>
-    </p:extLst>
-  </p:cSld>
-  <p:clrMapOvr>
-    <a:masterClrMapping/>
-  </p:clrMapOvr>
-</p:sld>
-</file>
-
-<file path=ppt/slides/slide28.xml><?xml version="1.0" encoding="utf-8"?>
-<p:sld xmlns:a="http://schemas.openxmlformats.org/drawingml/2006/main" xmlns:r="http://schemas.openxmlformats.org/officeDocument/2006/relationships" xmlns:p="http://schemas.openxmlformats.org/presentationml/2006/main">
-  <p:cSld>
-    <p:spTree>
-      <p:nvGrpSpPr>
-        <p:cNvPr id="1" name=""/>
-        <p:cNvGrpSpPr/>
-        <p:nvPr/>
-      </p:nvGrpSpPr>
-      <p:grpSpPr>
-        <a:xfrm>
-          <a:off x="0" y="0"/>
-          <a:ext cx="0" cy="0"/>
-          <a:chOff x="0" y="0"/>
-          <a:chExt cx="0" cy="0"/>
-        </a:xfrm>
-      </p:grpSpPr>
-      <p:sp>
-        <p:nvSpPr>
-          <p:cNvPr id="2" name="Title 1">
-            <a:extLst>
-              <a:ext uri="{FF2B5EF4-FFF2-40B4-BE49-F238E27FC236}">
-                <a16:creationId xmlns:a16="http://schemas.microsoft.com/office/drawing/2014/main" id="{4DBB3D5F-2B2C-4880-8F07-4EA749825D10}"/>
-              </a:ext>
-            </a:extLst>
-          </p:cNvPr>
-          <p:cNvSpPr>
-            <a:spLocks noGrp="1"/>
-          </p:cNvSpPr>
-          <p:nvPr>
-            <p:ph type="title"/>
-          </p:nvPr>
-        </p:nvSpPr>
-        <p:spPr/>
-        <p:txBody>
-          <a:bodyPr/>
-          <a:lstStyle/>
-          <a:p>
-            <a:r>
-              <a:rPr lang="en-US" dirty="0"/>
-              <a:t>Small Group Discussions</a:t>
-            </a:r>
-          </a:p>
-        </p:txBody>
-      </p:sp>
-      <p:sp>
-        <p:nvSpPr>
-          <p:cNvPr id="3" name="Content Placeholder 2">
-            <a:extLst>
-              <a:ext uri="{FF2B5EF4-FFF2-40B4-BE49-F238E27FC236}">
-                <a16:creationId xmlns:a16="http://schemas.microsoft.com/office/drawing/2014/main" id="{58DA7441-F606-4D88-B3AB-F330ECBB4130}"/>
-              </a:ext>
-            </a:extLst>
-          </p:cNvPr>
-          <p:cNvSpPr>
-            <a:spLocks noGrp="1"/>
-          </p:cNvSpPr>
-          <p:nvPr>
-            <p:ph idx="1"/>
-          </p:nvPr>
-        </p:nvSpPr>
-        <p:spPr/>
-        <p:txBody>
-          <a:bodyPr>
-            <a:normAutofit lnSpcReduction="10000"/>
-          </a:bodyPr>
-          <a:lstStyle/>
-          <a:p>
-            <a:pPr marL="0" indent="0">
-              <a:buNone/>
-            </a:pPr>
-            <a:r>
-              <a:rPr lang="en-US" b="1" i="1" dirty="0"/>
-              <a:t>What you’ll need…</a:t>
-            </a:r>
-          </a:p>
-          <a:p>
-            <a:pPr marL="514350" indent="-514350">
-              <a:buAutoNum type="arabicPeriod"/>
-            </a:pPr>
-            <a:r>
-              <a:rPr lang="en-US" dirty="0"/>
-              <a:t>Some people to talk with</a:t>
-            </a:r>
-          </a:p>
-          <a:p>
-            <a:pPr marL="514350" indent="-514350">
-              <a:buAutoNum type="arabicPeriod"/>
-            </a:pPr>
-            <a:r>
-              <a:rPr lang="en-US" dirty="0"/>
-              <a:t>Some notetaking technology (e.g., pen and paper, laptop, tablet)</a:t>
-            </a:r>
-          </a:p>
-          <a:p>
-            <a:pPr marL="514350" indent="-514350">
-              <a:buAutoNum type="arabicPeriod"/>
-            </a:pPr>
-            <a:endParaRPr lang="en-US" dirty="0"/>
-          </a:p>
-          <a:p>
-            <a:pPr marL="0" indent="0">
-              <a:buNone/>
-            </a:pPr>
-            <a:r>
-              <a:rPr lang="en-US" b="1" i="1" dirty="0"/>
-              <a:t>What we’ll do…</a:t>
-            </a:r>
-          </a:p>
-          <a:p>
-            <a:pPr marL="514350" indent="-514350">
-              <a:buAutoNum type="arabicPeriod"/>
-            </a:pPr>
-            <a:r>
-              <a:rPr lang="en-US" dirty="0"/>
-              <a:t>Reflect on past collaborative experiences</a:t>
-            </a:r>
-          </a:p>
-          <a:p>
-            <a:pPr marL="514350" indent="-514350">
-              <a:buAutoNum type="arabicPeriod"/>
-            </a:pPr>
-            <a:r>
-              <a:rPr lang="en-US" dirty="0"/>
-              <a:t>Gather anecdotal evidence to support </a:t>
-            </a:r>
-            <a:r>
-              <a:rPr lang="en-US" i="1" dirty="0"/>
-              <a:t>The N Commandments of Collaborative Computing</a:t>
-            </a:r>
-            <a:endParaRPr lang="en-US" dirty="0"/>
-          </a:p>
-          <a:p>
-            <a:pPr marL="514350" indent="-514350">
-              <a:buAutoNum type="arabicPeriod"/>
-            </a:pPr>
-            <a:r>
-              <a:rPr lang="en-US" dirty="0"/>
-              <a:t>Focus on digital aspects and tools that worked (or not)</a:t>
-            </a:r>
-          </a:p>
-        </p:txBody>
-      </p:sp>
-    </p:spTree>
-    <p:extLst>
-      <p:ext uri="{BB962C8B-B14F-4D97-AF65-F5344CB8AC3E}">
-        <p14:creationId xmlns:p14="http://schemas.microsoft.com/office/powerpoint/2010/main" val="431935109"/>
-      </p:ext>
-    </p:extLst>
-  </p:cSld>
-  <p:clrMapOvr>
-    <a:masterClrMapping/>
-  </p:clrMapOvr>
-</p:sld>
-</file>
-
-<file path=ppt/slides/slide29.xml><?xml version="1.0" encoding="utf-8"?>
-<p:sld xmlns:a="http://schemas.openxmlformats.org/drawingml/2006/main" xmlns:r="http://schemas.openxmlformats.org/officeDocument/2006/relationships" xmlns:p="http://schemas.openxmlformats.org/presentationml/2006/main">
-  <p:cSld>
-    <p:spTree>
-      <p:nvGrpSpPr>
-        <p:cNvPr id="1" name=""/>
-        <p:cNvGrpSpPr/>
-        <p:nvPr/>
-      </p:nvGrpSpPr>
-      <p:grpSpPr>
-        <a:xfrm>
-          <a:off x="0" y="0"/>
-          <a:ext cx="0" cy="0"/>
-          <a:chOff x="0" y="0"/>
-          <a:chExt cx="0" cy="0"/>
-        </a:xfrm>
-      </p:grpSpPr>
-      <p:sp>
-        <p:nvSpPr>
-          <p:cNvPr id="2" name="Title 1">
-            <a:extLst>
-              <a:ext uri="{FF2B5EF4-FFF2-40B4-BE49-F238E27FC236}">
-                <a16:creationId xmlns:a16="http://schemas.microsoft.com/office/drawing/2014/main" id="{F03E117D-36C5-4FC7-8EEF-CDC513A6F7D0}"/>
-              </a:ext>
-            </a:extLst>
-          </p:cNvPr>
-          <p:cNvSpPr>
-            <a:spLocks noGrp="1"/>
-          </p:cNvSpPr>
-          <p:nvPr>
-            <p:ph type="title"/>
-          </p:nvPr>
-        </p:nvSpPr>
-        <p:spPr/>
-        <p:txBody>
-          <a:bodyPr/>
-          <a:lstStyle/>
-          <a:p>
-            <a:r>
-              <a:rPr lang="en-US" dirty="0"/>
-              <a:t>Part 1: Introductions</a:t>
-            </a:r>
-          </a:p>
-        </p:txBody>
-      </p:sp>
-      <p:sp>
-        <p:nvSpPr>
-          <p:cNvPr id="3" name="Content Placeholder 2">
-            <a:extLst>
-              <a:ext uri="{FF2B5EF4-FFF2-40B4-BE49-F238E27FC236}">
-                <a16:creationId xmlns:a16="http://schemas.microsoft.com/office/drawing/2014/main" id="{C35EAB37-4B0D-4848-B2E9-CCE1852B766C}"/>
-              </a:ext>
-            </a:extLst>
-          </p:cNvPr>
-          <p:cNvSpPr>
-            <a:spLocks noGrp="1"/>
-          </p:cNvSpPr>
-          <p:nvPr>
-            <p:ph idx="1"/>
-          </p:nvPr>
-        </p:nvSpPr>
-        <p:spPr/>
-        <p:txBody>
-          <a:bodyPr/>
-          <a:lstStyle/>
-          <a:p>
-            <a:pPr marL="0" indent="0">
-              <a:buNone/>
-            </a:pPr>
-            <a:r>
-              <a:rPr lang="en-US" b="1" i="1" dirty="0"/>
-              <a:t>Share…</a:t>
-            </a:r>
-            <a:endParaRPr lang="en-US" dirty="0"/>
-          </a:p>
-          <a:p>
-            <a:pPr marL="514350" indent="-514350">
-              <a:buAutoNum type="arabicPeriod"/>
-            </a:pPr>
-            <a:r>
-              <a:rPr lang="en-US" dirty="0"/>
-              <a:t>Institution and LTER site</a:t>
-            </a:r>
-          </a:p>
-          <a:p>
-            <a:pPr marL="514350" indent="-514350">
-              <a:buAutoNum type="arabicPeriod"/>
-            </a:pPr>
-            <a:r>
-              <a:rPr lang="en-US" dirty="0"/>
-              <a:t>Role (e.g., professor, postdoc, grad student, etc.)</a:t>
-            </a:r>
-          </a:p>
-          <a:p>
-            <a:pPr marL="514350" indent="-514350">
-              <a:buAutoNum type="arabicPeriod"/>
-            </a:pPr>
-            <a:r>
-              <a:rPr lang="en-US" dirty="0"/>
-              <a:t>Research area</a:t>
-            </a:r>
-          </a:p>
-        </p:txBody>
-      </p:sp>
-    </p:spTree>
-    <p:extLst>
-      <p:ext uri="{BB962C8B-B14F-4D97-AF65-F5344CB8AC3E}">
-        <p14:creationId xmlns:p14="http://schemas.microsoft.com/office/powerpoint/2010/main" val="3064312405"/>
-      </p:ext>
-    </p:extLst>
-  </p:cSld>
-  <p:clrMapOvr>
-    <a:masterClrMapping/>
-  </p:clrMapOvr>
-</p:sld>
-</file>
-
-<file path=ppt/slides/slide3.xml><?xml version="1.0" encoding="utf-8"?>
-<p:sld xmlns:a="http://schemas.openxmlformats.org/drawingml/2006/main" xmlns:r="http://schemas.openxmlformats.org/officeDocument/2006/relationships" xmlns:p="http://schemas.openxmlformats.org/presentationml/2006/main">
-  <p:cSld>
-    <p:spTree>
-      <p:nvGrpSpPr>
-        <p:cNvPr id="1" name=""/>
-        <p:cNvGrpSpPr/>
-        <p:nvPr/>
-      </p:nvGrpSpPr>
-      <p:grpSpPr>
-        <a:xfrm>
-          <a:off x="0" y="0"/>
-          <a:ext cx="0" cy="0"/>
-          <a:chOff x="0" y="0"/>
-          <a:chExt cx="0" cy="0"/>
-        </a:xfrm>
-      </p:grpSpPr>
-      <p:sp>
-        <p:nvSpPr>
-          <p:cNvPr id="2" name="Title 1">
-            <a:extLst>
-              <a:ext uri="{FF2B5EF4-FFF2-40B4-BE49-F238E27FC236}">
-                <a16:creationId xmlns:a16="http://schemas.microsoft.com/office/drawing/2014/main" id="{20C38387-8B78-44FA-9D77-60FF559F0F15}"/>
-              </a:ext>
-            </a:extLst>
-          </p:cNvPr>
-          <p:cNvSpPr>
-            <a:spLocks noGrp="1"/>
-          </p:cNvSpPr>
-          <p:nvPr>
-            <p:ph type="title"/>
-          </p:nvPr>
-        </p:nvSpPr>
-        <p:spPr/>
-        <p:txBody>
-          <a:bodyPr/>
-          <a:lstStyle/>
-          <a:p>
-            <a:r>
-              <a:rPr lang="en-US" dirty="0"/>
-              <a:t>Today’s Outline</a:t>
-            </a:r>
-          </a:p>
-        </p:txBody>
-      </p:sp>
-      <p:sp>
-        <p:nvSpPr>
-          <p:cNvPr id="3" name="Content Placeholder 2">
-            <a:extLst>
-              <a:ext uri="{FF2B5EF4-FFF2-40B4-BE49-F238E27FC236}">
-                <a16:creationId xmlns:a16="http://schemas.microsoft.com/office/drawing/2014/main" id="{240CE714-EFAE-491F-96F2-8E47136EDEC9}"/>
-              </a:ext>
-            </a:extLst>
-          </p:cNvPr>
-          <p:cNvSpPr>
-            <a:spLocks noGrp="1"/>
-          </p:cNvSpPr>
-          <p:nvPr>
-            <p:ph idx="1"/>
-          </p:nvPr>
-        </p:nvSpPr>
-        <p:spPr/>
-        <p:txBody>
-          <a:bodyPr/>
-          <a:lstStyle/>
-          <a:p>
-            <a:pPr marL="514350" indent="-514350">
-              <a:buFont typeface="+mj-lt"/>
-              <a:buAutoNum type="arabicPeriod"/>
-            </a:pPr>
-            <a:r>
-              <a:rPr lang="en-US" dirty="0"/>
-              <a:t>Challenges in Collaboration</a:t>
-            </a:r>
-          </a:p>
-          <a:p>
-            <a:pPr marL="514350" indent="-514350">
-              <a:buFont typeface="+mj-lt"/>
-              <a:buAutoNum type="arabicPeriod"/>
-            </a:pPr>
-            <a:r>
-              <a:rPr lang="en-US" dirty="0"/>
-              <a:t>Web-Based Collaboration Tools</a:t>
-            </a:r>
-          </a:p>
-          <a:p>
-            <a:pPr marL="514350" indent="-514350">
-              <a:buFont typeface="+mj-lt"/>
-              <a:buAutoNum type="arabicPeriod"/>
-            </a:pPr>
-            <a:r>
-              <a:rPr lang="en-US" dirty="0"/>
-              <a:t>Reflect on Past Experiences</a:t>
-            </a:r>
-          </a:p>
-          <a:p>
-            <a:pPr marL="514350" indent="-514350">
-              <a:buFont typeface="+mj-lt"/>
-              <a:buAutoNum type="arabicPeriod"/>
-            </a:pPr>
-            <a:r>
-              <a:rPr lang="en-US" dirty="0"/>
-              <a:t>Develop </a:t>
-            </a:r>
-            <a:r>
-              <a:rPr lang="en-US" i="1" dirty="0"/>
-              <a:t>The N Commandments of Collaborative Computing</a:t>
-            </a:r>
-          </a:p>
-          <a:p>
-            <a:pPr marL="0" indent="0">
-              <a:buNone/>
-            </a:pPr>
-            <a:endParaRPr lang="en-US" dirty="0"/>
-          </a:p>
-          <a:p>
-            <a:pPr marL="914400" indent="-914400">
-              <a:buNone/>
-            </a:pPr>
-            <a:r>
-              <a:rPr lang="en-US" b="1" dirty="0"/>
-              <a:t>Goal:	</a:t>
-            </a:r>
-            <a:r>
-              <a:rPr lang="en-US" dirty="0"/>
-              <a:t>Explore solutions to the challenges of modern, data-intensive collaborative projects over long-distances</a:t>
-            </a:r>
-            <a:endParaRPr lang="en-US" b="1" dirty="0"/>
-          </a:p>
-        </p:txBody>
-      </p:sp>
-    </p:spTree>
-    <p:extLst>
-      <p:ext uri="{BB962C8B-B14F-4D97-AF65-F5344CB8AC3E}">
-        <p14:creationId xmlns:p14="http://schemas.microsoft.com/office/powerpoint/2010/main" val="1924694988"/>
-      </p:ext>
-    </p:extLst>
-  </p:cSld>
-  <p:clrMapOvr>
-    <a:masterClrMapping/>
-  </p:clrMapOvr>
-</p:sld>
-</file>
-
-<file path=ppt/slides/slide30.xml><?xml version="1.0" encoding="utf-8"?>
-<p:sld xmlns:a="http://schemas.openxmlformats.org/drawingml/2006/main" xmlns:r="http://schemas.openxmlformats.org/officeDocument/2006/relationships" xmlns:p="http://schemas.openxmlformats.org/presentationml/2006/main">
-  <p:cSld>
-    <p:spTree>
-      <p:nvGrpSpPr>
-        <p:cNvPr id="1" name=""/>
-        <p:cNvGrpSpPr/>
-        <p:nvPr/>
-      </p:nvGrpSpPr>
-      <p:grpSpPr>
-        <a:xfrm>
-          <a:off x="0" y="0"/>
-          <a:ext cx="0" cy="0"/>
-          <a:chOff x="0" y="0"/>
-          <a:chExt cx="0" cy="0"/>
-        </a:xfrm>
-      </p:grpSpPr>
-      <p:sp>
-        <p:nvSpPr>
-          <p:cNvPr id="2" name="Title 1">
-            <a:extLst>
-              <a:ext uri="{FF2B5EF4-FFF2-40B4-BE49-F238E27FC236}">
-                <a16:creationId xmlns:a16="http://schemas.microsoft.com/office/drawing/2014/main" id="{063DBBFE-8E9D-41E2-BD09-9C4A32165836}"/>
-              </a:ext>
-            </a:extLst>
-          </p:cNvPr>
-          <p:cNvSpPr>
-            <a:spLocks noGrp="1"/>
-          </p:cNvSpPr>
-          <p:nvPr>
-            <p:ph type="title"/>
-          </p:nvPr>
-        </p:nvSpPr>
-        <p:spPr/>
-        <p:txBody>
-          <a:bodyPr/>
-          <a:lstStyle/>
-          <a:p>
-            <a:r>
-              <a:rPr lang="en-US" dirty="0"/>
-              <a:t>Part 2: Reflecting Back</a:t>
-            </a:r>
-          </a:p>
-        </p:txBody>
-      </p:sp>
-      <p:sp>
-        <p:nvSpPr>
-          <p:cNvPr id="3" name="Content Placeholder 2">
-            <a:extLst>
-              <a:ext uri="{FF2B5EF4-FFF2-40B4-BE49-F238E27FC236}">
-                <a16:creationId xmlns:a16="http://schemas.microsoft.com/office/drawing/2014/main" id="{527F693A-CD83-4ECC-A63D-6E07BDA34141}"/>
-              </a:ext>
-            </a:extLst>
-          </p:cNvPr>
-          <p:cNvSpPr>
-            <a:spLocks noGrp="1"/>
-          </p:cNvSpPr>
-          <p:nvPr>
-            <p:ph idx="1"/>
-          </p:nvPr>
-        </p:nvSpPr>
-        <p:spPr/>
-        <p:txBody>
-          <a:bodyPr>
-            <a:normAutofit/>
-          </a:bodyPr>
-          <a:lstStyle/>
-          <a:p>
-            <a:pPr marL="0" indent="0">
-              <a:buNone/>
-            </a:pPr>
-            <a:r>
-              <a:rPr lang="en-US" b="1" i="1" dirty="0"/>
-              <a:t>Think…</a:t>
-            </a:r>
-            <a:endParaRPr lang="en-US" dirty="0"/>
-          </a:p>
-          <a:p>
-            <a:pPr marL="514350" indent="-514350">
-              <a:buFont typeface="+mj-lt"/>
-              <a:buAutoNum type="arabicPeriod"/>
-            </a:pPr>
-            <a:r>
-              <a:rPr lang="en-US" dirty="0"/>
-              <a:t>What was the goal of the project (e.g., a paper, a novel dataset, a grant proposal, an outreach program, etc.)?</a:t>
-            </a:r>
-          </a:p>
-          <a:p>
-            <a:pPr marL="514350" indent="-514350">
-              <a:buFont typeface="+mj-lt"/>
-              <a:buAutoNum type="arabicPeriod"/>
-            </a:pPr>
-            <a:r>
-              <a:rPr lang="en-US" dirty="0"/>
-              <a:t>How many people were involved? What kind of people (e.g., interdisciplinary, different career stages, different technical expertise, etc.)?</a:t>
-            </a:r>
-          </a:p>
-          <a:p>
-            <a:pPr marL="514350" indent="-514350">
-              <a:buFont typeface="+mj-lt"/>
-              <a:buAutoNum type="arabicPeriod"/>
-            </a:pPr>
-            <a:r>
-              <a:rPr lang="en-US" dirty="0"/>
-              <a:t>Was the group based in one location? How long did the collaboration last?</a:t>
-            </a:r>
-          </a:p>
-          <a:p>
-            <a:pPr marL="0" indent="0">
-              <a:buNone/>
-            </a:pPr>
-            <a:r>
-              <a:rPr lang="en-US" b="1" i="1" dirty="0"/>
-              <a:t>Share…</a:t>
-            </a:r>
-          </a:p>
-        </p:txBody>
-      </p:sp>
-    </p:spTree>
-    <p:extLst>
-      <p:ext uri="{BB962C8B-B14F-4D97-AF65-F5344CB8AC3E}">
-        <p14:creationId xmlns:p14="http://schemas.microsoft.com/office/powerpoint/2010/main" val="2276565651"/>
-      </p:ext>
-    </p:extLst>
-  </p:cSld>
-  <p:clrMapOvr>
-    <a:masterClrMapping/>
-  </p:clrMapOvr>
-</p:sld>
-</file>
-
-<file path=ppt/slides/slide31.xml><?xml version="1.0" encoding="utf-8"?>
-<p:sld xmlns:a="http://schemas.openxmlformats.org/drawingml/2006/main" xmlns:r="http://schemas.openxmlformats.org/officeDocument/2006/relationships" xmlns:p="http://schemas.openxmlformats.org/presentationml/2006/main">
-  <p:cSld>
-    <p:spTree>
-      <p:nvGrpSpPr>
-        <p:cNvPr id="1" name=""/>
-        <p:cNvGrpSpPr/>
-        <p:nvPr/>
-      </p:nvGrpSpPr>
-      <p:grpSpPr>
-        <a:xfrm>
-          <a:off x="0" y="0"/>
-          <a:ext cx="0" cy="0"/>
-          <a:chOff x="0" y="0"/>
-          <a:chExt cx="0" cy="0"/>
-        </a:xfrm>
-      </p:grpSpPr>
-      <p:sp>
-        <p:nvSpPr>
-          <p:cNvPr id="2" name="Title 1">
-            <a:extLst>
-              <a:ext uri="{FF2B5EF4-FFF2-40B4-BE49-F238E27FC236}">
-                <a16:creationId xmlns:a16="http://schemas.microsoft.com/office/drawing/2014/main" id="{8767DBB4-F5AD-4316-BE61-85136EBF7846}"/>
-              </a:ext>
-            </a:extLst>
-          </p:cNvPr>
-          <p:cNvSpPr>
-            <a:spLocks noGrp="1"/>
-          </p:cNvSpPr>
-          <p:nvPr>
-            <p:ph type="title"/>
-          </p:nvPr>
-        </p:nvSpPr>
-        <p:spPr/>
-        <p:txBody>
-          <a:bodyPr/>
-          <a:lstStyle/>
-          <a:p>
-            <a:r>
-              <a:rPr lang="en-US" dirty="0"/>
-              <a:t>Part 3: Looking Forward</a:t>
-            </a:r>
-          </a:p>
-        </p:txBody>
-      </p:sp>
-      <p:sp>
-        <p:nvSpPr>
-          <p:cNvPr id="3" name="Content Placeholder 2">
-            <a:extLst>
-              <a:ext uri="{FF2B5EF4-FFF2-40B4-BE49-F238E27FC236}">
-                <a16:creationId xmlns:a16="http://schemas.microsoft.com/office/drawing/2014/main" id="{29E78B52-C2A3-4828-A172-D913CA1C5929}"/>
-              </a:ext>
-            </a:extLst>
-          </p:cNvPr>
-          <p:cNvSpPr>
-            <a:spLocks noGrp="1"/>
-          </p:cNvSpPr>
-          <p:nvPr>
-            <p:ph idx="1"/>
-          </p:nvPr>
-        </p:nvSpPr>
-        <p:spPr/>
-        <p:txBody>
-          <a:bodyPr/>
-          <a:lstStyle/>
-          <a:p>
-            <a:pPr marL="0" indent="0">
-              <a:buNone/>
-            </a:pPr>
-            <a:r>
-              <a:rPr lang="en-US" b="1" i="1" dirty="0"/>
-              <a:t>Think…</a:t>
-            </a:r>
-            <a:endParaRPr lang="en-US" dirty="0"/>
-          </a:p>
-          <a:p>
-            <a:pPr marL="514350" indent="-514350">
-              <a:buAutoNum type="arabicPeriod"/>
-            </a:pPr>
-            <a:r>
-              <a:rPr lang="en-US" dirty="0"/>
-              <a:t>What tools, resources, or workflows do you consider necessary for a successful collaboration?</a:t>
-            </a:r>
-          </a:p>
-          <a:p>
-            <a:pPr marL="514350" indent="-514350">
-              <a:buAutoNum type="arabicPeriod"/>
-            </a:pPr>
-            <a:r>
-              <a:rPr lang="en-US" dirty="0"/>
-              <a:t>What can be done to more easily facilitate the use of these tools throughout a project’s lifecycle?</a:t>
-            </a:r>
-          </a:p>
-          <a:p>
-            <a:pPr marL="0" indent="0">
-              <a:buNone/>
-            </a:pPr>
-            <a:r>
-              <a:rPr lang="en-US" b="1" i="1" dirty="0"/>
-              <a:t>Share…</a:t>
-            </a:r>
-          </a:p>
-          <a:p>
-            <a:pPr marL="0" indent="0">
-              <a:buNone/>
-            </a:pPr>
-            <a:endParaRPr lang="en-US" dirty="0"/>
-          </a:p>
-        </p:txBody>
-      </p:sp>
-    </p:spTree>
-    <p:extLst>
-      <p:ext uri="{BB962C8B-B14F-4D97-AF65-F5344CB8AC3E}">
-        <p14:creationId xmlns:p14="http://schemas.microsoft.com/office/powerpoint/2010/main" val="323198984"/>
-      </p:ext>
-    </p:extLst>
-  </p:cSld>
-  <p:clrMapOvr>
-    <a:masterClrMapping/>
-  </p:clrMapOvr>
-</p:sld>
-</file>
-
-<file path=ppt/slides/slide32.xml><?xml version="1.0" encoding="utf-8"?>
-<p:sld xmlns:a="http://schemas.openxmlformats.org/drawingml/2006/main" xmlns:r="http://schemas.openxmlformats.org/officeDocument/2006/relationships" xmlns:p="http://schemas.openxmlformats.org/presentationml/2006/main">
-  <p:cSld>
-    <p:spTree>
-      <p:nvGrpSpPr>
-        <p:cNvPr id="1" name=""/>
-        <p:cNvGrpSpPr/>
-        <p:nvPr/>
-      </p:nvGrpSpPr>
-      <p:grpSpPr>
-        <a:xfrm>
-          <a:off x="0" y="0"/>
-          <a:ext cx="0" cy="0"/>
-          <a:chOff x="0" y="0"/>
-          <a:chExt cx="0" cy="0"/>
-        </a:xfrm>
-      </p:grpSpPr>
-      <p:sp>
-        <p:nvSpPr>
-          <p:cNvPr id="3" name="Text Placeholder 2">
-            <a:extLst>
-              <a:ext uri="{FF2B5EF4-FFF2-40B4-BE49-F238E27FC236}">
-                <a16:creationId xmlns:a16="http://schemas.microsoft.com/office/drawing/2014/main" id="{CBBEC366-C759-494E-BEFD-6DED92045DAC}"/>
-              </a:ext>
-            </a:extLst>
-          </p:cNvPr>
-          <p:cNvSpPr>
-            <a:spLocks noGrp="1"/>
-          </p:cNvSpPr>
-          <p:nvPr>
-            <p:ph type="body" idx="1"/>
-          </p:nvPr>
-        </p:nvSpPr>
-        <p:spPr>
-          <a:xfrm>
-            <a:off x="831850" y="4589464"/>
-            <a:ext cx="10515600" cy="430212"/>
-          </a:xfrm>
-        </p:spPr>
-        <p:txBody>
-          <a:bodyPr/>
-          <a:lstStyle/>
-          <a:p>
-            <a:r>
-              <a:rPr lang="en-US" dirty="0"/>
-              <a:t>Developing the N Commandments</a:t>
-            </a:r>
-          </a:p>
-        </p:txBody>
-      </p:sp>
-      <p:sp>
-        <p:nvSpPr>
-          <p:cNvPr id="7" name="Title 6">
-            <a:extLst>
-              <a:ext uri="{FF2B5EF4-FFF2-40B4-BE49-F238E27FC236}">
-                <a16:creationId xmlns:a16="http://schemas.microsoft.com/office/drawing/2014/main" id="{52783F39-79B3-4870-B7E0-BCD7EAF177B0}"/>
-              </a:ext>
-            </a:extLst>
-          </p:cNvPr>
-          <p:cNvSpPr>
-            <a:spLocks noGrp="1"/>
-          </p:cNvSpPr>
-          <p:nvPr>
-            <p:ph type="title"/>
-          </p:nvPr>
-        </p:nvSpPr>
-        <p:spPr>
-          <a:xfrm>
-            <a:off x="831850" y="3648075"/>
-            <a:ext cx="10515600" cy="914400"/>
-          </a:xfrm>
-        </p:spPr>
-        <p:txBody>
-          <a:bodyPr/>
-          <a:lstStyle/>
-          <a:p>
-            <a:r>
-              <a:rPr lang="en-US" dirty="0"/>
-              <a:t>Consensus Building</a:t>
-            </a:r>
-          </a:p>
-        </p:txBody>
-      </p:sp>
-    </p:spTree>
-    <p:extLst>
-      <p:ext uri="{BB962C8B-B14F-4D97-AF65-F5344CB8AC3E}">
-        <p14:creationId xmlns:p14="http://schemas.microsoft.com/office/powerpoint/2010/main" val="885996570"/>
-      </p:ext>
-    </p:extLst>
-  </p:cSld>
-  <p:clrMapOvr>
-    <a:masterClrMapping/>
-  </p:clrMapOvr>
-</p:sld>
-</file>
-
-<file path=ppt/slides/slide33.xml><?xml version="1.0" encoding="utf-8"?>
-<p:sld xmlns:a="http://schemas.openxmlformats.org/drawingml/2006/main" xmlns:r="http://schemas.openxmlformats.org/officeDocument/2006/relationships" xmlns:p="http://schemas.openxmlformats.org/presentationml/2006/main">
-  <p:cSld>
-    <p:spTree>
-      <p:nvGrpSpPr>
-        <p:cNvPr id="1" name=""/>
-        <p:cNvGrpSpPr/>
-        <p:nvPr/>
-      </p:nvGrpSpPr>
-      <p:grpSpPr>
-        <a:xfrm>
-          <a:off x="0" y="0"/>
-          <a:ext cx="0" cy="0"/>
-          <a:chOff x="0" y="0"/>
-          <a:chExt cx="0" cy="0"/>
-        </a:xfrm>
-      </p:grpSpPr>
-      <p:sp>
-        <p:nvSpPr>
-          <p:cNvPr id="2" name="Title 1">
-            <a:extLst>
-              <a:ext uri="{FF2B5EF4-FFF2-40B4-BE49-F238E27FC236}">
-                <a16:creationId xmlns:a16="http://schemas.microsoft.com/office/drawing/2014/main" id="{D341A550-712D-4A10-8D9F-CD327680AA41}"/>
-              </a:ext>
-            </a:extLst>
-          </p:cNvPr>
-          <p:cNvSpPr>
-            <a:spLocks noGrp="1"/>
-          </p:cNvSpPr>
-          <p:nvPr>
-            <p:ph type="title"/>
-          </p:nvPr>
-        </p:nvSpPr>
-        <p:spPr/>
-        <p:txBody>
-          <a:bodyPr/>
-          <a:lstStyle/>
-          <a:p>
-            <a:r>
-              <a:rPr lang="en-US" dirty="0"/>
-              <a:t>What Consensus Is</a:t>
-            </a:r>
-          </a:p>
-        </p:txBody>
-      </p:sp>
-      <p:sp>
-        <p:nvSpPr>
-          <p:cNvPr id="3" name="Content Placeholder 2">
-            <a:extLst>
-              <a:ext uri="{FF2B5EF4-FFF2-40B4-BE49-F238E27FC236}">
-                <a16:creationId xmlns:a16="http://schemas.microsoft.com/office/drawing/2014/main" id="{62C8C4C7-120E-4230-8E60-B64F8C51C634}"/>
-              </a:ext>
-            </a:extLst>
-          </p:cNvPr>
-          <p:cNvSpPr>
-            <a:spLocks noGrp="1"/>
-          </p:cNvSpPr>
-          <p:nvPr>
-            <p:ph idx="1"/>
-          </p:nvPr>
-        </p:nvSpPr>
-        <p:spPr/>
-        <p:txBody>
-          <a:bodyPr/>
-          <a:lstStyle/>
-          <a:p>
-            <a:r>
-              <a:rPr lang="en-US" dirty="0"/>
-              <a:t>Everyone’s opinions are heard and encouraged</a:t>
-            </a:r>
-          </a:p>
-          <a:p>
-            <a:endParaRPr lang="en-US" dirty="0"/>
-          </a:p>
-          <a:p>
-            <a:r>
-              <a:rPr lang="en-US" dirty="0"/>
-              <a:t>Differences viewed as helpful, chances to learn more</a:t>
-            </a:r>
-          </a:p>
-          <a:p>
-            <a:endParaRPr lang="en-US" dirty="0"/>
-          </a:p>
-          <a:p>
-            <a:r>
-              <a:rPr lang="en-US" dirty="0"/>
-              <a:t>Everyone can understand the result and how it was reached</a:t>
-            </a:r>
-          </a:p>
-        </p:txBody>
-      </p:sp>
-    </p:spTree>
-    <p:extLst>
-      <p:ext uri="{BB962C8B-B14F-4D97-AF65-F5344CB8AC3E}">
-        <p14:creationId xmlns:p14="http://schemas.microsoft.com/office/powerpoint/2010/main" val="3269339386"/>
-      </p:ext>
-    </p:extLst>
-  </p:cSld>
-  <p:clrMapOvr>
-    <a:masterClrMapping/>
-  </p:clrMapOvr>
-</p:sld>
-</file>
-
-<file path=ppt/slides/slide34.xml><?xml version="1.0" encoding="utf-8"?>
-<p:sld xmlns:a="http://schemas.openxmlformats.org/drawingml/2006/main" xmlns:r="http://schemas.openxmlformats.org/officeDocument/2006/relationships" xmlns:p="http://schemas.openxmlformats.org/presentationml/2006/main">
-  <p:cSld>
-    <p:spTree>
-      <p:nvGrpSpPr>
-        <p:cNvPr id="1" name=""/>
-        <p:cNvGrpSpPr/>
-        <p:nvPr/>
-      </p:nvGrpSpPr>
-      <p:grpSpPr>
-        <a:xfrm>
-          <a:off x="0" y="0"/>
-          <a:ext cx="0" cy="0"/>
-          <a:chOff x="0" y="0"/>
-          <a:chExt cx="0" cy="0"/>
-        </a:xfrm>
-      </p:grpSpPr>
-      <p:sp>
-        <p:nvSpPr>
-          <p:cNvPr id="2" name="Title 1">
-            <a:extLst>
-              <a:ext uri="{FF2B5EF4-FFF2-40B4-BE49-F238E27FC236}">
-                <a16:creationId xmlns:a16="http://schemas.microsoft.com/office/drawing/2014/main" id="{FCA70632-4B1A-4E6A-974B-3AD2013F76EB}"/>
-              </a:ext>
-            </a:extLst>
-          </p:cNvPr>
-          <p:cNvSpPr>
-            <a:spLocks noGrp="1"/>
-          </p:cNvSpPr>
-          <p:nvPr>
-            <p:ph type="title"/>
-          </p:nvPr>
-        </p:nvSpPr>
-        <p:spPr/>
-        <p:txBody>
-          <a:bodyPr/>
-          <a:lstStyle/>
-          <a:p>
-            <a:r>
-              <a:rPr lang="en-US" dirty="0"/>
-              <a:t>What Consensus Is Not</a:t>
-            </a:r>
-          </a:p>
-        </p:txBody>
-      </p:sp>
-      <p:sp>
-        <p:nvSpPr>
-          <p:cNvPr id="3" name="Content Placeholder 2">
-            <a:extLst>
-              <a:ext uri="{FF2B5EF4-FFF2-40B4-BE49-F238E27FC236}">
-                <a16:creationId xmlns:a16="http://schemas.microsoft.com/office/drawing/2014/main" id="{1D1EACA7-1198-47A0-980E-5B8568AA18B3}"/>
-              </a:ext>
-            </a:extLst>
-          </p:cNvPr>
-          <p:cNvSpPr>
-            <a:spLocks noGrp="1"/>
-          </p:cNvSpPr>
-          <p:nvPr>
-            <p:ph idx="1"/>
-          </p:nvPr>
-        </p:nvSpPr>
-        <p:spPr/>
-        <p:txBody>
-          <a:bodyPr/>
-          <a:lstStyle/>
-          <a:p>
-            <a:r>
-              <a:rPr lang="en-US" dirty="0"/>
-              <a:t>Unanimous agreement on end product</a:t>
-            </a:r>
-          </a:p>
-          <a:p>
-            <a:endParaRPr lang="en-US" dirty="0"/>
-          </a:p>
-          <a:p>
-            <a:r>
-              <a:rPr lang="en-US" dirty="0"/>
-              <a:t>Conflict is avoided, ignored</a:t>
-            </a:r>
-          </a:p>
-          <a:p>
-            <a:endParaRPr lang="en-US" dirty="0"/>
-          </a:p>
-          <a:p>
-            <a:r>
-              <a:rPr lang="en-US" dirty="0"/>
-              <a:t>Result is everyone's first choice</a:t>
-            </a:r>
-          </a:p>
-        </p:txBody>
-      </p:sp>
-    </p:spTree>
-    <p:extLst>
-      <p:ext uri="{BB962C8B-B14F-4D97-AF65-F5344CB8AC3E}">
-        <p14:creationId xmlns:p14="http://schemas.microsoft.com/office/powerpoint/2010/main" val="3692428149"/>
-      </p:ext>
-    </p:extLst>
-  </p:cSld>
-  <p:clrMapOvr>
-    <a:masterClrMapping/>
-  </p:clrMapOvr>
-</p:sld>
-</file>
-
-<file path=ppt/slides/slide35.xml><?xml version="1.0" encoding="utf-8"?>
-<p:sld xmlns:a="http://schemas.openxmlformats.org/drawingml/2006/main" xmlns:r="http://schemas.openxmlformats.org/officeDocument/2006/relationships" xmlns:p="http://schemas.openxmlformats.org/presentationml/2006/main">
-  <p:cSld>
-    <p:spTree>
-      <p:nvGrpSpPr>
-        <p:cNvPr id="1" name=""/>
-        <p:cNvGrpSpPr/>
-        <p:nvPr/>
-      </p:nvGrpSpPr>
-      <p:grpSpPr>
-        <a:xfrm>
-          <a:off x="0" y="0"/>
-          <a:ext cx="0" cy="0"/>
-          <a:chOff x="0" y="0"/>
-          <a:chExt cx="0" cy="0"/>
-        </a:xfrm>
-      </p:grpSpPr>
-      <p:sp>
-        <p:nvSpPr>
-          <p:cNvPr id="2" name="Title 1">
-            <a:extLst>
-              <a:ext uri="{FF2B5EF4-FFF2-40B4-BE49-F238E27FC236}">
-                <a16:creationId xmlns:a16="http://schemas.microsoft.com/office/drawing/2014/main" id="{E57A859E-B88A-46A3-9E68-55EFF37EEE72}"/>
-              </a:ext>
-            </a:extLst>
-          </p:cNvPr>
-          <p:cNvSpPr>
-            <a:spLocks noGrp="1"/>
-          </p:cNvSpPr>
-          <p:nvPr>
-            <p:ph type="title"/>
-          </p:nvPr>
-        </p:nvSpPr>
-        <p:spPr/>
-        <p:txBody>
-          <a:bodyPr/>
-          <a:lstStyle/>
-          <a:p>
-            <a:r>
-              <a:rPr lang="en-US" dirty="0"/>
-              <a:t>Consensus Process</a:t>
-            </a:r>
-          </a:p>
-        </p:txBody>
-      </p:sp>
-      <p:sp>
-        <p:nvSpPr>
-          <p:cNvPr id="3" name="Content Placeholder 2">
-            <a:extLst>
-              <a:ext uri="{FF2B5EF4-FFF2-40B4-BE49-F238E27FC236}">
-                <a16:creationId xmlns:a16="http://schemas.microsoft.com/office/drawing/2014/main" id="{972F0E65-6C7E-4E1C-9BA0-A14525CC6445}"/>
-              </a:ext>
-            </a:extLst>
-          </p:cNvPr>
-          <p:cNvSpPr>
-            <a:spLocks noGrp="1"/>
-          </p:cNvSpPr>
-          <p:nvPr>
-            <p:ph idx="1"/>
-          </p:nvPr>
-        </p:nvSpPr>
-        <p:spPr/>
-        <p:txBody>
-          <a:bodyPr/>
-          <a:lstStyle/>
-          <a:p>
-            <a:pPr marL="0" indent="0">
-              <a:buNone/>
-            </a:pPr>
-            <a:r>
-              <a:rPr lang="en-US" b="1" dirty="0"/>
-              <a:t>Stage 1: </a:t>
-            </a:r>
-            <a:r>
-              <a:rPr lang="en-US" dirty="0"/>
-              <a:t>Share ideas</a:t>
-            </a:r>
-          </a:p>
-          <a:p>
-            <a:pPr marL="0" indent="0">
-              <a:buNone/>
-            </a:pPr>
-            <a:endParaRPr lang="en-US" b="1" dirty="0"/>
-          </a:p>
-          <a:p>
-            <a:pPr marL="0" indent="0">
-              <a:buNone/>
-            </a:pPr>
-            <a:r>
-              <a:rPr lang="en-US" b="1" dirty="0"/>
-              <a:t>Stage 2:</a:t>
-            </a:r>
-            <a:r>
-              <a:rPr lang="en-US" dirty="0"/>
-              <a:t> Review ideas</a:t>
-            </a:r>
-          </a:p>
-        </p:txBody>
-      </p:sp>
-    </p:spTree>
-    <p:extLst>
-      <p:ext uri="{BB962C8B-B14F-4D97-AF65-F5344CB8AC3E}">
-        <p14:creationId xmlns:p14="http://schemas.microsoft.com/office/powerpoint/2010/main" val="1766099802"/>
-      </p:ext>
-    </p:extLst>
-  </p:cSld>
-  <p:clrMapOvr>
-    <a:masterClrMapping/>
-  </p:clrMapOvr>
-</p:sld>
-</file>
-
-<file path=ppt/slides/slide4.xml><?xml version="1.0" encoding="utf-8"?>
-<p:sld xmlns:a="http://schemas.openxmlformats.org/drawingml/2006/main" xmlns:r="http://schemas.openxmlformats.org/officeDocument/2006/relationships" xmlns:p="http://schemas.openxmlformats.org/presentationml/2006/main">
-  <p:cSld>
-    <p:spTree>
-      <p:nvGrpSpPr>
-        <p:cNvPr id="1" name=""/>
-        <p:cNvGrpSpPr/>
-        <p:nvPr/>
-      </p:nvGrpSpPr>
-      <p:grpSpPr>
-        <a:xfrm>
-          <a:off x="0" y="0"/>
-          <a:ext cx="0" cy="0"/>
-          <a:chOff x="0" y="0"/>
-          <a:chExt cx="0" cy="0"/>
-        </a:xfrm>
-      </p:grpSpPr>
-      <p:sp>
-        <p:nvSpPr>
-          <p:cNvPr id="2" name="Title 1">
-            <a:extLst>
-              <a:ext uri="{FF2B5EF4-FFF2-40B4-BE49-F238E27FC236}">
-                <a16:creationId xmlns:a16="http://schemas.microsoft.com/office/drawing/2014/main" id="{2F7ECBC6-29E3-4723-A138-2DF125E2576A}"/>
-              </a:ext>
-            </a:extLst>
-          </p:cNvPr>
-          <p:cNvSpPr>
-            <a:spLocks noGrp="1"/>
-          </p:cNvSpPr>
-          <p:nvPr>
-            <p:ph type="title"/>
-          </p:nvPr>
-        </p:nvSpPr>
-        <p:spPr/>
-        <p:txBody>
-          <a:bodyPr/>
-          <a:lstStyle/>
-          <a:p>
-            <a:r>
-              <a:rPr lang="en-US" dirty="0"/>
-              <a:t>Challenges of Collaboration</a:t>
-            </a:r>
-          </a:p>
-        </p:txBody>
-      </p:sp>
-      <p:sp>
-        <p:nvSpPr>
-          <p:cNvPr id="3" name="Content Placeholder 2">
-            <a:extLst>
-              <a:ext uri="{FF2B5EF4-FFF2-40B4-BE49-F238E27FC236}">
-                <a16:creationId xmlns:a16="http://schemas.microsoft.com/office/drawing/2014/main" id="{14EB6FE5-AECE-4700-A24E-2EBD201F91BD}"/>
-              </a:ext>
-            </a:extLst>
-          </p:cNvPr>
-          <p:cNvSpPr>
-            <a:spLocks noGrp="1"/>
-          </p:cNvSpPr>
-          <p:nvPr>
-            <p:ph idx="1"/>
-          </p:nvPr>
-        </p:nvSpPr>
-        <p:spPr/>
-        <p:txBody>
-          <a:bodyPr/>
-          <a:lstStyle/>
-          <a:p>
-            <a:pPr marL="0" indent="0">
-              <a:buNone/>
-            </a:pPr>
-            <a:r>
-              <a:rPr lang="en-US" b="1" i="1" dirty="0"/>
-              <a:t>What conditions are necessary for collaboration?</a:t>
-            </a:r>
-          </a:p>
-          <a:p>
-            <a:pPr marL="0" indent="0">
-              <a:buNone/>
-            </a:pPr>
-            <a:endParaRPr lang="en-US" dirty="0"/>
-          </a:p>
-        </p:txBody>
-      </p:sp>
-    </p:spTree>
-    <p:extLst>
-      <p:ext uri="{BB962C8B-B14F-4D97-AF65-F5344CB8AC3E}">
-        <p14:creationId xmlns:p14="http://schemas.microsoft.com/office/powerpoint/2010/main" val="1584187434"/>
-      </p:ext>
-    </p:extLst>
-  </p:cSld>
-  <p:clrMapOvr>
-    <a:masterClrMapping/>
-  </p:clrMapOvr>
-</p:sld>
-</file>
-
-<file path=ppt/slides/slide5.xml><?xml version="1.0" encoding="utf-8"?>
-<p:sld xmlns:a="http://schemas.openxmlformats.org/drawingml/2006/main" xmlns:r="http://schemas.openxmlformats.org/officeDocument/2006/relationships" xmlns:p="http://schemas.openxmlformats.org/presentationml/2006/main">
-  <p:cSld>
-    <p:spTree>
-      <p:nvGrpSpPr>
-        <p:cNvPr id="1" name=""/>
-        <p:cNvGrpSpPr/>
-        <p:nvPr/>
-      </p:nvGrpSpPr>
-      <p:grpSpPr>
-        <a:xfrm>
-          <a:off x="0" y="0"/>
-          <a:ext cx="0" cy="0"/>
-          <a:chOff x="0" y="0"/>
-          <a:chExt cx="0" cy="0"/>
-        </a:xfrm>
-      </p:grpSpPr>
-      <p:sp>
-        <p:nvSpPr>
-          <p:cNvPr id="2" name="Title 1">
-            <a:extLst>
-              <a:ext uri="{FF2B5EF4-FFF2-40B4-BE49-F238E27FC236}">
-                <a16:creationId xmlns:a16="http://schemas.microsoft.com/office/drawing/2014/main" id="{2F7ECBC6-29E3-4723-A138-2DF125E2576A}"/>
-              </a:ext>
-            </a:extLst>
-          </p:cNvPr>
-          <p:cNvSpPr>
-            <a:spLocks noGrp="1"/>
-          </p:cNvSpPr>
-          <p:nvPr>
-            <p:ph type="title"/>
-          </p:nvPr>
-        </p:nvSpPr>
-        <p:spPr/>
-        <p:txBody>
-          <a:bodyPr/>
-          <a:lstStyle/>
-          <a:p>
-            <a:r>
-              <a:rPr lang="en-US" dirty="0"/>
-              <a:t>Challenges of Collaboration</a:t>
-            </a:r>
-          </a:p>
-        </p:txBody>
-      </p:sp>
-      <p:sp>
-        <p:nvSpPr>
-          <p:cNvPr id="3" name="Content Placeholder 2">
-            <a:extLst>
-              <a:ext uri="{FF2B5EF4-FFF2-40B4-BE49-F238E27FC236}">
-                <a16:creationId xmlns:a16="http://schemas.microsoft.com/office/drawing/2014/main" id="{14EB6FE5-AECE-4700-A24E-2EBD201F91BD}"/>
-              </a:ext>
-            </a:extLst>
-          </p:cNvPr>
-          <p:cNvSpPr>
-            <a:spLocks noGrp="1"/>
-          </p:cNvSpPr>
-          <p:nvPr>
-            <p:ph idx="1"/>
-          </p:nvPr>
-        </p:nvSpPr>
-        <p:spPr/>
-        <p:txBody>
-          <a:bodyPr/>
-          <a:lstStyle/>
-          <a:p>
-            <a:pPr marL="0" indent="0">
-              <a:buNone/>
-            </a:pPr>
-            <a:r>
-              <a:rPr lang="en-US" b="1" i="1" dirty="0"/>
-              <a:t>What conditions are necessary for collaboration?</a:t>
-            </a:r>
-          </a:p>
-          <a:p>
-            <a:pPr marL="514350" indent="-514350">
-              <a:buAutoNum type="arabicPeriod"/>
-            </a:pPr>
-            <a:r>
-              <a:rPr lang="en-US" dirty="0"/>
-              <a:t>Willing participants </a:t>
-            </a:r>
-          </a:p>
-          <a:p>
-            <a:pPr marL="514350" indent="-514350">
-              <a:buAutoNum type="arabicPeriod"/>
-            </a:pPr>
-            <a:r>
-              <a:rPr lang="en-US" dirty="0"/>
-              <a:t>A shared goal</a:t>
-            </a:r>
-          </a:p>
-          <a:p>
-            <a:pPr marL="514350" indent="-514350">
-              <a:buAutoNum type="arabicPeriod"/>
-            </a:pPr>
-            <a:r>
-              <a:rPr lang="en-US" dirty="0"/>
-              <a:t>Communication</a:t>
-            </a:r>
-          </a:p>
-          <a:p>
-            <a:pPr marL="514350" indent="-514350">
-              <a:buAutoNum type="arabicPeriod"/>
-            </a:pPr>
-            <a:r>
-              <a:rPr lang="en-US" dirty="0"/>
-              <a:t>Commitment</a:t>
-            </a:r>
-          </a:p>
-          <a:p>
-            <a:pPr marL="0" indent="0">
-              <a:buNone/>
-            </a:pPr>
-            <a:endParaRPr lang="en-US" dirty="0"/>
-          </a:p>
-        </p:txBody>
-      </p:sp>
-    </p:spTree>
-    <p:extLst>
-      <p:ext uri="{BB962C8B-B14F-4D97-AF65-F5344CB8AC3E}">
-        <p14:creationId xmlns:p14="http://schemas.microsoft.com/office/powerpoint/2010/main" val="293458417"/>
-      </p:ext>
-    </p:extLst>
-  </p:cSld>
-  <p:clrMapOvr>
-    <a:masterClrMapping/>
-  </p:clrMapOvr>
-</p:sld>
-</file>
-
-<file path=ppt/slides/slide6.xml><?xml version="1.0" encoding="utf-8"?>
-<p:sld xmlns:a="http://schemas.openxmlformats.org/drawingml/2006/main" xmlns:r="http://schemas.openxmlformats.org/officeDocument/2006/relationships" xmlns:p="http://schemas.openxmlformats.org/presentationml/2006/main">
-  <p:cSld>
-    <p:spTree>
-      <p:nvGrpSpPr>
-        <p:cNvPr id="1" name=""/>
-        <p:cNvGrpSpPr/>
-        <p:nvPr/>
-      </p:nvGrpSpPr>
-      <p:grpSpPr>
-        <a:xfrm>
-          <a:off x="0" y="0"/>
-          <a:ext cx="0" cy="0"/>
-          <a:chOff x="0" y="0"/>
-          <a:chExt cx="0" cy="0"/>
-        </a:xfrm>
-      </p:grpSpPr>
-      <p:sp>
-        <p:nvSpPr>
-          <p:cNvPr id="2" name="Title 1">
-            <a:extLst>
-              <a:ext uri="{FF2B5EF4-FFF2-40B4-BE49-F238E27FC236}">
-                <a16:creationId xmlns:a16="http://schemas.microsoft.com/office/drawing/2014/main" id="{2F7ECBC6-29E3-4723-A138-2DF125E2576A}"/>
-              </a:ext>
-            </a:extLst>
-          </p:cNvPr>
-          <p:cNvSpPr>
-            <a:spLocks noGrp="1"/>
-          </p:cNvSpPr>
-          <p:nvPr>
-            <p:ph type="title"/>
-          </p:nvPr>
-        </p:nvSpPr>
-        <p:spPr/>
-        <p:txBody>
-          <a:bodyPr/>
-          <a:lstStyle/>
-          <a:p>
-            <a:r>
-              <a:rPr lang="en-US" dirty="0"/>
-              <a:t>Challenges of Collaboration</a:t>
-            </a:r>
-          </a:p>
-        </p:txBody>
-      </p:sp>
-      <p:sp>
-        <p:nvSpPr>
-          <p:cNvPr id="3" name="Content Placeholder 2">
-            <a:extLst>
-              <a:ext uri="{FF2B5EF4-FFF2-40B4-BE49-F238E27FC236}">
-                <a16:creationId xmlns:a16="http://schemas.microsoft.com/office/drawing/2014/main" id="{14EB6FE5-AECE-4700-A24E-2EBD201F91BD}"/>
-              </a:ext>
-            </a:extLst>
-          </p:cNvPr>
-          <p:cNvSpPr>
-            <a:spLocks noGrp="1"/>
-          </p:cNvSpPr>
-          <p:nvPr>
-            <p:ph idx="1"/>
-          </p:nvPr>
-        </p:nvSpPr>
-        <p:spPr/>
-        <p:txBody>
-          <a:bodyPr/>
-          <a:lstStyle/>
-          <a:p>
-            <a:pPr marL="0" indent="0">
-              <a:buNone/>
-            </a:pPr>
-            <a:r>
-              <a:rPr lang="en-US" b="1" i="1" dirty="0"/>
-              <a:t>What additional challenges does cross-site LTER research introduce?</a:t>
-            </a:r>
-            <a:endParaRPr lang="en-US" dirty="0"/>
-          </a:p>
-          <a:p>
-            <a:pPr marL="0" indent="0">
-              <a:buNone/>
-            </a:pPr>
-            <a:endParaRPr lang="en-US" dirty="0"/>
-          </a:p>
-        </p:txBody>
-      </p:sp>
-    </p:spTree>
-    <p:extLst>
-      <p:ext uri="{BB962C8B-B14F-4D97-AF65-F5344CB8AC3E}">
-        <p14:creationId xmlns:p14="http://schemas.microsoft.com/office/powerpoint/2010/main" val="1784654015"/>
-      </p:ext>
-    </p:extLst>
-  </p:cSld>
-  <p:clrMapOvr>
-    <a:masterClrMapping/>
-  </p:clrMapOvr>
-</p:sld>
-</file>
-
-<file path=ppt/slides/slide7.xml><?xml version="1.0" encoding="utf-8"?>
-<p:sld xmlns:a="http://schemas.openxmlformats.org/drawingml/2006/main" xmlns:r="http://schemas.openxmlformats.org/officeDocument/2006/relationships" xmlns:p="http://schemas.openxmlformats.org/presentationml/2006/main">
-  <p:cSld>
-    <p:spTree>
-      <p:nvGrpSpPr>
-        <p:cNvPr id="1" name=""/>
-        <p:cNvGrpSpPr/>
-        <p:nvPr/>
-      </p:nvGrpSpPr>
-      <p:grpSpPr>
-        <a:xfrm>
-          <a:off x="0" y="0"/>
-          <a:ext cx="0" cy="0"/>
-          <a:chOff x="0" y="0"/>
-          <a:chExt cx="0" cy="0"/>
-        </a:xfrm>
-      </p:grpSpPr>
-      <p:sp>
-        <p:nvSpPr>
-          <p:cNvPr id="2" name="Title 1">
-            <a:extLst>
-              <a:ext uri="{FF2B5EF4-FFF2-40B4-BE49-F238E27FC236}">
-                <a16:creationId xmlns:a16="http://schemas.microsoft.com/office/drawing/2014/main" id="{2F7ECBC6-29E3-4723-A138-2DF125E2576A}"/>
-              </a:ext>
-            </a:extLst>
-          </p:cNvPr>
-          <p:cNvSpPr>
-            <a:spLocks noGrp="1"/>
-          </p:cNvSpPr>
-          <p:nvPr>
-            <p:ph type="title"/>
-          </p:nvPr>
-        </p:nvSpPr>
-        <p:spPr/>
-        <p:txBody>
-          <a:bodyPr/>
-          <a:lstStyle/>
-          <a:p>
-            <a:r>
-              <a:rPr lang="en-US" dirty="0"/>
-              <a:t>Challenges of Collaboration</a:t>
-            </a:r>
-          </a:p>
-        </p:txBody>
-      </p:sp>
-      <p:sp>
-        <p:nvSpPr>
-          <p:cNvPr id="3" name="Content Placeholder 2">
-            <a:extLst>
-              <a:ext uri="{FF2B5EF4-FFF2-40B4-BE49-F238E27FC236}">
-                <a16:creationId xmlns:a16="http://schemas.microsoft.com/office/drawing/2014/main" id="{14EB6FE5-AECE-4700-A24E-2EBD201F91BD}"/>
-              </a:ext>
-            </a:extLst>
-          </p:cNvPr>
-          <p:cNvSpPr>
-            <a:spLocks noGrp="1"/>
-          </p:cNvSpPr>
-          <p:nvPr>
-            <p:ph idx="1"/>
-          </p:nvPr>
-        </p:nvSpPr>
-        <p:spPr/>
-        <p:txBody>
-          <a:bodyPr/>
-          <a:lstStyle/>
-          <a:p>
-            <a:pPr marL="0" indent="0">
-              <a:buNone/>
-            </a:pPr>
-            <a:r>
-              <a:rPr lang="en-US" b="1" i="1" dirty="0"/>
-              <a:t>What additional challenges does cross-site LTER research introduce?</a:t>
-            </a:r>
-            <a:endParaRPr lang="en-US" dirty="0"/>
-          </a:p>
-          <a:p>
-            <a:pPr marL="514350" indent="-514350">
-              <a:buAutoNum type="arabicPeriod"/>
-            </a:pPr>
-            <a:r>
-              <a:rPr lang="en-US" dirty="0"/>
-              <a:t>Consistent communication and goals across…</a:t>
-            </a:r>
-          </a:p>
-          <a:p>
-            <a:pPr marL="971550" lvl="1" indent="-514350">
-              <a:buFont typeface="+mj-lt"/>
-              <a:buAutoNum type="alphaLcPeriod"/>
-            </a:pPr>
-            <a:r>
-              <a:rPr lang="en-US" dirty="0"/>
-              <a:t>Distance</a:t>
-            </a:r>
-          </a:p>
-          <a:p>
-            <a:pPr marL="971550" lvl="1" indent="-514350">
-              <a:buFont typeface="+mj-lt"/>
-              <a:buAutoNum type="alphaLcPeriod"/>
-            </a:pPr>
-            <a:r>
-              <a:rPr lang="en-US" dirty="0"/>
-              <a:t>Time</a:t>
-            </a:r>
-          </a:p>
-          <a:p>
-            <a:pPr marL="514350" indent="-514350">
-              <a:buAutoNum type="arabicPeriod"/>
-            </a:pPr>
-            <a:r>
-              <a:rPr lang="en-US" dirty="0"/>
-              <a:t>Cultural differences across…</a:t>
-            </a:r>
-          </a:p>
-          <a:p>
-            <a:pPr marL="971550" lvl="1" indent="-514350">
-              <a:buFont typeface="+mj-lt"/>
-              <a:buAutoNum type="alphaLcPeriod"/>
-            </a:pPr>
-            <a:r>
-              <a:rPr lang="en-US" dirty="0"/>
-              <a:t>Sites</a:t>
-            </a:r>
-          </a:p>
-          <a:p>
-            <a:pPr marL="971550" lvl="1" indent="-514350">
-              <a:buFont typeface="+mj-lt"/>
-              <a:buAutoNum type="alphaLcPeriod"/>
-            </a:pPr>
-            <a:r>
-              <a:rPr lang="en-US" dirty="0"/>
-              <a:t>Disciplines</a:t>
-            </a:r>
-          </a:p>
-        </p:txBody>
-      </p:sp>
-    </p:spTree>
-    <p:extLst>
-      <p:ext uri="{BB962C8B-B14F-4D97-AF65-F5344CB8AC3E}">
-        <p14:creationId xmlns:p14="http://schemas.microsoft.com/office/powerpoint/2010/main" val="4047680797"/>
-      </p:ext>
-    </p:extLst>
-  </p:cSld>
-  <p:clrMapOvr>
-    <a:masterClrMapping/>
-  </p:clrMapOvr>
+  <mc:AlternateContent xmlns:mc="http://schemas.openxmlformats.org/markup-compatibility/2006">
+    <mc:Choice xmlns:p14="http://schemas.microsoft.com/office/powerpoint/2010/main" Requires="p14">
+      <p:transition spd="slow" p14:dur="2000"/>
+    </mc:Choice>
+    <mc:Fallback>
+      <p:transition spd="slow"/>
+    </mc:Fallback>
+  </mc:AlternateContent>
 </p:sld>
 </file>
 
@@ -8138,24 +6647,40 @@
       </p:grpSpPr>
       <p:sp>
         <p:nvSpPr>
-          <p:cNvPr id="3" name="Text Placeholder 2">
-            <a:extLst>
-              <a:ext uri="{FF2B5EF4-FFF2-40B4-BE49-F238E27FC236}">
-                <a16:creationId xmlns:a16="http://schemas.microsoft.com/office/drawing/2014/main" id="{CBBEC366-C759-494E-BEFD-6DED92045DAC}"/>
-              </a:ext>
-            </a:extLst>
-          </p:cNvPr>
-          <p:cNvSpPr>
-            <a:spLocks noGrp="1"/>
-          </p:cNvSpPr>
-          <p:nvPr>
-            <p:ph type="body" idx="1"/>
+          <p:cNvPr id="2" name="Title 1"/>
+          <p:cNvSpPr>
+            <a:spLocks noGrp="1"/>
+          </p:cNvSpPr>
+          <p:nvPr>
+            <p:ph type="title"/>
+          </p:nvPr>
+        </p:nvSpPr>
+        <p:spPr/>
+        <p:txBody>
+          <a:bodyPr/>
+          <a:lstStyle/>
+          <a:p>
+            <a:r>
+              <a:rPr lang="en-US" dirty="0"/>
+              <a:t>Issues</a:t>
+            </a:r>
+          </a:p>
+        </p:txBody>
+      </p:sp>
+      <p:sp>
+        <p:nvSpPr>
+          <p:cNvPr id="3" name="Content Placeholder 2"/>
+          <p:cNvSpPr>
+            <a:spLocks noGrp="1"/>
+          </p:cNvSpPr>
+          <p:nvPr>
+            <p:ph idx="1"/>
           </p:nvPr>
         </p:nvSpPr>
         <p:spPr>
           <a:xfrm>
-            <a:off x="831850" y="4589464"/>
-            <a:ext cx="10515600" cy="430212"/>
+            <a:off x="838200" y="1539875"/>
+            <a:ext cx="10515600" cy="4351338"/>
           </a:xfrm>
         </p:spPr>
         <p:txBody>
@@ -8164,89 +6689,86 @@
           <a:p>
             <a:r>
               <a:rPr lang="en-US" dirty="0"/>
-              <a:t>A Digital Collaboration Tool</a:t>
-            </a:r>
-          </a:p>
-        </p:txBody>
-      </p:sp>
-      <p:sp>
-        <p:nvSpPr>
-          <p:cNvPr id="7" name="Title 6">
-            <a:extLst>
-              <a:ext uri="{FF2B5EF4-FFF2-40B4-BE49-F238E27FC236}">
-                <a16:creationId xmlns:a16="http://schemas.microsoft.com/office/drawing/2014/main" id="{52783F39-79B3-4870-B7E0-BCD7EAF177B0}"/>
-              </a:ext>
-            </a:extLst>
-          </p:cNvPr>
-          <p:cNvSpPr>
-            <a:spLocks noGrp="1"/>
-          </p:cNvSpPr>
-          <p:nvPr>
-            <p:ph type="title"/>
-          </p:nvPr>
-        </p:nvSpPr>
-        <p:spPr>
-          <a:xfrm>
-            <a:off x="831850" y="3648075"/>
-            <a:ext cx="10515600" cy="914400"/>
-          </a:xfrm>
-        </p:spPr>
-        <p:txBody>
-          <a:bodyPr/>
-          <a:lstStyle/>
-          <a:p>
+              <a:t>To-do list for the project</a:t>
+            </a:r>
+          </a:p>
+          <a:p>
+            <a:pPr lvl="1"/>
             <a:r>
               <a:rPr lang="en-US" dirty="0"/>
-              <a:t>GitHub</a:t>
+              <a:t>Bugs that need fixing</a:t>
+            </a:r>
+          </a:p>
+          <a:p>
+            <a:pPr lvl="1"/>
+            <a:r>
+              <a:rPr lang="en-US" dirty="0"/>
+              <a:t>Tasks needed to be done</a:t>
+            </a:r>
+          </a:p>
+          <a:p>
+            <a:pPr lvl="1"/>
+            <a:r>
+              <a:rPr lang="en-US" dirty="0"/>
+              <a:t>Future plans</a:t>
+            </a:r>
+          </a:p>
+          <a:p>
+            <a:r>
+              <a:rPr lang="en-US" dirty="0"/>
+              <a:t>Can assign issues to</a:t>
+            </a:r>
+            <a:br>
+              <a:rPr lang="en-US" dirty="0"/>
+            </a:br>
+            <a:r>
+              <a:rPr lang="en-US" dirty="0"/>
+              <a:t>collaborators (or yourself)</a:t>
+            </a:r>
+          </a:p>
+          <a:p>
+            <a:r>
+              <a:rPr lang="en-US" dirty="0"/>
+              <a:t>Can label issues for certain</a:t>
+            </a:r>
+            <a:br>
+              <a:rPr lang="en-US" dirty="0"/>
+            </a:br>
+            <a:r>
+              <a:rPr lang="en-US" dirty="0"/>
+              <a:t>parts of the project</a:t>
             </a:r>
           </a:p>
         </p:txBody>
       </p:sp>
       <p:pic>
         <p:nvPicPr>
-          <p:cNvPr id="5" name="Picture 2" descr="Image result for github"/>
+          <p:cNvPr id="4" name="Picture 3"/>
           <p:cNvPicPr>
-            <a:picLocks noChangeAspect="1" noChangeArrowheads="1"/>
+            <a:picLocks noChangeAspect="1"/>
           </p:cNvPicPr>
           <p:nvPr/>
         </p:nvPicPr>
         <p:blipFill>
-          <a:blip r:embed="rId2">
-            <a:extLst>
-              <a:ext uri="{28A0092B-C50C-407E-A947-70E740481C1C}">
-                <a14:useLocalDpi xmlns:a14="http://schemas.microsoft.com/office/drawing/2010/main" val="0"/>
-              </a:ext>
-            </a:extLst>
-          </a:blip>
-          <a:srcRect/>
+          <a:blip r:embed="rId2"/>
           <a:stretch>
             <a:fillRect/>
           </a:stretch>
         </p:blipFill>
-        <p:spPr bwMode="auto">
+        <p:spPr>
           <a:xfrm>
-            <a:off x="6821847" y="2035060"/>
-            <a:ext cx="3590515" cy="2984616"/>
+            <a:off x="5086350" y="2099000"/>
+            <a:ext cx="7105650" cy="4530399"/>
           </a:xfrm>
           <a:prstGeom prst="rect">
             <a:avLst/>
           </a:prstGeom>
-          <a:noFill/>
-          <a:extLst>
-            <a:ext uri="{909E8E84-426E-40DD-AFC4-6F175D3DCCD1}">
-              <a14:hiddenFill xmlns:a14="http://schemas.microsoft.com/office/drawing/2010/main">
-                <a:solidFill>
-                  <a:srgbClr val="FFFFFF"/>
-                </a:solidFill>
-              </a14:hiddenFill>
-            </a:ext>
-          </a:extLst>
         </p:spPr>
       </p:pic>
     </p:spTree>
     <p:extLst>
       <p:ext uri="{BB962C8B-B14F-4D97-AF65-F5344CB8AC3E}">
-        <p14:creationId xmlns:p14="http://schemas.microsoft.com/office/powerpoint/2010/main" val="1851912029"/>
+        <p14:creationId xmlns:p14="http://schemas.microsoft.com/office/powerpoint/2010/main" val="3530376209"/>
       </p:ext>
     </p:extLst>
   </p:cSld>
@@ -8290,23 +6812,7 @@
           <a:p>
             <a:r>
               <a:rPr lang="en-US" dirty="0"/>
-              <a:t>What is </a:t>
-            </a:r>
-            <a:r>
-              <a:rPr lang="en-US" dirty="0" err="1"/>
-              <a:t>Git</a:t>
-            </a:r>
-            <a:r>
-              <a:rPr lang="en-US" dirty="0"/>
-              <a:t>/ </a:t>
-            </a:r>
-            <a:r>
-              <a:rPr lang="en-US" dirty="0" err="1"/>
-              <a:t>Github</a:t>
-            </a:r>
-            <a:r>
-              <a:rPr lang="en-US" dirty="0"/>
-              <a:t>?</a:t>
+              <a:t>Multiple people working on the same files</a:t>
             </a:r>
           </a:p>
         </p:txBody>
@@ -8323,8 +6829,8 @@
         </p:nvSpPr>
         <p:spPr>
           <a:xfrm>
-            <a:off x="531159" y="1825625"/>
-            <a:ext cx="5567299" cy="1920465"/>
+            <a:off x="838200" y="1825625"/>
+            <a:ext cx="4935794" cy="4351338"/>
           </a:xfrm>
         </p:spPr>
         <p:txBody>
@@ -8332,298 +6838,30 @@
           <a:lstStyle/>
           <a:p>
             <a:r>
-              <a:rPr lang="en-US" dirty="0" err="1"/>
-              <a:t>Git</a:t>
-            </a:r>
-            <a:r>
               <a:rPr lang="en-US" dirty="0"/>
-              <a:t> is a command line language for version control</a:t>
-            </a:r>
-          </a:p>
-          <a:p>
-            <a:r>
-              <a:rPr lang="en-US" dirty="0" err="1"/>
-              <a:t>Git</a:t>
-            </a:r>
-            <a:r>
-              <a:rPr lang="en-US" dirty="0"/>
-              <a:t> is running in the background when you use </a:t>
-            </a:r>
-            <a:r>
-              <a:rPr lang="en-US" dirty="0" err="1"/>
-              <a:t>Github</a:t>
-            </a:r>
-            <a:endParaRPr lang="en-US" dirty="0"/>
-          </a:p>
-        </p:txBody>
-      </p:sp>
-      <p:sp>
-        <p:nvSpPr>
-          <p:cNvPr id="4" name="Content Placeholder 2"/>
-          <p:cNvSpPr txBox="1">
-            <a:spLocks/>
-          </p:cNvSpPr>
-          <p:nvPr/>
-        </p:nvSpPr>
-        <p:spPr>
-          <a:xfrm>
-            <a:off x="5968180" y="1756799"/>
-            <a:ext cx="5892125" cy="2262136"/>
-          </a:xfrm>
-          <a:prstGeom prst="rect">
-            <a:avLst/>
-          </a:prstGeom>
-        </p:spPr>
-        <p:txBody>
-          <a:bodyPr vert="horz" lIns="91440" tIns="45720" rIns="91440" bIns="45720" rtlCol="0">
-            <a:normAutofit/>
-          </a:bodyPr>
-          <a:lstStyle>
-            <a:lvl1pPr marL="228600" indent="-228600" algn="l" defTabSz="914400" rtl="0" eaLnBrk="1" latinLnBrk="0" hangingPunct="1">
-              <a:lnSpc>
-                <a:spcPct val="90000"/>
-              </a:lnSpc>
-              <a:spcBef>
-                <a:spcPts val="1000"/>
-              </a:spcBef>
-              <a:buFont typeface="Arial" panose="020B0604020202020204" pitchFamily="34" charset="0"/>
-              <a:buChar char="•"/>
-              <a:defRPr sz="2800" kern="1200">
-                <a:solidFill>
-                  <a:schemeClr val="tx1"/>
-                </a:solidFill>
-                <a:latin typeface="+mn-lt"/>
-                <a:ea typeface="+mn-ea"/>
-                <a:cs typeface="+mn-cs"/>
-              </a:defRPr>
-            </a:lvl1pPr>
-            <a:lvl2pPr marL="685800" indent="-228600" algn="l" defTabSz="914400" rtl="0" eaLnBrk="1" latinLnBrk="0" hangingPunct="1">
-              <a:lnSpc>
-                <a:spcPct val="90000"/>
-              </a:lnSpc>
-              <a:spcBef>
-                <a:spcPts val="500"/>
-              </a:spcBef>
-              <a:buFont typeface="Arial" panose="020B0604020202020204" pitchFamily="34" charset="0"/>
-              <a:buChar char="•"/>
-              <a:defRPr sz="2400" kern="1200">
-                <a:solidFill>
-                  <a:schemeClr val="tx1"/>
-                </a:solidFill>
-                <a:latin typeface="+mn-lt"/>
-                <a:ea typeface="+mn-ea"/>
-                <a:cs typeface="+mn-cs"/>
-              </a:defRPr>
-            </a:lvl2pPr>
-            <a:lvl3pPr marL="1143000" indent="-228600" algn="l" defTabSz="914400" rtl="0" eaLnBrk="1" latinLnBrk="0" hangingPunct="1">
-              <a:lnSpc>
-                <a:spcPct val="90000"/>
-              </a:lnSpc>
-              <a:spcBef>
-                <a:spcPts val="500"/>
-              </a:spcBef>
-              <a:buFont typeface="Arial" panose="020B0604020202020204" pitchFamily="34" charset="0"/>
-              <a:buChar char="•"/>
-              <a:defRPr sz="2000" kern="1200">
-                <a:solidFill>
-                  <a:schemeClr val="tx1"/>
-                </a:solidFill>
-                <a:latin typeface="+mn-lt"/>
-                <a:ea typeface="+mn-ea"/>
-                <a:cs typeface="+mn-cs"/>
-              </a:defRPr>
-            </a:lvl3pPr>
-            <a:lvl4pPr marL="1600200" indent="-228600" algn="l" defTabSz="914400" rtl="0" eaLnBrk="1" latinLnBrk="0" hangingPunct="1">
-              <a:lnSpc>
-                <a:spcPct val="90000"/>
-              </a:lnSpc>
-              <a:spcBef>
-                <a:spcPts val="500"/>
-              </a:spcBef>
-              <a:buFont typeface="Arial" panose="020B0604020202020204" pitchFamily="34" charset="0"/>
-              <a:buChar char="•"/>
-              <a:defRPr sz="1800" kern="1200">
-                <a:solidFill>
-                  <a:schemeClr val="tx1"/>
-                </a:solidFill>
-                <a:latin typeface="+mn-lt"/>
-                <a:ea typeface="+mn-ea"/>
-                <a:cs typeface="+mn-cs"/>
-              </a:defRPr>
-            </a:lvl4pPr>
-            <a:lvl5pPr marL="2057400" indent="-228600" algn="l" defTabSz="914400" rtl="0" eaLnBrk="1" latinLnBrk="0" hangingPunct="1">
-              <a:lnSpc>
-                <a:spcPct val="90000"/>
-              </a:lnSpc>
-              <a:spcBef>
-                <a:spcPts val="500"/>
-              </a:spcBef>
-              <a:buFont typeface="Arial" panose="020B0604020202020204" pitchFamily="34" charset="0"/>
-              <a:buChar char="•"/>
-              <a:defRPr sz="1800" kern="1200">
-                <a:solidFill>
-                  <a:schemeClr val="tx1"/>
-                </a:solidFill>
-                <a:latin typeface="+mn-lt"/>
-                <a:ea typeface="+mn-ea"/>
-                <a:cs typeface="+mn-cs"/>
-              </a:defRPr>
-            </a:lvl5pPr>
-            <a:lvl6pPr marL="2514600" indent="-228600" algn="l" defTabSz="914400" rtl="0" eaLnBrk="1" latinLnBrk="0" hangingPunct="1">
-              <a:lnSpc>
-                <a:spcPct val="90000"/>
-              </a:lnSpc>
-              <a:spcBef>
-                <a:spcPts val="500"/>
-              </a:spcBef>
-              <a:buFont typeface="Arial" panose="020B0604020202020204" pitchFamily="34" charset="0"/>
-              <a:buChar char="•"/>
-              <a:defRPr sz="1800" kern="1200">
-                <a:solidFill>
-                  <a:schemeClr val="tx1"/>
-                </a:solidFill>
-                <a:latin typeface="+mn-lt"/>
-                <a:ea typeface="+mn-ea"/>
-                <a:cs typeface="+mn-cs"/>
-              </a:defRPr>
-            </a:lvl6pPr>
-            <a:lvl7pPr marL="2971800" indent="-228600" algn="l" defTabSz="914400" rtl="0" eaLnBrk="1" latinLnBrk="0" hangingPunct="1">
-              <a:lnSpc>
-                <a:spcPct val="90000"/>
-              </a:lnSpc>
-              <a:spcBef>
-                <a:spcPts val="500"/>
-              </a:spcBef>
-              <a:buFont typeface="Arial" panose="020B0604020202020204" pitchFamily="34" charset="0"/>
-              <a:buChar char="•"/>
-              <a:defRPr sz="1800" kern="1200">
-                <a:solidFill>
-                  <a:schemeClr val="tx1"/>
-                </a:solidFill>
-                <a:latin typeface="+mn-lt"/>
-                <a:ea typeface="+mn-ea"/>
-                <a:cs typeface="+mn-cs"/>
-              </a:defRPr>
-            </a:lvl7pPr>
-            <a:lvl8pPr marL="3429000" indent="-228600" algn="l" defTabSz="914400" rtl="0" eaLnBrk="1" latinLnBrk="0" hangingPunct="1">
-              <a:lnSpc>
-                <a:spcPct val="90000"/>
-              </a:lnSpc>
-              <a:spcBef>
-                <a:spcPts val="500"/>
-              </a:spcBef>
-              <a:buFont typeface="Arial" panose="020B0604020202020204" pitchFamily="34" charset="0"/>
-              <a:buChar char="•"/>
-              <a:defRPr sz="1800" kern="1200">
-                <a:solidFill>
-                  <a:schemeClr val="tx1"/>
-                </a:solidFill>
-                <a:latin typeface="+mn-lt"/>
-                <a:ea typeface="+mn-ea"/>
-                <a:cs typeface="+mn-cs"/>
-              </a:defRPr>
-            </a:lvl8pPr>
-            <a:lvl9pPr marL="3886200" indent="-228600" algn="l" defTabSz="914400" rtl="0" eaLnBrk="1" latinLnBrk="0" hangingPunct="1">
-              <a:lnSpc>
-                <a:spcPct val="90000"/>
-              </a:lnSpc>
-              <a:spcBef>
-                <a:spcPts val="500"/>
-              </a:spcBef>
-              <a:buFont typeface="Arial" panose="020B0604020202020204" pitchFamily="34" charset="0"/>
-              <a:buChar char="•"/>
-              <a:defRPr sz="1800" kern="1200">
-                <a:solidFill>
-                  <a:schemeClr val="tx1"/>
-                </a:solidFill>
-                <a:latin typeface="+mn-lt"/>
-                <a:ea typeface="+mn-ea"/>
-                <a:cs typeface="+mn-cs"/>
-              </a:defRPr>
-            </a:lvl9pPr>
-          </a:lstStyle>
-          <a:p>
-            <a:r>
-              <a:rPr lang="en-US" dirty="0" err="1"/>
-              <a:t>Github</a:t>
-            </a:r>
-            <a:r>
-              <a:rPr lang="en-US" dirty="0"/>
-              <a:t> is a web/desktop interface for version control</a:t>
-            </a:r>
-          </a:p>
-          <a:p>
-            <a:r>
-              <a:rPr lang="en-US" dirty="0"/>
-              <a:t>Free hosting service that allows you to work collaboratively online</a:t>
+              <a:t>The multiple conflicting versions monster</a:t>
             </a:r>
           </a:p>
         </p:txBody>
       </p:sp>
       <p:pic>
         <p:nvPicPr>
-          <p:cNvPr id="6" name="Picture 5"/>
-          <p:cNvPicPr>
-            <a:picLocks noChangeAspect="1"/>
-          </p:cNvPicPr>
-          <p:nvPr/>
-        </p:nvPicPr>
-        <p:blipFill rotWithShape="1">
-          <a:blip r:embed="rId2"/>
-          <a:srcRect b="15522"/>
-          <a:stretch/>
-        </p:blipFill>
-        <p:spPr>
-          <a:xfrm>
-            <a:off x="838200" y="3814916"/>
-            <a:ext cx="4549109" cy="2702028"/>
-          </a:xfrm>
-          <a:prstGeom prst="rect">
-            <a:avLst/>
-          </a:prstGeom>
-        </p:spPr>
-      </p:pic>
-      <p:pic>
-        <p:nvPicPr>
-          <p:cNvPr id="7" name="Picture 6"/>
+          <p:cNvPr id="4" name="Picture 3"/>
           <p:cNvPicPr>
             <a:picLocks noChangeAspect="1"/>
           </p:cNvPicPr>
           <p:nvPr/>
         </p:nvPicPr>
         <p:blipFill>
-          <a:blip r:embed="rId3"/>
+          <a:blip r:embed="rId2"/>
           <a:stretch>
             <a:fillRect/>
           </a:stretch>
         </p:blipFill>
         <p:spPr>
           <a:xfrm>
-            <a:off x="4055806" y="5391303"/>
-            <a:ext cx="992289" cy="992289"/>
-          </a:xfrm>
-          <a:prstGeom prst="rect">
-            <a:avLst/>
-          </a:prstGeom>
-        </p:spPr>
-      </p:pic>
-      <p:pic>
-        <p:nvPicPr>
-          <p:cNvPr id="8" name="Picture 7"/>
-          <p:cNvPicPr>
-            <a:picLocks noChangeAspect="1"/>
-          </p:cNvPicPr>
-          <p:nvPr/>
-        </p:nvPicPr>
-        <p:blipFill rotWithShape="1">
-          <a:blip r:embed="rId4"/>
-          <a:srcRect l="10872" r="11660"/>
-          <a:stretch/>
-        </p:blipFill>
-        <p:spPr>
-          <a:xfrm>
-            <a:off x="6576131" y="3746090"/>
-            <a:ext cx="4057568" cy="2868583"/>
+            <a:off x="5235676" y="1396846"/>
+            <a:ext cx="4041059" cy="5388079"/>
           </a:xfrm>
           <a:prstGeom prst="rect">
             <a:avLst/>
@@ -8633,13 +6871,21 @@
     </p:spTree>
     <p:extLst>
       <p:ext uri="{BB962C8B-B14F-4D97-AF65-F5344CB8AC3E}">
-        <p14:creationId xmlns:p14="http://schemas.microsoft.com/office/powerpoint/2010/main" val="2786982912"/>
+        <p14:creationId xmlns:p14="http://schemas.microsoft.com/office/powerpoint/2010/main" val="1797366591"/>
       </p:ext>
     </p:extLst>
   </p:cSld>
   <p:clrMapOvr>
     <a:masterClrMapping/>
   </p:clrMapOvr>
+  <mc:AlternateContent xmlns:mc="http://schemas.openxmlformats.org/markup-compatibility/2006">
+    <mc:Choice xmlns:p14="http://schemas.microsoft.com/office/powerpoint/2010/main" Requires="p14">
+      <p:transition spd="slow" p14:dur="2000"/>
+    </mc:Choice>
+    <mc:Fallback>
+      <p:transition spd="slow"/>
+    </mc:Fallback>
+  </mc:AlternateContent>
 </p:sld>
 </file>
 
